--- a/project#1/메모장 기획.pptx
+++ b/project#1/메모장 기획.pptx
@@ -9,10 +9,13 @@
     <p:sldId id="257" r:id="rId3"/>
     <p:sldId id="258" r:id="rId4"/>
     <p:sldId id="259" r:id="rId5"/>
-    <p:sldId id="262" r:id="rId6"/>
-    <p:sldId id="265" r:id="rId7"/>
-    <p:sldId id="261" r:id="rId8"/>
-    <p:sldId id="264" r:id="rId9"/>
+    <p:sldId id="267" r:id="rId6"/>
+    <p:sldId id="262" r:id="rId7"/>
+    <p:sldId id="265" r:id="rId8"/>
+    <p:sldId id="261" r:id="rId9"/>
+    <p:sldId id="264" r:id="rId10"/>
+    <p:sldId id="268" r:id="rId11"/>
+    <p:sldId id="266" r:id="rId12"/>
   </p:sldIdLst>
   <p:sldSz cx="12192000" cy="6858000"/>
   <p:notesSz cx="6858000" cy="9144000"/>
@@ -245,7 +248,7 @@
           <a:p>
             <a:fld id="{1BFE1CB9-9E9D-DA45-A552-2BB4B5403889}" type="datetimeFigureOut">
               <a:rPr kumimoji="1" lang="ko-KR" altLang="en-US" smtClean="0"/>
-              <a:t>2017. 3. 16.</a:t>
+              <a:t>2017-03-18</a:t>
             </a:fld>
             <a:endParaRPr kumimoji="1" lang="ko-KR" altLang="en-US"/>
           </a:p>
@@ -415,7 +418,7 @@
           <a:p>
             <a:fld id="{1BFE1CB9-9E9D-DA45-A552-2BB4B5403889}" type="datetimeFigureOut">
               <a:rPr kumimoji="1" lang="ko-KR" altLang="en-US" smtClean="0"/>
-              <a:t>2017. 3. 16.</a:t>
+              <a:t>2017-03-18</a:t>
             </a:fld>
             <a:endParaRPr kumimoji="1" lang="ko-KR" altLang="en-US"/>
           </a:p>
@@ -595,7 +598,7 @@
           <a:p>
             <a:fld id="{1BFE1CB9-9E9D-DA45-A552-2BB4B5403889}" type="datetimeFigureOut">
               <a:rPr kumimoji="1" lang="ko-KR" altLang="en-US" smtClean="0"/>
-              <a:t>2017. 3. 16.</a:t>
+              <a:t>2017-03-18</a:t>
             </a:fld>
             <a:endParaRPr kumimoji="1" lang="ko-KR" altLang="en-US"/>
           </a:p>
@@ -765,7 +768,7 @@
           <a:p>
             <a:fld id="{1BFE1CB9-9E9D-DA45-A552-2BB4B5403889}" type="datetimeFigureOut">
               <a:rPr kumimoji="1" lang="ko-KR" altLang="en-US" smtClean="0"/>
-              <a:t>2017. 3. 16.</a:t>
+              <a:t>2017-03-18</a:t>
             </a:fld>
             <a:endParaRPr kumimoji="1" lang="ko-KR" altLang="en-US"/>
           </a:p>
@@ -1011,7 +1014,7 @@
           <a:p>
             <a:fld id="{1BFE1CB9-9E9D-DA45-A552-2BB4B5403889}" type="datetimeFigureOut">
               <a:rPr kumimoji="1" lang="ko-KR" altLang="en-US" smtClean="0"/>
-              <a:t>2017. 3. 16.</a:t>
+              <a:t>2017-03-18</a:t>
             </a:fld>
             <a:endParaRPr kumimoji="1" lang="ko-KR" altLang="en-US"/>
           </a:p>
@@ -1243,7 +1246,7 @@
           <a:p>
             <a:fld id="{1BFE1CB9-9E9D-DA45-A552-2BB4B5403889}" type="datetimeFigureOut">
               <a:rPr kumimoji="1" lang="ko-KR" altLang="en-US" smtClean="0"/>
-              <a:t>2017. 3. 16.</a:t>
+              <a:t>2017-03-18</a:t>
             </a:fld>
             <a:endParaRPr kumimoji="1" lang="ko-KR" altLang="en-US"/>
           </a:p>
@@ -1610,7 +1613,7 @@
           <a:p>
             <a:fld id="{1BFE1CB9-9E9D-DA45-A552-2BB4B5403889}" type="datetimeFigureOut">
               <a:rPr kumimoji="1" lang="ko-KR" altLang="en-US" smtClean="0"/>
-              <a:t>2017. 3. 16.</a:t>
+              <a:t>2017-03-18</a:t>
             </a:fld>
             <a:endParaRPr kumimoji="1" lang="ko-KR" altLang="en-US"/>
           </a:p>
@@ -1728,7 +1731,7 @@
           <a:p>
             <a:fld id="{1BFE1CB9-9E9D-DA45-A552-2BB4B5403889}" type="datetimeFigureOut">
               <a:rPr kumimoji="1" lang="ko-KR" altLang="en-US" smtClean="0"/>
-              <a:t>2017. 3. 16.</a:t>
+              <a:t>2017-03-18</a:t>
             </a:fld>
             <a:endParaRPr kumimoji="1" lang="ko-KR" altLang="en-US"/>
           </a:p>
@@ -1823,7 +1826,7 @@
           <a:p>
             <a:fld id="{1BFE1CB9-9E9D-DA45-A552-2BB4B5403889}" type="datetimeFigureOut">
               <a:rPr kumimoji="1" lang="ko-KR" altLang="en-US" smtClean="0"/>
-              <a:t>2017. 3. 16.</a:t>
+              <a:t>2017-03-18</a:t>
             </a:fld>
             <a:endParaRPr kumimoji="1" lang="ko-KR" altLang="en-US"/>
           </a:p>
@@ -2100,7 +2103,7 @@
           <a:p>
             <a:fld id="{1BFE1CB9-9E9D-DA45-A552-2BB4B5403889}" type="datetimeFigureOut">
               <a:rPr kumimoji="1" lang="ko-KR" altLang="en-US" smtClean="0"/>
-              <a:t>2017. 3. 16.</a:t>
+              <a:t>2017-03-18</a:t>
             </a:fld>
             <a:endParaRPr kumimoji="1" lang="ko-KR" altLang="en-US"/>
           </a:p>
@@ -2353,7 +2356,7 @@
           <a:p>
             <a:fld id="{1BFE1CB9-9E9D-DA45-A552-2BB4B5403889}" type="datetimeFigureOut">
               <a:rPr kumimoji="1" lang="ko-KR" altLang="en-US" smtClean="0"/>
-              <a:t>2017. 3. 16.</a:t>
+              <a:t>2017-03-18</a:t>
             </a:fld>
             <a:endParaRPr kumimoji="1" lang="ko-KR" altLang="en-US"/>
           </a:p>
@@ -2566,7 +2569,7 @@
           <a:p>
             <a:fld id="{1BFE1CB9-9E9D-DA45-A552-2BB4B5403889}" type="datetimeFigureOut">
               <a:rPr kumimoji="1" lang="ko-KR" altLang="en-US" smtClean="0"/>
-              <a:t>2017. 3. 16.</a:t>
+              <a:t>2017-03-18</a:t>
             </a:fld>
             <a:endParaRPr kumimoji="1" lang="ko-KR" altLang="en-US"/>
           </a:p>
@@ -3005,6 +3008,78 @@
           </a:p>
         </p:txBody>
       </p:sp>
+      <p:sp>
+        <p:nvSpPr>
+          <p:cNvPr id="3" name="TextBox 2"/>
+          <p:cNvSpPr txBox="1"/>
+          <p:nvPr/>
+        </p:nvSpPr>
+        <p:spPr>
+          <a:xfrm>
+            <a:off x="936170" y="2725469"/>
+            <a:ext cx="9908482" cy="646331"/>
+          </a:xfrm>
+          <a:prstGeom prst="rect">
+            <a:avLst/>
+          </a:prstGeom>
+          <a:noFill/>
+        </p:spPr>
+        <p:txBody>
+          <a:bodyPr wrap="none" rtlCol="0">
+            <a:spAutoFit/>
+          </a:bodyPr>
+          <a:lstStyle/>
+          <a:p>
+            <a:r>
+              <a:rPr kumimoji="1" lang="ko-KR" altLang="en-US" dirty="0" smtClean="0"/>
+              <a:t>서버에 </a:t>
+            </a:r>
+            <a:r>
+              <a:rPr kumimoji="1" lang="en-US" altLang="ko-KR" dirty="0" smtClean="0"/>
+              <a:t>DB</a:t>
+            </a:r>
+            <a:r>
+              <a:rPr kumimoji="1" lang="ko-KR" altLang="en-US" dirty="0" smtClean="0"/>
+              <a:t>를 둬서 언제든지 웹만 쓸 수 있다면 필기를 간편하게 기록하고 열어 보고 싶습니다</a:t>
+            </a:r>
+            <a:r>
+              <a:rPr kumimoji="1" lang="en-US" altLang="ko-KR" dirty="0" smtClean="0"/>
+              <a:t>.</a:t>
+            </a:r>
+          </a:p>
+          <a:p>
+            <a:r>
+              <a:rPr kumimoji="1" lang="ko-KR" altLang="en-US" dirty="0" err="1" smtClean="0"/>
+              <a:t>모바일에도</a:t>
+            </a:r>
+            <a:r>
+              <a:rPr kumimoji="1" lang="ko-KR" altLang="en-US" dirty="0" smtClean="0"/>
+              <a:t> 돌아갈 수 있도록 </a:t>
+            </a:r>
+            <a:r>
+              <a:rPr kumimoji="1" lang="ko-KR" altLang="en-US" dirty="0" err="1" smtClean="0"/>
+              <a:t>반응형으로</a:t>
+            </a:r>
+            <a:r>
+              <a:rPr kumimoji="1" lang="ko-KR" altLang="en-US" dirty="0"/>
+              <a:t> </a:t>
+            </a:r>
+            <a:r>
+              <a:rPr kumimoji="1" lang="ko-KR" altLang="en-US" dirty="0" smtClean="0"/>
+              <a:t>짰으면 좋겠습니다</a:t>
+            </a:r>
+            <a:r>
+              <a:rPr kumimoji="1" lang="en-US" altLang="ko-KR" dirty="0" smtClean="0"/>
+              <a:t>.</a:t>
+            </a:r>
+            <a:r>
+              <a:rPr kumimoji="1" lang="ko-KR" altLang="en-US" dirty="0" smtClean="0"/>
+              <a:t> </a:t>
+            </a:r>
+            <a:endParaRPr kumimoji="1" lang="ko-KR" altLang="en-US" dirty="0"/>
+          </a:p>
+        </p:txBody>
+      </p:sp>
     </p:spTree>
     <p:extLst>
       <p:ext uri="{BB962C8B-B14F-4D97-AF65-F5344CB8AC3E}">
@@ -3015,6 +3090,1198 @@
   <p:clrMapOvr>
     <a:masterClrMapping/>
   </p:clrMapOvr>
+  <p:timing>
+    <p:tnLst>
+      <p:par>
+        <p:cTn id="1" dur="indefinite" restart="never" nodeType="tmRoot"/>
+      </p:par>
+    </p:tnLst>
+  </p:timing>
+</p:sld>
+</file>
+
+<file path=ppt/slides/slide10.xml><?xml version="1.0" encoding="utf-8"?>
+<p:sld xmlns:a="http://schemas.openxmlformats.org/drawingml/2006/main" xmlns:r="http://schemas.openxmlformats.org/officeDocument/2006/relationships" xmlns:p="http://schemas.openxmlformats.org/presentationml/2006/main">
+  <p:cSld>
+    <p:spTree>
+      <p:nvGrpSpPr>
+        <p:cNvPr id="1" name=""/>
+        <p:cNvGrpSpPr/>
+        <p:nvPr/>
+      </p:nvGrpSpPr>
+      <p:grpSpPr>
+        <a:xfrm>
+          <a:off x="0" y="0"/>
+          <a:ext cx="0" cy="0"/>
+          <a:chOff x="0" y="0"/>
+          <a:chExt cx="0" cy="0"/>
+        </a:xfrm>
+      </p:grpSpPr>
+      <p:sp>
+        <p:nvSpPr>
+          <p:cNvPr id="5" name="TextBox 4"/>
+          <p:cNvSpPr txBox="1"/>
+          <p:nvPr/>
+        </p:nvSpPr>
+        <p:spPr>
+          <a:xfrm>
+            <a:off x="783771" y="953589"/>
+            <a:ext cx="1282723" cy="646331"/>
+          </a:xfrm>
+          <a:prstGeom prst="rect">
+            <a:avLst/>
+          </a:prstGeom>
+          <a:noFill/>
+        </p:spPr>
+        <p:txBody>
+          <a:bodyPr wrap="none" rtlCol="0">
+            <a:spAutoFit/>
+          </a:bodyPr>
+          <a:lstStyle/>
+          <a:p>
+            <a:r>
+              <a:rPr kumimoji="1" lang="ko-KR" altLang="en-US" dirty="0" smtClean="0"/>
+              <a:t>필기내용 </a:t>
+            </a:r>
+            <a:endParaRPr kumimoji="1" lang="en-US" altLang="ko-KR" dirty="0" smtClean="0"/>
+          </a:p>
+          <a:p>
+            <a:r>
+              <a:rPr kumimoji="1" lang="en-US" altLang="ko-KR" dirty="0" smtClean="0"/>
+              <a:t>Email </a:t>
+            </a:r>
+            <a:r>
+              <a:rPr kumimoji="1" lang="ko-KR" altLang="en-US" dirty="0" smtClean="0"/>
+              <a:t>전송</a:t>
+            </a:r>
+            <a:endParaRPr kumimoji="1" lang="ko-KR" altLang="en-US" dirty="0"/>
+          </a:p>
+        </p:txBody>
+      </p:sp>
+      <p:grpSp>
+        <p:nvGrpSpPr>
+          <p:cNvPr id="6" name="그룹 5"/>
+          <p:cNvGrpSpPr/>
+          <p:nvPr/>
+        </p:nvGrpSpPr>
+        <p:grpSpPr>
+          <a:xfrm>
+            <a:off x="3317965" y="640081"/>
+            <a:ext cx="8401595" cy="5773782"/>
+            <a:chOff x="3317965" y="640081"/>
+            <a:chExt cx="8401595" cy="5773782"/>
+          </a:xfrm>
+        </p:grpSpPr>
+        <p:sp>
+          <p:nvSpPr>
+            <p:cNvPr id="3" name="직사각형 2"/>
+            <p:cNvSpPr/>
+            <p:nvPr/>
+          </p:nvSpPr>
+          <p:spPr>
+            <a:xfrm>
+              <a:off x="3317965" y="640081"/>
+              <a:ext cx="8401595" cy="5773782"/>
+            </a:xfrm>
+            <a:prstGeom prst="rect">
+              <a:avLst/>
+            </a:prstGeom>
+            <a:noFill/>
+          </p:spPr>
+          <p:style>
+            <a:lnRef idx="2">
+              <a:schemeClr val="accent1">
+                <a:shade val="50000"/>
+              </a:schemeClr>
+            </a:lnRef>
+            <a:fillRef idx="1">
+              <a:schemeClr val="accent1"/>
+            </a:fillRef>
+            <a:effectRef idx="0">
+              <a:schemeClr val="accent1"/>
+            </a:effectRef>
+            <a:fontRef idx="minor">
+              <a:schemeClr val="lt1"/>
+            </a:fontRef>
+          </p:style>
+          <p:txBody>
+            <a:bodyPr rtlCol="0" anchor="ctr"/>
+            <a:lstStyle/>
+            <a:p>
+              <a:pPr algn="ctr"/>
+              <a:endParaRPr kumimoji="1" lang="ko-KR" altLang="en-US"/>
+            </a:p>
+          </p:txBody>
+        </p:sp>
+        <p:sp>
+          <p:nvSpPr>
+            <p:cNvPr id="8" name="직사각형 7"/>
+            <p:cNvSpPr/>
+            <p:nvPr/>
+          </p:nvSpPr>
+          <p:spPr>
+            <a:xfrm>
+              <a:off x="4663440" y="640081"/>
+              <a:ext cx="5745480" cy="5773782"/>
+            </a:xfrm>
+            <a:prstGeom prst="rect">
+              <a:avLst/>
+            </a:prstGeom>
+            <a:noFill/>
+          </p:spPr>
+          <p:style>
+            <a:lnRef idx="2">
+              <a:schemeClr val="accent1">
+                <a:shade val="50000"/>
+              </a:schemeClr>
+            </a:lnRef>
+            <a:fillRef idx="1">
+              <a:schemeClr val="accent1"/>
+            </a:fillRef>
+            <a:effectRef idx="0">
+              <a:schemeClr val="accent1"/>
+            </a:effectRef>
+            <a:fontRef idx="minor">
+              <a:schemeClr val="lt1"/>
+            </a:fontRef>
+          </p:style>
+          <p:txBody>
+            <a:bodyPr rtlCol="0" anchor="ctr"/>
+            <a:lstStyle/>
+            <a:p>
+              <a:pPr algn="ctr"/>
+              <a:endParaRPr kumimoji="1" lang="ko-KR" altLang="en-US"/>
+            </a:p>
+          </p:txBody>
+        </p:sp>
+        <p:sp>
+          <p:nvSpPr>
+            <p:cNvPr id="14" name="모서리가 둥근 직사각형 13"/>
+            <p:cNvSpPr/>
+            <p:nvPr/>
+          </p:nvSpPr>
+          <p:spPr>
+            <a:xfrm>
+              <a:off x="5343796" y="4221401"/>
+              <a:ext cx="4587240" cy="502920"/>
+            </a:xfrm>
+            <a:prstGeom prst="roundRect">
+              <a:avLst/>
+            </a:prstGeom>
+            <a:noFill/>
+          </p:spPr>
+          <p:style>
+            <a:lnRef idx="2">
+              <a:schemeClr val="accent1">
+                <a:shade val="50000"/>
+              </a:schemeClr>
+            </a:lnRef>
+            <a:fillRef idx="1">
+              <a:schemeClr val="accent1"/>
+            </a:fillRef>
+            <a:effectRef idx="0">
+              <a:schemeClr val="accent1"/>
+            </a:effectRef>
+            <a:fontRef idx="minor">
+              <a:schemeClr val="lt1"/>
+            </a:fontRef>
+          </p:style>
+          <p:txBody>
+            <a:bodyPr rtlCol="0" anchor="ctr"/>
+            <a:lstStyle/>
+            <a:p>
+              <a:pPr algn="ctr"/>
+              <a:endParaRPr kumimoji="1" lang="ko-KR" altLang="en-US"/>
+            </a:p>
+          </p:txBody>
+        </p:sp>
+        <p:sp>
+          <p:nvSpPr>
+            <p:cNvPr id="18" name="TextBox 17"/>
+            <p:cNvSpPr txBox="1"/>
+            <p:nvPr/>
+          </p:nvSpPr>
+          <p:spPr>
+            <a:xfrm>
+              <a:off x="5246918" y="2825413"/>
+              <a:ext cx="3749744" cy="369332"/>
+            </a:xfrm>
+            <a:prstGeom prst="rect">
+              <a:avLst/>
+            </a:prstGeom>
+            <a:noFill/>
+          </p:spPr>
+          <p:txBody>
+            <a:bodyPr wrap="none" rtlCol="0">
+              <a:spAutoFit/>
+            </a:bodyPr>
+            <a:lstStyle/>
+            <a:p>
+              <a:r>
+                <a:rPr kumimoji="1" lang="ko-KR" altLang="en-US" dirty="0" err="1" smtClean="0"/>
+                <a:t>필기명</a:t>
+              </a:r>
+              <a:r>
+                <a:rPr kumimoji="1" lang="ko-KR" altLang="en-US" dirty="0" smtClean="0"/>
+                <a:t> </a:t>
+              </a:r>
+              <a:r>
+                <a:rPr kumimoji="1" lang="en-US" altLang="ko-KR" dirty="0" smtClean="0"/>
+                <a:t>: </a:t>
+              </a:r>
+              <a:r>
+                <a:rPr kumimoji="1" lang="ko-KR" altLang="en-US" dirty="0" err="1" smtClean="0"/>
+                <a:t>오픈소스</a:t>
+              </a:r>
+              <a:r>
+                <a:rPr kumimoji="1" lang="ko-KR" altLang="en-US" dirty="0" smtClean="0"/>
+                <a:t> 필기 </a:t>
+              </a:r>
+              <a:r>
+                <a:rPr kumimoji="1" lang="en-US" altLang="ko-KR" dirty="0" smtClean="0"/>
+                <a:t>1 [170314]</a:t>
+              </a:r>
+              <a:endParaRPr kumimoji="1" lang="ko-KR" altLang="en-US" dirty="0"/>
+            </a:p>
+          </p:txBody>
+        </p:sp>
+        <p:sp>
+          <p:nvSpPr>
+            <p:cNvPr id="21" name="모서리가 둥근 직사각형 20"/>
+            <p:cNvSpPr/>
+            <p:nvPr/>
+          </p:nvSpPr>
+          <p:spPr>
+            <a:xfrm>
+              <a:off x="8214360" y="5943600"/>
+              <a:ext cx="1447606" cy="350520"/>
+            </a:xfrm>
+            <a:prstGeom prst="roundRect">
+              <a:avLst/>
+            </a:prstGeom>
+          </p:spPr>
+          <p:style>
+            <a:lnRef idx="2">
+              <a:schemeClr val="accent1">
+                <a:shade val="50000"/>
+              </a:schemeClr>
+            </a:lnRef>
+            <a:fillRef idx="1">
+              <a:schemeClr val="accent1"/>
+            </a:fillRef>
+            <a:effectRef idx="0">
+              <a:schemeClr val="accent1"/>
+            </a:effectRef>
+            <a:fontRef idx="minor">
+              <a:schemeClr val="lt1"/>
+            </a:fontRef>
+          </p:style>
+          <p:txBody>
+            <a:bodyPr rtlCol="0" anchor="ctr"/>
+            <a:lstStyle/>
+            <a:p>
+              <a:pPr algn="ctr"/>
+              <a:r>
+                <a:rPr kumimoji="1" lang="en-US" altLang="ko-KR" dirty="0" smtClean="0"/>
+                <a:t>Submit</a:t>
+              </a:r>
+              <a:endParaRPr kumimoji="1" lang="ko-KR" altLang="en-US" dirty="0"/>
+            </a:p>
+          </p:txBody>
+        </p:sp>
+        <p:sp>
+          <p:nvSpPr>
+            <p:cNvPr id="22" name="TextBox 21"/>
+            <p:cNvSpPr txBox="1"/>
+            <p:nvPr/>
+          </p:nvSpPr>
+          <p:spPr>
+            <a:xfrm>
+              <a:off x="5246918" y="3732573"/>
+              <a:ext cx="1553630" cy="369332"/>
+            </a:xfrm>
+            <a:prstGeom prst="rect">
+              <a:avLst/>
+            </a:prstGeom>
+            <a:noFill/>
+          </p:spPr>
+          <p:txBody>
+            <a:bodyPr wrap="none" rtlCol="0">
+              <a:spAutoFit/>
+            </a:bodyPr>
+            <a:lstStyle/>
+            <a:p>
+              <a:r>
+                <a:rPr kumimoji="1" lang="ko-KR" altLang="en-US" dirty="0" err="1" smtClean="0"/>
+                <a:t>이메일</a:t>
+              </a:r>
+              <a:r>
+                <a:rPr kumimoji="1" lang="ko-KR" altLang="en-US" dirty="0" smtClean="0"/>
+                <a:t> 주소 </a:t>
+              </a:r>
+              <a:r>
+                <a:rPr kumimoji="1" lang="en-US" altLang="ko-KR" dirty="0" smtClean="0"/>
+                <a:t>:</a:t>
+              </a:r>
+              <a:endParaRPr kumimoji="1" lang="ko-KR" altLang="en-US" dirty="0"/>
+            </a:p>
+          </p:txBody>
+        </p:sp>
+      </p:grpSp>
+    </p:spTree>
+    <p:extLst>
+      <p:ext uri="{BB962C8B-B14F-4D97-AF65-F5344CB8AC3E}">
+        <p14:creationId xmlns:p14="http://schemas.microsoft.com/office/powerpoint/2010/main" val="3553147780"/>
+      </p:ext>
+    </p:extLst>
+  </p:cSld>
+  <p:clrMapOvr>
+    <a:masterClrMapping/>
+  </p:clrMapOvr>
+  <p:timing>
+    <p:tnLst>
+      <p:par>
+        <p:cTn id="1" dur="indefinite" restart="never" nodeType="tmRoot"/>
+      </p:par>
+    </p:tnLst>
+  </p:timing>
+</p:sld>
+</file>
+
+<file path=ppt/slides/slide11.xml><?xml version="1.0" encoding="utf-8"?>
+<p:sld xmlns:a="http://schemas.openxmlformats.org/drawingml/2006/main" xmlns:r="http://schemas.openxmlformats.org/officeDocument/2006/relationships" xmlns:p="http://schemas.openxmlformats.org/presentationml/2006/main">
+  <p:cSld>
+    <p:spTree>
+      <p:nvGrpSpPr>
+        <p:cNvPr id="1" name=""/>
+        <p:cNvGrpSpPr/>
+        <p:nvPr/>
+      </p:nvGrpSpPr>
+      <p:grpSpPr>
+        <a:xfrm>
+          <a:off x="0" y="0"/>
+          <a:ext cx="0" cy="0"/>
+          <a:chOff x="0" y="0"/>
+          <a:chExt cx="0" cy="0"/>
+        </a:xfrm>
+      </p:grpSpPr>
+      <p:sp>
+        <p:nvSpPr>
+          <p:cNvPr id="5" name="TextBox 4"/>
+          <p:cNvSpPr txBox="1"/>
+          <p:nvPr/>
+        </p:nvSpPr>
+        <p:spPr>
+          <a:xfrm>
+            <a:off x="398182" y="281499"/>
+            <a:ext cx="1420582" cy="369332"/>
+          </a:xfrm>
+          <a:prstGeom prst="rect">
+            <a:avLst/>
+          </a:prstGeom>
+          <a:noFill/>
+        </p:spPr>
+        <p:txBody>
+          <a:bodyPr wrap="none" rtlCol="0">
+            <a:spAutoFit/>
+          </a:bodyPr>
+          <a:lstStyle/>
+          <a:p>
+            <a:r>
+              <a:rPr kumimoji="1" lang="ko-KR" altLang="en-US" dirty="0" err="1" smtClean="0"/>
+              <a:t>플로우</a:t>
+            </a:r>
+            <a:r>
+              <a:rPr kumimoji="1" lang="ko-KR" altLang="en-US" dirty="0" smtClean="0"/>
+              <a:t> 차트</a:t>
+            </a:r>
+            <a:endParaRPr kumimoji="1" lang="ko-KR" altLang="en-US" dirty="0"/>
+          </a:p>
+        </p:txBody>
+      </p:sp>
+      <p:pic>
+        <p:nvPicPr>
+          <p:cNvPr id="1026" name="Picture 2"/>
+          <p:cNvPicPr>
+            <a:picLocks noChangeAspect="1" noChangeArrowheads="1"/>
+          </p:cNvPicPr>
+          <p:nvPr/>
+        </p:nvPicPr>
+        <p:blipFill>
+          <a:blip r:embed="rId2">
+            <a:extLst>
+              <a:ext uri="{28A0092B-C50C-407E-A947-70E740481C1C}">
+                <a14:useLocalDpi xmlns:a14="http://schemas.microsoft.com/office/drawing/2010/main" val="0"/>
+              </a:ext>
+            </a:extLst>
+          </a:blip>
+          <a:srcRect/>
+          <a:stretch>
+            <a:fillRect/>
+          </a:stretch>
+        </p:blipFill>
+        <p:spPr bwMode="auto">
+          <a:xfrm>
+            <a:off x="398182" y="1054970"/>
+            <a:ext cx="1826244" cy="1254918"/>
+          </a:xfrm>
+          <a:prstGeom prst="rect">
+            <a:avLst/>
+          </a:prstGeom>
+          <a:noFill/>
+          <a:ln>
+            <a:noFill/>
+          </a:ln>
+          <a:effectLst/>
+          <a:extLst>
+            <a:ext uri="{909E8E84-426E-40DD-AFC4-6F175D3DCCD1}">
+              <a14:hiddenFill xmlns:a14="http://schemas.microsoft.com/office/drawing/2010/main">
+                <a:solidFill>
+                  <a:schemeClr val="accent1"/>
+                </a:solidFill>
+              </a14:hiddenFill>
+            </a:ext>
+            <a:ext uri="{91240B29-F687-4F45-9708-019B960494DF}">
+              <a14:hiddenLine xmlns:a14="http://schemas.microsoft.com/office/drawing/2010/main" w="9525">
+                <a:solidFill>
+                  <a:schemeClr val="tx1"/>
+                </a:solidFill>
+                <a:miter lim="800000"/>
+                <a:headEnd/>
+                <a:tailEnd/>
+              </a14:hiddenLine>
+            </a:ext>
+            <a:ext uri="{AF507438-7753-43E0-B8FC-AC1667EBCBE1}">
+              <a14:hiddenEffects xmlns:a14="http://schemas.microsoft.com/office/drawing/2010/main">
+                <a:effectLst>
+                  <a:outerShdw dist="35921" dir="2700000" algn="ctr" rotWithShape="0">
+                    <a:schemeClr val="bg2"/>
+                  </a:outerShdw>
+                </a:effectLst>
+              </a14:hiddenEffects>
+            </a:ext>
+          </a:extLst>
+        </p:spPr>
+      </p:pic>
+      <p:pic>
+        <p:nvPicPr>
+          <p:cNvPr id="1027" name="Picture 3"/>
+          <p:cNvPicPr>
+            <a:picLocks noChangeAspect="1" noChangeArrowheads="1"/>
+          </p:cNvPicPr>
+          <p:nvPr/>
+        </p:nvPicPr>
+        <p:blipFill>
+          <a:blip r:embed="rId3">
+            <a:extLst>
+              <a:ext uri="{28A0092B-C50C-407E-A947-70E740481C1C}">
+                <a14:useLocalDpi xmlns:a14="http://schemas.microsoft.com/office/drawing/2010/main" val="0"/>
+              </a:ext>
+            </a:extLst>
+          </a:blip>
+          <a:srcRect/>
+          <a:stretch>
+            <a:fillRect/>
+          </a:stretch>
+        </p:blipFill>
+        <p:spPr bwMode="auto">
+          <a:xfrm>
+            <a:off x="398182" y="2616717"/>
+            <a:ext cx="1826244" cy="1254919"/>
+          </a:xfrm>
+          <a:prstGeom prst="rect">
+            <a:avLst/>
+          </a:prstGeom>
+          <a:noFill/>
+          <a:ln>
+            <a:noFill/>
+          </a:ln>
+          <a:effectLst/>
+          <a:extLst>
+            <a:ext uri="{909E8E84-426E-40DD-AFC4-6F175D3DCCD1}">
+              <a14:hiddenFill xmlns:a14="http://schemas.microsoft.com/office/drawing/2010/main">
+                <a:solidFill>
+                  <a:schemeClr val="accent1"/>
+                </a:solidFill>
+              </a14:hiddenFill>
+            </a:ext>
+            <a:ext uri="{91240B29-F687-4F45-9708-019B960494DF}">
+              <a14:hiddenLine xmlns:a14="http://schemas.microsoft.com/office/drawing/2010/main" w="9525">
+                <a:solidFill>
+                  <a:schemeClr val="tx1"/>
+                </a:solidFill>
+                <a:miter lim="800000"/>
+                <a:headEnd/>
+                <a:tailEnd/>
+              </a14:hiddenLine>
+            </a:ext>
+            <a:ext uri="{AF507438-7753-43E0-B8FC-AC1667EBCBE1}">
+              <a14:hiddenEffects xmlns:a14="http://schemas.microsoft.com/office/drawing/2010/main">
+                <a:effectLst>
+                  <a:outerShdw dist="35921" dir="2700000" algn="ctr" rotWithShape="0">
+                    <a:schemeClr val="bg2"/>
+                  </a:outerShdw>
+                </a:effectLst>
+              </a14:hiddenEffects>
+            </a:ext>
+          </a:extLst>
+        </p:spPr>
+      </p:pic>
+      <p:pic>
+        <p:nvPicPr>
+          <p:cNvPr id="1028" name="Picture 4"/>
+          <p:cNvPicPr>
+            <a:picLocks noChangeAspect="1" noChangeArrowheads="1"/>
+          </p:cNvPicPr>
+          <p:nvPr/>
+        </p:nvPicPr>
+        <p:blipFill>
+          <a:blip r:embed="rId4">
+            <a:extLst>
+              <a:ext uri="{28A0092B-C50C-407E-A947-70E740481C1C}">
+                <a14:useLocalDpi xmlns:a14="http://schemas.microsoft.com/office/drawing/2010/main" val="0"/>
+              </a:ext>
+            </a:extLst>
+          </a:blip>
+          <a:srcRect/>
+          <a:stretch>
+            <a:fillRect/>
+          </a:stretch>
+        </p:blipFill>
+        <p:spPr bwMode="auto">
+          <a:xfrm>
+            <a:off x="3125836" y="2616716"/>
+            <a:ext cx="1826244" cy="1254919"/>
+          </a:xfrm>
+          <a:prstGeom prst="rect">
+            <a:avLst/>
+          </a:prstGeom>
+          <a:noFill/>
+          <a:ln>
+            <a:noFill/>
+          </a:ln>
+          <a:effectLst/>
+          <a:extLst>
+            <a:ext uri="{909E8E84-426E-40DD-AFC4-6F175D3DCCD1}">
+              <a14:hiddenFill xmlns:a14="http://schemas.microsoft.com/office/drawing/2010/main">
+                <a:solidFill>
+                  <a:schemeClr val="accent1"/>
+                </a:solidFill>
+              </a14:hiddenFill>
+            </a:ext>
+            <a:ext uri="{91240B29-F687-4F45-9708-019B960494DF}">
+              <a14:hiddenLine xmlns:a14="http://schemas.microsoft.com/office/drawing/2010/main" w="9525">
+                <a:solidFill>
+                  <a:schemeClr val="tx1"/>
+                </a:solidFill>
+                <a:miter lim="800000"/>
+                <a:headEnd/>
+                <a:tailEnd/>
+              </a14:hiddenLine>
+            </a:ext>
+            <a:ext uri="{AF507438-7753-43E0-B8FC-AC1667EBCBE1}">
+              <a14:hiddenEffects xmlns:a14="http://schemas.microsoft.com/office/drawing/2010/main">
+                <a:effectLst>
+                  <a:outerShdw dist="35921" dir="2700000" algn="ctr" rotWithShape="0">
+                    <a:schemeClr val="bg2"/>
+                  </a:outerShdw>
+                </a:effectLst>
+              </a14:hiddenEffects>
+            </a:ext>
+          </a:extLst>
+        </p:spPr>
+      </p:pic>
+      <p:pic>
+        <p:nvPicPr>
+          <p:cNvPr id="1029" name="Picture 5"/>
+          <p:cNvPicPr>
+            <a:picLocks noChangeAspect="1" noChangeArrowheads="1"/>
+          </p:cNvPicPr>
+          <p:nvPr/>
+        </p:nvPicPr>
+        <p:blipFill>
+          <a:blip r:embed="rId5">
+            <a:extLst>
+              <a:ext uri="{28A0092B-C50C-407E-A947-70E740481C1C}">
+                <a14:useLocalDpi xmlns:a14="http://schemas.microsoft.com/office/drawing/2010/main" val="0"/>
+              </a:ext>
+            </a:extLst>
+          </a:blip>
+          <a:srcRect/>
+          <a:stretch>
+            <a:fillRect/>
+          </a:stretch>
+        </p:blipFill>
+        <p:spPr bwMode="auto">
+          <a:xfrm>
+            <a:off x="398183" y="4510774"/>
+            <a:ext cx="1826243" cy="1254918"/>
+          </a:xfrm>
+          <a:prstGeom prst="rect">
+            <a:avLst/>
+          </a:prstGeom>
+          <a:noFill/>
+          <a:ln>
+            <a:noFill/>
+          </a:ln>
+          <a:effectLst/>
+          <a:extLst>
+            <a:ext uri="{909E8E84-426E-40DD-AFC4-6F175D3DCCD1}">
+              <a14:hiddenFill xmlns:a14="http://schemas.microsoft.com/office/drawing/2010/main">
+                <a:solidFill>
+                  <a:schemeClr val="accent1"/>
+                </a:solidFill>
+              </a14:hiddenFill>
+            </a:ext>
+            <a:ext uri="{91240B29-F687-4F45-9708-019B960494DF}">
+              <a14:hiddenLine xmlns:a14="http://schemas.microsoft.com/office/drawing/2010/main" w="9525">
+                <a:solidFill>
+                  <a:schemeClr val="tx1"/>
+                </a:solidFill>
+                <a:miter lim="800000"/>
+                <a:headEnd/>
+                <a:tailEnd/>
+              </a14:hiddenLine>
+            </a:ext>
+            <a:ext uri="{AF507438-7753-43E0-B8FC-AC1667EBCBE1}">
+              <a14:hiddenEffects xmlns:a14="http://schemas.microsoft.com/office/drawing/2010/main">
+                <a:effectLst>
+                  <a:outerShdw dist="35921" dir="2700000" algn="ctr" rotWithShape="0">
+                    <a:schemeClr val="bg2"/>
+                  </a:outerShdw>
+                </a:effectLst>
+              </a14:hiddenEffects>
+            </a:ext>
+          </a:extLst>
+        </p:spPr>
+      </p:pic>
+      <p:pic>
+        <p:nvPicPr>
+          <p:cNvPr id="1032" name="Picture 8"/>
+          <p:cNvPicPr>
+            <a:picLocks noChangeAspect="1" noChangeArrowheads="1"/>
+          </p:cNvPicPr>
+          <p:nvPr/>
+        </p:nvPicPr>
+        <p:blipFill>
+          <a:blip r:embed="rId6">
+            <a:extLst>
+              <a:ext uri="{28A0092B-C50C-407E-A947-70E740481C1C}">
+                <a14:useLocalDpi xmlns:a14="http://schemas.microsoft.com/office/drawing/2010/main" val="0"/>
+              </a:ext>
+            </a:extLst>
+          </a:blip>
+          <a:srcRect/>
+          <a:stretch>
+            <a:fillRect/>
+          </a:stretch>
+        </p:blipFill>
+        <p:spPr bwMode="auto">
+          <a:xfrm>
+            <a:off x="8284327" y="559210"/>
+            <a:ext cx="1826244" cy="1254919"/>
+          </a:xfrm>
+          <a:prstGeom prst="rect">
+            <a:avLst/>
+          </a:prstGeom>
+          <a:noFill/>
+          <a:ln>
+            <a:noFill/>
+          </a:ln>
+          <a:effectLst/>
+          <a:extLst>
+            <a:ext uri="{909E8E84-426E-40DD-AFC4-6F175D3DCCD1}">
+              <a14:hiddenFill xmlns:a14="http://schemas.microsoft.com/office/drawing/2010/main">
+                <a:solidFill>
+                  <a:schemeClr val="accent1"/>
+                </a:solidFill>
+              </a14:hiddenFill>
+            </a:ext>
+            <a:ext uri="{91240B29-F687-4F45-9708-019B960494DF}">
+              <a14:hiddenLine xmlns:a14="http://schemas.microsoft.com/office/drawing/2010/main" w="9525">
+                <a:solidFill>
+                  <a:schemeClr val="tx1"/>
+                </a:solidFill>
+                <a:miter lim="800000"/>
+                <a:headEnd/>
+                <a:tailEnd/>
+              </a14:hiddenLine>
+            </a:ext>
+            <a:ext uri="{AF507438-7753-43E0-B8FC-AC1667EBCBE1}">
+              <a14:hiddenEffects xmlns:a14="http://schemas.microsoft.com/office/drawing/2010/main">
+                <a:effectLst>
+                  <a:outerShdw dist="35921" dir="2700000" algn="ctr" rotWithShape="0">
+                    <a:schemeClr val="bg2"/>
+                  </a:outerShdw>
+                </a:effectLst>
+              </a14:hiddenEffects>
+            </a:ext>
+          </a:extLst>
+        </p:spPr>
+      </p:pic>
+      <p:pic>
+        <p:nvPicPr>
+          <p:cNvPr id="1034" name="Picture 10"/>
+          <p:cNvPicPr>
+            <a:picLocks noChangeAspect="1" noChangeArrowheads="1"/>
+          </p:cNvPicPr>
+          <p:nvPr/>
+        </p:nvPicPr>
+        <p:blipFill>
+          <a:blip r:embed="rId7">
+            <a:extLst>
+              <a:ext uri="{28A0092B-C50C-407E-A947-70E740481C1C}">
+                <a14:useLocalDpi xmlns:a14="http://schemas.microsoft.com/office/drawing/2010/main" val="0"/>
+              </a:ext>
+            </a:extLst>
+          </a:blip>
+          <a:srcRect/>
+          <a:stretch>
+            <a:fillRect/>
+          </a:stretch>
+        </p:blipFill>
+        <p:spPr bwMode="auto">
+          <a:xfrm>
+            <a:off x="5534297" y="2616714"/>
+            <a:ext cx="1826244" cy="1254919"/>
+          </a:xfrm>
+          <a:prstGeom prst="rect">
+            <a:avLst/>
+          </a:prstGeom>
+          <a:noFill/>
+          <a:ln>
+            <a:noFill/>
+          </a:ln>
+          <a:effectLst/>
+          <a:extLst>
+            <a:ext uri="{909E8E84-426E-40DD-AFC4-6F175D3DCCD1}">
+              <a14:hiddenFill xmlns:a14="http://schemas.microsoft.com/office/drawing/2010/main">
+                <a:solidFill>
+                  <a:schemeClr val="accent1"/>
+                </a:solidFill>
+              </a14:hiddenFill>
+            </a:ext>
+            <a:ext uri="{91240B29-F687-4F45-9708-019B960494DF}">
+              <a14:hiddenLine xmlns:a14="http://schemas.microsoft.com/office/drawing/2010/main" w="9525">
+                <a:solidFill>
+                  <a:schemeClr val="tx1"/>
+                </a:solidFill>
+                <a:miter lim="800000"/>
+                <a:headEnd/>
+                <a:tailEnd/>
+              </a14:hiddenLine>
+            </a:ext>
+            <a:ext uri="{AF507438-7753-43E0-B8FC-AC1667EBCBE1}">
+              <a14:hiddenEffects xmlns:a14="http://schemas.microsoft.com/office/drawing/2010/main">
+                <a:effectLst>
+                  <a:outerShdw dist="35921" dir="2700000" algn="ctr" rotWithShape="0">
+                    <a:schemeClr val="bg2"/>
+                  </a:outerShdw>
+                </a:effectLst>
+              </a14:hiddenEffects>
+            </a:ext>
+          </a:extLst>
+        </p:spPr>
+      </p:pic>
+      <p:pic>
+        <p:nvPicPr>
+          <p:cNvPr id="1035" name="Picture 11"/>
+          <p:cNvPicPr>
+            <a:picLocks noChangeAspect="1" noChangeArrowheads="1"/>
+          </p:cNvPicPr>
+          <p:nvPr/>
+        </p:nvPicPr>
+        <p:blipFill>
+          <a:blip r:embed="rId8">
+            <a:extLst>
+              <a:ext uri="{28A0092B-C50C-407E-A947-70E740481C1C}">
+                <a14:useLocalDpi xmlns:a14="http://schemas.microsoft.com/office/drawing/2010/main" val="0"/>
+              </a:ext>
+            </a:extLst>
+          </a:blip>
+          <a:srcRect/>
+          <a:stretch>
+            <a:fillRect/>
+          </a:stretch>
+        </p:blipFill>
+        <p:spPr bwMode="auto">
+          <a:xfrm>
+            <a:off x="8108056" y="4301792"/>
+            <a:ext cx="1826245" cy="1254919"/>
+          </a:xfrm>
+          <a:prstGeom prst="rect">
+            <a:avLst/>
+          </a:prstGeom>
+          <a:noFill/>
+          <a:ln>
+            <a:noFill/>
+          </a:ln>
+          <a:effectLst/>
+          <a:extLst>
+            <a:ext uri="{909E8E84-426E-40DD-AFC4-6F175D3DCCD1}">
+              <a14:hiddenFill xmlns:a14="http://schemas.microsoft.com/office/drawing/2010/main">
+                <a:solidFill>
+                  <a:schemeClr val="accent1"/>
+                </a:solidFill>
+              </a14:hiddenFill>
+            </a:ext>
+            <a:ext uri="{91240B29-F687-4F45-9708-019B960494DF}">
+              <a14:hiddenLine xmlns:a14="http://schemas.microsoft.com/office/drawing/2010/main" w="9525">
+                <a:solidFill>
+                  <a:schemeClr val="tx1"/>
+                </a:solidFill>
+                <a:miter lim="800000"/>
+                <a:headEnd/>
+                <a:tailEnd/>
+              </a14:hiddenLine>
+            </a:ext>
+            <a:ext uri="{AF507438-7753-43E0-B8FC-AC1667EBCBE1}">
+              <a14:hiddenEffects xmlns:a14="http://schemas.microsoft.com/office/drawing/2010/main">
+                <a:effectLst>
+                  <a:outerShdw dist="35921" dir="2700000" algn="ctr" rotWithShape="0">
+                    <a:schemeClr val="bg2"/>
+                  </a:outerShdw>
+                </a:effectLst>
+              </a14:hiddenEffects>
+            </a:ext>
+          </a:extLst>
+        </p:spPr>
+      </p:pic>
+      <p:cxnSp>
+        <p:nvCxnSpPr>
+          <p:cNvPr id="6" name="직선 화살표 연결선 5"/>
+          <p:cNvCxnSpPr/>
+          <p:nvPr/>
+        </p:nvCxnSpPr>
+        <p:spPr>
+          <a:xfrm>
+            <a:off x="1311304" y="2309888"/>
+            <a:ext cx="0" cy="306826"/>
+          </a:xfrm>
+          <a:prstGeom prst="straightConnector1">
+            <a:avLst/>
+          </a:prstGeom>
+          <a:ln>
+            <a:tailEnd type="arrow"/>
+          </a:ln>
+        </p:spPr>
+        <p:style>
+          <a:lnRef idx="1">
+            <a:schemeClr val="accent1"/>
+          </a:lnRef>
+          <a:fillRef idx="0">
+            <a:schemeClr val="accent1"/>
+          </a:fillRef>
+          <a:effectRef idx="0">
+            <a:schemeClr val="accent1"/>
+          </a:effectRef>
+          <a:fontRef idx="minor">
+            <a:schemeClr val="tx1"/>
+          </a:fontRef>
+        </p:style>
+      </p:cxnSp>
+      <p:cxnSp>
+        <p:nvCxnSpPr>
+          <p:cNvPr id="15" name="직선 화살표 연결선 14"/>
+          <p:cNvCxnSpPr>
+            <a:stCxn id="1027" idx="2"/>
+            <a:endCxn id="1029" idx="0"/>
+          </p:cNvCxnSpPr>
+          <p:nvPr/>
+        </p:nvCxnSpPr>
+        <p:spPr>
+          <a:xfrm>
+            <a:off x="1311304" y="3871636"/>
+            <a:ext cx="1" cy="639138"/>
+          </a:xfrm>
+          <a:prstGeom prst="straightConnector1">
+            <a:avLst/>
+          </a:prstGeom>
+          <a:ln>
+            <a:tailEnd type="arrow"/>
+          </a:ln>
+        </p:spPr>
+        <p:style>
+          <a:lnRef idx="1">
+            <a:schemeClr val="accent1"/>
+          </a:lnRef>
+          <a:fillRef idx="0">
+            <a:schemeClr val="accent1"/>
+          </a:fillRef>
+          <a:effectRef idx="0">
+            <a:schemeClr val="accent1"/>
+          </a:effectRef>
+          <a:fontRef idx="minor">
+            <a:schemeClr val="tx1"/>
+          </a:fontRef>
+        </p:style>
+      </p:cxnSp>
+      <p:cxnSp>
+        <p:nvCxnSpPr>
+          <p:cNvPr id="82" name="직선 화살표 연결선 81"/>
+          <p:cNvCxnSpPr>
+            <a:stCxn id="1027" idx="3"/>
+            <a:endCxn id="1028" idx="1"/>
+          </p:cNvCxnSpPr>
+          <p:nvPr/>
+        </p:nvCxnSpPr>
+        <p:spPr>
+          <a:xfrm flipV="1">
+            <a:off x="2224426" y="3244176"/>
+            <a:ext cx="901410" cy="1"/>
+          </a:xfrm>
+          <a:prstGeom prst="straightConnector1">
+            <a:avLst/>
+          </a:prstGeom>
+          <a:ln>
+            <a:tailEnd type="arrow"/>
+          </a:ln>
+        </p:spPr>
+        <p:style>
+          <a:lnRef idx="1">
+            <a:schemeClr val="accent1"/>
+          </a:lnRef>
+          <a:fillRef idx="0">
+            <a:schemeClr val="accent1"/>
+          </a:fillRef>
+          <a:effectRef idx="0">
+            <a:schemeClr val="accent1"/>
+          </a:effectRef>
+          <a:fontRef idx="minor">
+            <a:schemeClr val="tx1"/>
+          </a:fontRef>
+        </p:style>
+      </p:cxnSp>
+      <p:cxnSp>
+        <p:nvCxnSpPr>
+          <p:cNvPr id="117" name="직선 화살표 연결선 116"/>
+          <p:cNvCxnSpPr>
+            <a:stCxn id="1029" idx="3"/>
+            <a:endCxn id="1028" idx="2"/>
+          </p:cNvCxnSpPr>
+          <p:nvPr/>
+        </p:nvCxnSpPr>
+        <p:spPr>
+          <a:xfrm flipV="1">
+            <a:off x="2224426" y="3871635"/>
+            <a:ext cx="1814532" cy="1266598"/>
+          </a:xfrm>
+          <a:prstGeom prst="curvedConnector2">
+            <a:avLst/>
+          </a:prstGeom>
+          <a:ln>
+            <a:tailEnd type="arrow"/>
+          </a:ln>
+        </p:spPr>
+        <p:style>
+          <a:lnRef idx="1">
+            <a:schemeClr val="accent1"/>
+          </a:lnRef>
+          <a:fillRef idx="0">
+            <a:schemeClr val="accent1"/>
+          </a:fillRef>
+          <a:effectRef idx="0">
+            <a:schemeClr val="accent1"/>
+          </a:effectRef>
+          <a:fontRef idx="minor">
+            <a:schemeClr val="tx1"/>
+          </a:fontRef>
+        </p:style>
+      </p:cxnSp>
+      <p:cxnSp>
+        <p:nvCxnSpPr>
+          <p:cNvPr id="126" name="직선 화살표 연결선 125"/>
+          <p:cNvCxnSpPr>
+            <a:endCxn id="1034" idx="1"/>
+          </p:cNvCxnSpPr>
+          <p:nvPr/>
+        </p:nvCxnSpPr>
+        <p:spPr>
+          <a:xfrm>
+            <a:off x="4952080" y="3244173"/>
+            <a:ext cx="582217" cy="1"/>
+          </a:xfrm>
+          <a:prstGeom prst="straightConnector1">
+            <a:avLst/>
+          </a:prstGeom>
+          <a:ln>
+            <a:tailEnd type="arrow"/>
+          </a:ln>
+        </p:spPr>
+        <p:style>
+          <a:lnRef idx="1">
+            <a:schemeClr val="accent1"/>
+          </a:lnRef>
+          <a:fillRef idx="0">
+            <a:schemeClr val="accent1"/>
+          </a:fillRef>
+          <a:effectRef idx="0">
+            <a:schemeClr val="accent1"/>
+          </a:effectRef>
+          <a:fontRef idx="minor">
+            <a:schemeClr val="tx1"/>
+          </a:fontRef>
+        </p:style>
+      </p:cxnSp>
+      <p:cxnSp>
+        <p:nvCxnSpPr>
+          <p:cNvPr id="1024" name="직선 화살표 연결선 1023"/>
+          <p:cNvCxnSpPr>
+            <a:stCxn id="1034" idx="0"/>
+            <a:endCxn id="1032" idx="1"/>
+          </p:cNvCxnSpPr>
+          <p:nvPr/>
+        </p:nvCxnSpPr>
+        <p:spPr>
+          <a:xfrm rot="5400000" flipH="1" flipV="1">
+            <a:off x="6650851" y="983238"/>
+            <a:ext cx="1430044" cy="1836908"/>
+          </a:xfrm>
+          <a:prstGeom prst="curvedConnector2">
+            <a:avLst/>
+          </a:prstGeom>
+          <a:ln>
+            <a:tailEnd type="arrow"/>
+          </a:ln>
+        </p:spPr>
+        <p:style>
+          <a:lnRef idx="1">
+            <a:schemeClr val="accent1"/>
+          </a:lnRef>
+          <a:fillRef idx="0">
+            <a:schemeClr val="accent1"/>
+          </a:fillRef>
+          <a:effectRef idx="0">
+            <a:schemeClr val="accent1"/>
+          </a:effectRef>
+          <a:fontRef idx="minor">
+            <a:schemeClr val="tx1"/>
+          </a:fontRef>
+        </p:style>
+      </p:cxnSp>
+      <p:cxnSp>
+        <p:nvCxnSpPr>
+          <p:cNvPr id="1038" name="직선 화살표 연결선 1037"/>
+          <p:cNvCxnSpPr>
+            <a:stCxn id="1032" idx="2"/>
+          </p:cNvCxnSpPr>
+          <p:nvPr/>
+        </p:nvCxnSpPr>
+        <p:spPr>
+          <a:xfrm flipH="1">
+            <a:off x="7360541" y="1814129"/>
+            <a:ext cx="1836908" cy="1204493"/>
+          </a:xfrm>
+          <a:prstGeom prst="straightConnector1">
+            <a:avLst/>
+          </a:prstGeom>
+          <a:ln>
+            <a:tailEnd type="arrow"/>
+          </a:ln>
+        </p:spPr>
+        <p:style>
+          <a:lnRef idx="1">
+            <a:schemeClr val="accent1"/>
+          </a:lnRef>
+          <a:fillRef idx="0">
+            <a:schemeClr val="accent1"/>
+          </a:fillRef>
+          <a:effectRef idx="0">
+            <a:schemeClr val="accent1"/>
+          </a:effectRef>
+          <a:fontRef idx="minor">
+            <a:schemeClr val="tx1"/>
+          </a:fontRef>
+        </p:style>
+      </p:cxnSp>
+      <p:cxnSp>
+        <p:nvCxnSpPr>
+          <p:cNvPr id="1041" name="직선 화살표 연결선 1040"/>
+          <p:cNvCxnSpPr>
+            <a:stCxn id="1035" idx="0"/>
+          </p:cNvCxnSpPr>
+          <p:nvPr/>
+        </p:nvCxnSpPr>
+        <p:spPr>
+          <a:xfrm flipH="1" flipV="1">
+            <a:off x="7360541" y="3448280"/>
+            <a:ext cx="1660638" cy="853512"/>
+          </a:xfrm>
+          <a:prstGeom prst="straightConnector1">
+            <a:avLst/>
+          </a:prstGeom>
+          <a:ln>
+            <a:tailEnd type="arrow"/>
+          </a:ln>
+        </p:spPr>
+        <p:style>
+          <a:lnRef idx="1">
+            <a:schemeClr val="accent1"/>
+          </a:lnRef>
+          <a:fillRef idx="0">
+            <a:schemeClr val="accent1"/>
+          </a:fillRef>
+          <a:effectRef idx="0">
+            <a:schemeClr val="accent1"/>
+          </a:effectRef>
+          <a:fontRef idx="minor">
+            <a:schemeClr val="tx1"/>
+          </a:fontRef>
+        </p:style>
+      </p:cxnSp>
+      <p:cxnSp>
+        <p:nvCxnSpPr>
+          <p:cNvPr id="1045" name="직선 화살표 연결선 1044"/>
+          <p:cNvCxnSpPr>
+            <a:stCxn id="1034" idx="2"/>
+            <a:endCxn id="1035" idx="1"/>
+          </p:cNvCxnSpPr>
+          <p:nvPr/>
+        </p:nvCxnSpPr>
+        <p:spPr>
+          <a:xfrm rot="16200000" flipH="1">
+            <a:off x="6748928" y="3570123"/>
+            <a:ext cx="1057619" cy="1660637"/>
+          </a:xfrm>
+          <a:prstGeom prst="curvedConnector2">
+            <a:avLst/>
+          </a:prstGeom>
+          <a:ln>
+            <a:tailEnd type="arrow"/>
+          </a:ln>
+        </p:spPr>
+        <p:style>
+          <a:lnRef idx="1">
+            <a:schemeClr val="accent1"/>
+          </a:lnRef>
+          <a:fillRef idx="0">
+            <a:schemeClr val="accent1"/>
+          </a:fillRef>
+          <a:effectRef idx="0">
+            <a:schemeClr val="accent1"/>
+          </a:effectRef>
+          <a:fontRef idx="minor">
+            <a:schemeClr val="tx1"/>
+          </a:fontRef>
+        </p:style>
+      </p:cxnSp>
+    </p:spTree>
+    <p:extLst>
+      <p:ext uri="{BB962C8B-B14F-4D97-AF65-F5344CB8AC3E}">
+        <p14:creationId xmlns:p14="http://schemas.microsoft.com/office/powerpoint/2010/main" val="4115810112"/>
+      </p:ext>
+    </p:extLst>
+  </p:cSld>
+  <p:clrMapOvr>
+    <a:masterClrMapping/>
+  </p:clrMapOvr>
+  <p:timing>
+    <p:tnLst>
+      <p:par>
+        <p:cTn id="1" dur="indefinite" restart="never" nodeType="tmRoot"/>
+      </p:par>
+    </p:tnLst>
+  </p:timing>
 </p:sld>
 </file>
 
@@ -3197,6 +4464,13 @@
   <p:clrMapOvr>
     <a:masterClrMapping/>
   </p:clrMapOvr>
+  <p:timing>
+    <p:tnLst>
+      <p:par>
+        <p:cTn id="1" dur="indefinite" restart="never" nodeType="tmRoot"/>
+      </p:par>
+    </p:tnLst>
+  </p:timing>
 </p:sld>
 </file>
 
@@ -3226,7 +4500,7 @@
         <p:spPr>
           <a:xfrm>
             <a:off x="783771" y="953589"/>
-            <a:ext cx="1159292" cy="369332"/>
+            <a:ext cx="3563796" cy="369332"/>
           </a:xfrm>
           <a:prstGeom prst="rect">
             <a:avLst/>
@@ -3241,7 +4515,15 @@
           <a:p>
             <a:r>
               <a:rPr kumimoji="1" lang="ko-KR" altLang="en-US" dirty="0" smtClean="0"/>
-              <a:t>주요기능</a:t>
+              <a:t>여유가 </a:t>
+            </a:r>
+            <a:r>
+              <a:rPr kumimoji="1" lang="ko-KR" altLang="en-US" dirty="0"/>
+              <a:t>있으면 만들고 싶은 </a:t>
+            </a:r>
+            <a:r>
+              <a:rPr kumimoji="1" lang="ko-KR" altLang="en-US" dirty="0" smtClean="0"/>
+              <a:t>기능</a:t>
             </a:r>
             <a:r>
               <a:rPr kumimoji="1" lang="en-US" altLang="ko-KR" dirty="0" smtClean="0"/>
@@ -3260,7 +4542,7 @@
         <p:spPr>
           <a:xfrm>
             <a:off x="940526" y="1907177"/>
-            <a:ext cx="5088252" cy="2862322"/>
+            <a:ext cx="5088252" cy="1754326"/>
           </a:xfrm>
           <a:prstGeom prst="rect">
             <a:avLst/>
@@ -3276,57 +4558,7 @@
             <a:pPr marL="342900" indent="-342900">
               <a:buAutoNum type="arabicPeriod"/>
             </a:pPr>
-            <a:r>
-              <a:rPr kumimoji="1" lang="ko-KR" altLang="en-US" dirty="0" smtClean="0"/>
-              <a:t>기본적 </a:t>
-            </a:r>
-            <a:r>
-              <a:rPr kumimoji="1" lang="en-US" altLang="ko-KR" dirty="0" smtClean="0"/>
-              <a:t>CRUD</a:t>
-            </a:r>
-          </a:p>
-          <a:p>
-            <a:pPr marL="342900" indent="-342900">
-              <a:buAutoNum type="arabicPeriod"/>
-            </a:pPr>
-            <a:r>
-              <a:rPr kumimoji="1" lang="ko-KR" altLang="en-US" dirty="0" smtClean="0"/>
-              <a:t>날짜별 필기내용 관리</a:t>
-            </a:r>
             <a:endParaRPr kumimoji="1" lang="en-US" altLang="ko-KR" dirty="0" smtClean="0"/>
-          </a:p>
-          <a:p>
-            <a:pPr marL="342900" indent="-342900">
-              <a:buAutoNum type="arabicPeriod"/>
-            </a:pPr>
-            <a:r>
-              <a:rPr kumimoji="1" lang="ko-KR" altLang="en-US" dirty="0" smtClean="0"/>
-              <a:t>로그인기능</a:t>
-            </a:r>
-            <a:endParaRPr kumimoji="1" lang="en-US" altLang="ko-KR" dirty="0" smtClean="0"/>
-          </a:p>
-          <a:p>
-            <a:pPr marL="342900" indent="-342900">
-              <a:buAutoNum type="arabicPeriod"/>
-            </a:pPr>
-            <a:endParaRPr kumimoji="1" lang="en-US" altLang="ko-KR" dirty="0" smtClean="0"/>
-          </a:p>
-          <a:p>
-            <a:pPr marL="342900" indent="-342900">
-              <a:buAutoNum type="arabicPeriod"/>
-            </a:pPr>
-            <a:r>
-              <a:rPr kumimoji="1" lang="en-US" altLang="ko-KR" dirty="0" smtClean="0"/>
-              <a:t>(</a:t>
-            </a:r>
-            <a:r>
-              <a:rPr kumimoji="1" lang="ko-KR" altLang="en-US" dirty="0" smtClean="0"/>
-              <a:t>여유가 있으면 만들고 싶은 기능</a:t>
-            </a:r>
-            <a:r>
-              <a:rPr kumimoji="1" lang="en-US" altLang="ko-KR" dirty="0" smtClean="0"/>
-              <a:t>)</a:t>
-            </a:r>
           </a:p>
           <a:p>
             <a:pPr marL="342900" indent="-342900">
@@ -3486,57 +4718,349 @@
           </a:p>
         </p:txBody>
       </p:sp>
-      <p:sp>
-        <p:nvSpPr>
-          <p:cNvPr id="3" name="직사각형 2"/>
-          <p:cNvSpPr/>
+      <p:grpSp>
+        <p:nvGrpSpPr>
+          <p:cNvPr id="2" name="그룹 1"/>
+          <p:cNvGrpSpPr/>
           <p:nvPr/>
-        </p:nvSpPr>
-        <p:spPr>
+        </p:nvGrpSpPr>
+        <p:grpSpPr>
           <a:xfrm>
             <a:off x="3317965" y="640081"/>
             <a:ext cx="8401595" cy="5773782"/>
+            <a:chOff x="3317965" y="640081"/>
+            <a:chExt cx="8401595" cy="5773782"/>
           </a:xfrm>
-          <a:prstGeom prst="rect">
-            <a:avLst/>
-          </a:prstGeom>
-          <a:noFill/>
-        </p:spPr>
-        <p:style>
-          <a:lnRef idx="2">
-            <a:schemeClr val="accent1">
-              <a:shade val="50000"/>
-            </a:schemeClr>
-          </a:lnRef>
-          <a:fillRef idx="1">
-            <a:schemeClr val="accent1"/>
-          </a:fillRef>
-          <a:effectRef idx="0">
-            <a:schemeClr val="accent1"/>
-          </a:effectRef>
-          <a:fontRef idx="minor">
-            <a:schemeClr val="lt1"/>
-          </a:fontRef>
-        </p:style>
-        <p:txBody>
-          <a:bodyPr rtlCol="0" anchor="ctr"/>
-          <a:lstStyle/>
-          <a:p>
-            <a:pPr algn="ctr"/>
-            <a:endParaRPr kumimoji="1" lang="ko-KR" altLang="en-US"/>
-          </a:p>
-        </p:txBody>
-      </p:sp>
+        </p:grpSpPr>
+        <p:sp>
+          <p:nvSpPr>
+            <p:cNvPr id="3" name="직사각형 2"/>
+            <p:cNvSpPr/>
+            <p:nvPr/>
+          </p:nvSpPr>
+          <p:spPr>
+            <a:xfrm>
+              <a:off x="3317965" y="640081"/>
+              <a:ext cx="8401595" cy="5773782"/>
+            </a:xfrm>
+            <a:prstGeom prst="rect">
+              <a:avLst/>
+            </a:prstGeom>
+            <a:noFill/>
+          </p:spPr>
+          <p:style>
+            <a:lnRef idx="2">
+              <a:schemeClr val="accent1">
+                <a:shade val="50000"/>
+              </a:schemeClr>
+            </a:lnRef>
+            <a:fillRef idx="1">
+              <a:schemeClr val="accent1"/>
+            </a:fillRef>
+            <a:effectRef idx="0">
+              <a:schemeClr val="accent1"/>
+            </a:effectRef>
+            <a:fontRef idx="minor">
+              <a:schemeClr val="lt1"/>
+            </a:fontRef>
+          </p:style>
+          <p:txBody>
+            <a:bodyPr rtlCol="0" anchor="ctr"/>
+            <a:lstStyle/>
+            <a:p>
+              <a:pPr algn="ctr"/>
+              <a:endParaRPr kumimoji="1" lang="ko-KR" altLang="en-US"/>
+            </a:p>
+          </p:txBody>
+        </p:sp>
+        <p:sp>
+          <p:nvSpPr>
+            <p:cNvPr id="4" name="TextBox 3"/>
+            <p:cNvSpPr txBox="1"/>
+            <p:nvPr/>
+          </p:nvSpPr>
+          <p:spPr>
+            <a:xfrm>
+              <a:off x="6736080" y="1783080"/>
+              <a:ext cx="1882247" cy="369332"/>
+            </a:xfrm>
+            <a:prstGeom prst="rect">
+              <a:avLst/>
+            </a:prstGeom>
+            <a:noFill/>
+          </p:spPr>
+          <p:txBody>
+            <a:bodyPr wrap="none" rtlCol="0">
+              <a:spAutoFit/>
+            </a:bodyPr>
+            <a:lstStyle/>
+            <a:p>
+              <a:r>
+                <a:rPr kumimoji="1" lang="ko-KR" altLang="en-US" dirty="0" smtClean="0"/>
+                <a:t>내맘대로 필기장</a:t>
+              </a:r>
+              <a:endParaRPr kumimoji="1" lang="ko-KR" altLang="en-US" dirty="0"/>
+            </a:p>
+          </p:txBody>
+        </p:sp>
+        <p:sp>
+          <p:nvSpPr>
+            <p:cNvPr id="6" name="TextBox 5"/>
+            <p:cNvSpPr txBox="1"/>
+            <p:nvPr/>
+          </p:nvSpPr>
+          <p:spPr>
+            <a:xfrm>
+              <a:off x="5440680" y="4267200"/>
+              <a:ext cx="1010213" cy="369332"/>
+            </a:xfrm>
+            <a:prstGeom prst="rect">
+              <a:avLst/>
+            </a:prstGeom>
+            <a:noFill/>
+          </p:spPr>
+          <p:txBody>
+            <a:bodyPr wrap="none" rtlCol="0">
+              <a:spAutoFit/>
+            </a:bodyPr>
+            <a:lstStyle/>
+            <a:p>
+              <a:r>
+                <a:rPr kumimoji="1" lang="ko-KR" altLang="en-US" dirty="0" smtClean="0"/>
+                <a:t>아이디 </a:t>
+              </a:r>
+              <a:r>
+                <a:rPr kumimoji="1" lang="en-US" altLang="ko-KR" dirty="0" smtClean="0"/>
+                <a:t>:</a:t>
+              </a:r>
+              <a:endParaRPr kumimoji="1" lang="ko-KR" altLang="en-US" dirty="0"/>
+            </a:p>
+          </p:txBody>
+        </p:sp>
+        <p:sp>
+          <p:nvSpPr>
+            <p:cNvPr id="7" name="TextBox 6"/>
+            <p:cNvSpPr txBox="1"/>
+            <p:nvPr/>
+          </p:nvSpPr>
+          <p:spPr>
+            <a:xfrm>
+              <a:off x="5209848" y="4805958"/>
+              <a:ext cx="1241045" cy="369332"/>
+            </a:xfrm>
+            <a:prstGeom prst="rect">
+              <a:avLst/>
+            </a:prstGeom>
+            <a:noFill/>
+          </p:spPr>
+          <p:txBody>
+            <a:bodyPr wrap="none" rtlCol="0">
+              <a:spAutoFit/>
+            </a:bodyPr>
+            <a:lstStyle/>
+            <a:p>
+              <a:r>
+                <a:rPr kumimoji="1" lang="ko-KR" altLang="en-US" dirty="0" smtClean="0"/>
+                <a:t>비밀번호 </a:t>
+              </a:r>
+              <a:r>
+                <a:rPr kumimoji="1" lang="en-US" altLang="ko-KR" dirty="0" smtClean="0"/>
+                <a:t>:</a:t>
+              </a:r>
+              <a:endParaRPr kumimoji="1" lang="ko-KR" altLang="en-US" dirty="0"/>
+            </a:p>
+          </p:txBody>
+        </p:sp>
+        <p:sp>
+          <p:nvSpPr>
+            <p:cNvPr id="8" name="직사각형 7"/>
+            <p:cNvSpPr/>
+            <p:nvPr/>
+          </p:nvSpPr>
+          <p:spPr>
+            <a:xfrm>
+              <a:off x="4663440" y="640081"/>
+              <a:ext cx="5745480" cy="5773782"/>
+            </a:xfrm>
+            <a:prstGeom prst="rect">
+              <a:avLst/>
+            </a:prstGeom>
+            <a:noFill/>
+          </p:spPr>
+          <p:style>
+            <a:lnRef idx="2">
+              <a:schemeClr val="accent1">
+                <a:shade val="50000"/>
+              </a:schemeClr>
+            </a:lnRef>
+            <a:fillRef idx="1">
+              <a:schemeClr val="accent1"/>
+            </a:fillRef>
+            <a:effectRef idx="0">
+              <a:schemeClr val="accent1"/>
+            </a:effectRef>
+            <a:fontRef idx="minor">
+              <a:schemeClr val="lt1"/>
+            </a:fontRef>
+          </p:style>
+          <p:txBody>
+            <a:bodyPr rtlCol="0" anchor="ctr"/>
+            <a:lstStyle/>
+            <a:p>
+              <a:pPr algn="ctr"/>
+              <a:endParaRPr kumimoji="1" lang="ko-KR" altLang="en-US"/>
+            </a:p>
+          </p:txBody>
+        </p:sp>
+        <p:sp>
+          <p:nvSpPr>
+            <p:cNvPr id="9" name="직사각형 8"/>
+            <p:cNvSpPr/>
+            <p:nvPr/>
+          </p:nvSpPr>
+          <p:spPr>
+            <a:xfrm>
+              <a:off x="6696965" y="4267200"/>
+              <a:ext cx="2677867" cy="369332"/>
+            </a:xfrm>
+            <a:prstGeom prst="rect">
+              <a:avLst/>
+            </a:prstGeom>
+            <a:gradFill>
+              <a:gsLst>
+                <a:gs pos="0">
+                  <a:schemeClr val="accent1">
+                    <a:lumMod val="5000"/>
+                    <a:lumOff val="95000"/>
+                  </a:schemeClr>
+                </a:gs>
+                <a:gs pos="74000">
+                  <a:schemeClr val="accent1">
+                    <a:lumMod val="45000"/>
+                    <a:lumOff val="55000"/>
+                  </a:schemeClr>
+                </a:gs>
+                <a:gs pos="83000">
+                  <a:schemeClr val="accent1">
+                    <a:lumMod val="45000"/>
+                    <a:lumOff val="55000"/>
+                  </a:schemeClr>
+                </a:gs>
+                <a:gs pos="100000">
+                  <a:schemeClr val="accent1">
+                    <a:lumMod val="30000"/>
+                    <a:lumOff val="70000"/>
+                  </a:schemeClr>
+                </a:gs>
+              </a:gsLst>
+              <a:lin ang="5400000" scaled="1"/>
+            </a:gradFill>
+          </p:spPr>
+          <p:style>
+            <a:lnRef idx="2">
+              <a:schemeClr val="accent1">
+                <a:shade val="50000"/>
+              </a:schemeClr>
+            </a:lnRef>
+            <a:fillRef idx="1">
+              <a:schemeClr val="accent1"/>
+            </a:fillRef>
+            <a:effectRef idx="0">
+              <a:schemeClr val="accent1"/>
+            </a:effectRef>
+            <a:fontRef idx="minor">
+              <a:schemeClr val="lt1"/>
+            </a:fontRef>
+          </p:style>
+          <p:txBody>
+            <a:bodyPr rtlCol="0" anchor="ctr"/>
+            <a:lstStyle/>
+            <a:p>
+              <a:pPr algn="ctr"/>
+              <a:endParaRPr kumimoji="1" lang="ko-KR" altLang="en-US"/>
+            </a:p>
+          </p:txBody>
+        </p:sp>
+        <p:sp>
+          <p:nvSpPr>
+            <p:cNvPr id="10" name="직사각형 9"/>
+            <p:cNvSpPr/>
+            <p:nvPr/>
+          </p:nvSpPr>
+          <p:spPr>
+            <a:xfrm>
+              <a:off x="6703506" y="4832866"/>
+              <a:ext cx="2677867" cy="369332"/>
+            </a:xfrm>
+            <a:prstGeom prst="rect">
+              <a:avLst/>
+            </a:prstGeom>
+            <a:gradFill>
+              <a:gsLst>
+                <a:gs pos="0">
+                  <a:schemeClr val="accent1">
+                    <a:lumMod val="5000"/>
+                    <a:lumOff val="95000"/>
+                  </a:schemeClr>
+                </a:gs>
+                <a:gs pos="74000">
+                  <a:schemeClr val="accent1">
+                    <a:lumMod val="45000"/>
+                    <a:lumOff val="55000"/>
+                  </a:schemeClr>
+                </a:gs>
+                <a:gs pos="83000">
+                  <a:schemeClr val="accent1">
+                    <a:lumMod val="45000"/>
+                    <a:lumOff val="55000"/>
+                  </a:schemeClr>
+                </a:gs>
+                <a:gs pos="100000">
+                  <a:schemeClr val="accent1">
+                    <a:lumMod val="30000"/>
+                    <a:lumOff val="70000"/>
+                  </a:schemeClr>
+                </a:gs>
+              </a:gsLst>
+              <a:lin ang="5400000" scaled="1"/>
+            </a:gradFill>
+          </p:spPr>
+          <p:style>
+            <a:lnRef idx="2">
+              <a:schemeClr val="accent1">
+                <a:shade val="50000"/>
+              </a:schemeClr>
+            </a:lnRef>
+            <a:fillRef idx="1">
+              <a:schemeClr val="accent1"/>
+            </a:fillRef>
+            <a:effectRef idx="0">
+              <a:schemeClr val="accent1"/>
+            </a:effectRef>
+            <a:fontRef idx="minor">
+              <a:schemeClr val="lt1"/>
+            </a:fontRef>
+          </p:style>
+          <p:txBody>
+            <a:bodyPr rtlCol="0" anchor="ctr"/>
+            <a:lstStyle/>
+            <a:p>
+              <a:pPr algn="ctr"/>
+              <a:endParaRPr kumimoji="1" lang="ko-KR" altLang="en-US"/>
+            </a:p>
+          </p:txBody>
+        </p:sp>
+      </p:grpSp>
       <p:sp>
         <p:nvSpPr>
-          <p:cNvPr id="4" name="TextBox 3"/>
+          <p:cNvPr id="11" name="TextBox 10"/>
           <p:cNvSpPr txBox="1"/>
           <p:nvPr/>
         </p:nvSpPr>
         <p:spPr>
           <a:xfrm>
-            <a:off x="6736080" y="1783080"/>
-            <a:ext cx="1882247" cy="369332"/>
+            <a:off x="394956" y="1967746"/>
+            <a:ext cx="2381295" cy="2031325"/>
           </a:xfrm>
           <a:prstGeom prst="rect">
             <a:avLst/>
@@ -3544,263 +5068,37 @@
           <a:noFill/>
         </p:spPr>
         <p:txBody>
-          <a:bodyPr wrap="none" rtlCol="0">
+          <a:bodyPr wrap="square" rtlCol="0">
             <a:spAutoFit/>
           </a:bodyPr>
           <a:lstStyle/>
           <a:p>
             <a:r>
-              <a:rPr kumimoji="1" lang="ko-KR" altLang="en-US" dirty="0" smtClean="0"/>
-              <a:t>내맘대로 필기장</a:t>
-            </a:r>
-            <a:endParaRPr kumimoji="1" lang="ko-KR" altLang="en-US" dirty="0"/>
-          </a:p>
-        </p:txBody>
-      </p:sp>
-      <p:sp>
-        <p:nvSpPr>
-          <p:cNvPr id="6" name="TextBox 5"/>
-          <p:cNvSpPr txBox="1"/>
-          <p:nvPr/>
-        </p:nvSpPr>
-        <p:spPr>
-          <a:xfrm>
-            <a:off x="5440680" y="4267200"/>
-            <a:ext cx="1010213" cy="369332"/>
-          </a:xfrm>
-          <a:prstGeom prst="rect">
-            <a:avLst/>
-          </a:prstGeom>
-          <a:noFill/>
-        </p:spPr>
-        <p:txBody>
-          <a:bodyPr wrap="none" rtlCol="0">
-            <a:spAutoFit/>
-          </a:bodyPr>
-          <a:lstStyle/>
-          <a:p>
-            <a:r>
-              <a:rPr kumimoji="1" lang="ko-KR" altLang="en-US" dirty="0" smtClean="0"/>
-              <a:t>아이디 </a:t>
-            </a:r>
-            <a:r>
-              <a:rPr kumimoji="1" lang="en-US" altLang="ko-KR" dirty="0" smtClean="0"/>
-              <a:t>:</a:t>
-            </a:r>
-            <a:endParaRPr kumimoji="1" lang="ko-KR" altLang="en-US" dirty="0"/>
-          </a:p>
-        </p:txBody>
-      </p:sp>
-      <p:sp>
-        <p:nvSpPr>
-          <p:cNvPr id="7" name="TextBox 6"/>
-          <p:cNvSpPr txBox="1"/>
-          <p:nvPr/>
-        </p:nvSpPr>
-        <p:spPr>
-          <a:xfrm>
-            <a:off x="5209848" y="4805958"/>
-            <a:ext cx="1241045" cy="369332"/>
-          </a:xfrm>
-          <a:prstGeom prst="rect">
-            <a:avLst/>
-          </a:prstGeom>
-          <a:noFill/>
-        </p:spPr>
-        <p:txBody>
-          <a:bodyPr wrap="none" rtlCol="0">
-            <a:spAutoFit/>
-          </a:bodyPr>
-          <a:lstStyle/>
-          <a:p>
-            <a:r>
-              <a:rPr kumimoji="1" lang="ko-KR" altLang="en-US" dirty="0" smtClean="0"/>
-              <a:t>비밀번호 </a:t>
-            </a:r>
-            <a:r>
-              <a:rPr kumimoji="1" lang="en-US" altLang="ko-KR" dirty="0" smtClean="0"/>
-              <a:t>:</a:t>
-            </a:r>
-            <a:endParaRPr kumimoji="1" lang="ko-KR" altLang="en-US" dirty="0"/>
-          </a:p>
-        </p:txBody>
-      </p:sp>
-      <p:sp>
-        <p:nvSpPr>
-          <p:cNvPr id="8" name="직사각형 7"/>
-          <p:cNvSpPr/>
-          <p:nvPr/>
-        </p:nvSpPr>
-        <p:spPr>
-          <a:xfrm>
-            <a:off x="4663440" y="640081"/>
-            <a:ext cx="5745480" cy="5773782"/>
-          </a:xfrm>
-          <a:prstGeom prst="rect">
-            <a:avLst/>
-          </a:prstGeom>
-          <a:noFill/>
-        </p:spPr>
-        <p:style>
-          <a:lnRef idx="2">
-            <a:schemeClr val="accent1">
-              <a:shade val="50000"/>
-            </a:schemeClr>
-          </a:lnRef>
-          <a:fillRef idx="1">
-            <a:schemeClr val="accent1"/>
-          </a:fillRef>
-          <a:effectRef idx="0">
-            <a:schemeClr val="accent1"/>
-          </a:effectRef>
-          <a:fontRef idx="minor">
-            <a:schemeClr val="lt1"/>
-          </a:fontRef>
-        </p:style>
-        <p:txBody>
-          <a:bodyPr rtlCol="0" anchor="ctr"/>
-          <a:lstStyle/>
-          <a:p>
-            <a:pPr algn="ctr"/>
-            <a:endParaRPr kumimoji="1" lang="ko-KR" altLang="en-US"/>
-          </a:p>
-        </p:txBody>
-      </p:sp>
-      <p:sp>
-        <p:nvSpPr>
-          <p:cNvPr id="9" name="직사각형 8"/>
-          <p:cNvSpPr/>
-          <p:nvPr/>
-        </p:nvSpPr>
-        <p:spPr>
-          <a:xfrm>
-            <a:off x="6696965" y="4267200"/>
-            <a:ext cx="2677867" cy="369332"/>
-          </a:xfrm>
-          <a:prstGeom prst="rect">
-            <a:avLst/>
-          </a:prstGeom>
-          <a:gradFill>
-            <a:gsLst>
-              <a:gs pos="0">
-                <a:schemeClr val="accent1">
-                  <a:lumMod val="5000"/>
-                  <a:lumOff val="95000"/>
-                </a:schemeClr>
-              </a:gs>
-              <a:gs pos="74000">
-                <a:schemeClr val="accent1">
-                  <a:lumMod val="45000"/>
-                  <a:lumOff val="55000"/>
-                </a:schemeClr>
-              </a:gs>
-              <a:gs pos="83000">
-                <a:schemeClr val="accent1">
-                  <a:lumMod val="45000"/>
-                  <a:lumOff val="55000"/>
-                </a:schemeClr>
-              </a:gs>
-              <a:gs pos="100000">
-                <a:schemeClr val="accent1">
-                  <a:lumMod val="30000"/>
-                  <a:lumOff val="70000"/>
-                </a:schemeClr>
-              </a:gs>
-            </a:gsLst>
-            <a:lin ang="5400000" scaled="1"/>
-          </a:gradFill>
-        </p:spPr>
-        <p:style>
-          <a:lnRef idx="2">
-            <a:schemeClr val="accent1">
-              <a:shade val="50000"/>
-            </a:schemeClr>
-          </a:lnRef>
-          <a:fillRef idx="1">
-            <a:schemeClr val="accent1"/>
-          </a:fillRef>
-          <a:effectRef idx="0">
-            <a:schemeClr val="accent1"/>
-          </a:effectRef>
-          <a:fontRef idx="minor">
-            <a:schemeClr val="lt1"/>
-          </a:fontRef>
-        </p:style>
-        <p:txBody>
-          <a:bodyPr rtlCol="0" anchor="ctr"/>
-          <a:lstStyle/>
-          <a:p>
-            <a:pPr algn="ctr"/>
-            <a:endParaRPr kumimoji="1" lang="ko-KR" altLang="en-US"/>
-          </a:p>
-        </p:txBody>
-      </p:sp>
-      <p:sp>
-        <p:nvSpPr>
-          <p:cNvPr id="10" name="직사각형 9"/>
-          <p:cNvSpPr/>
-          <p:nvPr/>
-        </p:nvSpPr>
-        <p:spPr>
-          <a:xfrm>
-            <a:off x="6703506" y="4832866"/>
-            <a:ext cx="2677867" cy="369332"/>
-          </a:xfrm>
-          <a:prstGeom prst="rect">
-            <a:avLst/>
-          </a:prstGeom>
-          <a:gradFill>
-            <a:gsLst>
-              <a:gs pos="0">
-                <a:schemeClr val="accent1">
-                  <a:lumMod val="5000"/>
-                  <a:lumOff val="95000"/>
-                </a:schemeClr>
-              </a:gs>
-              <a:gs pos="74000">
-                <a:schemeClr val="accent1">
-                  <a:lumMod val="45000"/>
-                  <a:lumOff val="55000"/>
-                </a:schemeClr>
-              </a:gs>
-              <a:gs pos="83000">
-                <a:schemeClr val="accent1">
-                  <a:lumMod val="45000"/>
-                  <a:lumOff val="55000"/>
-                </a:schemeClr>
-              </a:gs>
-              <a:gs pos="100000">
-                <a:schemeClr val="accent1">
-                  <a:lumMod val="30000"/>
-                  <a:lumOff val="70000"/>
-                </a:schemeClr>
-              </a:gs>
-            </a:gsLst>
-            <a:lin ang="5400000" scaled="1"/>
-          </a:gradFill>
-        </p:spPr>
-        <p:style>
-          <a:lnRef idx="2">
-            <a:schemeClr val="accent1">
-              <a:shade val="50000"/>
-            </a:schemeClr>
-          </a:lnRef>
-          <a:fillRef idx="1">
-            <a:schemeClr val="accent1"/>
-          </a:fillRef>
-          <a:effectRef idx="0">
-            <a:schemeClr val="accent1"/>
-          </a:effectRef>
-          <a:fontRef idx="minor">
-            <a:schemeClr val="lt1"/>
-          </a:fontRef>
-        </p:style>
-        <p:txBody>
-          <a:bodyPr rtlCol="0" anchor="ctr"/>
-          <a:lstStyle/>
-          <a:p>
-            <a:pPr algn="ctr"/>
-            <a:endParaRPr kumimoji="1" lang="ko-KR" altLang="en-US"/>
+              <a:rPr lang="ko-KR" altLang="en-US" dirty="0" smtClean="0"/>
+              <a:t>간단한 보안을 위해 아이디와 비밀번호를 받습니다</a:t>
+            </a:r>
+            <a:r>
+              <a:rPr lang="en-US" altLang="ko-KR" dirty="0" smtClean="0"/>
+              <a:t>.</a:t>
+            </a:r>
+            <a:endParaRPr lang="en-US" altLang="ko-KR" dirty="0"/>
+          </a:p>
+          <a:p>
+            <a:endParaRPr lang="en-US" altLang="ko-KR" dirty="0" smtClean="0"/>
+          </a:p>
+          <a:p>
+            <a:r>
+              <a:rPr lang="en-US" altLang="ko-KR" dirty="0" smtClean="0"/>
+              <a:t>DB</a:t>
+            </a:r>
+            <a:r>
+              <a:rPr lang="ko-KR" altLang="en-US" dirty="0" smtClean="0"/>
+              <a:t>에 저장된 자료와 비교해서 일치하면 로그인 합니다</a:t>
+            </a:r>
+            <a:r>
+              <a:rPr lang="en-US" altLang="ko-KR" dirty="0" smtClean="0"/>
+              <a:t>.</a:t>
+            </a:r>
           </a:p>
         </p:txBody>
       </p:sp>
@@ -3850,7 +5148,7 @@
         <p:spPr>
           <a:xfrm>
             <a:off x="783771" y="953589"/>
-            <a:ext cx="1107996" cy="369332"/>
+            <a:ext cx="785793" cy="369332"/>
           </a:xfrm>
           <a:prstGeom prst="rect">
             <a:avLst/>
@@ -3864,105 +5162,453 @@
           <a:lstStyle/>
           <a:p>
             <a:r>
-              <a:rPr kumimoji="1" lang="ko-KR" altLang="en-US" dirty="0" smtClean="0"/>
-              <a:t>목록보기</a:t>
+              <a:rPr kumimoji="1" lang="en-US" altLang="ko-KR" dirty="0" smtClean="0"/>
+              <a:t>Menu</a:t>
             </a:r>
             <a:endParaRPr kumimoji="1" lang="ko-KR" altLang="en-US" dirty="0"/>
           </a:p>
         </p:txBody>
       </p:sp>
-      <p:sp>
-        <p:nvSpPr>
-          <p:cNvPr id="3" name="직사각형 2"/>
-          <p:cNvSpPr/>
+      <p:grpSp>
+        <p:nvGrpSpPr>
+          <p:cNvPr id="16" name="그룹 15"/>
+          <p:cNvGrpSpPr/>
           <p:nvPr/>
-        </p:nvSpPr>
-        <p:spPr>
+        </p:nvGrpSpPr>
+        <p:grpSpPr>
           <a:xfrm>
             <a:off x="3317965" y="640081"/>
             <a:ext cx="8401595" cy="5773782"/>
+            <a:chOff x="3317965" y="640081"/>
+            <a:chExt cx="8401595" cy="5773782"/>
           </a:xfrm>
-          <a:prstGeom prst="rect">
-            <a:avLst/>
-          </a:prstGeom>
-          <a:noFill/>
-        </p:spPr>
-        <p:style>
-          <a:lnRef idx="2">
-            <a:schemeClr val="accent1">
-              <a:shade val="50000"/>
-            </a:schemeClr>
-          </a:lnRef>
-          <a:fillRef idx="1">
-            <a:schemeClr val="accent1"/>
-          </a:fillRef>
-          <a:effectRef idx="0">
-            <a:schemeClr val="accent1"/>
-          </a:effectRef>
-          <a:fontRef idx="minor">
-            <a:schemeClr val="lt1"/>
-          </a:fontRef>
-        </p:style>
-        <p:txBody>
-          <a:bodyPr rtlCol="0" anchor="ctr"/>
-          <a:lstStyle/>
-          <a:p>
-            <a:pPr algn="ctr"/>
-            <a:endParaRPr kumimoji="1" lang="ko-KR" altLang="en-US"/>
-          </a:p>
-        </p:txBody>
-      </p:sp>
+        </p:grpSpPr>
+        <p:grpSp>
+          <p:nvGrpSpPr>
+            <p:cNvPr id="2" name="그룹 1"/>
+            <p:cNvGrpSpPr/>
+            <p:nvPr/>
+          </p:nvGrpSpPr>
+          <p:grpSpPr>
+            <a:xfrm>
+              <a:off x="3317965" y="640081"/>
+              <a:ext cx="8401595" cy="5773782"/>
+              <a:chOff x="3317965" y="640081"/>
+              <a:chExt cx="8401595" cy="5773782"/>
+            </a:xfrm>
+          </p:grpSpPr>
+          <p:sp>
+            <p:nvSpPr>
+              <p:cNvPr id="3" name="직사각형 2"/>
+              <p:cNvSpPr/>
+              <p:nvPr/>
+            </p:nvSpPr>
+            <p:spPr>
+              <a:xfrm>
+                <a:off x="3317965" y="640081"/>
+                <a:ext cx="8401595" cy="5773782"/>
+              </a:xfrm>
+              <a:prstGeom prst="rect">
+                <a:avLst/>
+              </a:prstGeom>
+              <a:noFill/>
+            </p:spPr>
+            <p:style>
+              <a:lnRef idx="2">
+                <a:schemeClr val="accent1">
+                  <a:shade val="50000"/>
+                </a:schemeClr>
+              </a:lnRef>
+              <a:fillRef idx="1">
+                <a:schemeClr val="accent1"/>
+              </a:fillRef>
+              <a:effectRef idx="0">
+                <a:schemeClr val="accent1"/>
+              </a:effectRef>
+              <a:fontRef idx="minor">
+                <a:schemeClr val="lt1"/>
+              </a:fontRef>
+            </p:style>
+            <p:txBody>
+              <a:bodyPr rtlCol="0" anchor="ctr"/>
+              <a:lstStyle/>
+              <a:p>
+                <a:pPr algn="ctr"/>
+                <a:endParaRPr kumimoji="1" lang="ko-KR" altLang="en-US"/>
+              </a:p>
+            </p:txBody>
+          </p:sp>
+          <p:sp>
+            <p:nvSpPr>
+              <p:cNvPr id="4" name="TextBox 3"/>
+              <p:cNvSpPr txBox="1"/>
+              <p:nvPr/>
+            </p:nvSpPr>
+            <p:spPr>
+              <a:xfrm>
+                <a:off x="7256646" y="951936"/>
+                <a:ext cx="785793" cy="369332"/>
+              </a:xfrm>
+              <a:prstGeom prst="rect">
+                <a:avLst/>
+              </a:prstGeom>
+              <a:noFill/>
+            </p:spPr>
+            <p:txBody>
+              <a:bodyPr wrap="none" rtlCol="0">
+                <a:spAutoFit/>
+              </a:bodyPr>
+              <a:lstStyle/>
+              <a:p>
+                <a:r>
+                  <a:rPr kumimoji="1" lang="en-US" altLang="ko-KR" dirty="0" smtClean="0"/>
+                  <a:t>Menu</a:t>
+                </a:r>
+                <a:endParaRPr kumimoji="1" lang="ko-KR" altLang="en-US" dirty="0"/>
+              </a:p>
+            </p:txBody>
+          </p:sp>
+          <p:sp>
+            <p:nvSpPr>
+              <p:cNvPr id="8" name="직사각형 7"/>
+              <p:cNvSpPr/>
+              <p:nvPr/>
+            </p:nvSpPr>
+            <p:spPr>
+              <a:xfrm>
+                <a:off x="4663440" y="640081"/>
+                <a:ext cx="5745480" cy="5773782"/>
+              </a:xfrm>
+              <a:prstGeom prst="rect">
+                <a:avLst/>
+              </a:prstGeom>
+              <a:noFill/>
+            </p:spPr>
+            <p:style>
+              <a:lnRef idx="2">
+                <a:schemeClr val="accent1">
+                  <a:shade val="50000"/>
+                </a:schemeClr>
+              </a:lnRef>
+              <a:fillRef idx="1">
+                <a:schemeClr val="accent1"/>
+              </a:fillRef>
+              <a:effectRef idx="0">
+                <a:schemeClr val="accent1"/>
+              </a:effectRef>
+              <a:fontRef idx="minor">
+                <a:schemeClr val="lt1"/>
+              </a:fontRef>
+            </p:style>
+            <p:txBody>
+              <a:bodyPr rtlCol="0" anchor="ctr"/>
+              <a:lstStyle/>
+              <a:p>
+                <a:pPr algn="ctr"/>
+                <a:endParaRPr kumimoji="1" lang="ko-KR" altLang="en-US"/>
+              </a:p>
+            </p:txBody>
+          </p:sp>
+        </p:grpSp>
+        <p:sp>
+          <p:nvSpPr>
+            <p:cNvPr id="11" name="모서리가 둥근 직사각형 10"/>
+            <p:cNvSpPr/>
+            <p:nvPr/>
+          </p:nvSpPr>
+          <p:spPr>
+            <a:xfrm>
+              <a:off x="5574535" y="4430356"/>
+              <a:ext cx="1322024" cy="1233888"/>
+            </a:xfrm>
+            <a:prstGeom prst="roundRect">
+              <a:avLst/>
+            </a:prstGeom>
+          </p:spPr>
+          <p:style>
+            <a:lnRef idx="2">
+              <a:schemeClr val="accent1">
+                <a:shade val="50000"/>
+              </a:schemeClr>
+            </a:lnRef>
+            <a:fillRef idx="1">
+              <a:schemeClr val="accent1"/>
+            </a:fillRef>
+            <a:effectRef idx="0">
+              <a:schemeClr val="accent1"/>
+            </a:effectRef>
+            <a:fontRef idx="minor">
+              <a:schemeClr val="lt1"/>
+            </a:fontRef>
+          </p:style>
+          <p:txBody>
+            <a:bodyPr rtlCol="0" anchor="ctr"/>
+            <a:lstStyle/>
+            <a:p>
+              <a:pPr algn="ctr"/>
+              <a:r>
+                <a:rPr lang="ko-KR" altLang="en-US" dirty="0" smtClean="0"/>
+                <a:t>목록보기</a:t>
+              </a:r>
+              <a:endParaRPr lang="ko-KR" altLang="en-US" dirty="0"/>
+            </a:p>
+          </p:txBody>
+        </p:sp>
+        <p:sp>
+          <p:nvSpPr>
+            <p:cNvPr id="12" name="모서리가 둥근 직사각형 11"/>
+            <p:cNvSpPr/>
+            <p:nvPr/>
+          </p:nvSpPr>
+          <p:spPr>
+            <a:xfrm>
+              <a:off x="7201687" y="4430355"/>
+              <a:ext cx="1171257" cy="1233889"/>
+            </a:xfrm>
+            <a:prstGeom prst="roundRect">
+              <a:avLst/>
+            </a:prstGeom>
+          </p:spPr>
+          <p:style>
+            <a:lnRef idx="2">
+              <a:schemeClr val="accent1">
+                <a:shade val="50000"/>
+              </a:schemeClr>
+            </a:lnRef>
+            <a:fillRef idx="1">
+              <a:schemeClr val="accent1"/>
+            </a:fillRef>
+            <a:effectRef idx="0">
+              <a:schemeClr val="accent1"/>
+            </a:effectRef>
+            <a:fontRef idx="minor">
+              <a:schemeClr val="lt1"/>
+            </a:fontRef>
+          </p:style>
+          <p:txBody>
+            <a:bodyPr rtlCol="0" anchor="ctr"/>
+            <a:lstStyle/>
+            <a:p>
+              <a:pPr algn="ctr"/>
+              <a:r>
+                <a:rPr lang="ko-KR" altLang="en-US" dirty="0" smtClean="0"/>
+                <a:t>필기 쓰기</a:t>
+              </a:r>
+              <a:endParaRPr lang="ko-KR" altLang="en-US" dirty="0"/>
+            </a:p>
+          </p:txBody>
+        </p:sp>
+        <p:sp>
+          <p:nvSpPr>
+            <p:cNvPr id="13" name="직사각형 12"/>
+            <p:cNvSpPr/>
+            <p:nvPr/>
+          </p:nvSpPr>
+          <p:spPr>
+            <a:xfrm>
+              <a:off x="5574535" y="1542361"/>
+              <a:ext cx="4000905" cy="2645702"/>
+            </a:xfrm>
+            <a:prstGeom prst="rect">
+              <a:avLst/>
+            </a:prstGeom>
+          </p:spPr>
+          <p:style>
+            <a:lnRef idx="1">
+              <a:schemeClr val="accent1"/>
+            </a:lnRef>
+            <a:fillRef idx="2">
+              <a:schemeClr val="accent1"/>
+            </a:fillRef>
+            <a:effectRef idx="1">
+              <a:schemeClr val="accent1"/>
+            </a:effectRef>
+            <a:fontRef idx="minor">
+              <a:schemeClr val="dk1"/>
+            </a:fontRef>
+          </p:style>
+          <p:txBody>
+            <a:bodyPr rtlCol="0" anchor="ctr"/>
+            <a:lstStyle/>
+            <a:p>
+              <a:pPr algn="ctr"/>
+              <a:r>
+                <a:rPr lang="en-US" altLang="ko-KR" dirty="0" smtClean="0"/>
+                <a:t>@ </a:t>
+              </a:r>
+              <a:r>
+                <a:rPr lang="ko-KR" altLang="en-US" dirty="0" err="1" smtClean="0"/>
+                <a:t>즐겨찾기</a:t>
+              </a:r>
+              <a:r>
+                <a:rPr lang="ko-KR" altLang="en-US" dirty="0" smtClean="0"/>
+                <a:t> 한 필기 </a:t>
+              </a:r>
+              <a:r>
+                <a:rPr lang="en-US" altLang="ko-KR" dirty="0" smtClean="0"/>
+                <a:t>@</a:t>
+              </a:r>
+            </a:p>
+            <a:p>
+              <a:r>
+                <a:rPr lang="en-US" altLang="ko-KR" dirty="0" smtClean="0"/>
+                <a:t>----------------------------------------</a:t>
+              </a:r>
+            </a:p>
+            <a:p>
+              <a:r>
+                <a:rPr lang="en-US" altLang="ko-KR" dirty="0" smtClean="0"/>
+                <a:t>17-3-25 | 1</a:t>
+              </a:r>
+              <a:r>
+                <a:rPr lang="ko-KR" altLang="en-US" dirty="0" smtClean="0"/>
+                <a:t>교시 필기</a:t>
+              </a:r>
+              <a:endParaRPr lang="en-US" altLang="ko-KR" dirty="0" smtClean="0"/>
+            </a:p>
+            <a:p>
+              <a:r>
+                <a:rPr lang="en-US" altLang="ko-KR" dirty="0" smtClean="0"/>
+                <a:t>----------------------------------------</a:t>
+              </a:r>
+            </a:p>
+            <a:p>
+              <a:r>
+                <a:rPr lang="en-US" altLang="ko-KR" dirty="0" smtClean="0"/>
+                <a:t>12-3-23  | </a:t>
+              </a:r>
+              <a:r>
+                <a:rPr lang="ko-KR" altLang="en-US" dirty="0" err="1" smtClean="0"/>
+                <a:t>오픈소스</a:t>
+              </a:r>
+              <a:r>
+                <a:rPr lang="ko-KR" altLang="en-US" dirty="0" smtClean="0"/>
+                <a:t> 필기</a:t>
+              </a:r>
+              <a:endParaRPr lang="en-US" altLang="ko-KR" dirty="0" smtClean="0"/>
+            </a:p>
+            <a:p>
+              <a:r>
+                <a:rPr lang="en-US" altLang="ko-KR" dirty="0" smtClean="0"/>
+                <a:t>12-3-23  | </a:t>
+              </a:r>
+              <a:r>
+                <a:rPr lang="ko-KR" altLang="en-US" dirty="0" smtClean="0"/>
+                <a:t>운영체제 필기</a:t>
+              </a:r>
+              <a:endParaRPr lang="en-US" altLang="ko-KR" dirty="0" smtClean="0"/>
+            </a:p>
+            <a:p>
+              <a:r>
+                <a:rPr lang="en-US" altLang="ko-KR" dirty="0" smtClean="0"/>
+                <a:t>12-3-23 | </a:t>
+              </a:r>
+              <a:r>
+                <a:rPr lang="ko-KR" altLang="en-US" dirty="0" smtClean="0"/>
+                <a:t>장보기 목록</a:t>
+              </a:r>
+              <a:endParaRPr lang="en-US" altLang="ko-KR" dirty="0" smtClean="0"/>
+            </a:p>
+            <a:p>
+              <a:r>
+                <a:rPr lang="en-US" altLang="ko-KR" dirty="0" smtClean="0"/>
+                <a:t>----------------------------------------</a:t>
+              </a:r>
+              <a:endParaRPr lang="ko-KR" altLang="en-US" dirty="0"/>
+            </a:p>
+          </p:txBody>
+        </p:sp>
+        <p:sp>
+          <p:nvSpPr>
+            <p:cNvPr id="14" name="직사각형 13"/>
+            <p:cNvSpPr/>
+            <p:nvPr/>
+          </p:nvSpPr>
+          <p:spPr>
+            <a:xfrm>
+              <a:off x="9423040" y="1542361"/>
+              <a:ext cx="152400" cy="2645702"/>
+            </a:xfrm>
+            <a:prstGeom prst="rect">
+              <a:avLst/>
+            </a:prstGeom>
+          </p:spPr>
+          <p:style>
+            <a:lnRef idx="1">
+              <a:schemeClr val="accent1"/>
+            </a:lnRef>
+            <a:fillRef idx="2">
+              <a:schemeClr val="accent1"/>
+            </a:fillRef>
+            <a:effectRef idx="1">
+              <a:schemeClr val="accent1"/>
+            </a:effectRef>
+            <a:fontRef idx="minor">
+              <a:schemeClr val="dk1"/>
+            </a:fontRef>
+          </p:style>
+          <p:txBody>
+            <a:bodyPr rtlCol="0" anchor="ctr"/>
+            <a:lstStyle/>
+            <a:p>
+              <a:pPr algn="ctr"/>
+              <a:endParaRPr lang="ko-KR" altLang="en-US" dirty="0"/>
+            </a:p>
+          </p:txBody>
+        </p:sp>
+        <p:sp>
+          <p:nvSpPr>
+            <p:cNvPr id="15" name="직사각형 14"/>
+            <p:cNvSpPr/>
+            <p:nvPr/>
+          </p:nvSpPr>
+          <p:spPr>
+            <a:xfrm>
+              <a:off x="9423040" y="2316873"/>
+              <a:ext cx="152400" cy="1134555"/>
+            </a:xfrm>
+            <a:prstGeom prst="rect">
+              <a:avLst/>
+            </a:prstGeom>
+          </p:spPr>
+          <p:style>
+            <a:lnRef idx="3">
+              <a:schemeClr val="lt1"/>
+            </a:lnRef>
+            <a:fillRef idx="1">
+              <a:schemeClr val="accent1"/>
+            </a:fillRef>
+            <a:effectRef idx="1">
+              <a:schemeClr val="accent1"/>
+            </a:effectRef>
+            <a:fontRef idx="minor">
+              <a:schemeClr val="lt1"/>
+            </a:fontRef>
+          </p:style>
+          <p:txBody>
+            <a:bodyPr rtlCol="0" anchor="ctr"/>
+            <a:lstStyle/>
+            <a:p>
+              <a:pPr algn="ctr"/>
+              <a:r>
+                <a:rPr lang="en-US" altLang="ko-KR" dirty="0" smtClean="0"/>
+                <a:t>=</a:t>
+              </a:r>
+              <a:endParaRPr lang="ko-KR" altLang="en-US" dirty="0"/>
+            </a:p>
+          </p:txBody>
+        </p:sp>
+      </p:grpSp>
       <p:sp>
         <p:nvSpPr>
-          <p:cNvPr id="8" name="직사각형 7"/>
-          <p:cNvSpPr/>
-          <p:nvPr/>
-        </p:nvSpPr>
-        <p:spPr>
-          <a:xfrm>
-            <a:off x="4663440" y="640081"/>
-            <a:ext cx="5745480" cy="5773782"/>
-          </a:xfrm>
-          <a:prstGeom prst="rect">
-            <a:avLst/>
-          </a:prstGeom>
-          <a:noFill/>
-        </p:spPr>
-        <p:style>
-          <a:lnRef idx="2">
-            <a:schemeClr val="accent1">
-              <a:shade val="50000"/>
-            </a:schemeClr>
-          </a:lnRef>
-          <a:fillRef idx="1">
-            <a:schemeClr val="accent1"/>
-          </a:fillRef>
-          <a:effectRef idx="0">
-            <a:schemeClr val="accent1"/>
-          </a:effectRef>
-          <a:fontRef idx="minor">
-            <a:schemeClr val="lt1"/>
-          </a:fontRef>
-        </p:style>
-        <p:txBody>
-          <a:bodyPr rtlCol="0" anchor="ctr"/>
-          <a:lstStyle/>
-          <a:p>
-            <a:pPr algn="ctr"/>
-            <a:endParaRPr kumimoji="1" lang="ko-KR" altLang="en-US"/>
-          </a:p>
-        </p:txBody>
-      </p:sp>
-      <p:sp>
-        <p:nvSpPr>
-          <p:cNvPr id="2" name="TextBox 1"/>
+          <p:cNvPr id="17" name="TextBox 16"/>
           <p:cNvSpPr txBox="1"/>
           <p:nvPr/>
         </p:nvSpPr>
         <p:spPr>
           <a:xfrm>
-            <a:off x="5120640" y="1280160"/>
-            <a:ext cx="779381" cy="369332"/>
+            <a:off x="204612" y="1485876"/>
+            <a:ext cx="3113353" cy="2062103"/>
           </a:xfrm>
           <a:prstGeom prst="rect">
             <a:avLst/>
@@ -3976,98 +5622,90 @@
           <a:lstStyle/>
           <a:p>
             <a:r>
-              <a:rPr kumimoji="1" lang="ko-KR" altLang="en-US" dirty="0" smtClean="0"/>
-              <a:t>과목 </a:t>
-            </a:r>
-            <a:r>
-              <a:rPr kumimoji="1" lang="en-US" altLang="ko-KR" dirty="0" smtClean="0"/>
-              <a:t>:</a:t>
-            </a:r>
-            <a:endParaRPr kumimoji="1" lang="ko-KR" altLang="en-US" dirty="0"/>
+              <a:rPr lang="ko-KR" altLang="en-US" sz="1600" dirty="0" smtClean="0"/>
+              <a:t>메뉴로 오게 되면 </a:t>
+            </a:r>
+            <a:r>
+              <a:rPr lang="ko-KR" altLang="en-US" sz="1600" dirty="0" err="1" smtClean="0"/>
+              <a:t>즐겨찾기에</a:t>
+            </a:r>
+            <a:r>
+              <a:rPr lang="ko-KR" altLang="en-US" sz="1600" dirty="0" smtClean="0"/>
+              <a:t> </a:t>
+            </a:r>
+            <a:endParaRPr lang="en-US" altLang="ko-KR" sz="1600" dirty="0" smtClean="0"/>
+          </a:p>
+          <a:p>
+            <a:r>
+              <a:rPr lang="ko-KR" altLang="en-US" sz="1600" dirty="0" smtClean="0"/>
+              <a:t>등록된 글들이 올라오고</a:t>
+            </a:r>
+            <a:r>
+              <a:rPr lang="en-US" altLang="ko-KR" sz="1600" dirty="0" smtClean="0"/>
+              <a:t>, </a:t>
+            </a:r>
+            <a:r>
+              <a:rPr lang="ko-KR" altLang="en-US" sz="1600" dirty="0" smtClean="0"/>
+              <a:t>항목을</a:t>
+            </a:r>
+            <a:endParaRPr lang="en-US" altLang="ko-KR" sz="1600" dirty="0" smtClean="0"/>
+          </a:p>
+          <a:p>
+            <a:r>
+              <a:rPr lang="ko-KR" altLang="en-US" sz="1600" dirty="0" smtClean="0"/>
+              <a:t>클릭하면 해당 글로 이동합니다</a:t>
+            </a:r>
+            <a:r>
+              <a:rPr lang="en-US" altLang="ko-KR" sz="1600" dirty="0" smtClean="0"/>
+              <a:t>.</a:t>
+            </a:r>
+          </a:p>
+          <a:p>
+            <a:endParaRPr lang="en-US" altLang="ko-KR" sz="1600" dirty="0"/>
+          </a:p>
+          <a:p>
+            <a:r>
+              <a:rPr lang="ko-KR" altLang="en-US" sz="1600" dirty="0" smtClean="0"/>
+              <a:t>목록을 보게 되면 전체 글을 다</a:t>
+            </a:r>
+            <a:endParaRPr lang="en-US" altLang="ko-KR" sz="1600" dirty="0" smtClean="0"/>
+          </a:p>
+          <a:p>
+            <a:r>
+              <a:rPr lang="ko-KR" altLang="en-US" sz="1600" dirty="0" smtClean="0"/>
+              <a:t>볼 수 있습니다</a:t>
+            </a:r>
+            <a:r>
+              <a:rPr lang="en-US" altLang="ko-KR" sz="1600" dirty="0" smtClean="0"/>
+              <a:t>.</a:t>
+            </a:r>
+          </a:p>
+          <a:p>
+            <a:endParaRPr lang="en-US" altLang="ko-KR" sz="1600" dirty="0"/>
+          </a:p>
+          <a:p>
+            <a:r>
+              <a:rPr lang="ko-KR" altLang="en-US" sz="1600" dirty="0" smtClean="0"/>
+              <a:t>바로 필기를 쓸 수도 있습니다</a:t>
+            </a:r>
+            <a:r>
+              <a:rPr lang="en-US" altLang="ko-KR" sz="1600" dirty="0" smtClean="0"/>
+              <a:t>.</a:t>
+            </a:r>
+            <a:endParaRPr lang="ko-KR" altLang="en-US" sz="1600" dirty="0"/>
           </a:p>
         </p:txBody>
       </p:sp>
       <p:sp>
         <p:nvSpPr>
-          <p:cNvPr id="11" name="모서리가 둥근 직사각형 10"/>
+          <p:cNvPr id="18" name="모서리가 둥근 직사각형 17"/>
           <p:cNvSpPr/>
           <p:nvPr/>
         </p:nvSpPr>
         <p:spPr>
           <a:xfrm>
-            <a:off x="5900021" y="1138255"/>
-            <a:ext cx="3792619" cy="624840"/>
-          </a:xfrm>
-          <a:prstGeom prst="roundRect">
-            <a:avLst/>
-          </a:prstGeom>
-          <a:noFill/>
-        </p:spPr>
-        <p:style>
-          <a:lnRef idx="2">
-            <a:schemeClr val="accent1">
-              <a:shade val="50000"/>
-            </a:schemeClr>
-          </a:lnRef>
-          <a:fillRef idx="1">
-            <a:schemeClr val="accent1"/>
-          </a:fillRef>
-          <a:effectRef idx="0">
-            <a:schemeClr val="accent1"/>
-          </a:effectRef>
-          <a:fontRef idx="minor">
-            <a:schemeClr val="lt1"/>
-          </a:fontRef>
-        </p:style>
-        <p:txBody>
-          <a:bodyPr rtlCol="0" anchor="ctr"/>
-          <a:lstStyle/>
-          <a:p>
-            <a:pPr algn="ctr"/>
-            <a:endParaRPr kumimoji="1" lang="ko-KR" altLang="en-US"/>
-          </a:p>
-        </p:txBody>
-      </p:sp>
-      <p:sp>
-        <p:nvSpPr>
-          <p:cNvPr id="12" name="TextBox 11"/>
-          <p:cNvSpPr txBox="1"/>
-          <p:nvPr/>
-        </p:nvSpPr>
-        <p:spPr>
-          <a:xfrm>
-            <a:off x="5989320" y="1295400"/>
-            <a:ext cx="1107996" cy="369332"/>
-          </a:xfrm>
-          <a:prstGeom prst="rect">
-            <a:avLst/>
-          </a:prstGeom>
-          <a:noFill/>
-        </p:spPr>
-        <p:txBody>
-          <a:bodyPr wrap="none" rtlCol="0">
-            <a:spAutoFit/>
-          </a:bodyPr>
-          <a:lstStyle/>
-          <a:p>
-            <a:r>
-              <a:rPr kumimoji="1" lang="ko-KR" altLang="en-US" smtClean="0"/>
-              <a:t>오픈소스</a:t>
-            </a:r>
-            <a:endParaRPr kumimoji="1" lang="ko-KR" altLang="en-US"/>
-          </a:p>
-        </p:txBody>
-      </p:sp>
-      <p:sp>
-        <p:nvSpPr>
-          <p:cNvPr id="13" name="모서리가 둥근 직사각형 12"/>
-          <p:cNvSpPr/>
-          <p:nvPr/>
-        </p:nvSpPr>
-        <p:spPr>
-          <a:xfrm>
-            <a:off x="9113520" y="1138256"/>
-            <a:ext cx="579120" cy="624840"/>
+            <a:off x="8580303" y="4430356"/>
+            <a:ext cx="1171257" cy="1233889"/>
           </a:xfrm>
           <a:prstGeom prst="roundRect">
             <a:avLst/>
@@ -4095,441 +5733,17 @@
           <a:p>
             <a:pPr algn="ctr"/>
             <a:r>
-              <a:rPr kumimoji="1" lang="en-US" altLang="ko-KR" dirty="0" smtClean="0"/>
-              <a:t>V</a:t>
-            </a:r>
-            <a:endParaRPr kumimoji="1" lang="ko-KR" altLang="en-US" dirty="0"/>
-          </a:p>
-        </p:txBody>
-      </p:sp>
-      <p:cxnSp>
-        <p:nvCxnSpPr>
-          <p:cNvPr id="15" name="직선 연결선[R] 14"/>
-          <p:cNvCxnSpPr/>
-          <p:nvPr/>
-        </p:nvCxnSpPr>
-        <p:spPr>
-          <a:xfrm>
-            <a:off x="4663440" y="2026920"/>
-            <a:ext cx="5745480" cy="0"/>
-          </a:xfrm>
-          <a:prstGeom prst="line">
-            <a:avLst/>
-          </a:prstGeom>
-        </p:spPr>
-        <p:style>
-          <a:lnRef idx="2">
-            <a:schemeClr val="accent2"/>
-          </a:lnRef>
-          <a:fillRef idx="0">
-            <a:schemeClr val="accent2"/>
-          </a:fillRef>
-          <a:effectRef idx="1">
-            <a:schemeClr val="accent2"/>
-          </a:effectRef>
-          <a:fontRef idx="minor">
-            <a:schemeClr val="tx1"/>
-          </a:fontRef>
-        </p:style>
-      </p:cxnSp>
-      <p:cxnSp>
-        <p:nvCxnSpPr>
-          <p:cNvPr id="17" name="직선 연결선[R] 16"/>
-          <p:cNvCxnSpPr/>
-          <p:nvPr/>
-        </p:nvCxnSpPr>
-        <p:spPr>
-          <a:xfrm>
-            <a:off x="11460480" y="640081"/>
-            <a:ext cx="0" cy="5773782"/>
-          </a:xfrm>
-          <a:prstGeom prst="line">
-            <a:avLst/>
-          </a:prstGeom>
-        </p:spPr>
-        <p:style>
-          <a:lnRef idx="1">
-            <a:schemeClr val="accent1"/>
-          </a:lnRef>
-          <a:fillRef idx="0">
-            <a:schemeClr val="accent1"/>
-          </a:fillRef>
-          <a:effectRef idx="0">
-            <a:schemeClr val="accent1"/>
-          </a:effectRef>
-          <a:fontRef idx="minor">
-            <a:schemeClr val="tx1"/>
-          </a:fontRef>
-        </p:style>
-      </p:cxnSp>
-      <p:sp>
-        <p:nvSpPr>
-          <p:cNvPr id="18" name="직사각형 17"/>
-          <p:cNvSpPr/>
-          <p:nvPr/>
-        </p:nvSpPr>
-        <p:spPr>
-          <a:xfrm>
-            <a:off x="11475719" y="2541117"/>
-            <a:ext cx="244755" cy="1055523"/>
-          </a:xfrm>
-          <a:prstGeom prst="rect">
-            <a:avLst/>
-          </a:prstGeom>
-        </p:spPr>
-        <p:style>
-          <a:lnRef idx="2">
-            <a:schemeClr val="accent1">
-              <a:shade val="50000"/>
-            </a:schemeClr>
-          </a:lnRef>
-          <a:fillRef idx="1">
-            <a:schemeClr val="accent1"/>
-          </a:fillRef>
-          <a:effectRef idx="0">
-            <a:schemeClr val="accent1"/>
-          </a:effectRef>
-          <a:fontRef idx="minor">
-            <a:schemeClr val="lt1"/>
-          </a:fontRef>
-        </p:style>
-        <p:txBody>
-          <a:bodyPr rtlCol="0" anchor="ctr"/>
-          <a:lstStyle/>
-          <a:p>
-            <a:pPr algn="ctr"/>
-            <a:endParaRPr kumimoji="1" lang="ko-KR" altLang="en-US"/>
-          </a:p>
-        </p:txBody>
-      </p:sp>
-      <p:sp>
-        <p:nvSpPr>
-          <p:cNvPr id="19" name="TextBox 18"/>
-          <p:cNvSpPr txBox="1"/>
-          <p:nvPr/>
-        </p:nvSpPr>
-        <p:spPr>
-          <a:xfrm>
-            <a:off x="4849572" y="2289571"/>
-            <a:ext cx="542136" cy="369332"/>
-          </a:xfrm>
-          <a:prstGeom prst="rect">
-            <a:avLst/>
-          </a:prstGeom>
-          <a:noFill/>
-        </p:spPr>
-        <p:txBody>
-          <a:bodyPr wrap="none" rtlCol="0">
-            <a:spAutoFit/>
-          </a:bodyPr>
-          <a:lstStyle/>
-          <a:p>
-            <a:r>
-              <a:rPr kumimoji="1" lang="en-US" altLang="ko-KR" dirty="0" smtClean="0"/>
-              <a:t>3</a:t>
-            </a:r>
-            <a:r>
-              <a:rPr kumimoji="1" lang="ko-KR" altLang="en-US" dirty="0" smtClean="0"/>
-              <a:t>월</a:t>
-            </a:r>
-            <a:endParaRPr kumimoji="1" lang="ko-KR" altLang="en-US" dirty="0"/>
-          </a:p>
-        </p:txBody>
-      </p:sp>
-      <p:sp>
-        <p:nvSpPr>
-          <p:cNvPr id="20" name="TextBox 19"/>
-          <p:cNvSpPr txBox="1"/>
-          <p:nvPr/>
-        </p:nvSpPr>
-        <p:spPr>
-          <a:xfrm>
-            <a:off x="4907280" y="4770120"/>
-            <a:ext cx="542136" cy="369332"/>
-          </a:xfrm>
-          <a:prstGeom prst="rect">
-            <a:avLst/>
-          </a:prstGeom>
-          <a:noFill/>
-        </p:spPr>
-        <p:txBody>
-          <a:bodyPr wrap="none" rtlCol="0">
-            <a:spAutoFit/>
-          </a:bodyPr>
-          <a:lstStyle/>
-          <a:p>
-            <a:r>
-              <a:rPr kumimoji="1" lang="en-US" altLang="ko-KR" dirty="0" smtClean="0"/>
-              <a:t>4</a:t>
-            </a:r>
-            <a:r>
-              <a:rPr kumimoji="1" lang="ko-KR" altLang="en-US" dirty="0" smtClean="0"/>
-              <a:t>월</a:t>
-            </a:r>
-            <a:endParaRPr kumimoji="1" lang="ko-KR" altLang="en-US" dirty="0"/>
-          </a:p>
-        </p:txBody>
-      </p:sp>
-      <p:sp>
-        <p:nvSpPr>
-          <p:cNvPr id="21" name="모서리가 둥근 직사각형 20"/>
-          <p:cNvSpPr/>
-          <p:nvPr/>
-        </p:nvSpPr>
-        <p:spPr>
-          <a:xfrm>
-            <a:off x="4907280" y="2788920"/>
-            <a:ext cx="5196840" cy="502920"/>
-          </a:xfrm>
-          <a:prstGeom prst="roundRect">
-            <a:avLst/>
-          </a:prstGeom>
-        </p:spPr>
-        <p:style>
-          <a:lnRef idx="2">
-            <a:schemeClr val="accent1">
-              <a:shade val="50000"/>
-            </a:schemeClr>
-          </a:lnRef>
-          <a:fillRef idx="1">
-            <a:schemeClr val="accent1"/>
-          </a:fillRef>
-          <a:effectRef idx="0">
-            <a:schemeClr val="accent1"/>
-          </a:effectRef>
-          <a:fontRef idx="minor">
-            <a:schemeClr val="lt1"/>
-          </a:fontRef>
-        </p:style>
-        <p:txBody>
-          <a:bodyPr rtlCol="0" anchor="ctr"/>
-          <a:lstStyle/>
-          <a:p>
-            <a:pPr algn="ctr"/>
-            <a:r>
-              <a:rPr kumimoji="1" lang="en-US" altLang="ko-KR" dirty="0" smtClean="0"/>
-              <a:t>1</a:t>
-            </a:r>
-            <a:r>
-              <a:rPr kumimoji="1" lang="ko-KR" altLang="en-US" dirty="0" smtClean="0"/>
-              <a:t>교시 필기</a:t>
-            </a:r>
-            <a:endParaRPr kumimoji="1" lang="ko-KR" altLang="en-US" dirty="0"/>
-          </a:p>
-        </p:txBody>
-      </p:sp>
-      <p:sp>
-        <p:nvSpPr>
-          <p:cNvPr id="22" name="모서리가 둥근 직사각형 21"/>
-          <p:cNvSpPr/>
-          <p:nvPr/>
-        </p:nvSpPr>
-        <p:spPr>
-          <a:xfrm>
-            <a:off x="4937760" y="3505201"/>
-            <a:ext cx="5196840" cy="502920"/>
-          </a:xfrm>
-          <a:prstGeom prst="roundRect">
-            <a:avLst/>
-          </a:prstGeom>
-        </p:spPr>
-        <p:style>
-          <a:lnRef idx="2">
-            <a:schemeClr val="accent1">
-              <a:shade val="50000"/>
-            </a:schemeClr>
-          </a:lnRef>
-          <a:fillRef idx="1">
-            <a:schemeClr val="accent1"/>
-          </a:fillRef>
-          <a:effectRef idx="0">
-            <a:schemeClr val="accent1"/>
-          </a:effectRef>
-          <a:fontRef idx="minor">
-            <a:schemeClr val="lt1"/>
-          </a:fontRef>
-        </p:style>
-        <p:txBody>
-          <a:bodyPr rtlCol="0" anchor="ctr"/>
-          <a:lstStyle/>
-          <a:p>
-            <a:pPr algn="ctr"/>
-            <a:r>
-              <a:rPr kumimoji="1" lang="en-US" altLang="ko-KR" dirty="0" smtClean="0"/>
-              <a:t>1</a:t>
-            </a:r>
-            <a:r>
-              <a:rPr kumimoji="1" lang="ko-KR" altLang="en-US" dirty="0" smtClean="0"/>
-              <a:t>교시 숙제</a:t>
-            </a:r>
-            <a:endParaRPr kumimoji="1" lang="ko-KR" altLang="en-US" dirty="0"/>
-          </a:p>
-        </p:txBody>
-      </p:sp>
-      <p:sp>
-        <p:nvSpPr>
-          <p:cNvPr id="23" name="모서리가 둥근 직사각형 22"/>
-          <p:cNvSpPr/>
-          <p:nvPr/>
-        </p:nvSpPr>
-        <p:spPr>
-          <a:xfrm>
-            <a:off x="4937760" y="4220394"/>
-            <a:ext cx="5196840" cy="502920"/>
-          </a:xfrm>
-          <a:prstGeom prst="roundRect">
-            <a:avLst/>
-          </a:prstGeom>
-        </p:spPr>
-        <p:style>
-          <a:lnRef idx="2">
-            <a:schemeClr val="accent1">
-              <a:shade val="50000"/>
-            </a:schemeClr>
-          </a:lnRef>
-          <a:fillRef idx="1">
-            <a:schemeClr val="accent1"/>
-          </a:fillRef>
-          <a:effectRef idx="0">
-            <a:schemeClr val="accent1"/>
-          </a:effectRef>
-          <a:fontRef idx="minor">
-            <a:schemeClr val="lt1"/>
-          </a:fontRef>
-        </p:style>
-        <p:txBody>
-          <a:bodyPr rtlCol="0" anchor="ctr"/>
-          <a:lstStyle/>
-          <a:p>
-            <a:pPr algn="ctr"/>
-            <a:r>
-              <a:rPr kumimoji="1" lang="en-US" altLang="ko-KR" dirty="0" smtClean="0"/>
-              <a:t>2</a:t>
-            </a:r>
-            <a:r>
-              <a:rPr kumimoji="1" lang="ko-KR" altLang="en-US" dirty="0" smtClean="0"/>
-              <a:t>교시</a:t>
-            </a:r>
-            <a:endParaRPr kumimoji="1" lang="ko-KR" altLang="en-US" dirty="0"/>
-          </a:p>
-        </p:txBody>
-      </p:sp>
-      <p:sp>
-        <p:nvSpPr>
-          <p:cNvPr id="24" name="모서리가 둥근 직사각형 23"/>
-          <p:cNvSpPr/>
-          <p:nvPr/>
-        </p:nvSpPr>
-        <p:spPr>
-          <a:xfrm>
-            <a:off x="4937760" y="5186801"/>
-            <a:ext cx="5196840" cy="502920"/>
-          </a:xfrm>
-          <a:prstGeom prst="roundRect">
-            <a:avLst/>
-          </a:prstGeom>
-        </p:spPr>
-        <p:style>
-          <a:lnRef idx="2">
-            <a:schemeClr val="accent1">
-              <a:shade val="50000"/>
-            </a:schemeClr>
-          </a:lnRef>
-          <a:fillRef idx="1">
-            <a:schemeClr val="accent1"/>
-          </a:fillRef>
-          <a:effectRef idx="0">
-            <a:schemeClr val="accent1"/>
-          </a:effectRef>
-          <a:fontRef idx="minor">
-            <a:schemeClr val="lt1"/>
-          </a:fontRef>
-        </p:style>
-        <p:txBody>
-          <a:bodyPr rtlCol="0" anchor="ctr"/>
-          <a:lstStyle/>
-          <a:p>
-            <a:pPr algn="ctr"/>
-            <a:r>
-              <a:rPr kumimoji="1" lang="en-US" altLang="ko-KR" dirty="0" smtClean="0"/>
-              <a:t>3</a:t>
-            </a:r>
-            <a:r>
-              <a:rPr kumimoji="1" lang="ko-KR" altLang="en-US" dirty="0" smtClean="0"/>
-              <a:t>주차 </a:t>
-            </a:r>
-            <a:r>
-              <a:rPr kumimoji="1" lang="en-US" altLang="ko-KR" dirty="0" smtClean="0"/>
-              <a:t>:</a:t>
-            </a:r>
-            <a:r>
-              <a:rPr kumimoji="1" lang="ko-KR" altLang="en-US" dirty="0" smtClean="0"/>
-              <a:t> 레일즈</a:t>
-            </a:r>
-            <a:endParaRPr kumimoji="1" lang="ko-KR" altLang="en-US" dirty="0"/>
-          </a:p>
-        </p:txBody>
-      </p:sp>
-      <p:sp>
-        <p:nvSpPr>
-          <p:cNvPr id="25" name="모서리가 둥근 직사각형 24"/>
-          <p:cNvSpPr/>
-          <p:nvPr/>
-        </p:nvSpPr>
-        <p:spPr>
-          <a:xfrm>
-            <a:off x="4907280" y="5848197"/>
-            <a:ext cx="5196840" cy="502920"/>
-          </a:xfrm>
-          <a:prstGeom prst="roundRect">
-            <a:avLst/>
-          </a:prstGeom>
-        </p:spPr>
-        <p:style>
-          <a:lnRef idx="2">
-            <a:schemeClr val="accent1">
-              <a:shade val="50000"/>
-            </a:schemeClr>
-          </a:lnRef>
-          <a:fillRef idx="1">
-            <a:schemeClr val="accent1"/>
-          </a:fillRef>
-          <a:effectRef idx="0">
-            <a:schemeClr val="accent1"/>
-          </a:effectRef>
-          <a:fontRef idx="minor">
-            <a:schemeClr val="lt1"/>
-          </a:fontRef>
-        </p:style>
-        <p:txBody>
-          <a:bodyPr rtlCol="0" anchor="ctr"/>
-          <a:lstStyle/>
-          <a:p>
-            <a:pPr algn="ctr"/>
-            <a:r>
-              <a:rPr kumimoji="1" lang="en-US" altLang="ko-KR" dirty="0" smtClean="0"/>
-              <a:t>4</a:t>
-            </a:r>
-            <a:r>
-              <a:rPr kumimoji="1" lang="ko-KR" altLang="en-US" dirty="0" smtClean="0"/>
-              <a:t>주차 </a:t>
-            </a:r>
-            <a:r>
-              <a:rPr kumimoji="1" lang="en-US" altLang="ko-KR" dirty="0" smtClean="0"/>
-              <a:t>:</a:t>
-            </a:r>
-            <a:r>
-              <a:rPr kumimoji="1" lang="ko-KR" altLang="en-US" dirty="0" smtClean="0"/>
-              <a:t> 시험대비</a:t>
-            </a:r>
-            <a:endParaRPr kumimoji="1" lang="ko-KR" altLang="en-US" dirty="0"/>
+              <a:rPr lang="ko-KR" altLang="en-US" dirty="0" smtClean="0"/>
+              <a:t>관리</a:t>
+            </a:r>
+            <a:endParaRPr lang="ko-KR" altLang="en-US" dirty="0"/>
           </a:p>
         </p:txBody>
       </p:sp>
     </p:spTree>
     <p:extLst>
       <p:ext uri="{BB962C8B-B14F-4D97-AF65-F5344CB8AC3E}">
-        <p14:creationId xmlns:p14="http://schemas.microsoft.com/office/powerpoint/2010/main" val="873613932"/>
+        <p14:creationId xmlns:p14="http://schemas.microsoft.com/office/powerpoint/2010/main" val="3215485238"/>
       </p:ext>
     </p:extLst>
   </p:cSld>
@@ -4572,463 +5786,6 @@
         <p:spPr>
           <a:xfrm>
             <a:off x="783771" y="953589"/>
-            <a:ext cx="1189749" cy="369332"/>
-          </a:xfrm>
-          <a:prstGeom prst="rect">
-            <a:avLst/>
-          </a:prstGeom>
-          <a:noFill/>
-        </p:spPr>
-        <p:txBody>
-          <a:bodyPr wrap="none" rtlCol="0">
-            <a:spAutoFit/>
-          </a:bodyPr>
-          <a:lstStyle/>
-          <a:p>
-            <a:r>
-              <a:rPr kumimoji="1" lang="ko-KR" altLang="en-US" dirty="0" smtClean="0"/>
-              <a:t>필기 읽기</a:t>
-            </a:r>
-            <a:endParaRPr kumimoji="1" lang="ko-KR" altLang="en-US" dirty="0"/>
-          </a:p>
-        </p:txBody>
-      </p:sp>
-      <p:sp>
-        <p:nvSpPr>
-          <p:cNvPr id="3" name="직사각형 2"/>
-          <p:cNvSpPr/>
-          <p:nvPr/>
-        </p:nvSpPr>
-        <p:spPr>
-          <a:xfrm>
-            <a:off x="3317965" y="640081"/>
-            <a:ext cx="8401595" cy="5773782"/>
-          </a:xfrm>
-          <a:prstGeom prst="rect">
-            <a:avLst/>
-          </a:prstGeom>
-          <a:noFill/>
-        </p:spPr>
-        <p:style>
-          <a:lnRef idx="2">
-            <a:schemeClr val="accent1">
-              <a:shade val="50000"/>
-            </a:schemeClr>
-          </a:lnRef>
-          <a:fillRef idx="1">
-            <a:schemeClr val="accent1"/>
-          </a:fillRef>
-          <a:effectRef idx="0">
-            <a:schemeClr val="accent1"/>
-          </a:effectRef>
-          <a:fontRef idx="minor">
-            <a:schemeClr val="lt1"/>
-          </a:fontRef>
-        </p:style>
-        <p:txBody>
-          <a:bodyPr rtlCol="0" anchor="ctr"/>
-          <a:lstStyle/>
-          <a:p>
-            <a:pPr algn="ctr"/>
-            <a:endParaRPr kumimoji="1" lang="ko-KR" altLang="en-US"/>
-          </a:p>
-        </p:txBody>
-      </p:sp>
-      <p:sp>
-        <p:nvSpPr>
-          <p:cNvPr id="8" name="직사각형 7"/>
-          <p:cNvSpPr/>
-          <p:nvPr/>
-        </p:nvSpPr>
-        <p:spPr>
-          <a:xfrm>
-            <a:off x="4663440" y="640081"/>
-            <a:ext cx="5745480" cy="5773782"/>
-          </a:xfrm>
-          <a:prstGeom prst="rect">
-            <a:avLst/>
-          </a:prstGeom>
-          <a:noFill/>
-        </p:spPr>
-        <p:style>
-          <a:lnRef idx="2">
-            <a:schemeClr val="accent1">
-              <a:shade val="50000"/>
-            </a:schemeClr>
-          </a:lnRef>
-          <a:fillRef idx="1">
-            <a:schemeClr val="accent1"/>
-          </a:fillRef>
-          <a:effectRef idx="0">
-            <a:schemeClr val="accent1"/>
-          </a:effectRef>
-          <a:fontRef idx="minor">
-            <a:schemeClr val="lt1"/>
-          </a:fontRef>
-        </p:style>
-        <p:txBody>
-          <a:bodyPr rtlCol="0" anchor="ctr"/>
-          <a:lstStyle/>
-          <a:p>
-            <a:pPr algn="ctr"/>
-            <a:endParaRPr kumimoji="1" lang="ko-KR" altLang="en-US"/>
-          </a:p>
-        </p:txBody>
-      </p:sp>
-      <p:sp>
-        <p:nvSpPr>
-          <p:cNvPr id="2" name="모서리가 둥근 직사각형 1"/>
-          <p:cNvSpPr/>
-          <p:nvPr/>
-        </p:nvSpPr>
-        <p:spPr>
-          <a:xfrm>
-            <a:off x="5181600" y="1097280"/>
-            <a:ext cx="2712720" cy="518160"/>
-          </a:xfrm>
-          <a:prstGeom prst="roundRect">
-            <a:avLst/>
-          </a:prstGeom>
-          <a:noFill/>
-        </p:spPr>
-        <p:style>
-          <a:lnRef idx="2">
-            <a:schemeClr val="accent1">
-              <a:shade val="50000"/>
-            </a:schemeClr>
-          </a:lnRef>
-          <a:fillRef idx="1">
-            <a:schemeClr val="accent1"/>
-          </a:fillRef>
-          <a:effectRef idx="0">
-            <a:schemeClr val="accent1"/>
-          </a:effectRef>
-          <a:fontRef idx="minor">
-            <a:schemeClr val="lt1"/>
-          </a:fontRef>
-        </p:style>
-        <p:txBody>
-          <a:bodyPr rtlCol="0" anchor="ctr"/>
-          <a:lstStyle/>
-          <a:p>
-            <a:pPr algn="ctr"/>
-            <a:endParaRPr kumimoji="1" lang="ko-KR" altLang="en-US"/>
-          </a:p>
-        </p:txBody>
-      </p:sp>
-      <p:sp>
-        <p:nvSpPr>
-          <p:cNvPr id="9" name="직사각형 8"/>
-          <p:cNvSpPr/>
-          <p:nvPr/>
-        </p:nvSpPr>
-        <p:spPr>
-          <a:xfrm>
-            <a:off x="5181600" y="2697480"/>
-            <a:ext cx="4587240" cy="3032759"/>
-          </a:xfrm>
-          <a:prstGeom prst="rect">
-            <a:avLst/>
-          </a:prstGeom>
-          <a:noFill/>
-        </p:spPr>
-        <p:style>
-          <a:lnRef idx="2">
-            <a:schemeClr val="accent1">
-              <a:shade val="50000"/>
-            </a:schemeClr>
-          </a:lnRef>
-          <a:fillRef idx="1">
-            <a:schemeClr val="accent1"/>
-          </a:fillRef>
-          <a:effectRef idx="0">
-            <a:schemeClr val="accent1"/>
-          </a:effectRef>
-          <a:fontRef idx="minor">
-            <a:schemeClr val="lt1"/>
-          </a:fontRef>
-        </p:style>
-        <p:txBody>
-          <a:bodyPr rtlCol="0" anchor="ctr"/>
-          <a:lstStyle/>
-          <a:p>
-            <a:pPr algn="ctr"/>
-            <a:endParaRPr kumimoji="1" lang="ko-KR" altLang="en-US"/>
-          </a:p>
-        </p:txBody>
-      </p:sp>
-      <p:sp>
-        <p:nvSpPr>
-          <p:cNvPr id="10" name="모서리가 둥근 직사각형 9"/>
-          <p:cNvSpPr/>
-          <p:nvPr/>
-        </p:nvSpPr>
-        <p:spPr>
-          <a:xfrm>
-            <a:off x="8214360" y="1097280"/>
-            <a:ext cx="1554480" cy="518160"/>
-          </a:xfrm>
-          <a:prstGeom prst="roundRect">
-            <a:avLst/>
-          </a:prstGeom>
-          <a:noFill/>
-        </p:spPr>
-        <p:style>
-          <a:lnRef idx="2">
-            <a:schemeClr val="accent1">
-              <a:shade val="50000"/>
-            </a:schemeClr>
-          </a:lnRef>
-          <a:fillRef idx="1">
-            <a:schemeClr val="accent1"/>
-          </a:fillRef>
-          <a:effectRef idx="0">
-            <a:schemeClr val="accent1"/>
-          </a:effectRef>
-          <a:fontRef idx="minor">
-            <a:schemeClr val="lt1"/>
-          </a:fontRef>
-        </p:style>
-        <p:txBody>
-          <a:bodyPr rtlCol="0" anchor="ctr"/>
-          <a:lstStyle/>
-          <a:p>
-            <a:pPr algn="ctr"/>
-            <a:endParaRPr kumimoji="1" lang="ko-KR" altLang="en-US"/>
-          </a:p>
-        </p:txBody>
-      </p:sp>
-      <p:sp>
-        <p:nvSpPr>
-          <p:cNvPr id="11" name="모서리가 둥근 직사각형 10"/>
-          <p:cNvSpPr/>
-          <p:nvPr/>
-        </p:nvSpPr>
-        <p:spPr>
-          <a:xfrm>
-            <a:off x="9239794" y="1097280"/>
-            <a:ext cx="513805" cy="518160"/>
-          </a:xfrm>
-          <a:prstGeom prst="roundRect">
-            <a:avLst/>
-          </a:prstGeom>
-          <a:noFill/>
-        </p:spPr>
-        <p:style>
-          <a:lnRef idx="2">
-            <a:schemeClr val="accent1">
-              <a:shade val="50000"/>
-            </a:schemeClr>
-          </a:lnRef>
-          <a:fillRef idx="1">
-            <a:schemeClr val="accent1"/>
-          </a:fillRef>
-          <a:effectRef idx="0">
-            <a:schemeClr val="accent1"/>
-          </a:effectRef>
-          <a:fontRef idx="minor">
-            <a:schemeClr val="lt1"/>
-          </a:fontRef>
-        </p:style>
-        <p:txBody>
-          <a:bodyPr rtlCol="0" anchor="ctr"/>
-          <a:lstStyle/>
-          <a:p>
-            <a:pPr algn="ctr"/>
-            <a:endParaRPr kumimoji="1" lang="ko-KR" altLang="en-US"/>
-          </a:p>
-        </p:txBody>
-      </p:sp>
-      <p:sp>
-        <p:nvSpPr>
-          <p:cNvPr id="12" name="TextBox 11"/>
-          <p:cNvSpPr txBox="1"/>
-          <p:nvPr/>
-        </p:nvSpPr>
-        <p:spPr>
-          <a:xfrm>
-            <a:off x="9331426" y="1165162"/>
-            <a:ext cx="330540" cy="369332"/>
-          </a:xfrm>
-          <a:prstGeom prst="rect">
-            <a:avLst/>
-          </a:prstGeom>
-          <a:noFill/>
-        </p:spPr>
-        <p:txBody>
-          <a:bodyPr wrap="none" rtlCol="0">
-            <a:spAutoFit/>
-          </a:bodyPr>
-          <a:lstStyle/>
-          <a:p>
-            <a:r>
-              <a:rPr kumimoji="1" lang="en-US" altLang="ko-KR"/>
-              <a:t>V</a:t>
-            </a:r>
-            <a:endParaRPr kumimoji="1" lang="ko-KR" altLang="en-US" dirty="0"/>
-          </a:p>
-        </p:txBody>
-      </p:sp>
-      <p:sp>
-        <p:nvSpPr>
-          <p:cNvPr id="13" name="TextBox 12"/>
-          <p:cNvSpPr txBox="1"/>
-          <p:nvPr/>
-        </p:nvSpPr>
-        <p:spPr>
-          <a:xfrm>
-            <a:off x="8265950" y="1173868"/>
-            <a:ext cx="1007007" cy="369332"/>
-          </a:xfrm>
-          <a:prstGeom prst="rect">
-            <a:avLst/>
-          </a:prstGeom>
-          <a:noFill/>
-        </p:spPr>
-        <p:txBody>
-          <a:bodyPr wrap="none" rtlCol="0">
-            <a:spAutoFit/>
-          </a:bodyPr>
-          <a:lstStyle/>
-          <a:p>
-            <a:r>
-              <a:rPr kumimoji="1" lang="en-US" altLang="ko-KR" smtClean="0"/>
-              <a:t>17-3-02</a:t>
-            </a:r>
-            <a:endParaRPr kumimoji="1" lang="ko-KR" altLang="en-US" dirty="0"/>
-          </a:p>
-        </p:txBody>
-      </p:sp>
-      <p:sp>
-        <p:nvSpPr>
-          <p:cNvPr id="14" name="모서리가 둥근 직사각형 13"/>
-          <p:cNvSpPr/>
-          <p:nvPr/>
-        </p:nvSpPr>
-        <p:spPr>
-          <a:xfrm>
-            <a:off x="5181600" y="1935480"/>
-            <a:ext cx="3825240" cy="502920"/>
-          </a:xfrm>
-          <a:prstGeom prst="roundRect">
-            <a:avLst/>
-          </a:prstGeom>
-          <a:noFill/>
-        </p:spPr>
-        <p:style>
-          <a:lnRef idx="2">
-            <a:schemeClr val="accent1">
-              <a:shade val="50000"/>
-            </a:schemeClr>
-          </a:lnRef>
-          <a:fillRef idx="1">
-            <a:schemeClr val="accent1"/>
-          </a:fillRef>
-          <a:effectRef idx="0">
-            <a:schemeClr val="accent1"/>
-          </a:effectRef>
-          <a:fontRef idx="minor">
-            <a:schemeClr val="lt1"/>
-          </a:fontRef>
-        </p:style>
-        <p:txBody>
-          <a:bodyPr rtlCol="0" anchor="ctr"/>
-          <a:lstStyle/>
-          <a:p>
-            <a:pPr algn="ctr"/>
-            <a:endParaRPr kumimoji="1" lang="ko-KR" altLang="en-US"/>
-          </a:p>
-        </p:txBody>
-      </p:sp>
-      <p:sp>
-        <p:nvSpPr>
-          <p:cNvPr id="16" name="TextBox 15"/>
-          <p:cNvSpPr txBox="1"/>
-          <p:nvPr/>
-        </p:nvSpPr>
-        <p:spPr>
-          <a:xfrm>
-            <a:off x="5246918" y="2013942"/>
-            <a:ext cx="772969" cy="369332"/>
-          </a:xfrm>
-          <a:prstGeom prst="rect">
-            <a:avLst/>
-          </a:prstGeom>
-          <a:noFill/>
-        </p:spPr>
-        <p:txBody>
-          <a:bodyPr wrap="none" rtlCol="0">
-            <a:spAutoFit/>
-          </a:bodyPr>
-          <a:lstStyle/>
-          <a:p>
-            <a:r>
-              <a:rPr kumimoji="1" lang="en-US" altLang="ko-KR" dirty="0" smtClean="0"/>
-              <a:t>1</a:t>
-            </a:r>
-            <a:r>
-              <a:rPr kumimoji="1" lang="ko-KR" altLang="en-US" dirty="0" smtClean="0"/>
-              <a:t>주차</a:t>
-            </a:r>
-            <a:endParaRPr kumimoji="1" lang="ko-KR" altLang="en-US" dirty="0"/>
-          </a:p>
-        </p:txBody>
-      </p:sp>
-      <p:sp>
-        <p:nvSpPr>
-          <p:cNvPr id="17" name="TextBox 16"/>
-          <p:cNvSpPr txBox="1"/>
-          <p:nvPr/>
-        </p:nvSpPr>
-        <p:spPr>
-          <a:xfrm>
-            <a:off x="5246918" y="2910839"/>
-            <a:ext cx="1156086" cy="1200329"/>
-          </a:xfrm>
-          <a:prstGeom prst="rect">
-            <a:avLst/>
-          </a:prstGeom>
-          <a:noFill/>
-        </p:spPr>
-        <p:txBody>
-          <a:bodyPr wrap="none" rtlCol="0">
-            <a:spAutoFit/>
-          </a:bodyPr>
-          <a:lstStyle/>
-          <a:p>
-            <a:r>
-              <a:rPr kumimoji="1" lang="en-US" altLang="ko-KR" dirty="0" smtClean="0"/>
-              <a:t>~~~~~~</a:t>
-            </a:r>
-          </a:p>
-          <a:p>
-            <a:endParaRPr kumimoji="1" lang="en-US" altLang="ko-KR" dirty="0"/>
-          </a:p>
-          <a:p>
-            <a:r>
-              <a:rPr kumimoji="1" lang="ko-KR" altLang="en-US" dirty="0" smtClean="0"/>
-              <a:t>필기내용</a:t>
-            </a:r>
-            <a:endParaRPr kumimoji="1" lang="en-US" altLang="ko-KR" dirty="0" smtClean="0"/>
-          </a:p>
-          <a:p>
-            <a:r>
-              <a:rPr kumimoji="1" lang="en-US" altLang="ko-KR" dirty="0" smtClean="0"/>
-              <a:t>~~~~~`</a:t>
-            </a:r>
-            <a:endParaRPr kumimoji="1" lang="ko-KR" altLang="en-US" dirty="0"/>
-          </a:p>
-        </p:txBody>
-      </p:sp>
-      <p:sp>
-        <p:nvSpPr>
-          <p:cNvPr id="18" name="TextBox 17"/>
-          <p:cNvSpPr txBox="1"/>
-          <p:nvPr/>
-        </p:nvSpPr>
-        <p:spPr>
-          <a:xfrm>
-            <a:off x="5403211" y="1188023"/>
             <a:ext cx="1107996" cy="369332"/>
           </a:xfrm>
           <a:prstGeom prst="rect">
@@ -5043,64 +5800,685 @@
           <a:lstStyle/>
           <a:p>
             <a:r>
-              <a:rPr kumimoji="1" lang="ko-KR" altLang="en-US" smtClean="0"/>
-              <a:t>오픈소스</a:t>
-            </a:r>
-            <a:endParaRPr kumimoji="1" lang="ko-KR" altLang="en-US"/>
+              <a:rPr kumimoji="1" lang="ko-KR" altLang="en-US" dirty="0" smtClean="0"/>
+              <a:t>목록보기</a:t>
+            </a:r>
+            <a:endParaRPr kumimoji="1" lang="ko-KR" altLang="en-US" dirty="0"/>
           </a:p>
         </p:txBody>
       </p:sp>
+      <p:grpSp>
+        <p:nvGrpSpPr>
+          <p:cNvPr id="4" name="그룹 3"/>
+          <p:cNvGrpSpPr/>
+          <p:nvPr/>
+        </p:nvGrpSpPr>
+        <p:grpSpPr>
+          <a:xfrm>
+            <a:off x="3317965" y="640081"/>
+            <a:ext cx="8402509" cy="5773782"/>
+            <a:chOff x="3317965" y="640081"/>
+            <a:chExt cx="8402509" cy="5773782"/>
+          </a:xfrm>
+        </p:grpSpPr>
+        <p:sp>
+          <p:nvSpPr>
+            <p:cNvPr id="3" name="직사각형 2"/>
+            <p:cNvSpPr/>
+            <p:nvPr/>
+          </p:nvSpPr>
+          <p:spPr>
+            <a:xfrm>
+              <a:off x="3317965" y="640081"/>
+              <a:ext cx="8401595" cy="5773782"/>
+            </a:xfrm>
+            <a:prstGeom prst="rect">
+              <a:avLst/>
+            </a:prstGeom>
+            <a:noFill/>
+          </p:spPr>
+          <p:style>
+            <a:lnRef idx="2">
+              <a:schemeClr val="accent1">
+                <a:shade val="50000"/>
+              </a:schemeClr>
+            </a:lnRef>
+            <a:fillRef idx="1">
+              <a:schemeClr val="accent1"/>
+            </a:fillRef>
+            <a:effectRef idx="0">
+              <a:schemeClr val="accent1"/>
+            </a:effectRef>
+            <a:fontRef idx="minor">
+              <a:schemeClr val="lt1"/>
+            </a:fontRef>
+          </p:style>
+          <p:txBody>
+            <a:bodyPr rtlCol="0" anchor="ctr"/>
+            <a:lstStyle/>
+            <a:p>
+              <a:pPr algn="ctr"/>
+              <a:endParaRPr kumimoji="1" lang="ko-KR" altLang="en-US"/>
+            </a:p>
+          </p:txBody>
+        </p:sp>
+        <p:sp>
+          <p:nvSpPr>
+            <p:cNvPr id="8" name="직사각형 7"/>
+            <p:cNvSpPr/>
+            <p:nvPr/>
+          </p:nvSpPr>
+          <p:spPr>
+            <a:xfrm>
+              <a:off x="4663440" y="640081"/>
+              <a:ext cx="5745480" cy="5773782"/>
+            </a:xfrm>
+            <a:prstGeom prst="rect">
+              <a:avLst/>
+            </a:prstGeom>
+            <a:noFill/>
+          </p:spPr>
+          <p:style>
+            <a:lnRef idx="2">
+              <a:schemeClr val="accent1">
+                <a:shade val="50000"/>
+              </a:schemeClr>
+            </a:lnRef>
+            <a:fillRef idx="1">
+              <a:schemeClr val="accent1"/>
+            </a:fillRef>
+            <a:effectRef idx="0">
+              <a:schemeClr val="accent1"/>
+            </a:effectRef>
+            <a:fontRef idx="minor">
+              <a:schemeClr val="lt1"/>
+            </a:fontRef>
+          </p:style>
+          <p:txBody>
+            <a:bodyPr rtlCol="0" anchor="ctr"/>
+            <a:lstStyle/>
+            <a:p>
+              <a:pPr algn="ctr"/>
+              <a:endParaRPr kumimoji="1" lang="ko-KR" altLang="en-US"/>
+            </a:p>
+          </p:txBody>
+        </p:sp>
+        <p:sp>
+          <p:nvSpPr>
+            <p:cNvPr id="2" name="TextBox 1"/>
+            <p:cNvSpPr txBox="1"/>
+            <p:nvPr/>
+          </p:nvSpPr>
+          <p:spPr>
+            <a:xfrm>
+              <a:off x="5120640" y="1280160"/>
+              <a:ext cx="779381" cy="369332"/>
+            </a:xfrm>
+            <a:prstGeom prst="rect">
+              <a:avLst/>
+            </a:prstGeom>
+            <a:noFill/>
+          </p:spPr>
+          <p:txBody>
+            <a:bodyPr wrap="none" rtlCol="0">
+              <a:spAutoFit/>
+            </a:bodyPr>
+            <a:lstStyle/>
+            <a:p>
+              <a:r>
+                <a:rPr kumimoji="1" lang="ko-KR" altLang="en-US" dirty="0" smtClean="0"/>
+                <a:t>과목 </a:t>
+              </a:r>
+              <a:r>
+                <a:rPr kumimoji="1" lang="en-US" altLang="ko-KR" dirty="0" smtClean="0"/>
+                <a:t>:</a:t>
+              </a:r>
+              <a:endParaRPr kumimoji="1" lang="ko-KR" altLang="en-US" dirty="0"/>
+            </a:p>
+          </p:txBody>
+        </p:sp>
+        <p:sp>
+          <p:nvSpPr>
+            <p:cNvPr id="11" name="모서리가 둥근 직사각형 10"/>
+            <p:cNvSpPr/>
+            <p:nvPr/>
+          </p:nvSpPr>
+          <p:spPr>
+            <a:xfrm>
+              <a:off x="5900021" y="1138255"/>
+              <a:ext cx="3792619" cy="624840"/>
+            </a:xfrm>
+            <a:prstGeom prst="roundRect">
+              <a:avLst/>
+            </a:prstGeom>
+            <a:noFill/>
+          </p:spPr>
+          <p:style>
+            <a:lnRef idx="2">
+              <a:schemeClr val="accent1">
+                <a:shade val="50000"/>
+              </a:schemeClr>
+            </a:lnRef>
+            <a:fillRef idx="1">
+              <a:schemeClr val="accent1"/>
+            </a:fillRef>
+            <a:effectRef idx="0">
+              <a:schemeClr val="accent1"/>
+            </a:effectRef>
+            <a:fontRef idx="minor">
+              <a:schemeClr val="lt1"/>
+            </a:fontRef>
+          </p:style>
+          <p:txBody>
+            <a:bodyPr rtlCol="0" anchor="ctr"/>
+            <a:lstStyle/>
+            <a:p>
+              <a:pPr algn="ctr"/>
+              <a:endParaRPr kumimoji="1" lang="ko-KR" altLang="en-US"/>
+            </a:p>
+          </p:txBody>
+        </p:sp>
+        <p:sp>
+          <p:nvSpPr>
+            <p:cNvPr id="12" name="TextBox 11"/>
+            <p:cNvSpPr txBox="1"/>
+            <p:nvPr/>
+          </p:nvSpPr>
+          <p:spPr>
+            <a:xfrm>
+              <a:off x="5989320" y="1295400"/>
+              <a:ext cx="1107996" cy="369332"/>
+            </a:xfrm>
+            <a:prstGeom prst="rect">
+              <a:avLst/>
+            </a:prstGeom>
+            <a:noFill/>
+          </p:spPr>
+          <p:txBody>
+            <a:bodyPr wrap="none" rtlCol="0">
+              <a:spAutoFit/>
+            </a:bodyPr>
+            <a:lstStyle/>
+            <a:p>
+              <a:r>
+                <a:rPr kumimoji="1" lang="ko-KR" altLang="en-US" smtClean="0"/>
+                <a:t>오픈소스</a:t>
+              </a:r>
+              <a:endParaRPr kumimoji="1" lang="ko-KR" altLang="en-US"/>
+            </a:p>
+          </p:txBody>
+        </p:sp>
+        <p:sp>
+          <p:nvSpPr>
+            <p:cNvPr id="13" name="모서리가 둥근 직사각형 12"/>
+            <p:cNvSpPr/>
+            <p:nvPr/>
+          </p:nvSpPr>
+          <p:spPr>
+            <a:xfrm>
+              <a:off x="9113520" y="1138256"/>
+              <a:ext cx="579120" cy="624840"/>
+            </a:xfrm>
+            <a:prstGeom prst="roundRect">
+              <a:avLst/>
+            </a:prstGeom>
+          </p:spPr>
+          <p:style>
+            <a:lnRef idx="2">
+              <a:schemeClr val="accent1">
+                <a:shade val="50000"/>
+              </a:schemeClr>
+            </a:lnRef>
+            <a:fillRef idx="1">
+              <a:schemeClr val="accent1"/>
+            </a:fillRef>
+            <a:effectRef idx="0">
+              <a:schemeClr val="accent1"/>
+            </a:effectRef>
+            <a:fontRef idx="minor">
+              <a:schemeClr val="lt1"/>
+            </a:fontRef>
+          </p:style>
+          <p:txBody>
+            <a:bodyPr rtlCol="0" anchor="ctr"/>
+            <a:lstStyle/>
+            <a:p>
+              <a:pPr algn="ctr"/>
+              <a:r>
+                <a:rPr kumimoji="1" lang="en-US" altLang="ko-KR" dirty="0" smtClean="0"/>
+                <a:t>V</a:t>
+              </a:r>
+              <a:endParaRPr kumimoji="1" lang="ko-KR" altLang="en-US" dirty="0"/>
+            </a:p>
+          </p:txBody>
+        </p:sp>
+        <p:cxnSp>
+          <p:nvCxnSpPr>
+            <p:cNvPr id="15" name="직선 연결선[R] 14"/>
+            <p:cNvCxnSpPr/>
+            <p:nvPr/>
+          </p:nvCxnSpPr>
+          <p:spPr>
+            <a:xfrm>
+              <a:off x="4663440" y="2026920"/>
+              <a:ext cx="5745480" cy="0"/>
+            </a:xfrm>
+            <a:prstGeom prst="line">
+              <a:avLst/>
+            </a:prstGeom>
+          </p:spPr>
+          <p:style>
+            <a:lnRef idx="2">
+              <a:schemeClr val="accent2"/>
+            </a:lnRef>
+            <a:fillRef idx="0">
+              <a:schemeClr val="accent2"/>
+            </a:fillRef>
+            <a:effectRef idx="1">
+              <a:schemeClr val="accent2"/>
+            </a:effectRef>
+            <a:fontRef idx="minor">
+              <a:schemeClr val="tx1"/>
+            </a:fontRef>
+          </p:style>
+        </p:cxnSp>
+        <p:cxnSp>
+          <p:nvCxnSpPr>
+            <p:cNvPr id="17" name="직선 연결선[R] 16"/>
+            <p:cNvCxnSpPr/>
+            <p:nvPr/>
+          </p:nvCxnSpPr>
+          <p:spPr>
+            <a:xfrm>
+              <a:off x="11460480" y="640081"/>
+              <a:ext cx="0" cy="5773782"/>
+            </a:xfrm>
+            <a:prstGeom prst="line">
+              <a:avLst/>
+            </a:prstGeom>
+          </p:spPr>
+          <p:style>
+            <a:lnRef idx="1">
+              <a:schemeClr val="accent1"/>
+            </a:lnRef>
+            <a:fillRef idx="0">
+              <a:schemeClr val="accent1"/>
+            </a:fillRef>
+            <a:effectRef idx="0">
+              <a:schemeClr val="accent1"/>
+            </a:effectRef>
+            <a:fontRef idx="minor">
+              <a:schemeClr val="tx1"/>
+            </a:fontRef>
+          </p:style>
+        </p:cxnSp>
+        <p:sp>
+          <p:nvSpPr>
+            <p:cNvPr id="18" name="직사각형 17"/>
+            <p:cNvSpPr/>
+            <p:nvPr/>
+          </p:nvSpPr>
+          <p:spPr>
+            <a:xfrm>
+              <a:off x="11475719" y="2541117"/>
+              <a:ext cx="244755" cy="1055523"/>
+            </a:xfrm>
+            <a:prstGeom prst="rect">
+              <a:avLst/>
+            </a:prstGeom>
+          </p:spPr>
+          <p:style>
+            <a:lnRef idx="2">
+              <a:schemeClr val="accent1">
+                <a:shade val="50000"/>
+              </a:schemeClr>
+            </a:lnRef>
+            <a:fillRef idx="1">
+              <a:schemeClr val="accent1"/>
+            </a:fillRef>
+            <a:effectRef idx="0">
+              <a:schemeClr val="accent1"/>
+            </a:effectRef>
+            <a:fontRef idx="minor">
+              <a:schemeClr val="lt1"/>
+            </a:fontRef>
+          </p:style>
+          <p:txBody>
+            <a:bodyPr rtlCol="0" anchor="ctr"/>
+            <a:lstStyle/>
+            <a:p>
+              <a:pPr algn="ctr"/>
+              <a:endParaRPr kumimoji="1" lang="ko-KR" altLang="en-US"/>
+            </a:p>
+          </p:txBody>
+        </p:sp>
+        <p:sp>
+          <p:nvSpPr>
+            <p:cNvPr id="19" name="TextBox 18"/>
+            <p:cNvSpPr txBox="1"/>
+            <p:nvPr/>
+          </p:nvSpPr>
+          <p:spPr>
+            <a:xfrm>
+              <a:off x="4849572" y="2289571"/>
+              <a:ext cx="542136" cy="369332"/>
+            </a:xfrm>
+            <a:prstGeom prst="rect">
+              <a:avLst/>
+            </a:prstGeom>
+            <a:noFill/>
+          </p:spPr>
+          <p:txBody>
+            <a:bodyPr wrap="none" rtlCol="0">
+              <a:spAutoFit/>
+            </a:bodyPr>
+            <a:lstStyle/>
+            <a:p>
+              <a:r>
+                <a:rPr kumimoji="1" lang="en-US" altLang="ko-KR" dirty="0" smtClean="0"/>
+                <a:t>3</a:t>
+              </a:r>
+              <a:r>
+                <a:rPr kumimoji="1" lang="ko-KR" altLang="en-US" dirty="0" smtClean="0"/>
+                <a:t>월</a:t>
+              </a:r>
+              <a:endParaRPr kumimoji="1" lang="ko-KR" altLang="en-US" dirty="0"/>
+            </a:p>
+          </p:txBody>
+        </p:sp>
+        <p:sp>
+          <p:nvSpPr>
+            <p:cNvPr id="20" name="TextBox 19"/>
+            <p:cNvSpPr txBox="1"/>
+            <p:nvPr/>
+          </p:nvSpPr>
+          <p:spPr>
+            <a:xfrm>
+              <a:off x="4907280" y="4770120"/>
+              <a:ext cx="542136" cy="369332"/>
+            </a:xfrm>
+            <a:prstGeom prst="rect">
+              <a:avLst/>
+            </a:prstGeom>
+            <a:noFill/>
+          </p:spPr>
+          <p:txBody>
+            <a:bodyPr wrap="none" rtlCol="0">
+              <a:spAutoFit/>
+            </a:bodyPr>
+            <a:lstStyle/>
+            <a:p>
+              <a:r>
+                <a:rPr kumimoji="1" lang="en-US" altLang="ko-KR" dirty="0"/>
+                <a:t>2</a:t>
+              </a:r>
+              <a:r>
+                <a:rPr kumimoji="1" lang="ko-KR" altLang="en-US" dirty="0" smtClean="0"/>
+                <a:t>월</a:t>
+              </a:r>
+              <a:endParaRPr kumimoji="1" lang="ko-KR" altLang="en-US" dirty="0"/>
+            </a:p>
+          </p:txBody>
+        </p:sp>
+        <p:sp>
+          <p:nvSpPr>
+            <p:cNvPr id="21" name="모서리가 둥근 직사각형 20"/>
+            <p:cNvSpPr/>
+            <p:nvPr/>
+          </p:nvSpPr>
+          <p:spPr>
+            <a:xfrm>
+              <a:off x="4907280" y="2788920"/>
+              <a:ext cx="5196840" cy="502920"/>
+            </a:xfrm>
+            <a:prstGeom prst="roundRect">
+              <a:avLst/>
+            </a:prstGeom>
+          </p:spPr>
+          <p:style>
+            <a:lnRef idx="2">
+              <a:schemeClr val="accent1">
+                <a:shade val="50000"/>
+              </a:schemeClr>
+            </a:lnRef>
+            <a:fillRef idx="1">
+              <a:schemeClr val="accent1"/>
+            </a:fillRef>
+            <a:effectRef idx="0">
+              <a:schemeClr val="accent1"/>
+            </a:effectRef>
+            <a:fontRef idx="minor">
+              <a:schemeClr val="lt1"/>
+            </a:fontRef>
+          </p:style>
+          <p:txBody>
+            <a:bodyPr rtlCol="0" anchor="ctr"/>
+            <a:lstStyle/>
+            <a:p>
+              <a:pPr algn="ctr"/>
+              <a:r>
+                <a:rPr kumimoji="1" lang="en-US" altLang="ko-KR" dirty="0" smtClean="0"/>
+                <a:t>1</a:t>
+              </a:r>
+              <a:r>
+                <a:rPr kumimoji="1" lang="ko-KR" altLang="en-US" dirty="0" smtClean="0"/>
+                <a:t>교시 필기</a:t>
+              </a:r>
+              <a:endParaRPr kumimoji="1" lang="ko-KR" altLang="en-US" dirty="0"/>
+            </a:p>
+          </p:txBody>
+        </p:sp>
+        <p:sp>
+          <p:nvSpPr>
+            <p:cNvPr id="22" name="모서리가 둥근 직사각형 21"/>
+            <p:cNvSpPr/>
+            <p:nvPr/>
+          </p:nvSpPr>
+          <p:spPr>
+            <a:xfrm>
+              <a:off x="4937760" y="3505201"/>
+              <a:ext cx="5196840" cy="502920"/>
+            </a:xfrm>
+            <a:prstGeom prst="roundRect">
+              <a:avLst/>
+            </a:prstGeom>
+          </p:spPr>
+          <p:style>
+            <a:lnRef idx="2">
+              <a:schemeClr val="accent1">
+                <a:shade val="50000"/>
+              </a:schemeClr>
+            </a:lnRef>
+            <a:fillRef idx="1">
+              <a:schemeClr val="accent1"/>
+            </a:fillRef>
+            <a:effectRef idx="0">
+              <a:schemeClr val="accent1"/>
+            </a:effectRef>
+            <a:fontRef idx="minor">
+              <a:schemeClr val="lt1"/>
+            </a:fontRef>
+          </p:style>
+          <p:txBody>
+            <a:bodyPr rtlCol="0" anchor="ctr"/>
+            <a:lstStyle/>
+            <a:p>
+              <a:pPr algn="ctr"/>
+              <a:r>
+                <a:rPr kumimoji="1" lang="en-US" altLang="ko-KR" dirty="0" smtClean="0"/>
+                <a:t>1</a:t>
+              </a:r>
+              <a:r>
+                <a:rPr kumimoji="1" lang="ko-KR" altLang="en-US" dirty="0" smtClean="0"/>
+                <a:t>교시 숙제</a:t>
+              </a:r>
+              <a:endParaRPr kumimoji="1" lang="ko-KR" altLang="en-US" dirty="0"/>
+            </a:p>
+          </p:txBody>
+        </p:sp>
+        <p:sp>
+          <p:nvSpPr>
+            <p:cNvPr id="23" name="모서리가 둥근 직사각형 22"/>
+            <p:cNvSpPr/>
+            <p:nvPr/>
+          </p:nvSpPr>
+          <p:spPr>
+            <a:xfrm>
+              <a:off x="4937760" y="4220394"/>
+              <a:ext cx="5196840" cy="502920"/>
+            </a:xfrm>
+            <a:prstGeom prst="roundRect">
+              <a:avLst/>
+            </a:prstGeom>
+          </p:spPr>
+          <p:style>
+            <a:lnRef idx="2">
+              <a:schemeClr val="accent1">
+                <a:shade val="50000"/>
+              </a:schemeClr>
+            </a:lnRef>
+            <a:fillRef idx="1">
+              <a:schemeClr val="accent1"/>
+            </a:fillRef>
+            <a:effectRef idx="0">
+              <a:schemeClr val="accent1"/>
+            </a:effectRef>
+            <a:fontRef idx="minor">
+              <a:schemeClr val="lt1"/>
+            </a:fontRef>
+          </p:style>
+          <p:txBody>
+            <a:bodyPr rtlCol="0" anchor="ctr"/>
+            <a:lstStyle/>
+            <a:p>
+              <a:pPr algn="ctr"/>
+              <a:r>
+                <a:rPr kumimoji="1" lang="en-US" altLang="ko-KR" dirty="0" smtClean="0"/>
+                <a:t>2</a:t>
+              </a:r>
+              <a:r>
+                <a:rPr kumimoji="1" lang="ko-KR" altLang="en-US" dirty="0" smtClean="0"/>
+                <a:t>교시</a:t>
+              </a:r>
+              <a:endParaRPr kumimoji="1" lang="ko-KR" altLang="en-US" dirty="0"/>
+            </a:p>
+          </p:txBody>
+        </p:sp>
+        <p:sp>
+          <p:nvSpPr>
+            <p:cNvPr id="24" name="모서리가 둥근 직사각형 23"/>
+            <p:cNvSpPr/>
+            <p:nvPr/>
+          </p:nvSpPr>
+          <p:spPr>
+            <a:xfrm>
+              <a:off x="4937760" y="5186801"/>
+              <a:ext cx="5196840" cy="502920"/>
+            </a:xfrm>
+            <a:prstGeom prst="roundRect">
+              <a:avLst/>
+            </a:prstGeom>
+          </p:spPr>
+          <p:style>
+            <a:lnRef idx="2">
+              <a:schemeClr val="accent1">
+                <a:shade val="50000"/>
+              </a:schemeClr>
+            </a:lnRef>
+            <a:fillRef idx="1">
+              <a:schemeClr val="accent1"/>
+            </a:fillRef>
+            <a:effectRef idx="0">
+              <a:schemeClr val="accent1"/>
+            </a:effectRef>
+            <a:fontRef idx="minor">
+              <a:schemeClr val="lt1"/>
+            </a:fontRef>
+          </p:style>
+          <p:txBody>
+            <a:bodyPr rtlCol="0" anchor="ctr"/>
+            <a:lstStyle/>
+            <a:p>
+              <a:pPr algn="ctr"/>
+              <a:r>
+                <a:rPr kumimoji="1" lang="en-US" altLang="ko-KR" dirty="0"/>
+                <a:t>1</a:t>
+              </a:r>
+              <a:r>
+                <a:rPr kumimoji="1" lang="ko-KR" altLang="en-US" dirty="0" smtClean="0"/>
+                <a:t>주차 </a:t>
+              </a:r>
+              <a:r>
+                <a:rPr kumimoji="1" lang="en-US" altLang="ko-KR" dirty="0" smtClean="0"/>
+                <a:t>:</a:t>
+              </a:r>
+              <a:r>
+                <a:rPr kumimoji="1" lang="ko-KR" altLang="en-US" dirty="0" smtClean="0"/>
+                <a:t> 레일즈</a:t>
+              </a:r>
+              <a:endParaRPr kumimoji="1" lang="ko-KR" altLang="en-US" dirty="0"/>
+            </a:p>
+          </p:txBody>
+        </p:sp>
+        <p:sp>
+          <p:nvSpPr>
+            <p:cNvPr id="25" name="모서리가 둥근 직사각형 24"/>
+            <p:cNvSpPr/>
+            <p:nvPr/>
+          </p:nvSpPr>
+          <p:spPr>
+            <a:xfrm>
+              <a:off x="4907280" y="5848197"/>
+              <a:ext cx="5196840" cy="502920"/>
+            </a:xfrm>
+            <a:prstGeom prst="roundRect">
+              <a:avLst/>
+            </a:prstGeom>
+          </p:spPr>
+          <p:style>
+            <a:lnRef idx="2">
+              <a:schemeClr val="accent1">
+                <a:shade val="50000"/>
+              </a:schemeClr>
+            </a:lnRef>
+            <a:fillRef idx="1">
+              <a:schemeClr val="accent1"/>
+            </a:fillRef>
+            <a:effectRef idx="0">
+              <a:schemeClr val="accent1"/>
+            </a:effectRef>
+            <a:fontRef idx="minor">
+              <a:schemeClr val="lt1"/>
+            </a:fontRef>
+          </p:style>
+          <p:txBody>
+            <a:bodyPr rtlCol="0" anchor="ctr"/>
+            <a:lstStyle/>
+            <a:p>
+              <a:pPr algn="ctr"/>
+              <a:r>
+                <a:rPr kumimoji="1" lang="en-US" altLang="ko-KR" dirty="0" smtClean="0"/>
+                <a:t>1</a:t>
+              </a:r>
+              <a:r>
+                <a:rPr kumimoji="1" lang="ko-KR" altLang="en-US" dirty="0" smtClean="0"/>
+                <a:t>주차 과제목록</a:t>
+              </a:r>
+              <a:endParaRPr kumimoji="1" lang="ko-KR" altLang="en-US" dirty="0"/>
+            </a:p>
+          </p:txBody>
+        </p:sp>
+      </p:grpSp>
       <p:sp>
         <p:nvSpPr>
-          <p:cNvPr id="19" name="모서리가 둥근 직사각형 18"/>
-          <p:cNvSpPr/>
-          <p:nvPr/>
-        </p:nvSpPr>
-        <p:spPr>
-          <a:xfrm>
-            <a:off x="7380514" y="1112520"/>
-            <a:ext cx="513805" cy="518160"/>
-          </a:xfrm>
-          <a:prstGeom prst="roundRect">
-            <a:avLst/>
-          </a:prstGeom>
-          <a:noFill/>
-        </p:spPr>
-        <p:style>
-          <a:lnRef idx="2">
-            <a:schemeClr val="accent1">
-              <a:shade val="50000"/>
-            </a:schemeClr>
-          </a:lnRef>
-          <a:fillRef idx="1">
-            <a:schemeClr val="accent1"/>
-          </a:fillRef>
-          <a:effectRef idx="0">
-            <a:schemeClr val="accent1"/>
-          </a:effectRef>
-          <a:fontRef idx="minor">
-            <a:schemeClr val="lt1"/>
-          </a:fontRef>
-        </p:style>
-        <p:txBody>
-          <a:bodyPr rtlCol="0" anchor="ctr"/>
-          <a:lstStyle/>
-          <a:p>
-            <a:pPr algn="ctr"/>
-            <a:endParaRPr kumimoji="1" lang="ko-KR" altLang="en-US"/>
-          </a:p>
-        </p:txBody>
-      </p:sp>
-      <p:sp>
-        <p:nvSpPr>
-          <p:cNvPr id="20" name="TextBox 19"/>
+          <p:cNvPr id="9" name="TextBox 8"/>
           <p:cNvSpPr txBox="1"/>
           <p:nvPr/>
         </p:nvSpPr>
         <p:spPr>
           <a:xfrm>
-            <a:off x="7498080" y="1173480"/>
-            <a:ext cx="330540" cy="369332"/>
+            <a:off x="451692" y="2026920"/>
+            <a:ext cx="2504212" cy="1169551"/>
           </a:xfrm>
           <a:prstGeom prst="rect">
             <a:avLst/>
@@ -5114,153 +6492,68 @@
           <a:lstStyle/>
           <a:p>
             <a:r>
-              <a:rPr kumimoji="1" lang="en-US" altLang="ko-KR" smtClean="0"/>
-              <a:t>V</a:t>
-            </a:r>
-            <a:endParaRPr kumimoji="1" lang="ko-KR" altLang="en-US" dirty="0"/>
-          </a:p>
-        </p:txBody>
-      </p:sp>
-      <p:sp>
-        <p:nvSpPr>
-          <p:cNvPr id="21" name="모서리가 둥근 직사각형 20"/>
-          <p:cNvSpPr/>
-          <p:nvPr/>
-        </p:nvSpPr>
-        <p:spPr>
-          <a:xfrm>
-            <a:off x="5181600" y="5834743"/>
-            <a:ext cx="723803" cy="533400"/>
-          </a:xfrm>
-          <a:prstGeom prst="roundRect">
-            <a:avLst/>
-          </a:prstGeom>
-        </p:spPr>
-        <p:style>
-          <a:lnRef idx="2">
-            <a:schemeClr val="accent1">
-              <a:shade val="50000"/>
-            </a:schemeClr>
-          </a:lnRef>
-          <a:fillRef idx="1">
-            <a:schemeClr val="accent1"/>
-          </a:fillRef>
-          <a:effectRef idx="0">
-            <a:schemeClr val="accent1"/>
-          </a:effectRef>
-          <a:fontRef idx="minor">
-            <a:schemeClr val="lt1"/>
-          </a:fontRef>
-        </p:style>
-        <p:txBody>
-          <a:bodyPr rtlCol="0" anchor="ctr"/>
-          <a:lstStyle/>
-          <a:p>
-            <a:pPr algn="ctr"/>
-            <a:r>
-              <a:rPr kumimoji="1" lang="ko-KR" altLang="en-US" dirty="0" smtClean="0"/>
-              <a:t>삭제하기</a:t>
-            </a:r>
-            <a:endParaRPr kumimoji="1" lang="ko-KR" altLang="en-US" dirty="0"/>
-          </a:p>
-        </p:txBody>
-      </p:sp>
-      <p:sp>
-        <p:nvSpPr>
-          <p:cNvPr id="22" name="모서리가 둥근 직사각형 21"/>
-          <p:cNvSpPr/>
-          <p:nvPr/>
-        </p:nvSpPr>
-        <p:spPr>
-          <a:xfrm>
-            <a:off x="6061661" y="5849982"/>
-            <a:ext cx="842059" cy="533400"/>
-          </a:xfrm>
-          <a:prstGeom prst="roundRect">
-            <a:avLst/>
-          </a:prstGeom>
-        </p:spPr>
-        <p:style>
-          <a:lnRef idx="2">
-            <a:schemeClr val="accent1">
-              <a:shade val="50000"/>
-            </a:schemeClr>
-          </a:lnRef>
-          <a:fillRef idx="1">
-            <a:schemeClr val="accent1"/>
-          </a:fillRef>
-          <a:effectRef idx="0">
-            <a:schemeClr val="accent1"/>
-          </a:effectRef>
-          <a:fontRef idx="minor">
-            <a:schemeClr val="lt1"/>
-          </a:fontRef>
-        </p:style>
-        <p:txBody>
-          <a:bodyPr rtlCol="0" anchor="ctr"/>
-          <a:lstStyle/>
-          <a:p>
-            <a:pPr algn="ctr"/>
-            <a:r>
-              <a:rPr kumimoji="1" lang="en-US" altLang="ko-KR" smtClean="0"/>
-              <a:t>Email </a:t>
-            </a:r>
-            <a:endParaRPr kumimoji="1" lang="ko-KR" altLang="en-US" dirty="0"/>
-          </a:p>
-        </p:txBody>
-      </p:sp>
-      <p:sp>
-        <p:nvSpPr>
-          <p:cNvPr id="23" name="모서리가 둥근 직사각형 22"/>
-          <p:cNvSpPr/>
-          <p:nvPr/>
-        </p:nvSpPr>
-        <p:spPr>
-          <a:xfrm>
-            <a:off x="6986561" y="5834743"/>
-            <a:ext cx="842059" cy="533400"/>
-          </a:xfrm>
-          <a:prstGeom prst="roundRect">
-            <a:avLst/>
-          </a:prstGeom>
-        </p:spPr>
-        <p:style>
-          <a:lnRef idx="2">
-            <a:schemeClr val="accent1">
-              <a:shade val="50000"/>
-            </a:schemeClr>
-          </a:lnRef>
-          <a:fillRef idx="1">
-            <a:schemeClr val="accent1"/>
-          </a:fillRef>
-          <a:effectRef idx="0">
-            <a:schemeClr val="accent1"/>
-          </a:effectRef>
-          <a:fontRef idx="minor">
-            <a:schemeClr val="lt1"/>
-          </a:fontRef>
-        </p:style>
-        <p:txBody>
-          <a:bodyPr rtlCol="0" anchor="ctr"/>
-          <a:lstStyle/>
-          <a:p>
-            <a:pPr algn="ctr"/>
-            <a:r>
-              <a:rPr kumimoji="1" lang="ko-KR" altLang="en-US" dirty="0" smtClean="0"/>
-              <a:t>즐겨찾기</a:t>
-            </a:r>
-            <a:r>
-              <a:rPr kumimoji="1" lang="en-US" altLang="ko-KR" dirty="0" smtClean="0"/>
+              <a:rPr lang="ko-KR" altLang="en-US" sz="1400" dirty="0" smtClean="0"/>
+              <a:t>목록은 </a:t>
+            </a:r>
+            <a:r>
+              <a:rPr lang="ko-KR" altLang="en-US" sz="1400" dirty="0" err="1" smtClean="0"/>
+              <a:t>월단위로</a:t>
+            </a:r>
+            <a:r>
+              <a:rPr lang="ko-KR" altLang="en-US" sz="1400" dirty="0" smtClean="0"/>
               <a:t> </a:t>
             </a:r>
-            <a:endParaRPr kumimoji="1" lang="ko-KR" altLang="en-US" dirty="0"/>
+            <a:r>
+              <a:rPr lang="ko-KR" altLang="en-US" sz="1400" dirty="0" err="1" smtClean="0"/>
+              <a:t>최근순부터</a:t>
+            </a:r>
+            <a:endParaRPr lang="en-US" altLang="ko-KR" sz="1400" dirty="0" smtClean="0"/>
+          </a:p>
+          <a:p>
+            <a:r>
+              <a:rPr lang="ko-KR" altLang="en-US" sz="1400" dirty="0" smtClean="0"/>
+              <a:t>나열됩니다</a:t>
+            </a:r>
+            <a:r>
+              <a:rPr lang="en-US" altLang="ko-KR" sz="1400" dirty="0" smtClean="0"/>
+              <a:t>. </a:t>
+            </a:r>
+            <a:r>
+              <a:rPr lang="ko-KR" altLang="en-US" sz="1400" dirty="0" smtClean="0"/>
+              <a:t>제목을 클릭하면</a:t>
+            </a:r>
+            <a:endParaRPr lang="en-US" altLang="ko-KR" sz="1400" dirty="0" smtClean="0"/>
+          </a:p>
+          <a:p>
+            <a:r>
+              <a:rPr lang="ko-KR" altLang="en-US" sz="1400" dirty="0" smtClean="0"/>
+              <a:t>해당 글로 이동합니다</a:t>
+            </a:r>
+            <a:r>
+              <a:rPr lang="en-US" altLang="ko-KR" sz="1400" dirty="0" smtClean="0"/>
+              <a:t>.</a:t>
+            </a:r>
+          </a:p>
+          <a:p>
+            <a:endParaRPr lang="en-US" altLang="ko-KR" sz="1400" dirty="0"/>
+          </a:p>
+          <a:p>
+            <a:r>
+              <a:rPr lang="ko-KR" altLang="en-US" sz="1400" dirty="0" smtClean="0"/>
+              <a:t>과목은 이동할 수 있습니다</a:t>
+            </a:r>
+            <a:r>
+              <a:rPr lang="en-US" altLang="ko-KR" sz="1400" dirty="0" smtClean="0"/>
+              <a:t>.</a:t>
+            </a:r>
+            <a:endParaRPr lang="ko-KR" altLang="en-US" sz="1400" dirty="0"/>
           </a:p>
         </p:txBody>
       </p:sp>
     </p:spTree>
     <p:extLst>
       <p:ext uri="{BB962C8B-B14F-4D97-AF65-F5344CB8AC3E}">
-        <p14:creationId xmlns:p14="http://schemas.microsoft.com/office/powerpoint/2010/main" val="1866978034"/>
+        <p14:creationId xmlns:p14="http://schemas.microsoft.com/office/powerpoint/2010/main" val="873613932"/>
       </p:ext>
     </p:extLst>
   </p:cSld>
@@ -5303,383 +6596,6 @@
         <p:spPr>
           <a:xfrm>
             <a:off x="783771" y="953589"/>
-            <a:ext cx="1107996" cy="369332"/>
-          </a:xfrm>
-          <a:prstGeom prst="rect">
-            <a:avLst/>
-          </a:prstGeom>
-          <a:noFill/>
-        </p:spPr>
-        <p:txBody>
-          <a:bodyPr wrap="none" rtlCol="0">
-            <a:spAutoFit/>
-          </a:bodyPr>
-          <a:lstStyle/>
-          <a:p>
-            <a:r>
-              <a:rPr kumimoji="1" lang="ko-KR" altLang="en-US" dirty="0" smtClean="0"/>
-              <a:t>수정하기</a:t>
-            </a:r>
-            <a:endParaRPr kumimoji="1" lang="ko-KR" altLang="en-US" dirty="0"/>
-          </a:p>
-        </p:txBody>
-      </p:sp>
-      <p:sp>
-        <p:nvSpPr>
-          <p:cNvPr id="3" name="직사각형 2"/>
-          <p:cNvSpPr/>
-          <p:nvPr/>
-        </p:nvSpPr>
-        <p:spPr>
-          <a:xfrm>
-            <a:off x="3317965" y="640081"/>
-            <a:ext cx="8401595" cy="5773782"/>
-          </a:xfrm>
-          <a:prstGeom prst="rect">
-            <a:avLst/>
-          </a:prstGeom>
-          <a:noFill/>
-        </p:spPr>
-        <p:style>
-          <a:lnRef idx="2">
-            <a:schemeClr val="accent1">
-              <a:shade val="50000"/>
-            </a:schemeClr>
-          </a:lnRef>
-          <a:fillRef idx="1">
-            <a:schemeClr val="accent1"/>
-          </a:fillRef>
-          <a:effectRef idx="0">
-            <a:schemeClr val="accent1"/>
-          </a:effectRef>
-          <a:fontRef idx="minor">
-            <a:schemeClr val="lt1"/>
-          </a:fontRef>
-        </p:style>
-        <p:txBody>
-          <a:bodyPr rtlCol="0" anchor="ctr"/>
-          <a:lstStyle/>
-          <a:p>
-            <a:pPr algn="ctr"/>
-            <a:endParaRPr kumimoji="1" lang="ko-KR" altLang="en-US"/>
-          </a:p>
-        </p:txBody>
-      </p:sp>
-      <p:sp>
-        <p:nvSpPr>
-          <p:cNvPr id="8" name="직사각형 7"/>
-          <p:cNvSpPr/>
-          <p:nvPr/>
-        </p:nvSpPr>
-        <p:spPr>
-          <a:xfrm>
-            <a:off x="4663440" y="640081"/>
-            <a:ext cx="5745480" cy="5773782"/>
-          </a:xfrm>
-          <a:prstGeom prst="rect">
-            <a:avLst/>
-          </a:prstGeom>
-          <a:noFill/>
-        </p:spPr>
-        <p:style>
-          <a:lnRef idx="2">
-            <a:schemeClr val="accent1">
-              <a:shade val="50000"/>
-            </a:schemeClr>
-          </a:lnRef>
-          <a:fillRef idx="1">
-            <a:schemeClr val="accent1"/>
-          </a:fillRef>
-          <a:effectRef idx="0">
-            <a:schemeClr val="accent1"/>
-          </a:effectRef>
-          <a:fontRef idx="minor">
-            <a:schemeClr val="lt1"/>
-          </a:fontRef>
-        </p:style>
-        <p:txBody>
-          <a:bodyPr rtlCol="0" anchor="ctr"/>
-          <a:lstStyle/>
-          <a:p>
-            <a:pPr algn="ctr"/>
-            <a:endParaRPr kumimoji="1" lang="ko-KR" altLang="en-US"/>
-          </a:p>
-        </p:txBody>
-      </p:sp>
-      <p:sp>
-        <p:nvSpPr>
-          <p:cNvPr id="2" name="모서리가 둥근 직사각형 1"/>
-          <p:cNvSpPr/>
-          <p:nvPr/>
-        </p:nvSpPr>
-        <p:spPr>
-          <a:xfrm>
-            <a:off x="5181600" y="1097280"/>
-            <a:ext cx="2712720" cy="518160"/>
-          </a:xfrm>
-          <a:prstGeom prst="roundRect">
-            <a:avLst/>
-          </a:prstGeom>
-          <a:noFill/>
-        </p:spPr>
-        <p:style>
-          <a:lnRef idx="2">
-            <a:schemeClr val="accent1">
-              <a:shade val="50000"/>
-            </a:schemeClr>
-          </a:lnRef>
-          <a:fillRef idx="1">
-            <a:schemeClr val="accent1"/>
-          </a:fillRef>
-          <a:effectRef idx="0">
-            <a:schemeClr val="accent1"/>
-          </a:effectRef>
-          <a:fontRef idx="minor">
-            <a:schemeClr val="lt1"/>
-          </a:fontRef>
-        </p:style>
-        <p:txBody>
-          <a:bodyPr rtlCol="0" anchor="ctr"/>
-          <a:lstStyle/>
-          <a:p>
-            <a:pPr algn="ctr"/>
-            <a:endParaRPr kumimoji="1" lang="ko-KR" altLang="en-US"/>
-          </a:p>
-        </p:txBody>
-      </p:sp>
-      <p:sp>
-        <p:nvSpPr>
-          <p:cNvPr id="9" name="직사각형 8"/>
-          <p:cNvSpPr/>
-          <p:nvPr/>
-        </p:nvSpPr>
-        <p:spPr>
-          <a:xfrm>
-            <a:off x="5181600" y="2697480"/>
-            <a:ext cx="4587240" cy="3032759"/>
-          </a:xfrm>
-          <a:prstGeom prst="rect">
-            <a:avLst/>
-          </a:prstGeom>
-          <a:noFill/>
-        </p:spPr>
-        <p:style>
-          <a:lnRef idx="2">
-            <a:schemeClr val="accent1">
-              <a:shade val="50000"/>
-            </a:schemeClr>
-          </a:lnRef>
-          <a:fillRef idx="1">
-            <a:schemeClr val="accent1"/>
-          </a:fillRef>
-          <a:effectRef idx="0">
-            <a:schemeClr val="accent1"/>
-          </a:effectRef>
-          <a:fontRef idx="minor">
-            <a:schemeClr val="lt1"/>
-          </a:fontRef>
-        </p:style>
-        <p:txBody>
-          <a:bodyPr rtlCol="0" anchor="ctr"/>
-          <a:lstStyle/>
-          <a:p>
-            <a:pPr algn="ctr"/>
-            <a:endParaRPr kumimoji="1" lang="ko-KR" altLang="en-US"/>
-          </a:p>
-        </p:txBody>
-      </p:sp>
-      <p:sp>
-        <p:nvSpPr>
-          <p:cNvPr id="10" name="모서리가 둥근 직사각형 9"/>
-          <p:cNvSpPr/>
-          <p:nvPr/>
-        </p:nvSpPr>
-        <p:spPr>
-          <a:xfrm>
-            <a:off x="8214360" y="1097280"/>
-            <a:ext cx="1554480" cy="518160"/>
-          </a:xfrm>
-          <a:prstGeom prst="roundRect">
-            <a:avLst/>
-          </a:prstGeom>
-          <a:noFill/>
-        </p:spPr>
-        <p:style>
-          <a:lnRef idx="2">
-            <a:schemeClr val="accent1">
-              <a:shade val="50000"/>
-            </a:schemeClr>
-          </a:lnRef>
-          <a:fillRef idx="1">
-            <a:schemeClr val="accent1"/>
-          </a:fillRef>
-          <a:effectRef idx="0">
-            <a:schemeClr val="accent1"/>
-          </a:effectRef>
-          <a:fontRef idx="minor">
-            <a:schemeClr val="lt1"/>
-          </a:fontRef>
-        </p:style>
-        <p:txBody>
-          <a:bodyPr rtlCol="0" anchor="ctr"/>
-          <a:lstStyle/>
-          <a:p>
-            <a:pPr algn="ctr"/>
-            <a:endParaRPr kumimoji="1" lang="ko-KR" altLang="en-US"/>
-          </a:p>
-        </p:txBody>
-      </p:sp>
-      <p:sp>
-        <p:nvSpPr>
-          <p:cNvPr id="11" name="모서리가 둥근 직사각형 10"/>
-          <p:cNvSpPr/>
-          <p:nvPr/>
-        </p:nvSpPr>
-        <p:spPr>
-          <a:xfrm>
-            <a:off x="9239794" y="1097280"/>
-            <a:ext cx="513805" cy="518160"/>
-          </a:xfrm>
-          <a:prstGeom prst="roundRect">
-            <a:avLst/>
-          </a:prstGeom>
-          <a:noFill/>
-        </p:spPr>
-        <p:style>
-          <a:lnRef idx="2">
-            <a:schemeClr val="accent1">
-              <a:shade val="50000"/>
-            </a:schemeClr>
-          </a:lnRef>
-          <a:fillRef idx="1">
-            <a:schemeClr val="accent1"/>
-          </a:fillRef>
-          <a:effectRef idx="0">
-            <a:schemeClr val="accent1"/>
-          </a:effectRef>
-          <a:fontRef idx="minor">
-            <a:schemeClr val="lt1"/>
-          </a:fontRef>
-        </p:style>
-        <p:txBody>
-          <a:bodyPr rtlCol="0" anchor="ctr"/>
-          <a:lstStyle/>
-          <a:p>
-            <a:pPr algn="ctr"/>
-            <a:endParaRPr kumimoji="1" lang="ko-KR" altLang="en-US"/>
-          </a:p>
-        </p:txBody>
-      </p:sp>
-      <p:sp>
-        <p:nvSpPr>
-          <p:cNvPr id="12" name="TextBox 11"/>
-          <p:cNvSpPr txBox="1"/>
-          <p:nvPr/>
-        </p:nvSpPr>
-        <p:spPr>
-          <a:xfrm>
-            <a:off x="9331426" y="1165162"/>
-            <a:ext cx="330540" cy="369332"/>
-          </a:xfrm>
-          <a:prstGeom prst="rect">
-            <a:avLst/>
-          </a:prstGeom>
-          <a:noFill/>
-        </p:spPr>
-        <p:txBody>
-          <a:bodyPr wrap="none" rtlCol="0">
-            <a:spAutoFit/>
-          </a:bodyPr>
-          <a:lstStyle/>
-          <a:p>
-            <a:r>
-              <a:rPr kumimoji="1" lang="en-US" altLang="ko-KR"/>
-              <a:t>V</a:t>
-            </a:r>
-            <a:endParaRPr kumimoji="1" lang="ko-KR" altLang="en-US" dirty="0"/>
-          </a:p>
-        </p:txBody>
-      </p:sp>
-      <p:sp>
-        <p:nvSpPr>
-          <p:cNvPr id="13" name="TextBox 12"/>
-          <p:cNvSpPr txBox="1"/>
-          <p:nvPr/>
-        </p:nvSpPr>
-        <p:spPr>
-          <a:xfrm>
-            <a:off x="8265950" y="1173868"/>
-            <a:ext cx="1007007" cy="369332"/>
-          </a:xfrm>
-          <a:prstGeom prst="rect">
-            <a:avLst/>
-          </a:prstGeom>
-          <a:noFill/>
-        </p:spPr>
-        <p:txBody>
-          <a:bodyPr wrap="none" rtlCol="0">
-            <a:spAutoFit/>
-          </a:bodyPr>
-          <a:lstStyle/>
-          <a:p>
-            <a:r>
-              <a:rPr kumimoji="1" lang="en-US" altLang="ko-KR" smtClean="0"/>
-              <a:t>17-3-02</a:t>
-            </a:r>
-            <a:endParaRPr kumimoji="1" lang="ko-KR" altLang="en-US" dirty="0"/>
-          </a:p>
-        </p:txBody>
-      </p:sp>
-      <p:sp>
-        <p:nvSpPr>
-          <p:cNvPr id="14" name="모서리가 둥근 직사각형 13"/>
-          <p:cNvSpPr/>
-          <p:nvPr/>
-        </p:nvSpPr>
-        <p:spPr>
-          <a:xfrm>
-            <a:off x="5181600" y="1935480"/>
-            <a:ext cx="4587240" cy="502920"/>
-          </a:xfrm>
-          <a:prstGeom prst="roundRect">
-            <a:avLst/>
-          </a:prstGeom>
-          <a:noFill/>
-        </p:spPr>
-        <p:style>
-          <a:lnRef idx="2">
-            <a:schemeClr val="accent1">
-              <a:shade val="50000"/>
-            </a:schemeClr>
-          </a:lnRef>
-          <a:fillRef idx="1">
-            <a:schemeClr val="accent1"/>
-          </a:fillRef>
-          <a:effectRef idx="0">
-            <a:schemeClr val="accent1"/>
-          </a:effectRef>
-          <a:fontRef idx="minor">
-            <a:schemeClr val="lt1"/>
-          </a:fontRef>
-        </p:style>
-        <p:txBody>
-          <a:bodyPr rtlCol="0" anchor="ctr"/>
-          <a:lstStyle/>
-          <a:p>
-            <a:pPr algn="ctr"/>
-            <a:endParaRPr kumimoji="1" lang="ko-KR" altLang="en-US"/>
-          </a:p>
-        </p:txBody>
-      </p:sp>
-      <p:sp>
-        <p:nvSpPr>
-          <p:cNvPr id="16" name="TextBox 15"/>
-          <p:cNvSpPr txBox="1"/>
-          <p:nvPr/>
-        </p:nvSpPr>
-        <p:spPr>
-          <a:xfrm>
-            <a:off x="5246918" y="2013942"/>
             <a:ext cx="1189749" cy="369332"/>
           </a:xfrm>
           <a:prstGeom prst="rect">
@@ -5695,191 +6611,784 @@
           <a:p>
             <a:r>
               <a:rPr kumimoji="1" lang="ko-KR" altLang="en-US" dirty="0" smtClean="0"/>
-              <a:t>기존 제목</a:t>
+              <a:t>필기 읽기</a:t>
             </a:r>
             <a:endParaRPr kumimoji="1" lang="ko-KR" altLang="en-US" dirty="0"/>
           </a:p>
         </p:txBody>
       </p:sp>
-      <p:sp>
-        <p:nvSpPr>
-          <p:cNvPr id="17" name="TextBox 16"/>
-          <p:cNvSpPr txBox="1"/>
+      <p:grpSp>
+        <p:nvGrpSpPr>
+          <p:cNvPr id="7" name="그룹 6"/>
+          <p:cNvGrpSpPr/>
           <p:nvPr/>
-        </p:nvSpPr>
-        <p:spPr>
+        </p:nvGrpSpPr>
+        <p:grpSpPr>
           <a:xfrm>
-            <a:off x="5246918" y="2910839"/>
-            <a:ext cx="1189749" cy="369332"/>
+            <a:off x="3317965" y="640081"/>
+            <a:ext cx="8401595" cy="5773782"/>
+            <a:chOff x="3317965" y="640081"/>
+            <a:chExt cx="8401595" cy="5773782"/>
           </a:xfrm>
-          <a:prstGeom prst="rect">
-            <a:avLst/>
-          </a:prstGeom>
-          <a:noFill/>
-        </p:spPr>
-        <p:txBody>
-          <a:bodyPr wrap="none" rtlCol="0">
-            <a:spAutoFit/>
-          </a:bodyPr>
-          <a:lstStyle/>
-          <a:p>
-            <a:r>
-              <a:rPr kumimoji="1" lang="ko-KR" altLang="en-US" dirty="0" smtClean="0"/>
-              <a:t>기존 내용</a:t>
-            </a:r>
-            <a:endParaRPr kumimoji="1" lang="ko-KR" altLang="en-US" dirty="0"/>
-          </a:p>
-        </p:txBody>
-      </p:sp>
-      <p:sp>
-        <p:nvSpPr>
-          <p:cNvPr id="18" name="TextBox 17"/>
-          <p:cNvSpPr txBox="1"/>
-          <p:nvPr/>
-        </p:nvSpPr>
-        <p:spPr>
-          <a:xfrm>
-            <a:off x="5403211" y="1188023"/>
-            <a:ext cx="1107996" cy="369332"/>
-          </a:xfrm>
-          <a:prstGeom prst="rect">
-            <a:avLst/>
-          </a:prstGeom>
-          <a:noFill/>
-        </p:spPr>
-        <p:txBody>
-          <a:bodyPr wrap="none" rtlCol="0">
-            <a:spAutoFit/>
-          </a:bodyPr>
-          <a:lstStyle/>
-          <a:p>
-            <a:r>
-              <a:rPr kumimoji="1" lang="ko-KR" altLang="en-US" smtClean="0"/>
-              <a:t>오픈소스</a:t>
-            </a:r>
-            <a:endParaRPr kumimoji="1" lang="ko-KR" altLang="en-US"/>
-          </a:p>
-        </p:txBody>
-      </p:sp>
-      <p:sp>
-        <p:nvSpPr>
-          <p:cNvPr id="19" name="모서리가 둥근 직사각형 18"/>
-          <p:cNvSpPr/>
-          <p:nvPr/>
-        </p:nvSpPr>
-        <p:spPr>
-          <a:xfrm>
-            <a:off x="7380514" y="1112520"/>
-            <a:ext cx="513805" cy="518160"/>
-          </a:xfrm>
-          <a:prstGeom prst="roundRect">
-            <a:avLst/>
-          </a:prstGeom>
-          <a:noFill/>
-        </p:spPr>
-        <p:style>
-          <a:lnRef idx="2">
-            <a:schemeClr val="accent1">
-              <a:shade val="50000"/>
-            </a:schemeClr>
-          </a:lnRef>
-          <a:fillRef idx="1">
-            <a:schemeClr val="accent1"/>
-          </a:fillRef>
-          <a:effectRef idx="0">
-            <a:schemeClr val="accent1"/>
-          </a:effectRef>
-          <a:fontRef idx="minor">
-            <a:schemeClr val="lt1"/>
-          </a:fontRef>
-        </p:style>
-        <p:txBody>
-          <a:bodyPr rtlCol="0" anchor="ctr"/>
-          <a:lstStyle/>
-          <a:p>
-            <a:pPr algn="ctr"/>
-            <a:endParaRPr kumimoji="1" lang="ko-KR" altLang="en-US"/>
-          </a:p>
-        </p:txBody>
-      </p:sp>
-      <p:sp>
-        <p:nvSpPr>
-          <p:cNvPr id="20" name="TextBox 19"/>
-          <p:cNvSpPr txBox="1"/>
-          <p:nvPr/>
-        </p:nvSpPr>
-        <p:spPr>
-          <a:xfrm>
-            <a:off x="7498080" y="1173480"/>
-            <a:ext cx="330540" cy="369332"/>
-          </a:xfrm>
-          <a:prstGeom prst="rect">
-            <a:avLst/>
-          </a:prstGeom>
-          <a:noFill/>
-        </p:spPr>
-        <p:txBody>
-          <a:bodyPr wrap="none" rtlCol="0">
-            <a:spAutoFit/>
-          </a:bodyPr>
-          <a:lstStyle/>
-          <a:p>
-            <a:r>
-              <a:rPr kumimoji="1" lang="en-US" altLang="ko-KR" smtClean="0"/>
-              <a:t>V</a:t>
-            </a:r>
-            <a:endParaRPr kumimoji="1" lang="ko-KR" altLang="en-US" dirty="0"/>
-          </a:p>
-        </p:txBody>
-      </p:sp>
-      <p:sp>
-        <p:nvSpPr>
-          <p:cNvPr id="21" name="모서리가 둥근 직사각형 20"/>
-          <p:cNvSpPr/>
-          <p:nvPr/>
-        </p:nvSpPr>
-        <p:spPr>
-          <a:xfrm>
-            <a:off x="8214360" y="5943600"/>
-            <a:ext cx="1447606" cy="350520"/>
-          </a:xfrm>
-          <a:prstGeom prst="roundRect">
-            <a:avLst/>
-          </a:prstGeom>
-        </p:spPr>
-        <p:style>
-          <a:lnRef idx="2">
-            <a:schemeClr val="accent1">
-              <a:shade val="50000"/>
-            </a:schemeClr>
-          </a:lnRef>
-          <a:fillRef idx="1">
-            <a:schemeClr val="accent1"/>
-          </a:fillRef>
-          <a:effectRef idx="0">
-            <a:schemeClr val="accent1"/>
-          </a:effectRef>
-          <a:fontRef idx="minor">
-            <a:schemeClr val="lt1"/>
-          </a:fontRef>
-        </p:style>
-        <p:txBody>
-          <a:bodyPr rtlCol="0" anchor="ctr"/>
-          <a:lstStyle/>
-          <a:p>
-            <a:pPr algn="ctr"/>
-            <a:r>
-              <a:rPr kumimoji="1" lang="en-US" altLang="ko-KR" dirty="0" smtClean="0"/>
-              <a:t>Submit</a:t>
-            </a:r>
-            <a:endParaRPr kumimoji="1" lang="ko-KR" altLang="en-US" dirty="0"/>
-          </a:p>
-        </p:txBody>
-      </p:sp>
+        </p:grpSpPr>
+        <p:grpSp>
+          <p:nvGrpSpPr>
+            <p:cNvPr id="4" name="그룹 3"/>
+            <p:cNvGrpSpPr/>
+            <p:nvPr/>
+          </p:nvGrpSpPr>
+          <p:grpSpPr>
+            <a:xfrm>
+              <a:off x="3317965" y="640081"/>
+              <a:ext cx="8401595" cy="5773782"/>
+              <a:chOff x="3317965" y="640081"/>
+              <a:chExt cx="8401595" cy="5773782"/>
+            </a:xfrm>
+          </p:grpSpPr>
+          <p:sp>
+            <p:nvSpPr>
+              <p:cNvPr id="3" name="직사각형 2"/>
+              <p:cNvSpPr/>
+              <p:nvPr/>
+            </p:nvSpPr>
+            <p:spPr>
+              <a:xfrm>
+                <a:off x="3317965" y="640081"/>
+                <a:ext cx="8401595" cy="5773782"/>
+              </a:xfrm>
+              <a:prstGeom prst="rect">
+                <a:avLst/>
+              </a:prstGeom>
+              <a:noFill/>
+            </p:spPr>
+            <p:style>
+              <a:lnRef idx="2">
+                <a:schemeClr val="accent1">
+                  <a:shade val="50000"/>
+                </a:schemeClr>
+              </a:lnRef>
+              <a:fillRef idx="1">
+                <a:schemeClr val="accent1"/>
+              </a:fillRef>
+              <a:effectRef idx="0">
+                <a:schemeClr val="accent1"/>
+              </a:effectRef>
+              <a:fontRef idx="minor">
+                <a:schemeClr val="lt1"/>
+              </a:fontRef>
+            </p:style>
+            <p:txBody>
+              <a:bodyPr rtlCol="0" anchor="ctr"/>
+              <a:lstStyle/>
+              <a:p>
+                <a:pPr algn="ctr"/>
+                <a:endParaRPr kumimoji="1" lang="ko-KR" altLang="en-US"/>
+              </a:p>
+            </p:txBody>
+          </p:sp>
+          <p:sp>
+            <p:nvSpPr>
+              <p:cNvPr id="8" name="직사각형 7"/>
+              <p:cNvSpPr/>
+              <p:nvPr/>
+            </p:nvSpPr>
+            <p:spPr>
+              <a:xfrm>
+                <a:off x="4663440" y="640081"/>
+                <a:ext cx="5745480" cy="5773782"/>
+              </a:xfrm>
+              <a:prstGeom prst="rect">
+                <a:avLst/>
+              </a:prstGeom>
+              <a:noFill/>
+            </p:spPr>
+            <p:style>
+              <a:lnRef idx="2">
+                <a:schemeClr val="accent1">
+                  <a:shade val="50000"/>
+                </a:schemeClr>
+              </a:lnRef>
+              <a:fillRef idx="1">
+                <a:schemeClr val="accent1"/>
+              </a:fillRef>
+              <a:effectRef idx="0">
+                <a:schemeClr val="accent1"/>
+              </a:effectRef>
+              <a:fontRef idx="minor">
+                <a:schemeClr val="lt1"/>
+              </a:fontRef>
+            </p:style>
+            <p:txBody>
+              <a:bodyPr rtlCol="0" anchor="ctr"/>
+              <a:lstStyle/>
+              <a:p>
+                <a:pPr algn="ctr"/>
+                <a:endParaRPr kumimoji="1" lang="ko-KR" altLang="en-US"/>
+              </a:p>
+            </p:txBody>
+          </p:sp>
+          <p:sp>
+            <p:nvSpPr>
+              <p:cNvPr id="2" name="모서리가 둥근 직사각형 1"/>
+              <p:cNvSpPr/>
+              <p:nvPr/>
+            </p:nvSpPr>
+            <p:spPr>
+              <a:xfrm>
+                <a:off x="5181600" y="1097280"/>
+                <a:ext cx="2712720" cy="518160"/>
+              </a:xfrm>
+              <a:prstGeom prst="roundRect">
+                <a:avLst/>
+              </a:prstGeom>
+              <a:noFill/>
+            </p:spPr>
+            <p:style>
+              <a:lnRef idx="2">
+                <a:schemeClr val="accent1">
+                  <a:shade val="50000"/>
+                </a:schemeClr>
+              </a:lnRef>
+              <a:fillRef idx="1">
+                <a:schemeClr val="accent1"/>
+              </a:fillRef>
+              <a:effectRef idx="0">
+                <a:schemeClr val="accent1"/>
+              </a:effectRef>
+              <a:fontRef idx="minor">
+                <a:schemeClr val="lt1"/>
+              </a:fontRef>
+            </p:style>
+            <p:txBody>
+              <a:bodyPr rtlCol="0" anchor="ctr"/>
+              <a:lstStyle/>
+              <a:p>
+                <a:pPr algn="ctr"/>
+                <a:endParaRPr kumimoji="1" lang="ko-KR" altLang="en-US"/>
+              </a:p>
+            </p:txBody>
+          </p:sp>
+          <p:sp>
+            <p:nvSpPr>
+              <p:cNvPr id="9" name="직사각형 8"/>
+              <p:cNvSpPr/>
+              <p:nvPr/>
+            </p:nvSpPr>
+            <p:spPr>
+              <a:xfrm>
+                <a:off x="5181600" y="2697480"/>
+                <a:ext cx="4587240" cy="3032759"/>
+              </a:xfrm>
+              <a:prstGeom prst="rect">
+                <a:avLst/>
+              </a:prstGeom>
+              <a:noFill/>
+            </p:spPr>
+            <p:style>
+              <a:lnRef idx="2">
+                <a:schemeClr val="accent1">
+                  <a:shade val="50000"/>
+                </a:schemeClr>
+              </a:lnRef>
+              <a:fillRef idx="1">
+                <a:schemeClr val="accent1"/>
+              </a:fillRef>
+              <a:effectRef idx="0">
+                <a:schemeClr val="accent1"/>
+              </a:effectRef>
+              <a:fontRef idx="minor">
+                <a:schemeClr val="lt1"/>
+              </a:fontRef>
+            </p:style>
+            <p:txBody>
+              <a:bodyPr rtlCol="0" anchor="ctr"/>
+              <a:lstStyle/>
+              <a:p>
+                <a:pPr algn="ctr"/>
+                <a:endParaRPr kumimoji="1" lang="ko-KR" altLang="en-US"/>
+              </a:p>
+            </p:txBody>
+          </p:sp>
+          <p:sp>
+            <p:nvSpPr>
+              <p:cNvPr id="10" name="모서리가 둥근 직사각형 9"/>
+              <p:cNvSpPr/>
+              <p:nvPr/>
+            </p:nvSpPr>
+            <p:spPr>
+              <a:xfrm>
+                <a:off x="8214360" y="1097280"/>
+                <a:ext cx="1554480" cy="518160"/>
+              </a:xfrm>
+              <a:prstGeom prst="roundRect">
+                <a:avLst/>
+              </a:prstGeom>
+              <a:noFill/>
+            </p:spPr>
+            <p:style>
+              <a:lnRef idx="2">
+                <a:schemeClr val="accent1">
+                  <a:shade val="50000"/>
+                </a:schemeClr>
+              </a:lnRef>
+              <a:fillRef idx="1">
+                <a:schemeClr val="accent1"/>
+              </a:fillRef>
+              <a:effectRef idx="0">
+                <a:schemeClr val="accent1"/>
+              </a:effectRef>
+              <a:fontRef idx="minor">
+                <a:schemeClr val="lt1"/>
+              </a:fontRef>
+            </p:style>
+            <p:txBody>
+              <a:bodyPr rtlCol="0" anchor="ctr"/>
+              <a:lstStyle/>
+              <a:p>
+                <a:pPr algn="ctr"/>
+                <a:endParaRPr kumimoji="1" lang="ko-KR" altLang="en-US"/>
+              </a:p>
+            </p:txBody>
+          </p:sp>
+          <p:sp>
+            <p:nvSpPr>
+              <p:cNvPr id="11" name="모서리가 둥근 직사각형 10"/>
+              <p:cNvSpPr/>
+              <p:nvPr/>
+            </p:nvSpPr>
+            <p:spPr>
+              <a:xfrm>
+                <a:off x="9239794" y="1097280"/>
+                <a:ext cx="513805" cy="518160"/>
+              </a:xfrm>
+              <a:prstGeom prst="roundRect">
+                <a:avLst/>
+              </a:prstGeom>
+              <a:noFill/>
+            </p:spPr>
+            <p:style>
+              <a:lnRef idx="2">
+                <a:schemeClr val="accent1">
+                  <a:shade val="50000"/>
+                </a:schemeClr>
+              </a:lnRef>
+              <a:fillRef idx="1">
+                <a:schemeClr val="accent1"/>
+              </a:fillRef>
+              <a:effectRef idx="0">
+                <a:schemeClr val="accent1"/>
+              </a:effectRef>
+              <a:fontRef idx="minor">
+                <a:schemeClr val="lt1"/>
+              </a:fontRef>
+            </p:style>
+            <p:txBody>
+              <a:bodyPr rtlCol="0" anchor="ctr"/>
+              <a:lstStyle/>
+              <a:p>
+                <a:pPr algn="ctr"/>
+                <a:endParaRPr kumimoji="1" lang="ko-KR" altLang="en-US"/>
+              </a:p>
+            </p:txBody>
+          </p:sp>
+          <p:sp>
+            <p:nvSpPr>
+              <p:cNvPr id="12" name="TextBox 11"/>
+              <p:cNvSpPr txBox="1"/>
+              <p:nvPr/>
+            </p:nvSpPr>
+            <p:spPr>
+              <a:xfrm>
+                <a:off x="9331426" y="1165162"/>
+                <a:ext cx="330540" cy="369332"/>
+              </a:xfrm>
+              <a:prstGeom prst="rect">
+                <a:avLst/>
+              </a:prstGeom>
+              <a:noFill/>
+            </p:spPr>
+            <p:txBody>
+              <a:bodyPr wrap="none" rtlCol="0">
+                <a:spAutoFit/>
+              </a:bodyPr>
+              <a:lstStyle/>
+              <a:p>
+                <a:r>
+                  <a:rPr kumimoji="1" lang="en-US" altLang="ko-KR"/>
+                  <a:t>V</a:t>
+                </a:r>
+                <a:endParaRPr kumimoji="1" lang="ko-KR" altLang="en-US" dirty="0"/>
+              </a:p>
+            </p:txBody>
+          </p:sp>
+          <p:sp>
+            <p:nvSpPr>
+              <p:cNvPr id="13" name="TextBox 12"/>
+              <p:cNvSpPr txBox="1"/>
+              <p:nvPr/>
+            </p:nvSpPr>
+            <p:spPr>
+              <a:xfrm>
+                <a:off x="8265950" y="1173868"/>
+                <a:ext cx="1007007" cy="369332"/>
+              </a:xfrm>
+              <a:prstGeom prst="rect">
+                <a:avLst/>
+              </a:prstGeom>
+              <a:noFill/>
+            </p:spPr>
+            <p:txBody>
+              <a:bodyPr wrap="none" rtlCol="0">
+                <a:spAutoFit/>
+              </a:bodyPr>
+              <a:lstStyle/>
+              <a:p>
+                <a:r>
+                  <a:rPr kumimoji="1" lang="en-US" altLang="ko-KR" smtClean="0"/>
+                  <a:t>17-3-02</a:t>
+                </a:r>
+                <a:endParaRPr kumimoji="1" lang="ko-KR" altLang="en-US" dirty="0"/>
+              </a:p>
+            </p:txBody>
+          </p:sp>
+          <p:sp>
+            <p:nvSpPr>
+              <p:cNvPr id="14" name="모서리가 둥근 직사각형 13"/>
+              <p:cNvSpPr/>
+              <p:nvPr/>
+            </p:nvSpPr>
+            <p:spPr>
+              <a:xfrm>
+                <a:off x="5181600" y="1935480"/>
+                <a:ext cx="3825240" cy="502920"/>
+              </a:xfrm>
+              <a:prstGeom prst="roundRect">
+                <a:avLst/>
+              </a:prstGeom>
+              <a:noFill/>
+            </p:spPr>
+            <p:style>
+              <a:lnRef idx="2">
+                <a:schemeClr val="accent1">
+                  <a:shade val="50000"/>
+                </a:schemeClr>
+              </a:lnRef>
+              <a:fillRef idx="1">
+                <a:schemeClr val="accent1"/>
+              </a:fillRef>
+              <a:effectRef idx="0">
+                <a:schemeClr val="accent1"/>
+              </a:effectRef>
+              <a:fontRef idx="minor">
+                <a:schemeClr val="lt1"/>
+              </a:fontRef>
+            </p:style>
+            <p:txBody>
+              <a:bodyPr rtlCol="0" anchor="ctr"/>
+              <a:lstStyle/>
+              <a:p>
+                <a:pPr algn="ctr"/>
+                <a:endParaRPr kumimoji="1" lang="ko-KR" altLang="en-US"/>
+              </a:p>
+            </p:txBody>
+          </p:sp>
+          <p:sp>
+            <p:nvSpPr>
+              <p:cNvPr id="16" name="TextBox 15"/>
+              <p:cNvSpPr txBox="1"/>
+              <p:nvPr/>
+            </p:nvSpPr>
+            <p:spPr>
+              <a:xfrm>
+                <a:off x="5246918" y="2013942"/>
+                <a:ext cx="772969" cy="369332"/>
+              </a:xfrm>
+              <a:prstGeom prst="rect">
+                <a:avLst/>
+              </a:prstGeom>
+              <a:noFill/>
+            </p:spPr>
+            <p:txBody>
+              <a:bodyPr wrap="none" rtlCol="0">
+                <a:spAutoFit/>
+              </a:bodyPr>
+              <a:lstStyle/>
+              <a:p>
+                <a:r>
+                  <a:rPr kumimoji="1" lang="en-US" altLang="ko-KR" dirty="0" smtClean="0"/>
+                  <a:t>1</a:t>
+                </a:r>
+                <a:r>
+                  <a:rPr kumimoji="1" lang="ko-KR" altLang="en-US" dirty="0" smtClean="0"/>
+                  <a:t>주차</a:t>
+                </a:r>
+                <a:endParaRPr kumimoji="1" lang="ko-KR" altLang="en-US" dirty="0"/>
+              </a:p>
+            </p:txBody>
+          </p:sp>
+          <p:sp>
+            <p:nvSpPr>
+              <p:cNvPr id="17" name="TextBox 16"/>
+              <p:cNvSpPr txBox="1"/>
+              <p:nvPr/>
+            </p:nvSpPr>
+            <p:spPr>
+              <a:xfrm>
+                <a:off x="5246918" y="2910839"/>
+                <a:ext cx="1156086" cy="1200329"/>
+              </a:xfrm>
+              <a:prstGeom prst="rect">
+                <a:avLst/>
+              </a:prstGeom>
+              <a:noFill/>
+            </p:spPr>
+            <p:txBody>
+              <a:bodyPr wrap="none" rtlCol="0">
+                <a:spAutoFit/>
+              </a:bodyPr>
+              <a:lstStyle/>
+              <a:p>
+                <a:r>
+                  <a:rPr kumimoji="1" lang="en-US" altLang="ko-KR" dirty="0" smtClean="0"/>
+                  <a:t>~~~~~~</a:t>
+                </a:r>
+              </a:p>
+              <a:p>
+                <a:endParaRPr kumimoji="1" lang="en-US" altLang="ko-KR" dirty="0"/>
+              </a:p>
+              <a:p>
+                <a:r>
+                  <a:rPr kumimoji="1" lang="ko-KR" altLang="en-US" dirty="0" smtClean="0"/>
+                  <a:t>필기내용</a:t>
+                </a:r>
+                <a:endParaRPr kumimoji="1" lang="en-US" altLang="ko-KR" dirty="0" smtClean="0"/>
+              </a:p>
+              <a:p>
+                <a:r>
+                  <a:rPr kumimoji="1" lang="en-US" altLang="ko-KR" dirty="0" smtClean="0"/>
+                  <a:t>~~~~~`</a:t>
+                </a:r>
+                <a:endParaRPr kumimoji="1" lang="ko-KR" altLang="en-US" dirty="0"/>
+              </a:p>
+            </p:txBody>
+          </p:sp>
+          <p:sp>
+            <p:nvSpPr>
+              <p:cNvPr id="18" name="TextBox 17"/>
+              <p:cNvSpPr txBox="1"/>
+              <p:nvPr/>
+            </p:nvSpPr>
+            <p:spPr>
+              <a:xfrm>
+                <a:off x="5403211" y="1188023"/>
+                <a:ext cx="1107996" cy="369332"/>
+              </a:xfrm>
+              <a:prstGeom prst="rect">
+                <a:avLst/>
+              </a:prstGeom>
+              <a:noFill/>
+            </p:spPr>
+            <p:txBody>
+              <a:bodyPr wrap="none" rtlCol="0">
+                <a:spAutoFit/>
+              </a:bodyPr>
+              <a:lstStyle/>
+              <a:p>
+                <a:r>
+                  <a:rPr kumimoji="1" lang="ko-KR" altLang="en-US" smtClean="0"/>
+                  <a:t>오픈소스</a:t>
+                </a:r>
+                <a:endParaRPr kumimoji="1" lang="ko-KR" altLang="en-US"/>
+              </a:p>
+            </p:txBody>
+          </p:sp>
+          <p:sp>
+            <p:nvSpPr>
+              <p:cNvPr id="19" name="모서리가 둥근 직사각형 18"/>
+              <p:cNvSpPr/>
+              <p:nvPr/>
+            </p:nvSpPr>
+            <p:spPr>
+              <a:xfrm>
+                <a:off x="7380514" y="1112520"/>
+                <a:ext cx="513805" cy="518160"/>
+              </a:xfrm>
+              <a:prstGeom prst="roundRect">
+                <a:avLst/>
+              </a:prstGeom>
+              <a:noFill/>
+            </p:spPr>
+            <p:style>
+              <a:lnRef idx="2">
+                <a:schemeClr val="accent1">
+                  <a:shade val="50000"/>
+                </a:schemeClr>
+              </a:lnRef>
+              <a:fillRef idx="1">
+                <a:schemeClr val="accent1"/>
+              </a:fillRef>
+              <a:effectRef idx="0">
+                <a:schemeClr val="accent1"/>
+              </a:effectRef>
+              <a:fontRef idx="minor">
+                <a:schemeClr val="lt1"/>
+              </a:fontRef>
+            </p:style>
+            <p:txBody>
+              <a:bodyPr rtlCol="0" anchor="ctr"/>
+              <a:lstStyle/>
+              <a:p>
+                <a:pPr algn="ctr"/>
+                <a:endParaRPr kumimoji="1" lang="ko-KR" altLang="en-US"/>
+              </a:p>
+            </p:txBody>
+          </p:sp>
+          <p:sp>
+            <p:nvSpPr>
+              <p:cNvPr id="20" name="TextBox 19"/>
+              <p:cNvSpPr txBox="1"/>
+              <p:nvPr/>
+            </p:nvSpPr>
+            <p:spPr>
+              <a:xfrm>
+                <a:off x="7498080" y="1173480"/>
+                <a:ext cx="330540" cy="369332"/>
+              </a:xfrm>
+              <a:prstGeom prst="rect">
+                <a:avLst/>
+              </a:prstGeom>
+              <a:noFill/>
+            </p:spPr>
+            <p:txBody>
+              <a:bodyPr wrap="none" rtlCol="0">
+                <a:spAutoFit/>
+              </a:bodyPr>
+              <a:lstStyle/>
+              <a:p>
+                <a:r>
+                  <a:rPr kumimoji="1" lang="en-US" altLang="ko-KR" smtClean="0"/>
+                  <a:t>V</a:t>
+                </a:r>
+                <a:endParaRPr kumimoji="1" lang="ko-KR" altLang="en-US" dirty="0"/>
+              </a:p>
+            </p:txBody>
+          </p:sp>
+          <p:sp>
+            <p:nvSpPr>
+              <p:cNvPr id="21" name="모서리가 둥근 직사각형 20"/>
+              <p:cNvSpPr/>
+              <p:nvPr/>
+            </p:nvSpPr>
+            <p:spPr>
+              <a:xfrm>
+                <a:off x="5181600" y="5834743"/>
+                <a:ext cx="1221404" cy="533400"/>
+              </a:xfrm>
+              <a:prstGeom prst="roundRect">
+                <a:avLst/>
+              </a:prstGeom>
+            </p:spPr>
+            <p:style>
+              <a:lnRef idx="2">
+                <a:schemeClr val="accent1">
+                  <a:shade val="50000"/>
+                </a:schemeClr>
+              </a:lnRef>
+              <a:fillRef idx="1">
+                <a:schemeClr val="accent1"/>
+              </a:fillRef>
+              <a:effectRef idx="0">
+                <a:schemeClr val="accent1"/>
+              </a:effectRef>
+              <a:fontRef idx="minor">
+                <a:schemeClr val="lt1"/>
+              </a:fontRef>
+            </p:style>
+            <p:txBody>
+              <a:bodyPr rtlCol="0" anchor="ctr"/>
+              <a:lstStyle/>
+              <a:p>
+                <a:pPr algn="ctr"/>
+                <a:r>
+                  <a:rPr kumimoji="1" lang="ko-KR" altLang="en-US" dirty="0" smtClean="0"/>
+                  <a:t>삭제하기</a:t>
+                </a:r>
+                <a:endParaRPr kumimoji="1" lang="ko-KR" altLang="en-US" dirty="0"/>
+              </a:p>
+            </p:txBody>
+          </p:sp>
+          <p:sp>
+            <p:nvSpPr>
+              <p:cNvPr id="22" name="모서리가 둥근 직사각형 21"/>
+              <p:cNvSpPr/>
+              <p:nvPr/>
+            </p:nvSpPr>
+            <p:spPr>
+              <a:xfrm>
+                <a:off x="6720290" y="5834743"/>
+                <a:ext cx="1545660" cy="533400"/>
+              </a:xfrm>
+              <a:prstGeom prst="roundRect">
+                <a:avLst/>
+              </a:prstGeom>
+            </p:spPr>
+            <p:style>
+              <a:lnRef idx="2">
+                <a:schemeClr val="accent1">
+                  <a:shade val="50000"/>
+                </a:schemeClr>
+              </a:lnRef>
+              <a:fillRef idx="1">
+                <a:schemeClr val="accent1"/>
+              </a:fillRef>
+              <a:effectRef idx="0">
+                <a:schemeClr val="accent1"/>
+              </a:effectRef>
+              <a:fontRef idx="minor">
+                <a:schemeClr val="lt1"/>
+              </a:fontRef>
+            </p:style>
+            <p:txBody>
+              <a:bodyPr rtlCol="0" anchor="ctr"/>
+              <a:lstStyle/>
+              <a:p>
+                <a:pPr algn="ctr"/>
+                <a:r>
+                  <a:rPr kumimoji="1" lang="en-US" altLang="ko-KR" dirty="0" smtClean="0"/>
+                  <a:t>Email </a:t>
+                </a:r>
+                <a:endParaRPr kumimoji="1" lang="ko-KR" altLang="en-US" dirty="0"/>
+              </a:p>
+            </p:txBody>
+          </p:sp>
+        </p:grpSp>
+        <p:sp>
+          <p:nvSpPr>
+            <p:cNvPr id="24" name="모서리가 둥근 직사각형 23"/>
+            <p:cNvSpPr/>
+            <p:nvPr/>
+          </p:nvSpPr>
+          <p:spPr>
+            <a:xfrm>
+              <a:off x="8604173" y="5834743"/>
+              <a:ext cx="1203023" cy="533400"/>
+            </a:xfrm>
+            <a:prstGeom prst="roundRect">
+              <a:avLst/>
+            </a:prstGeom>
+          </p:spPr>
+          <p:style>
+            <a:lnRef idx="2">
+              <a:schemeClr val="accent1">
+                <a:shade val="50000"/>
+              </a:schemeClr>
+            </a:lnRef>
+            <a:fillRef idx="1">
+              <a:schemeClr val="accent1"/>
+            </a:fillRef>
+            <a:effectRef idx="0">
+              <a:schemeClr val="accent1"/>
+            </a:effectRef>
+            <a:fontRef idx="minor">
+              <a:schemeClr val="lt1"/>
+            </a:fontRef>
+          </p:style>
+          <p:txBody>
+            <a:bodyPr rtlCol="0" anchor="ctr"/>
+            <a:lstStyle/>
+            <a:p>
+              <a:pPr algn="ctr"/>
+              <a:r>
+                <a:rPr kumimoji="1" lang="ko-KR" altLang="en-US" dirty="0" smtClean="0"/>
+                <a:t>수정하기</a:t>
+              </a:r>
+              <a:endParaRPr kumimoji="1" lang="ko-KR" altLang="en-US" dirty="0"/>
+            </a:p>
+          </p:txBody>
+        </p:sp>
+        <p:sp>
+          <p:nvSpPr>
+            <p:cNvPr id="25" name="모서리가 둥근 직사각형 24"/>
+            <p:cNvSpPr/>
+            <p:nvPr/>
+          </p:nvSpPr>
+          <p:spPr>
+            <a:xfrm>
+              <a:off x="9239794" y="1905000"/>
+              <a:ext cx="723803" cy="533400"/>
+            </a:xfrm>
+            <a:prstGeom prst="roundRect">
+              <a:avLst/>
+            </a:prstGeom>
+          </p:spPr>
+          <p:style>
+            <a:lnRef idx="2">
+              <a:schemeClr val="accent1">
+                <a:shade val="50000"/>
+              </a:schemeClr>
+            </a:lnRef>
+            <a:fillRef idx="1">
+              <a:schemeClr val="accent1"/>
+            </a:fillRef>
+            <a:effectRef idx="0">
+              <a:schemeClr val="accent1"/>
+            </a:effectRef>
+            <a:fontRef idx="minor">
+              <a:schemeClr val="lt1"/>
+            </a:fontRef>
+          </p:style>
+          <p:txBody>
+            <a:bodyPr rtlCol="0" anchor="ctr"/>
+            <a:lstStyle/>
+            <a:p>
+              <a:pPr algn="ctr"/>
+              <a:endParaRPr kumimoji="1" lang="ko-KR" altLang="en-US" dirty="0"/>
+            </a:p>
+          </p:txBody>
+        </p:sp>
+        <p:sp>
+          <p:nvSpPr>
+            <p:cNvPr id="6" name="포인트가 5개인 별 5"/>
+            <p:cNvSpPr/>
+            <p:nvPr/>
+          </p:nvSpPr>
+          <p:spPr>
+            <a:xfrm>
+              <a:off x="9396195" y="2001856"/>
+              <a:ext cx="411000" cy="339688"/>
+            </a:xfrm>
+            <a:prstGeom prst="star5">
+              <a:avLst/>
+            </a:prstGeom>
+          </p:spPr>
+          <p:style>
+            <a:lnRef idx="3">
+              <a:schemeClr val="lt1"/>
+            </a:lnRef>
+            <a:fillRef idx="1">
+              <a:schemeClr val="accent4"/>
+            </a:fillRef>
+            <a:effectRef idx="1">
+              <a:schemeClr val="accent4"/>
+            </a:effectRef>
+            <a:fontRef idx="minor">
+              <a:schemeClr val="lt1"/>
+            </a:fontRef>
+          </p:style>
+          <p:txBody>
+            <a:bodyPr rtlCol="0" anchor="ctr"/>
+            <a:lstStyle/>
+            <a:p>
+              <a:pPr algn="ctr"/>
+              <a:endParaRPr lang="ko-KR" altLang="en-US"/>
+            </a:p>
+          </p:txBody>
+        </p:sp>
+      </p:grpSp>
     </p:spTree>
     <p:extLst>
       <p:ext uri="{BB962C8B-B14F-4D97-AF65-F5344CB8AC3E}">
-        <p14:creationId xmlns:p14="http://schemas.microsoft.com/office/powerpoint/2010/main" val="323944424"/>
+        <p14:creationId xmlns:p14="http://schemas.microsoft.com/office/powerpoint/2010/main" val="1866978034"/>
       </p:ext>
     </p:extLst>
   </p:cSld>
@@ -5937,428 +7446,625 @@
           <a:p>
             <a:r>
               <a:rPr kumimoji="1" lang="ko-KR" altLang="en-US" dirty="0" smtClean="0"/>
-              <a:t>필기하기</a:t>
+              <a:t>수정하기</a:t>
             </a:r>
             <a:endParaRPr kumimoji="1" lang="ko-KR" altLang="en-US" dirty="0"/>
           </a:p>
         </p:txBody>
       </p:sp>
-      <p:sp>
-        <p:nvSpPr>
-          <p:cNvPr id="3" name="직사각형 2"/>
-          <p:cNvSpPr/>
+      <p:grpSp>
+        <p:nvGrpSpPr>
+          <p:cNvPr id="4" name="그룹 3"/>
+          <p:cNvGrpSpPr/>
           <p:nvPr/>
-        </p:nvSpPr>
-        <p:spPr>
+        </p:nvGrpSpPr>
+        <p:grpSpPr>
           <a:xfrm>
             <a:off x="3317965" y="640081"/>
             <a:ext cx="8401595" cy="5773782"/>
+            <a:chOff x="3317965" y="640081"/>
+            <a:chExt cx="8401595" cy="5773782"/>
           </a:xfrm>
-          <a:prstGeom prst="rect">
-            <a:avLst/>
-          </a:prstGeom>
-          <a:noFill/>
-        </p:spPr>
-        <p:style>
-          <a:lnRef idx="2">
-            <a:schemeClr val="accent1">
-              <a:shade val="50000"/>
-            </a:schemeClr>
-          </a:lnRef>
-          <a:fillRef idx="1">
-            <a:schemeClr val="accent1"/>
-          </a:fillRef>
-          <a:effectRef idx="0">
-            <a:schemeClr val="accent1"/>
-          </a:effectRef>
-          <a:fontRef idx="minor">
-            <a:schemeClr val="lt1"/>
-          </a:fontRef>
-        </p:style>
-        <p:txBody>
-          <a:bodyPr rtlCol="0" anchor="ctr"/>
-          <a:lstStyle/>
-          <a:p>
-            <a:pPr algn="ctr"/>
-            <a:endParaRPr kumimoji="1" lang="ko-KR" altLang="en-US"/>
-          </a:p>
-        </p:txBody>
-      </p:sp>
+        </p:grpSpPr>
+        <p:sp>
+          <p:nvSpPr>
+            <p:cNvPr id="3" name="직사각형 2"/>
+            <p:cNvSpPr/>
+            <p:nvPr/>
+          </p:nvSpPr>
+          <p:spPr>
+            <a:xfrm>
+              <a:off x="3317965" y="640081"/>
+              <a:ext cx="8401595" cy="5773782"/>
+            </a:xfrm>
+            <a:prstGeom prst="rect">
+              <a:avLst/>
+            </a:prstGeom>
+            <a:noFill/>
+          </p:spPr>
+          <p:style>
+            <a:lnRef idx="2">
+              <a:schemeClr val="accent1">
+                <a:shade val="50000"/>
+              </a:schemeClr>
+            </a:lnRef>
+            <a:fillRef idx="1">
+              <a:schemeClr val="accent1"/>
+            </a:fillRef>
+            <a:effectRef idx="0">
+              <a:schemeClr val="accent1"/>
+            </a:effectRef>
+            <a:fontRef idx="minor">
+              <a:schemeClr val="lt1"/>
+            </a:fontRef>
+          </p:style>
+          <p:txBody>
+            <a:bodyPr rtlCol="0" anchor="ctr"/>
+            <a:lstStyle/>
+            <a:p>
+              <a:pPr algn="ctr"/>
+              <a:endParaRPr kumimoji="1" lang="ko-KR" altLang="en-US"/>
+            </a:p>
+          </p:txBody>
+        </p:sp>
+        <p:sp>
+          <p:nvSpPr>
+            <p:cNvPr id="8" name="직사각형 7"/>
+            <p:cNvSpPr/>
+            <p:nvPr/>
+          </p:nvSpPr>
+          <p:spPr>
+            <a:xfrm>
+              <a:off x="4663440" y="640081"/>
+              <a:ext cx="5745480" cy="5773782"/>
+            </a:xfrm>
+            <a:prstGeom prst="rect">
+              <a:avLst/>
+            </a:prstGeom>
+            <a:noFill/>
+          </p:spPr>
+          <p:style>
+            <a:lnRef idx="2">
+              <a:schemeClr val="accent1">
+                <a:shade val="50000"/>
+              </a:schemeClr>
+            </a:lnRef>
+            <a:fillRef idx="1">
+              <a:schemeClr val="accent1"/>
+            </a:fillRef>
+            <a:effectRef idx="0">
+              <a:schemeClr val="accent1"/>
+            </a:effectRef>
+            <a:fontRef idx="minor">
+              <a:schemeClr val="lt1"/>
+            </a:fontRef>
+          </p:style>
+          <p:txBody>
+            <a:bodyPr rtlCol="0" anchor="ctr"/>
+            <a:lstStyle/>
+            <a:p>
+              <a:pPr algn="ctr"/>
+              <a:endParaRPr kumimoji="1" lang="ko-KR" altLang="en-US"/>
+            </a:p>
+          </p:txBody>
+        </p:sp>
+        <p:sp>
+          <p:nvSpPr>
+            <p:cNvPr id="2" name="모서리가 둥근 직사각형 1"/>
+            <p:cNvSpPr/>
+            <p:nvPr/>
+          </p:nvSpPr>
+          <p:spPr>
+            <a:xfrm>
+              <a:off x="5181600" y="1097280"/>
+              <a:ext cx="2712720" cy="518160"/>
+            </a:xfrm>
+            <a:prstGeom prst="roundRect">
+              <a:avLst/>
+            </a:prstGeom>
+            <a:noFill/>
+          </p:spPr>
+          <p:style>
+            <a:lnRef idx="2">
+              <a:schemeClr val="accent1">
+                <a:shade val="50000"/>
+              </a:schemeClr>
+            </a:lnRef>
+            <a:fillRef idx="1">
+              <a:schemeClr val="accent1"/>
+            </a:fillRef>
+            <a:effectRef idx="0">
+              <a:schemeClr val="accent1"/>
+            </a:effectRef>
+            <a:fontRef idx="minor">
+              <a:schemeClr val="lt1"/>
+            </a:fontRef>
+          </p:style>
+          <p:txBody>
+            <a:bodyPr rtlCol="0" anchor="ctr"/>
+            <a:lstStyle/>
+            <a:p>
+              <a:pPr algn="ctr"/>
+              <a:endParaRPr kumimoji="1" lang="ko-KR" altLang="en-US"/>
+            </a:p>
+          </p:txBody>
+        </p:sp>
+        <p:sp>
+          <p:nvSpPr>
+            <p:cNvPr id="9" name="직사각형 8"/>
+            <p:cNvSpPr/>
+            <p:nvPr/>
+          </p:nvSpPr>
+          <p:spPr>
+            <a:xfrm>
+              <a:off x="5181600" y="2697480"/>
+              <a:ext cx="4587240" cy="3032759"/>
+            </a:xfrm>
+            <a:prstGeom prst="rect">
+              <a:avLst/>
+            </a:prstGeom>
+            <a:noFill/>
+          </p:spPr>
+          <p:style>
+            <a:lnRef idx="2">
+              <a:schemeClr val="accent1">
+                <a:shade val="50000"/>
+              </a:schemeClr>
+            </a:lnRef>
+            <a:fillRef idx="1">
+              <a:schemeClr val="accent1"/>
+            </a:fillRef>
+            <a:effectRef idx="0">
+              <a:schemeClr val="accent1"/>
+            </a:effectRef>
+            <a:fontRef idx="minor">
+              <a:schemeClr val="lt1"/>
+            </a:fontRef>
+          </p:style>
+          <p:txBody>
+            <a:bodyPr rtlCol="0" anchor="ctr"/>
+            <a:lstStyle/>
+            <a:p>
+              <a:pPr algn="ctr"/>
+              <a:endParaRPr kumimoji="1" lang="ko-KR" altLang="en-US"/>
+            </a:p>
+          </p:txBody>
+        </p:sp>
+        <p:sp>
+          <p:nvSpPr>
+            <p:cNvPr id="10" name="모서리가 둥근 직사각형 9"/>
+            <p:cNvSpPr/>
+            <p:nvPr/>
+          </p:nvSpPr>
+          <p:spPr>
+            <a:xfrm>
+              <a:off x="8214360" y="1097280"/>
+              <a:ext cx="1554480" cy="518160"/>
+            </a:xfrm>
+            <a:prstGeom prst="roundRect">
+              <a:avLst/>
+            </a:prstGeom>
+            <a:noFill/>
+          </p:spPr>
+          <p:style>
+            <a:lnRef idx="2">
+              <a:schemeClr val="accent1">
+                <a:shade val="50000"/>
+              </a:schemeClr>
+            </a:lnRef>
+            <a:fillRef idx="1">
+              <a:schemeClr val="accent1"/>
+            </a:fillRef>
+            <a:effectRef idx="0">
+              <a:schemeClr val="accent1"/>
+            </a:effectRef>
+            <a:fontRef idx="minor">
+              <a:schemeClr val="lt1"/>
+            </a:fontRef>
+          </p:style>
+          <p:txBody>
+            <a:bodyPr rtlCol="0" anchor="ctr"/>
+            <a:lstStyle/>
+            <a:p>
+              <a:pPr algn="ctr"/>
+              <a:endParaRPr kumimoji="1" lang="ko-KR" altLang="en-US"/>
+            </a:p>
+          </p:txBody>
+        </p:sp>
+        <p:sp>
+          <p:nvSpPr>
+            <p:cNvPr id="11" name="모서리가 둥근 직사각형 10"/>
+            <p:cNvSpPr/>
+            <p:nvPr/>
+          </p:nvSpPr>
+          <p:spPr>
+            <a:xfrm>
+              <a:off x="9239794" y="1097280"/>
+              <a:ext cx="513805" cy="518160"/>
+            </a:xfrm>
+            <a:prstGeom prst="roundRect">
+              <a:avLst/>
+            </a:prstGeom>
+            <a:noFill/>
+          </p:spPr>
+          <p:style>
+            <a:lnRef idx="2">
+              <a:schemeClr val="accent1">
+                <a:shade val="50000"/>
+              </a:schemeClr>
+            </a:lnRef>
+            <a:fillRef idx="1">
+              <a:schemeClr val="accent1"/>
+            </a:fillRef>
+            <a:effectRef idx="0">
+              <a:schemeClr val="accent1"/>
+            </a:effectRef>
+            <a:fontRef idx="minor">
+              <a:schemeClr val="lt1"/>
+            </a:fontRef>
+          </p:style>
+          <p:txBody>
+            <a:bodyPr rtlCol="0" anchor="ctr"/>
+            <a:lstStyle/>
+            <a:p>
+              <a:pPr algn="ctr"/>
+              <a:endParaRPr kumimoji="1" lang="ko-KR" altLang="en-US"/>
+            </a:p>
+          </p:txBody>
+        </p:sp>
+        <p:sp>
+          <p:nvSpPr>
+            <p:cNvPr id="12" name="TextBox 11"/>
+            <p:cNvSpPr txBox="1"/>
+            <p:nvPr/>
+          </p:nvSpPr>
+          <p:spPr>
+            <a:xfrm>
+              <a:off x="9331426" y="1165162"/>
+              <a:ext cx="330540" cy="369332"/>
+            </a:xfrm>
+            <a:prstGeom prst="rect">
+              <a:avLst/>
+            </a:prstGeom>
+            <a:noFill/>
+          </p:spPr>
+          <p:txBody>
+            <a:bodyPr wrap="none" rtlCol="0">
+              <a:spAutoFit/>
+            </a:bodyPr>
+            <a:lstStyle/>
+            <a:p>
+              <a:r>
+                <a:rPr kumimoji="1" lang="en-US" altLang="ko-KR"/>
+                <a:t>V</a:t>
+              </a:r>
+              <a:endParaRPr kumimoji="1" lang="ko-KR" altLang="en-US" dirty="0"/>
+            </a:p>
+          </p:txBody>
+        </p:sp>
+        <p:sp>
+          <p:nvSpPr>
+            <p:cNvPr id="13" name="TextBox 12"/>
+            <p:cNvSpPr txBox="1"/>
+            <p:nvPr/>
+          </p:nvSpPr>
+          <p:spPr>
+            <a:xfrm>
+              <a:off x="8265950" y="1173868"/>
+              <a:ext cx="1007007" cy="369332"/>
+            </a:xfrm>
+            <a:prstGeom prst="rect">
+              <a:avLst/>
+            </a:prstGeom>
+            <a:noFill/>
+          </p:spPr>
+          <p:txBody>
+            <a:bodyPr wrap="none" rtlCol="0">
+              <a:spAutoFit/>
+            </a:bodyPr>
+            <a:lstStyle/>
+            <a:p>
+              <a:r>
+                <a:rPr kumimoji="1" lang="en-US" altLang="ko-KR" smtClean="0"/>
+                <a:t>17-3-02</a:t>
+              </a:r>
+              <a:endParaRPr kumimoji="1" lang="ko-KR" altLang="en-US" dirty="0"/>
+            </a:p>
+          </p:txBody>
+        </p:sp>
+        <p:sp>
+          <p:nvSpPr>
+            <p:cNvPr id="14" name="모서리가 둥근 직사각형 13"/>
+            <p:cNvSpPr/>
+            <p:nvPr/>
+          </p:nvSpPr>
+          <p:spPr>
+            <a:xfrm>
+              <a:off x="5181600" y="1935480"/>
+              <a:ext cx="4587240" cy="502920"/>
+            </a:xfrm>
+            <a:prstGeom prst="roundRect">
+              <a:avLst/>
+            </a:prstGeom>
+            <a:noFill/>
+          </p:spPr>
+          <p:style>
+            <a:lnRef idx="2">
+              <a:schemeClr val="accent1">
+                <a:shade val="50000"/>
+              </a:schemeClr>
+            </a:lnRef>
+            <a:fillRef idx="1">
+              <a:schemeClr val="accent1"/>
+            </a:fillRef>
+            <a:effectRef idx="0">
+              <a:schemeClr val="accent1"/>
+            </a:effectRef>
+            <a:fontRef idx="minor">
+              <a:schemeClr val="lt1"/>
+            </a:fontRef>
+          </p:style>
+          <p:txBody>
+            <a:bodyPr rtlCol="0" anchor="ctr"/>
+            <a:lstStyle/>
+            <a:p>
+              <a:pPr algn="ctr"/>
+              <a:endParaRPr kumimoji="1" lang="ko-KR" altLang="en-US"/>
+            </a:p>
+          </p:txBody>
+        </p:sp>
+        <p:sp>
+          <p:nvSpPr>
+            <p:cNvPr id="16" name="TextBox 15"/>
+            <p:cNvSpPr txBox="1"/>
+            <p:nvPr/>
+          </p:nvSpPr>
+          <p:spPr>
+            <a:xfrm>
+              <a:off x="5246918" y="2013942"/>
+              <a:ext cx="1189749" cy="369332"/>
+            </a:xfrm>
+            <a:prstGeom prst="rect">
+              <a:avLst/>
+            </a:prstGeom>
+            <a:noFill/>
+          </p:spPr>
+          <p:txBody>
+            <a:bodyPr wrap="none" rtlCol="0">
+              <a:spAutoFit/>
+            </a:bodyPr>
+            <a:lstStyle/>
+            <a:p>
+              <a:r>
+                <a:rPr kumimoji="1" lang="ko-KR" altLang="en-US" dirty="0" smtClean="0"/>
+                <a:t>기존 제목</a:t>
+              </a:r>
+              <a:endParaRPr kumimoji="1" lang="ko-KR" altLang="en-US" dirty="0"/>
+            </a:p>
+          </p:txBody>
+        </p:sp>
+        <p:sp>
+          <p:nvSpPr>
+            <p:cNvPr id="17" name="TextBox 16"/>
+            <p:cNvSpPr txBox="1"/>
+            <p:nvPr/>
+          </p:nvSpPr>
+          <p:spPr>
+            <a:xfrm>
+              <a:off x="5246918" y="2910839"/>
+              <a:ext cx="1189749" cy="369332"/>
+            </a:xfrm>
+            <a:prstGeom prst="rect">
+              <a:avLst/>
+            </a:prstGeom>
+            <a:noFill/>
+          </p:spPr>
+          <p:txBody>
+            <a:bodyPr wrap="none" rtlCol="0">
+              <a:spAutoFit/>
+            </a:bodyPr>
+            <a:lstStyle/>
+            <a:p>
+              <a:r>
+                <a:rPr kumimoji="1" lang="ko-KR" altLang="en-US" dirty="0" smtClean="0"/>
+                <a:t>기존 내용</a:t>
+              </a:r>
+              <a:endParaRPr kumimoji="1" lang="ko-KR" altLang="en-US" dirty="0"/>
+            </a:p>
+          </p:txBody>
+        </p:sp>
+        <p:sp>
+          <p:nvSpPr>
+            <p:cNvPr id="18" name="TextBox 17"/>
+            <p:cNvSpPr txBox="1"/>
+            <p:nvPr/>
+          </p:nvSpPr>
+          <p:spPr>
+            <a:xfrm>
+              <a:off x="5403211" y="1188023"/>
+              <a:ext cx="1107996" cy="369332"/>
+            </a:xfrm>
+            <a:prstGeom prst="rect">
+              <a:avLst/>
+            </a:prstGeom>
+            <a:noFill/>
+          </p:spPr>
+          <p:txBody>
+            <a:bodyPr wrap="none" rtlCol="0">
+              <a:spAutoFit/>
+            </a:bodyPr>
+            <a:lstStyle/>
+            <a:p>
+              <a:r>
+                <a:rPr kumimoji="1" lang="ko-KR" altLang="en-US" smtClean="0"/>
+                <a:t>오픈소스</a:t>
+              </a:r>
+              <a:endParaRPr kumimoji="1" lang="ko-KR" altLang="en-US"/>
+            </a:p>
+          </p:txBody>
+        </p:sp>
+        <p:sp>
+          <p:nvSpPr>
+            <p:cNvPr id="19" name="모서리가 둥근 직사각형 18"/>
+            <p:cNvSpPr/>
+            <p:nvPr/>
+          </p:nvSpPr>
+          <p:spPr>
+            <a:xfrm>
+              <a:off x="7380514" y="1112520"/>
+              <a:ext cx="513805" cy="518160"/>
+            </a:xfrm>
+            <a:prstGeom prst="roundRect">
+              <a:avLst/>
+            </a:prstGeom>
+            <a:noFill/>
+          </p:spPr>
+          <p:style>
+            <a:lnRef idx="2">
+              <a:schemeClr val="accent1">
+                <a:shade val="50000"/>
+              </a:schemeClr>
+            </a:lnRef>
+            <a:fillRef idx="1">
+              <a:schemeClr val="accent1"/>
+            </a:fillRef>
+            <a:effectRef idx="0">
+              <a:schemeClr val="accent1"/>
+            </a:effectRef>
+            <a:fontRef idx="minor">
+              <a:schemeClr val="lt1"/>
+            </a:fontRef>
+          </p:style>
+          <p:txBody>
+            <a:bodyPr rtlCol="0" anchor="ctr"/>
+            <a:lstStyle/>
+            <a:p>
+              <a:pPr algn="ctr"/>
+              <a:endParaRPr kumimoji="1" lang="ko-KR" altLang="en-US"/>
+            </a:p>
+          </p:txBody>
+        </p:sp>
+        <p:sp>
+          <p:nvSpPr>
+            <p:cNvPr id="20" name="TextBox 19"/>
+            <p:cNvSpPr txBox="1"/>
+            <p:nvPr/>
+          </p:nvSpPr>
+          <p:spPr>
+            <a:xfrm>
+              <a:off x="7498080" y="1173480"/>
+              <a:ext cx="330540" cy="369332"/>
+            </a:xfrm>
+            <a:prstGeom prst="rect">
+              <a:avLst/>
+            </a:prstGeom>
+            <a:noFill/>
+          </p:spPr>
+          <p:txBody>
+            <a:bodyPr wrap="none" rtlCol="0">
+              <a:spAutoFit/>
+            </a:bodyPr>
+            <a:lstStyle/>
+            <a:p>
+              <a:r>
+                <a:rPr kumimoji="1" lang="en-US" altLang="ko-KR" smtClean="0"/>
+                <a:t>V</a:t>
+              </a:r>
+              <a:endParaRPr kumimoji="1" lang="ko-KR" altLang="en-US" dirty="0"/>
+            </a:p>
+          </p:txBody>
+        </p:sp>
+        <p:sp>
+          <p:nvSpPr>
+            <p:cNvPr id="21" name="모서리가 둥근 직사각형 20"/>
+            <p:cNvSpPr/>
+            <p:nvPr/>
+          </p:nvSpPr>
+          <p:spPr>
+            <a:xfrm>
+              <a:off x="8214360" y="5943600"/>
+              <a:ext cx="1447606" cy="350520"/>
+            </a:xfrm>
+            <a:prstGeom prst="roundRect">
+              <a:avLst/>
+            </a:prstGeom>
+          </p:spPr>
+          <p:style>
+            <a:lnRef idx="2">
+              <a:schemeClr val="accent1">
+                <a:shade val="50000"/>
+              </a:schemeClr>
+            </a:lnRef>
+            <a:fillRef idx="1">
+              <a:schemeClr val="accent1"/>
+            </a:fillRef>
+            <a:effectRef idx="0">
+              <a:schemeClr val="accent1"/>
+            </a:effectRef>
+            <a:fontRef idx="minor">
+              <a:schemeClr val="lt1"/>
+            </a:fontRef>
+          </p:style>
+          <p:txBody>
+            <a:bodyPr rtlCol="0" anchor="ctr"/>
+            <a:lstStyle/>
+            <a:p>
+              <a:pPr algn="ctr"/>
+              <a:r>
+                <a:rPr kumimoji="1" lang="en-US" altLang="ko-KR" dirty="0" smtClean="0"/>
+                <a:t>Submit</a:t>
+              </a:r>
+              <a:endParaRPr kumimoji="1" lang="ko-KR" altLang="en-US" dirty="0"/>
+            </a:p>
+          </p:txBody>
+        </p:sp>
+      </p:grpSp>
+    </p:spTree>
+    <p:extLst>
+      <p:ext uri="{BB962C8B-B14F-4D97-AF65-F5344CB8AC3E}">
+        <p14:creationId xmlns:p14="http://schemas.microsoft.com/office/powerpoint/2010/main" val="323944424"/>
+      </p:ext>
+    </p:extLst>
+  </p:cSld>
+  <p:clrMapOvr>
+    <a:masterClrMapping/>
+  </p:clrMapOvr>
+  <p:timing>
+    <p:tnLst>
+      <p:par>
+        <p:cTn id="1" dur="indefinite" restart="never" nodeType="tmRoot"/>
+      </p:par>
+    </p:tnLst>
+  </p:timing>
+</p:sld>
+</file>
+
+<file path=ppt/slides/slide9.xml><?xml version="1.0" encoding="utf-8"?>
+<p:sld xmlns:a="http://schemas.openxmlformats.org/drawingml/2006/main" xmlns:r="http://schemas.openxmlformats.org/officeDocument/2006/relationships" xmlns:p="http://schemas.openxmlformats.org/presentationml/2006/main">
+  <p:cSld>
+    <p:spTree>
+      <p:nvGrpSpPr>
+        <p:cNvPr id="1" name=""/>
+        <p:cNvGrpSpPr/>
+        <p:nvPr/>
+      </p:nvGrpSpPr>
+      <p:grpSpPr>
+        <a:xfrm>
+          <a:off x="0" y="0"/>
+          <a:ext cx="0" cy="0"/>
+          <a:chOff x="0" y="0"/>
+          <a:chExt cx="0" cy="0"/>
+        </a:xfrm>
+      </p:grpSpPr>
       <p:sp>
         <p:nvSpPr>
-          <p:cNvPr id="8" name="직사각형 7"/>
-          <p:cNvSpPr/>
-          <p:nvPr/>
-        </p:nvSpPr>
-        <p:spPr>
-          <a:xfrm>
-            <a:off x="4663440" y="640081"/>
-            <a:ext cx="5745480" cy="5773782"/>
-          </a:xfrm>
-          <a:prstGeom prst="rect">
-            <a:avLst/>
-          </a:prstGeom>
-          <a:noFill/>
-        </p:spPr>
-        <p:style>
-          <a:lnRef idx="2">
-            <a:schemeClr val="accent1">
-              <a:shade val="50000"/>
-            </a:schemeClr>
-          </a:lnRef>
-          <a:fillRef idx="1">
-            <a:schemeClr val="accent1"/>
-          </a:fillRef>
-          <a:effectRef idx="0">
-            <a:schemeClr val="accent1"/>
-          </a:effectRef>
-          <a:fontRef idx="minor">
-            <a:schemeClr val="lt1"/>
-          </a:fontRef>
-        </p:style>
-        <p:txBody>
-          <a:bodyPr rtlCol="0" anchor="ctr"/>
-          <a:lstStyle/>
-          <a:p>
-            <a:pPr algn="ctr"/>
-            <a:endParaRPr kumimoji="1" lang="ko-KR" altLang="en-US"/>
-          </a:p>
-        </p:txBody>
-      </p:sp>
-      <p:sp>
-        <p:nvSpPr>
-          <p:cNvPr id="2" name="모서리가 둥근 직사각형 1"/>
-          <p:cNvSpPr/>
-          <p:nvPr/>
-        </p:nvSpPr>
-        <p:spPr>
-          <a:xfrm>
-            <a:off x="5181600" y="1097280"/>
-            <a:ext cx="2712720" cy="518160"/>
-          </a:xfrm>
-          <a:prstGeom prst="roundRect">
-            <a:avLst/>
-          </a:prstGeom>
-          <a:noFill/>
-        </p:spPr>
-        <p:style>
-          <a:lnRef idx="2">
-            <a:schemeClr val="accent1">
-              <a:shade val="50000"/>
-            </a:schemeClr>
-          </a:lnRef>
-          <a:fillRef idx="1">
-            <a:schemeClr val="accent1"/>
-          </a:fillRef>
-          <a:effectRef idx="0">
-            <a:schemeClr val="accent1"/>
-          </a:effectRef>
-          <a:fontRef idx="minor">
-            <a:schemeClr val="lt1"/>
-          </a:fontRef>
-        </p:style>
-        <p:txBody>
-          <a:bodyPr rtlCol="0" anchor="ctr"/>
-          <a:lstStyle/>
-          <a:p>
-            <a:pPr algn="ctr"/>
-            <a:endParaRPr kumimoji="1" lang="ko-KR" altLang="en-US"/>
-          </a:p>
-        </p:txBody>
-      </p:sp>
-      <p:sp>
-        <p:nvSpPr>
-          <p:cNvPr id="9" name="직사각형 8"/>
-          <p:cNvSpPr/>
-          <p:nvPr/>
-        </p:nvSpPr>
-        <p:spPr>
-          <a:xfrm>
-            <a:off x="5181600" y="2697480"/>
-            <a:ext cx="4587240" cy="3032759"/>
-          </a:xfrm>
-          <a:prstGeom prst="rect">
-            <a:avLst/>
-          </a:prstGeom>
-          <a:noFill/>
-        </p:spPr>
-        <p:style>
-          <a:lnRef idx="2">
-            <a:schemeClr val="accent1">
-              <a:shade val="50000"/>
-            </a:schemeClr>
-          </a:lnRef>
-          <a:fillRef idx="1">
-            <a:schemeClr val="accent1"/>
-          </a:fillRef>
-          <a:effectRef idx="0">
-            <a:schemeClr val="accent1"/>
-          </a:effectRef>
-          <a:fontRef idx="minor">
-            <a:schemeClr val="lt1"/>
-          </a:fontRef>
-        </p:style>
-        <p:txBody>
-          <a:bodyPr rtlCol="0" anchor="ctr"/>
-          <a:lstStyle/>
-          <a:p>
-            <a:pPr algn="ctr"/>
-            <a:endParaRPr kumimoji="1" lang="ko-KR" altLang="en-US"/>
-          </a:p>
-        </p:txBody>
-      </p:sp>
-      <p:sp>
-        <p:nvSpPr>
-          <p:cNvPr id="10" name="모서리가 둥근 직사각형 9"/>
-          <p:cNvSpPr/>
-          <p:nvPr/>
-        </p:nvSpPr>
-        <p:spPr>
-          <a:xfrm>
-            <a:off x="8214360" y="1097280"/>
-            <a:ext cx="1554480" cy="518160"/>
-          </a:xfrm>
-          <a:prstGeom prst="roundRect">
-            <a:avLst/>
-          </a:prstGeom>
-          <a:noFill/>
-        </p:spPr>
-        <p:style>
-          <a:lnRef idx="2">
-            <a:schemeClr val="accent1">
-              <a:shade val="50000"/>
-            </a:schemeClr>
-          </a:lnRef>
-          <a:fillRef idx="1">
-            <a:schemeClr val="accent1"/>
-          </a:fillRef>
-          <a:effectRef idx="0">
-            <a:schemeClr val="accent1"/>
-          </a:effectRef>
-          <a:fontRef idx="minor">
-            <a:schemeClr val="lt1"/>
-          </a:fontRef>
-        </p:style>
-        <p:txBody>
-          <a:bodyPr rtlCol="0" anchor="ctr"/>
-          <a:lstStyle/>
-          <a:p>
-            <a:pPr algn="ctr"/>
-            <a:endParaRPr kumimoji="1" lang="ko-KR" altLang="en-US"/>
-          </a:p>
-        </p:txBody>
-      </p:sp>
-      <p:sp>
-        <p:nvSpPr>
-          <p:cNvPr id="11" name="모서리가 둥근 직사각형 10"/>
-          <p:cNvSpPr/>
-          <p:nvPr/>
-        </p:nvSpPr>
-        <p:spPr>
-          <a:xfrm>
-            <a:off x="9239794" y="1097280"/>
-            <a:ext cx="513805" cy="518160"/>
-          </a:xfrm>
-          <a:prstGeom prst="roundRect">
-            <a:avLst/>
-          </a:prstGeom>
-          <a:noFill/>
-        </p:spPr>
-        <p:style>
-          <a:lnRef idx="2">
-            <a:schemeClr val="accent1">
-              <a:shade val="50000"/>
-            </a:schemeClr>
-          </a:lnRef>
-          <a:fillRef idx="1">
-            <a:schemeClr val="accent1"/>
-          </a:fillRef>
-          <a:effectRef idx="0">
-            <a:schemeClr val="accent1"/>
-          </a:effectRef>
-          <a:fontRef idx="minor">
-            <a:schemeClr val="lt1"/>
-          </a:fontRef>
-        </p:style>
-        <p:txBody>
-          <a:bodyPr rtlCol="0" anchor="ctr"/>
-          <a:lstStyle/>
-          <a:p>
-            <a:pPr algn="ctr"/>
-            <a:endParaRPr kumimoji="1" lang="ko-KR" altLang="en-US"/>
-          </a:p>
-        </p:txBody>
-      </p:sp>
-      <p:sp>
-        <p:nvSpPr>
-          <p:cNvPr id="12" name="TextBox 11"/>
+          <p:cNvPr id="5" name="TextBox 4"/>
           <p:cNvSpPr txBox="1"/>
           <p:nvPr/>
         </p:nvSpPr>
         <p:spPr>
           <a:xfrm>
-            <a:off x="9331426" y="1165162"/>
-            <a:ext cx="330540" cy="369332"/>
-          </a:xfrm>
-          <a:prstGeom prst="rect">
-            <a:avLst/>
-          </a:prstGeom>
-          <a:noFill/>
-        </p:spPr>
-        <p:txBody>
-          <a:bodyPr wrap="none" rtlCol="0">
-            <a:spAutoFit/>
-          </a:bodyPr>
-          <a:lstStyle/>
-          <a:p>
-            <a:r>
-              <a:rPr kumimoji="1" lang="en-US" altLang="ko-KR"/>
-              <a:t>V</a:t>
-            </a:r>
-            <a:endParaRPr kumimoji="1" lang="ko-KR" altLang="en-US" dirty="0"/>
-          </a:p>
-        </p:txBody>
-      </p:sp>
-      <p:sp>
-        <p:nvSpPr>
-          <p:cNvPr id="13" name="TextBox 12"/>
-          <p:cNvSpPr txBox="1"/>
-          <p:nvPr/>
-        </p:nvSpPr>
-        <p:spPr>
-          <a:xfrm>
-            <a:off x="8265950" y="1173868"/>
-            <a:ext cx="1007007" cy="369332"/>
-          </a:xfrm>
-          <a:prstGeom prst="rect">
-            <a:avLst/>
-          </a:prstGeom>
-          <a:noFill/>
-        </p:spPr>
-        <p:txBody>
-          <a:bodyPr wrap="none" rtlCol="0">
-            <a:spAutoFit/>
-          </a:bodyPr>
-          <a:lstStyle/>
-          <a:p>
-            <a:r>
-              <a:rPr kumimoji="1" lang="en-US" altLang="ko-KR" smtClean="0"/>
-              <a:t>17-3-02</a:t>
-            </a:r>
-            <a:endParaRPr kumimoji="1" lang="ko-KR" altLang="en-US" dirty="0"/>
-          </a:p>
-        </p:txBody>
-      </p:sp>
-      <p:sp>
-        <p:nvSpPr>
-          <p:cNvPr id="14" name="모서리가 둥근 직사각형 13"/>
-          <p:cNvSpPr/>
-          <p:nvPr/>
-        </p:nvSpPr>
-        <p:spPr>
-          <a:xfrm>
-            <a:off x="5181600" y="1935480"/>
-            <a:ext cx="4587240" cy="502920"/>
-          </a:xfrm>
-          <a:prstGeom prst="roundRect">
-            <a:avLst/>
-          </a:prstGeom>
-          <a:noFill/>
-        </p:spPr>
-        <p:style>
-          <a:lnRef idx="2">
-            <a:schemeClr val="accent1">
-              <a:shade val="50000"/>
-            </a:schemeClr>
-          </a:lnRef>
-          <a:fillRef idx="1">
-            <a:schemeClr val="accent1"/>
-          </a:fillRef>
-          <a:effectRef idx="0">
-            <a:schemeClr val="accent1"/>
-          </a:effectRef>
-          <a:fontRef idx="minor">
-            <a:schemeClr val="lt1"/>
-          </a:fontRef>
-        </p:style>
-        <p:txBody>
-          <a:bodyPr rtlCol="0" anchor="ctr"/>
-          <a:lstStyle/>
-          <a:p>
-            <a:pPr algn="ctr"/>
-            <a:endParaRPr kumimoji="1" lang="ko-KR" altLang="en-US"/>
-          </a:p>
-        </p:txBody>
-      </p:sp>
-      <p:sp>
-        <p:nvSpPr>
-          <p:cNvPr id="16" name="TextBox 15"/>
-          <p:cNvSpPr txBox="1"/>
-          <p:nvPr/>
-        </p:nvSpPr>
-        <p:spPr>
-          <a:xfrm>
-            <a:off x="5246918" y="2013942"/>
-            <a:ext cx="1420582" cy="369332"/>
-          </a:xfrm>
-          <a:prstGeom prst="rect">
-            <a:avLst/>
-          </a:prstGeom>
-          <a:noFill/>
-        </p:spPr>
-        <p:txBody>
-          <a:bodyPr wrap="none" rtlCol="0">
-            <a:spAutoFit/>
-          </a:bodyPr>
-          <a:lstStyle/>
-          <a:p>
-            <a:r>
-              <a:rPr kumimoji="1" lang="ko-KR" altLang="en-US" smtClean="0"/>
-              <a:t>제목 쓰세용</a:t>
-            </a:r>
-            <a:endParaRPr kumimoji="1" lang="ko-KR" altLang="en-US"/>
-          </a:p>
-        </p:txBody>
-      </p:sp>
-      <p:sp>
-        <p:nvSpPr>
-          <p:cNvPr id="17" name="TextBox 16"/>
-          <p:cNvSpPr txBox="1"/>
-          <p:nvPr/>
-        </p:nvSpPr>
-        <p:spPr>
-          <a:xfrm>
-            <a:off x="5246918" y="2910839"/>
-            <a:ext cx="1420582" cy="369332"/>
-          </a:xfrm>
-          <a:prstGeom prst="rect">
-            <a:avLst/>
-          </a:prstGeom>
-          <a:noFill/>
-        </p:spPr>
-        <p:txBody>
-          <a:bodyPr wrap="none" rtlCol="0">
-            <a:spAutoFit/>
-          </a:bodyPr>
-          <a:lstStyle/>
-          <a:p>
-            <a:r>
-              <a:rPr kumimoji="1" lang="ko-KR" altLang="en-US" smtClean="0"/>
-              <a:t>내용 쓰세용</a:t>
-            </a:r>
-            <a:endParaRPr kumimoji="1" lang="ko-KR" altLang="en-US"/>
-          </a:p>
-        </p:txBody>
-      </p:sp>
-      <p:sp>
-        <p:nvSpPr>
-          <p:cNvPr id="18" name="TextBox 17"/>
-          <p:cNvSpPr txBox="1"/>
-          <p:nvPr/>
-        </p:nvSpPr>
-        <p:spPr>
-          <a:xfrm>
-            <a:off x="5403211" y="1188023"/>
+            <a:off x="783771" y="953589"/>
             <a:ext cx="1107996" cy="369332"/>
           </a:xfrm>
           <a:prstGeom prst="rect">
@@ -6373,128 +8079,580 @@
           <a:lstStyle/>
           <a:p>
             <a:r>
-              <a:rPr kumimoji="1" lang="ko-KR" altLang="en-US" smtClean="0"/>
-              <a:t>오픈소스</a:t>
-            </a:r>
-            <a:endParaRPr kumimoji="1" lang="ko-KR" altLang="en-US"/>
+              <a:rPr kumimoji="1" lang="ko-KR" altLang="en-US" dirty="0" smtClean="0"/>
+              <a:t>필기하기</a:t>
+            </a:r>
+            <a:endParaRPr kumimoji="1" lang="ko-KR" altLang="en-US" dirty="0"/>
           </a:p>
         </p:txBody>
       </p:sp>
-      <p:sp>
-        <p:nvSpPr>
-          <p:cNvPr id="19" name="모서리가 둥근 직사각형 18"/>
-          <p:cNvSpPr/>
+      <p:grpSp>
+        <p:nvGrpSpPr>
+          <p:cNvPr id="4" name="그룹 3"/>
+          <p:cNvGrpSpPr/>
           <p:nvPr/>
-        </p:nvSpPr>
-        <p:spPr>
+        </p:nvGrpSpPr>
+        <p:grpSpPr>
           <a:xfrm>
-            <a:off x="7380514" y="1112520"/>
-            <a:ext cx="513805" cy="518160"/>
+            <a:off x="3317965" y="640081"/>
+            <a:ext cx="8401595" cy="5773782"/>
+            <a:chOff x="3317965" y="640081"/>
+            <a:chExt cx="8401595" cy="5773782"/>
           </a:xfrm>
-          <a:prstGeom prst="roundRect">
-            <a:avLst/>
-          </a:prstGeom>
-          <a:noFill/>
-        </p:spPr>
-        <p:style>
-          <a:lnRef idx="2">
-            <a:schemeClr val="accent1">
-              <a:shade val="50000"/>
-            </a:schemeClr>
-          </a:lnRef>
-          <a:fillRef idx="1">
-            <a:schemeClr val="accent1"/>
-          </a:fillRef>
-          <a:effectRef idx="0">
-            <a:schemeClr val="accent1"/>
-          </a:effectRef>
-          <a:fontRef idx="minor">
-            <a:schemeClr val="lt1"/>
-          </a:fontRef>
-        </p:style>
-        <p:txBody>
-          <a:bodyPr rtlCol="0" anchor="ctr"/>
-          <a:lstStyle/>
-          <a:p>
-            <a:pPr algn="ctr"/>
-            <a:endParaRPr kumimoji="1" lang="ko-KR" altLang="en-US"/>
-          </a:p>
-        </p:txBody>
-      </p:sp>
-      <p:sp>
-        <p:nvSpPr>
-          <p:cNvPr id="20" name="TextBox 19"/>
-          <p:cNvSpPr txBox="1"/>
-          <p:nvPr/>
-        </p:nvSpPr>
-        <p:spPr>
-          <a:xfrm>
-            <a:off x="7498080" y="1173480"/>
-            <a:ext cx="330540" cy="369332"/>
-          </a:xfrm>
-          <a:prstGeom prst="rect">
-            <a:avLst/>
-          </a:prstGeom>
-          <a:noFill/>
-        </p:spPr>
-        <p:txBody>
-          <a:bodyPr wrap="none" rtlCol="0">
-            <a:spAutoFit/>
-          </a:bodyPr>
-          <a:lstStyle/>
-          <a:p>
-            <a:r>
-              <a:rPr kumimoji="1" lang="en-US" altLang="ko-KR" smtClean="0"/>
-              <a:t>V</a:t>
-            </a:r>
-            <a:endParaRPr kumimoji="1" lang="ko-KR" altLang="en-US" dirty="0"/>
-          </a:p>
-        </p:txBody>
-      </p:sp>
-      <p:sp>
-        <p:nvSpPr>
-          <p:cNvPr id="21" name="모서리가 둥근 직사각형 20"/>
-          <p:cNvSpPr/>
-          <p:nvPr/>
-        </p:nvSpPr>
-        <p:spPr>
-          <a:xfrm>
-            <a:off x="8214360" y="5943600"/>
-            <a:ext cx="1447606" cy="350520"/>
-          </a:xfrm>
-          <a:prstGeom prst="roundRect">
-            <a:avLst/>
-          </a:prstGeom>
-        </p:spPr>
-        <p:style>
-          <a:lnRef idx="2">
-            <a:schemeClr val="accent1">
-              <a:shade val="50000"/>
-            </a:schemeClr>
-          </a:lnRef>
-          <a:fillRef idx="1">
-            <a:schemeClr val="accent1"/>
-          </a:fillRef>
-          <a:effectRef idx="0">
-            <a:schemeClr val="accent1"/>
-          </a:effectRef>
-          <a:fontRef idx="minor">
-            <a:schemeClr val="lt1"/>
-          </a:fontRef>
-        </p:style>
-        <p:txBody>
-          <a:bodyPr rtlCol="0" anchor="ctr"/>
-          <a:lstStyle/>
-          <a:p>
-            <a:pPr algn="ctr"/>
-            <a:r>
-              <a:rPr kumimoji="1" lang="en-US" altLang="ko-KR" dirty="0" smtClean="0"/>
-              <a:t>Submit</a:t>
-            </a:r>
-            <a:endParaRPr kumimoji="1" lang="ko-KR" altLang="en-US" dirty="0"/>
-          </a:p>
-        </p:txBody>
-      </p:sp>
+        </p:grpSpPr>
+        <p:sp>
+          <p:nvSpPr>
+            <p:cNvPr id="3" name="직사각형 2"/>
+            <p:cNvSpPr/>
+            <p:nvPr/>
+          </p:nvSpPr>
+          <p:spPr>
+            <a:xfrm>
+              <a:off x="3317965" y="640081"/>
+              <a:ext cx="8401595" cy="5773782"/>
+            </a:xfrm>
+            <a:prstGeom prst="rect">
+              <a:avLst/>
+            </a:prstGeom>
+            <a:noFill/>
+          </p:spPr>
+          <p:style>
+            <a:lnRef idx="2">
+              <a:schemeClr val="accent1">
+                <a:shade val="50000"/>
+              </a:schemeClr>
+            </a:lnRef>
+            <a:fillRef idx="1">
+              <a:schemeClr val="accent1"/>
+            </a:fillRef>
+            <a:effectRef idx="0">
+              <a:schemeClr val="accent1"/>
+            </a:effectRef>
+            <a:fontRef idx="minor">
+              <a:schemeClr val="lt1"/>
+            </a:fontRef>
+          </p:style>
+          <p:txBody>
+            <a:bodyPr rtlCol="0" anchor="ctr"/>
+            <a:lstStyle/>
+            <a:p>
+              <a:pPr algn="ctr"/>
+              <a:endParaRPr kumimoji="1" lang="ko-KR" altLang="en-US"/>
+            </a:p>
+          </p:txBody>
+        </p:sp>
+        <p:sp>
+          <p:nvSpPr>
+            <p:cNvPr id="8" name="직사각형 7"/>
+            <p:cNvSpPr/>
+            <p:nvPr/>
+          </p:nvSpPr>
+          <p:spPr>
+            <a:xfrm>
+              <a:off x="4663440" y="640081"/>
+              <a:ext cx="5745480" cy="5773782"/>
+            </a:xfrm>
+            <a:prstGeom prst="rect">
+              <a:avLst/>
+            </a:prstGeom>
+            <a:noFill/>
+          </p:spPr>
+          <p:style>
+            <a:lnRef idx="2">
+              <a:schemeClr val="accent1">
+                <a:shade val="50000"/>
+              </a:schemeClr>
+            </a:lnRef>
+            <a:fillRef idx="1">
+              <a:schemeClr val="accent1"/>
+            </a:fillRef>
+            <a:effectRef idx="0">
+              <a:schemeClr val="accent1"/>
+            </a:effectRef>
+            <a:fontRef idx="minor">
+              <a:schemeClr val="lt1"/>
+            </a:fontRef>
+          </p:style>
+          <p:txBody>
+            <a:bodyPr rtlCol="0" anchor="ctr"/>
+            <a:lstStyle/>
+            <a:p>
+              <a:pPr algn="ctr"/>
+              <a:endParaRPr kumimoji="1" lang="ko-KR" altLang="en-US"/>
+            </a:p>
+          </p:txBody>
+        </p:sp>
+        <p:sp>
+          <p:nvSpPr>
+            <p:cNvPr id="2" name="모서리가 둥근 직사각형 1"/>
+            <p:cNvSpPr/>
+            <p:nvPr/>
+          </p:nvSpPr>
+          <p:spPr>
+            <a:xfrm>
+              <a:off x="5181600" y="1097280"/>
+              <a:ext cx="2712720" cy="518160"/>
+            </a:xfrm>
+            <a:prstGeom prst="roundRect">
+              <a:avLst/>
+            </a:prstGeom>
+            <a:noFill/>
+          </p:spPr>
+          <p:style>
+            <a:lnRef idx="2">
+              <a:schemeClr val="accent1">
+                <a:shade val="50000"/>
+              </a:schemeClr>
+            </a:lnRef>
+            <a:fillRef idx="1">
+              <a:schemeClr val="accent1"/>
+            </a:fillRef>
+            <a:effectRef idx="0">
+              <a:schemeClr val="accent1"/>
+            </a:effectRef>
+            <a:fontRef idx="minor">
+              <a:schemeClr val="lt1"/>
+            </a:fontRef>
+          </p:style>
+          <p:txBody>
+            <a:bodyPr rtlCol="0" anchor="ctr"/>
+            <a:lstStyle/>
+            <a:p>
+              <a:pPr algn="ctr"/>
+              <a:endParaRPr kumimoji="1" lang="ko-KR" altLang="en-US"/>
+            </a:p>
+          </p:txBody>
+        </p:sp>
+        <p:sp>
+          <p:nvSpPr>
+            <p:cNvPr id="9" name="직사각형 8"/>
+            <p:cNvSpPr/>
+            <p:nvPr/>
+          </p:nvSpPr>
+          <p:spPr>
+            <a:xfrm>
+              <a:off x="5181600" y="2697480"/>
+              <a:ext cx="4587240" cy="3032759"/>
+            </a:xfrm>
+            <a:prstGeom prst="rect">
+              <a:avLst/>
+            </a:prstGeom>
+            <a:noFill/>
+          </p:spPr>
+          <p:style>
+            <a:lnRef idx="2">
+              <a:schemeClr val="accent1">
+                <a:shade val="50000"/>
+              </a:schemeClr>
+            </a:lnRef>
+            <a:fillRef idx="1">
+              <a:schemeClr val="accent1"/>
+            </a:fillRef>
+            <a:effectRef idx="0">
+              <a:schemeClr val="accent1"/>
+            </a:effectRef>
+            <a:fontRef idx="minor">
+              <a:schemeClr val="lt1"/>
+            </a:fontRef>
+          </p:style>
+          <p:txBody>
+            <a:bodyPr rtlCol="0" anchor="ctr"/>
+            <a:lstStyle/>
+            <a:p>
+              <a:pPr algn="ctr"/>
+              <a:endParaRPr kumimoji="1" lang="ko-KR" altLang="en-US"/>
+            </a:p>
+          </p:txBody>
+        </p:sp>
+        <p:sp>
+          <p:nvSpPr>
+            <p:cNvPr id="10" name="모서리가 둥근 직사각형 9"/>
+            <p:cNvSpPr/>
+            <p:nvPr/>
+          </p:nvSpPr>
+          <p:spPr>
+            <a:xfrm>
+              <a:off x="8214360" y="1097280"/>
+              <a:ext cx="1554480" cy="518160"/>
+            </a:xfrm>
+            <a:prstGeom prst="roundRect">
+              <a:avLst/>
+            </a:prstGeom>
+            <a:noFill/>
+          </p:spPr>
+          <p:style>
+            <a:lnRef idx="2">
+              <a:schemeClr val="accent1">
+                <a:shade val="50000"/>
+              </a:schemeClr>
+            </a:lnRef>
+            <a:fillRef idx="1">
+              <a:schemeClr val="accent1"/>
+            </a:fillRef>
+            <a:effectRef idx="0">
+              <a:schemeClr val="accent1"/>
+            </a:effectRef>
+            <a:fontRef idx="minor">
+              <a:schemeClr val="lt1"/>
+            </a:fontRef>
+          </p:style>
+          <p:txBody>
+            <a:bodyPr rtlCol="0" anchor="ctr"/>
+            <a:lstStyle/>
+            <a:p>
+              <a:pPr algn="ctr"/>
+              <a:endParaRPr kumimoji="1" lang="ko-KR" altLang="en-US"/>
+            </a:p>
+          </p:txBody>
+        </p:sp>
+        <p:sp>
+          <p:nvSpPr>
+            <p:cNvPr id="11" name="모서리가 둥근 직사각형 10"/>
+            <p:cNvSpPr/>
+            <p:nvPr/>
+          </p:nvSpPr>
+          <p:spPr>
+            <a:xfrm>
+              <a:off x="9239794" y="1097280"/>
+              <a:ext cx="513805" cy="518160"/>
+            </a:xfrm>
+            <a:prstGeom prst="roundRect">
+              <a:avLst/>
+            </a:prstGeom>
+            <a:noFill/>
+          </p:spPr>
+          <p:style>
+            <a:lnRef idx="2">
+              <a:schemeClr val="accent1">
+                <a:shade val="50000"/>
+              </a:schemeClr>
+            </a:lnRef>
+            <a:fillRef idx="1">
+              <a:schemeClr val="accent1"/>
+            </a:fillRef>
+            <a:effectRef idx="0">
+              <a:schemeClr val="accent1"/>
+            </a:effectRef>
+            <a:fontRef idx="minor">
+              <a:schemeClr val="lt1"/>
+            </a:fontRef>
+          </p:style>
+          <p:txBody>
+            <a:bodyPr rtlCol="0" anchor="ctr"/>
+            <a:lstStyle/>
+            <a:p>
+              <a:pPr algn="ctr"/>
+              <a:endParaRPr kumimoji="1" lang="ko-KR" altLang="en-US"/>
+            </a:p>
+          </p:txBody>
+        </p:sp>
+        <p:sp>
+          <p:nvSpPr>
+            <p:cNvPr id="12" name="TextBox 11"/>
+            <p:cNvSpPr txBox="1"/>
+            <p:nvPr/>
+          </p:nvSpPr>
+          <p:spPr>
+            <a:xfrm>
+              <a:off x="9331426" y="1165162"/>
+              <a:ext cx="330540" cy="369332"/>
+            </a:xfrm>
+            <a:prstGeom prst="rect">
+              <a:avLst/>
+            </a:prstGeom>
+            <a:noFill/>
+          </p:spPr>
+          <p:txBody>
+            <a:bodyPr wrap="none" rtlCol="0">
+              <a:spAutoFit/>
+            </a:bodyPr>
+            <a:lstStyle/>
+            <a:p>
+              <a:r>
+                <a:rPr kumimoji="1" lang="en-US" altLang="ko-KR"/>
+                <a:t>V</a:t>
+              </a:r>
+              <a:endParaRPr kumimoji="1" lang="ko-KR" altLang="en-US" dirty="0"/>
+            </a:p>
+          </p:txBody>
+        </p:sp>
+        <p:sp>
+          <p:nvSpPr>
+            <p:cNvPr id="13" name="TextBox 12"/>
+            <p:cNvSpPr txBox="1"/>
+            <p:nvPr/>
+          </p:nvSpPr>
+          <p:spPr>
+            <a:xfrm>
+              <a:off x="8265950" y="1173868"/>
+              <a:ext cx="1007007" cy="369332"/>
+            </a:xfrm>
+            <a:prstGeom prst="rect">
+              <a:avLst/>
+            </a:prstGeom>
+            <a:noFill/>
+          </p:spPr>
+          <p:txBody>
+            <a:bodyPr wrap="none" rtlCol="0">
+              <a:spAutoFit/>
+            </a:bodyPr>
+            <a:lstStyle/>
+            <a:p>
+              <a:r>
+                <a:rPr kumimoji="1" lang="en-US" altLang="ko-KR" smtClean="0"/>
+                <a:t>17-3-02</a:t>
+              </a:r>
+              <a:endParaRPr kumimoji="1" lang="ko-KR" altLang="en-US" dirty="0"/>
+            </a:p>
+          </p:txBody>
+        </p:sp>
+        <p:sp>
+          <p:nvSpPr>
+            <p:cNvPr id="14" name="모서리가 둥근 직사각형 13"/>
+            <p:cNvSpPr/>
+            <p:nvPr/>
+          </p:nvSpPr>
+          <p:spPr>
+            <a:xfrm>
+              <a:off x="5181600" y="1935480"/>
+              <a:ext cx="4587240" cy="502920"/>
+            </a:xfrm>
+            <a:prstGeom prst="roundRect">
+              <a:avLst/>
+            </a:prstGeom>
+            <a:noFill/>
+          </p:spPr>
+          <p:style>
+            <a:lnRef idx="2">
+              <a:schemeClr val="accent1">
+                <a:shade val="50000"/>
+              </a:schemeClr>
+            </a:lnRef>
+            <a:fillRef idx="1">
+              <a:schemeClr val="accent1"/>
+            </a:fillRef>
+            <a:effectRef idx="0">
+              <a:schemeClr val="accent1"/>
+            </a:effectRef>
+            <a:fontRef idx="minor">
+              <a:schemeClr val="lt1"/>
+            </a:fontRef>
+          </p:style>
+          <p:txBody>
+            <a:bodyPr rtlCol="0" anchor="ctr"/>
+            <a:lstStyle/>
+            <a:p>
+              <a:pPr algn="ctr"/>
+              <a:endParaRPr kumimoji="1" lang="ko-KR" altLang="en-US"/>
+            </a:p>
+          </p:txBody>
+        </p:sp>
+        <p:sp>
+          <p:nvSpPr>
+            <p:cNvPr id="16" name="TextBox 15"/>
+            <p:cNvSpPr txBox="1"/>
+            <p:nvPr/>
+          </p:nvSpPr>
+          <p:spPr>
+            <a:xfrm>
+              <a:off x="5246918" y="2013942"/>
+              <a:ext cx="1420582" cy="369332"/>
+            </a:xfrm>
+            <a:prstGeom prst="rect">
+              <a:avLst/>
+            </a:prstGeom>
+            <a:noFill/>
+          </p:spPr>
+          <p:txBody>
+            <a:bodyPr wrap="none" rtlCol="0">
+              <a:spAutoFit/>
+            </a:bodyPr>
+            <a:lstStyle/>
+            <a:p>
+              <a:r>
+                <a:rPr kumimoji="1" lang="ko-KR" altLang="en-US" smtClean="0"/>
+                <a:t>제목 쓰세용</a:t>
+              </a:r>
+              <a:endParaRPr kumimoji="1" lang="ko-KR" altLang="en-US"/>
+            </a:p>
+          </p:txBody>
+        </p:sp>
+        <p:sp>
+          <p:nvSpPr>
+            <p:cNvPr id="17" name="TextBox 16"/>
+            <p:cNvSpPr txBox="1"/>
+            <p:nvPr/>
+          </p:nvSpPr>
+          <p:spPr>
+            <a:xfrm>
+              <a:off x="5246918" y="2910839"/>
+              <a:ext cx="1420582" cy="369332"/>
+            </a:xfrm>
+            <a:prstGeom prst="rect">
+              <a:avLst/>
+            </a:prstGeom>
+            <a:noFill/>
+          </p:spPr>
+          <p:txBody>
+            <a:bodyPr wrap="none" rtlCol="0">
+              <a:spAutoFit/>
+            </a:bodyPr>
+            <a:lstStyle/>
+            <a:p>
+              <a:r>
+                <a:rPr kumimoji="1" lang="ko-KR" altLang="en-US" smtClean="0"/>
+                <a:t>내용 쓰세용</a:t>
+              </a:r>
+              <a:endParaRPr kumimoji="1" lang="ko-KR" altLang="en-US"/>
+            </a:p>
+          </p:txBody>
+        </p:sp>
+        <p:sp>
+          <p:nvSpPr>
+            <p:cNvPr id="18" name="TextBox 17"/>
+            <p:cNvSpPr txBox="1"/>
+            <p:nvPr/>
+          </p:nvSpPr>
+          <p:spPr>
+            <a:xfrm>
+              <a:off x="5403211" y="1188023"/>
+              <a:ext cx="1107996" cy="369332"/>
+            </a:xfrm>
+            <a:prstGeom prst="rect">
+              <a:avLst/>
+            </a:prstGeom>
+            <a:noFill/>
+          </p:spPr>
+          <p:txBody>
+            <a:bodyPr wrap="none" rtlCol="0">
+              <a:spAutoFit/>
+            </a:bodyPr>
+            <a:lstStyle/>
+            <a:p>
+              <a:r>
+                <a:rPr kumimoji="1" lang="ko-KR" altLang="en-US" smtClean="0"/>
+                <a:t>오픈소스</a:t>
+              </a:r>
+              <a:endParaRPr kumimoji="1" lang="ko-KR" altLang="en-US"/>
+            </a:p>
+          </p:txBody>
+        </p:sp>
+        <p:sp>
+          <p:nvSpPr>
+            <p:cNvPr id="19" name="모서리가 둥근 직사각형 18"/>
+            <p:cNvSpPr/>
+            <p:nvPr/>
+          </p:nvSpPr>
+          <p:spPr>
+            <a:xfrm>
+              <a:off x="7380514" y="1112520"/>
+              <a:ext cx="513805" cy="518160"/>
+            </a:xfrm>
+            <a:prstGeom prst="roundRect">
+              <a:avLst/>
+            </a:prstGeom>
+            <a:noFill/>
+          </p:spPr>
+          <p:style>
+            <a:lnRef idx="2">
+              <a:schemeClr val="accent1">
+                <a:shade val="50000"/>
+              </a:schemeClr>
+            </a:lnRef>
+            <a:fillRef idx="1">
+              <a:schemeClr val="accent1"/>
+            </a:fillRef>
+            <a:effectRef idx="0">
+              <a:schemeClr val="accent1"/>
+            </a:effectRef>
+            <a:fontRef idx="minor">
+              <a:schemeClr val="lt1"/>
+            </a:fontRef>
+          </p:style>
+          <p:txBody>
+            <a:bodyPr rtlCol="0" anchor="ctr"/>
+            <a:lstStyle/>
+            <a:p>
+              <a:pPr algn="ctr"/>
+              <a:endParaRPr kumimoji="1" lang="ko-KR" altLang="en-US"/>
+            </a:p>
+          </p:txBody>
+        </p:sp>
+        <p:sp>
+          <p:nvSpPr>
+            <p:cNvPr id="20" name="TextBox 19"/>
+            <p:cNvSpPr txBox="1"/>
+            <p:nvPr/>
+          </p:nvSpPr>
+          <p:spPr>
+            <a:xfrm>
+              <a:off x="7498080" y="1173480"/>
+              <a:ext cx="330540" cy="369332"/>
+            </a:xfrm>
+            <a:prstGeom prst="rect">
+              <a:avLst/>
+            </a:prstGeom>
+            <a:noFill/>
+          </p:spPr>
+          <p:txBody>
+            <a:bodyPr wrap="none" rtlCol="0">
+              <a:spAutoFit/>
+            </a:bodyPr>
+            <a:lstStyle/>
+            <a:p>
+              <a:r>
+                <a:rPr kumimoji="1" lang="en-US" altLang="ko-KR" smtClean="0"/>
+                <a:t>V</a:t>
+              </a:r>
+              <a:endParaRPr kumimoji="1" lang="ko-KR" altLang="en-US" dirty="0"/>
+            </a:p>
+          </p:txBody>
+        </p:sp>
+        <p:sp>
+          <p:nvSpPr>
+            <p:cNvPr id="21" name="모서리가 둥근 직사각형 20"/>
+            <p:cNvSpPr/>
+            <p:nvPr/>
+          </p:nvSpPr>
+          <p:spPr>
+            <a:xfrm>
+              <a:off x="8214360" y="5943600"/>
+              <a:ext cx="1447606" cy="350520"/>
+            </a:xfrm>
+            <a:prstGeom prst="roundRect">
+              <a:avLst/>
+            </a:prstGeom>
+          </p:spPr>
+          <p:style>
+            <a:lnRef idx="2">
+              <a:schemeClr val="accent1">
+                <a:shade val="50000"/>
+              </a:schemeClr>
+            </a:lnRef>
+            <a:fillRef idx="1">
+              <a:schemeClr val="accent1"/>
+            </a:fillRef>
+            <a:effectRef idx="0">
+              <a:schemeClr val="accent1"/>
+            </a:effectRef>
+            <a:fontRef idx="minor">
+              <a:schemeClr val="lt1"/>
+            </a:fontRef>
+          </p:style>
+          <p:txBody>
+            <a:bodyPr rtlCol="0" anchor="ctr"/>
+            <a:lstStyle/>
+            <a:p>
+              <a:pPr algn="ctr"/>
+              <a:r>
+                <a:rPr kumimoji="1" lang="en-US" altLang="ko-KR" dirty="0" smtClean="0"/>
+                <a:t>Submit</a:t>
+              </a:r>
+              <a:endParaRPr kumimoji="1" lang="ko-KR" altLang="en-US" dirty="0"/>
+            </a:p>
+          </p:txBody>
+        </p:sp>
+      </p:grpSp>
     </p:spTree>
     <p:extLst>
       <p:ext uri="{BB962C8B-B14F-4D97-AF65-F5344CB8AC3E}">
@@ -6558,7 +8716,7 @@
     </a:clrScheme>
     <a:fontScheme name="Office">
       <a:majorFont>
-        <a:latin typeface="맑은 고딕" panose="020F0302020204030204"/>
+        <a:latin typeface="맑은 고딕"/>
         <a:ea typeface=""/>
         <a:cs typeface=""/>
         <a:font script="Jpan" typeface="Yu Gothic Light"/>
@@ -6593,7 +8751,7 @@
         <a:font script="Geor" typeface="Sylfaen"/>
       </a:majorFont>
       <a:minorFont>
-        <a:latin typeface="맑은 고딕" panose="020F0502020204030204"/>
+        <a:latin typeface="맑은 고딕"/>
         <a:ea typeface=""/>
         <a:cs typeface=""/>
         <a:font script="Jpan" typeface="Yu Gothic"/>
@@ -6770,7 +8928,7 @@
   <a:extraClrSchemeLst/>
   <a:extLst>
     <a:ext uri="{05A4C25C-085E-4340-85A3-A5531E510DB2}">
-      <thm15:themeFamily xmlns:thm15="http://schemas.microsoft.com/office/thememl/2012/main" name="Office Theme" id="{62F939B6-93AF-4DB8-9C6B-D6C7DFDC589F}" vid="{4A3C46E8-61CC-4603-A589-7422A47A8E4A}"/>
+      <thm15:themeFamily xmlns:thm15="http://schemas.microsoft.com/office/thememl/2012/main" xmlns="" name="Office Theme" id="{62F939B6-93AF-4DB8-9C6B-D6C7DFDC589F}" vid="{4A3C46E8-61CC-4603-A589-7422A47A8E4A}"/>
     </a:ext>
   </a:extLst>
 </a:theme>

--- a/project#1/메모장 기획.pptx
+++ b/project#1/메모장 기획.pptx
@@ -10,12 +10,14 @@
     <p:sldId id="258" r:id="rId4"/>
     <p:sldId id="259" r:id="rId5"/>
     <p:sldId id="267" r:id="rId6"/>
-    <p:sldId id="262" r:id="rId7"/>
-    <p:sldId id="265" r:id="rId8"/>
-    <p:sldId id="261" r:id="rId9"/>
-    <p:sldId id="264" r:id="rId10"/>
-    <p:sldId id="268" r:id="rId11"/>
-    <p:sldId id="266" r:id="rId12"/>
+    <p:sldId id="270" r:id="rId7"/>
+    <p:sldId id="262" r:id="rId8"/>
+    <p:sldId id="265" r:id="rId9"/>
+    <p:sldId id="269" r:id="rId10"/>
+    <p:sldId id="261" r:id="rId11"/>
+    <p:sldId id="264" r:id="rId12"/>
+    <p:sldId id="268" r:id="rId13"/>
+    <p:sldId id="266" r:id="rId14"/>
   </p:sldIdLst>
   <p:sldSz cx="12192000" cy="6858000"/>
   <p:notesSz cx="6858000" cy="9144000"/>
@@ -3080,6 +3082,50 @@
           </a:p>
         </p:txBody>
       </p:sp>
+      <p:sp>
+        <p:nvSpPr>
+          <p:cNvPr id="2" name="TextBox 1"/>
+          <p:cNvSpPr txBox="1"/>
+          <p:nvPr/>
+        </p:nvSpPr>
+        <p:spPr>
+          <a:xfrm>
+            <a:off x="9088916" y="5662670"/>
+            <a:ext cx="2225289" cy="646331"/>
+          </a:xfrm>
+          <a:prstGeom prst="rect">
+            <a:avLst/>
+          </a:prstGeom>
+          <a:noFill/>
+        </p:spPr>
+        <p:txBody>
+          <a:bodyPr wrap="none" rtlCol="0">
+            <a:spAutoFit/>
+          </a:bodyPr>
+          <a:lstStyle/>
+          <a:p>
+            <a:r>
+              <a:rPr lang="ko-KR" altLang="en-US" dirty="0" smtClean="0"/>
+              <a:t>이정훈 </a:t>
+            </a:r>
+            <a:r>
+              <a:rPr lang="en-US" altLang="ko-KR" dirty="0" smtClean="0"/>
+              <a:t>2010042465</a:t>
+            </a:r>
+          </a:p>
+          <a:p>
+            <a:r>
+              <a:rPr lang="en-US" altLang="ko-KR" dirty="0"/>
+              <a:t>	</a:t>
+            </a:r>
+            <a:r>
+              <a:rPr lang="en-US" altLang="ko-KR" dirty="0" smtClean="0"/>
+              <a:t>project #1</a:t>
+            </a:r>
+            <a:endParaRPr lang="ko-KR" altLang="en-US" dirty="0"/>
+          </a:p>
+        </p:txBody>
+      </p:sp>
     </p:spTree>
     <p:extLst>
       <p:ext uri="{BB962C8B-B14F-4D97-AF65-F5344CB8AC3E}">
@@ -3101,6 +3147,1349 @@
 </file>
 
 <file path=ppt/slides/slide10.xml><?xml version="1.0" encoding="utf-8"?>
+<p:sld xmlns:a="http://schemas.openxmlformats.org/drawingml/2006/main" xmlns:r="http://schemas.openxmlformats.org/officeDocument/2006/relationships" xmlns:p="http://schemas.openxmlformats.org/presentationml/2006/main">
+  <p:cSld>
+    <p:spTree>
+      <p:nvGrpSpPr>
+        <p:cNvPr id="1" name=""/>
+        <p:cNvGrpSpPr/>
+        <p:nvPr/>
+      </p:nvGrpSpPr>
+      <p:grpSpPr>
+        <a:xfrm>
+          <a:off x="0" y="0"/>
+          <a:ext cx="0" cy="0"/>
+          <a:chOff x="0" y="0"/>
+          <a:chExt cx="0" cy="0"/>
+        </a:xfrm>
+      </p:grpSpPr>
+      <p:sp>
+        <p:nvSpPr>
+          <p:cNvPr id="5" name="TextBox 4"/>
+          <p:cNvSpPr txBox="1"/>
+          <p:nvPr/>
+        </p:nvSpPr>
+        <p:spPr>
+          <a:xfrm>
+            <a:off x="783771" y="953589"/>
+            <a:ext cx="1107996" cy="369332"/>
+          </a:xfrm>
+          <a:prstGeom prst="rect">
+            <a:avLst/>
+          </a:prstGeom>
+          <a:noFill/>
+        </p:spPr>
+        <p:txBody>
+          <a:bodyPr wrap="none" rtlCol="0">
+            <a:spAutoFit/>
+          </a:bodyPr>
+          <a:lstStyle/>
+          <a:p>
+            <a:r>
+              <a:rPr kumimoji="1" lang="ko-KR" altLang="en-US" dirty="0" smtClean="0"/>
+              <a:t>수정하기</a:t>
+            </a:r>
+            <a:endParaRPr kumimoji="1" lang="ko-KR" altLang="en-US" dirty="0"/>
+          </a:p>
+        </p:txBody>
+      </p:sp>
+      <p:grpSp>
+        <p:nvGrpSpPr>
+          <p:cNvPr id="4" name="그룹 3"/>
+          <p:cNvGrpSpPr/>
+          <p:nvPr/>
+        </p:nvGrpSpPr>
+        <p:grpSpPr>
+          <a:xfrm>
+            <a:off x="3317965" y="640081"/>
+            <a:ext cx="8401595" cy="5773782"/>
+            <a:chOff x="3317965" y="640081"/>
+            <a:chExt cx="8401595" cy="5773782"/>
+          </a:xfrm>
+        </p:grpSpPr>
+        <p:sp>
+          <p:nvSpPr>
+            <p:cNvPr id="3" name="직사각형 2"/>
+            <p:cNvSpPr/>
+            <p:nvPr/>
+          </p:nvSpPr>
+          <p:spPr>
+            <a:xfrm>
+              <a:off x="3317965" y="640081"/>
+              <a:ext cx="8401595" cy="5773782"/>
+            </a:xfrm>
+            <a:prstGeom prst="rect">
+              <a:avLst/>
+            </a:prstGeom>
+            <a:noFill/>
+          </p:spPr>
+          <p:style>
+            <a:lnRef idx="2">
+              <a:schemeClr val="accent1">
+                <a:shade val="50000"/>
+              </a:schemeClr>
+            </a:lnRef>
+            <a:fillRef idx="1">
+              <a:schemeClr val="accent1"/>
+            </a:fillRef>
+            <a:effectRef idx="0">
+              <a:schemeClr val="accent1"/>
+            </a:effectRef>
+            <a:fontRef idx="minor">
+              <a:schemeClr val="lt1"/>
+            </a:fontRef>
+          </p:style>
+          <p:txBody>
+            <a:bodyPr rtlCol="0" anchor="ctr"/>
+            <a:lstStyle/>
+            <a:p>
+              <a:pPr algn="ctr"/>
+              <a:endParaRPr kumimoji="1" lang="ko-KR" altLang="en-US"/>
+            </a:p>
+          </p:txBody>
+        </p:sp>
+        <p:sp>
+          <p:nvSpPr>
+            <p:cNvPr id="8" name="직사각형 7"/>
+            <p:cNvSpPr/>
+            <p:nvPr/>
+          </p:nvSpPr>
+          <p:spPr>
+            <a:xfrm>
+              <a:off x="4663440" y="640081"/>
+              <a:ext cx="5745480" cy="5773782"/>
+            </a:xfrm>
+            <a:prstGeom prst="rect">
+              <a:avLst/>
+            </a:prstGeom>
+            <a:noFill/>
+          </p:spPr>
+          <p:style>
+            <a:lnRef idx="2">
+              <a:schemeClr val="accent1">
+                <a:shade val="50000"/>
+              </a:schemeClr>
+            </a:lnRef>
+            <a:fillRef idx="1">
+              <a:schemeClr val="accent1"/>
+            </a:fillRef>
+            <a:effectRef idx="0">
+              <a:schemeClr val="accent1"/>
+            </a:effectRef>
+            <a:fontRef idx="minor">
+              <a:schemeClr val="lt1"/>
+            </a:fontRef>
+          </p:style>
+          <p:txBody>
+            <a:bodyPr rtlCol="0" anchor="ctr"/>
+            <a:lstStyle/>
+            <a:p>
+              <a:pPr algn="ctr"/>
+              <a:endParaRPr kumimoji="1" lang="ko-KR" altLang="en-US"/>
+            </a:p>
+          </p:txBody>
+        </p:sp>
+        <p:sp>
+          <p:nvSpPr>
+            <p:cNvPr id="2" name="모서리가 둥근 직사각형 1"/>
+            <p:cNvSpPr/>
+            <p:nvPr/>
+          </p:nvSpPr>
+          <p:spPr>
+            <a:xfrm>
+              <a:off x="5181600" y="1097280"/>
+              <a:ext cx="2712720" cy="518160"/>
+            </a:xfrm>
+            <a:prstGeom prst="roundRect">
+              <a:avLst/>
+            </a:prstGeom>
+            <a:noFill/>
+          </p:spPr>
+          <p:style>
+            <a:lnRef idx="2">
+              <a:schemeClr val="accent1">
+                <a:shade val="50000"/>
+              </a:schemeClr>
+            </a:lnRef>
+            <a:fillRef idx="1">
+              <a:schemeClr val="accent1"/>
+            </a:fillRef>
+            <a:effectRef idx="0">
+              <a:schemeClr val="accent1"/>
+            </a:effectRef>
+            <a:fontRef idx="minor">
+              <a:schemeClr val="lt1"/>
+            </a:fontRef>
+          </p:style>
+          <p:txBody>
+            <a:bodyPr rtlCol="0" anchor="ctr"/>
+            <a:lstStyle/>
+            <a:p>
+              <a:pPr algn="ctr"/>
+              <a:endParaRPr kumimoji="1" lang="ko-KR" altLang="en-US"/>
+            </a:p>
+          </p:txBody>
+        </p:sp>
+        <p:sp>
+          <p:nvSpPr>
+            <p:cNvPr id="9" name="직사각형 8"/>
+            <p:cNvSpPr/>
+            <p:nvPr/>
+          </p:nvSpPr>
+          <p:spPr>
+            <a:xfrm>
+              <a:off x="5181600" y="2697480"/>
+              <a:ext cx="4587240" cy="3032759"/>
+            </a:xfrm>
+            <a:prstGeom prst="rect">
+              <a:avLst/>
+            </a:prstGeom>
+            <a:noFill/>
+          </p:spPr>
+          <p:style>
+            <a:lnRef idx="2">
+              <a:schemeClr val="accent1">
+                <a:shade val="50000"/>
+              </a:schemeClr>
+            </a:lnRef>
+            <a:fillRef idx="1">
+              <a:schemeClr val="accent1"/>
+            </a:fillRef>
+            <a:effectRef idx="0">
+              <a:schemeClr val="accent1"/>
+            </a:effectRef>
+            <a:fontRef idx="minor">
+              <a:schemeClr val="lt1"/>
+            </a:fontRef>
+          </p:style>
+          <p:txBody>
+            <a:bodyPr rtlCol="0" anchor="ctr"/>
+            <a:lstStyle/>
+            <a:p>
+              <a:pPr algn="ctr"/>
+              <a:endParaRPr kumimoji="1" lang="ko-KR" altLang="en-US"/>
+            </a:p>
+          </p:txBody>
+        </p:sp>
+        <p:sp>
+          <p:nvSpPr>
+            <p:cNvPr id="10" name="모서리가 둥근 직사각형 9"/>
+            <p:cNvSpPr/>
+            <p:nvPr/>
+          </p:nvSpPr>
+          <p:spPr>
+            <a:xfrm>
+              <a:off x="8214360" y="1097280"/>
+              <a:ext cx="1554480" cy="518160"/>
+            </a:xfrm>
+            <a:prstGeom prst="roundRect">
+              <a:avLst/>
+            </a:prstGeom>
+            <a:noFill/>
+          </p:spPr>
+          <p:style>
+            <a:lnRef idx="2">
+              <a:schemeClr val="accent1">
+                <a:shade val="50000"/>
+              </a:schemeClr>
+            </a:lnRef>
+            <a:fillRef idx="1">
+              <a:schemeClr val="accent1"/>
+            </a:fillRef>
+            <a:effectRef idx="0">
+              <a:schemeClr val="accent1"/>
+            </a:effectRef>
+            <a:fontRef idx="minor">
+              <a:schemeClr val="lt1"/>
+            </a:fontRef>
+          </p:style>
+          <p:txBody>
+            <a:bodyPr rtlCol="0" anchor="ctr"/>
+            <a:lstStyle/>
+            <a:p>
+              <a:pPr algn="ctr"/>
+              <a:endParaRPr kumimoji="1" lang="ko-KR" altLang="en-US"/>
+            </a:p>
+          </p:txBody>
+        </p:sp>
+        <p:sp>
+          <p:nvSpPr>
+            <p:cNvPr id="11" name="모서리가 둥근 직사각형 10"/>
+            <p:cNvSpPr/>
+            <p:nvPr/>
+          </p:nvSpPr>
+          <p:spPr>
+            <a:xfrm>
+              <a:off x="9239794" y="1097280"/>
+              <a:ext cx="513805" cy="518160"/>
+            </a:xfrm>
+            <a:prstGeom prst="roundRect">
+              <a:avLst/>
+            </a:prstGeom>
+            <a:noFill/>
+          </p:spPr>
+          <p:style>
+            <a:lnRef idx="2">
+              <a:schemeClr val="accent1">
+                <a:shade val="50000"/>
+              </a:schemeClr>
+            </a:lnRef>
+            <a:fillRef idx="1">
+              <a:schemeClr val="accent1"/>
+            </a:fillRef>
+            <a:effectRef idx="0">
+              <a:schemeClr val="accent1"/>
+            </a:effectRef>
+            <a:fontRef idx="minor">
+              <a:schemeClr val="lt1"/>
+            </a:fontRef>
+          </p:style>
+          <p:txBody>
+            <a:bodyPr rtlCol="0" anchor="ctr"/>
+            <a:lstStyle/>
+            <a:p>
+              <a:pPr algn="ctr"/>
+              <a:endParaRPr kumimoji="1" lang="ko-KR" altLang="en-US"/>
+            </a:p>
+          </p:txBody>
+        </p:sp>
+        <p:sp>
+          <p:nvSpPr>
+            <p:cNvPr id="12" name="TextBox 11"/>
+            <p:cNvSpPr txBox="1"/>
+            <p:nvPr/>
+          </p:nvSpPr>
+          <p:spPr>
+            <a:xfrm>
+              <a:off x="9331426" y="1165162"/>
+              <a:ext cx="330540" cy="369332"/>
+            </a:xfrm>
+            <a:prstGeom prst="rect">
+              <a:avLst/>
+            </a:prstGeom>
+            <a:noFill/>
+          </p:spPr>
+          <p:txBody>
+            <a:bodyPr wrap="none" rtlCol="0">
+              <a:spAutoFit/>
+            </a:bodyPr>
+            <a:lstStyle/>
+            <a:p>
+              <a:r>
+                <a:rPr kumimoji="1" lang="en-US" altLang="ko-KR"/>
+                <a:t>V</a:t>
+              </a:r>
+              <a:endParaRPr kumimoji="1" lang="ko-KR" altLang="en-US" dirty="0"/>
+            </a:p>
+          </p:txBody>
+        </p:sp>
+        <p:sp>
+          <p:nvSpPr>
+            <p:cNvPr id="13" name="TextBox 12"/>
+            <p:cNvSpPr txBox="1"/>
+            <p:nvPr/>
+          </p:nvSpPr>
+          <p:spPr>
+            <a:xfrm>
+              <a:off x="8265950" y="1173868"/>
+              <a:ext cx="1007007" cy="369332"/>
+            </a:xfrm>
+            <a:prstGeom prst="rect">
+              <a:avLst/>
+            </a:prstGeom>
+            <a:noFill/>
+          </p:spPr>
+          <p:txBody>
+            <a:bodyPr wrap="none" rtlCol="0">
+              <a:spAutoFit/>
+            </a:bodyPr>
+            <a:lstStyle/>
+            <a:p>
+              <a:r>
+                <a:rPr kumimoji="1" lang="en-US" altLang="ko-KR" smtClean="0"/>
+                <a:t>17-3-02</a:t>
+              </a:r>
+              <a:endParaRPr kumimoji="1" lang="ko-KR" altLang="en-US" dirty="0"/>
+            </a:p>
+          </p:txBody>
+        </p:sp>
+        <p:sp>
+          <p:nvSpPr>
+            <p:cNvPr id="14" name="모서리가 둥근 직사각형 13"/>
+            <p:cNvSpPr/>
+            <p:nvPr/>
+          </p:nvSpPr>
+          <p:spPr>
+            <a:xfrm>
+              <a:off x="5181600" y="1935480"/>
+              <a:ext cx="4587240" cy="502920"/>
+            </a:xfrm>
+            <a:prstGeom prst="roundRect">
+              <a:avLst/>
+            </a:prstGeom>
+            <a:noFill/>
+          </p:spPr>
+          <p:style>
+            <a:lnRef idx="2">
+              <a:schemeClr val="accent1">
+                <a:shade val="50000"/>
+              </a:schemeClr>
+            </a:lnRef>
+            <a:fillRef idx="1">
+              <a:schemeClr val="accent1"/>
+            </a:fillRef>
+            <a:effectRef idx="0">
+              <a:schemeClr val="accent1"/>
+            </a:effectRef>
+            <a:fontRef idx="minor">
+              <a:schemeClr val="lt1"/>
+            </a:fontRef>
+          </p:style>
+          <p:txBody>
+            <a:bodyPr rtlCol="0" anchor="ctr"/>
+            <a:lstStyle/>
+            <a:p>
+              <a:pPr algn="ctr"/>
+              <a:endParaRPr kumimoji="1" lang="ko-KR" altLang="en-US"/>
+            </a:p>
+          </p:txBody>
+        </p:sp>
+        <p:sp>
+          <p:nvSpPr>
+            <p:cNvPr id="16" name="TextBox 15"/>
+            <p:cNvSpPr txBox="1"/>
+            <p:nvPr/>
+          </p:nvSpPr>
+          <p:spPr>
+            <a:xfrm>
+              <a:off x="5246918" y="2013942"/>
+              <a:ext cx="1189749" cy="369332"/>
+            </a:xfrm>
+            <a:prstGeom prst="rect">
+              <a:avLst/>
+            </a:prstGeom>
+            <a:noFill/>
+          </p:spPr>
+          <p:txBody>
+            <a:bodyPr wrap="none" rtlCol="0">
+              <a:spAutoFit/>
+            </a:bodyPr>
+            <a:lstStyle/>
+            <a:p>
+              <a:r>
+                <a:rPr kumimoji="1" lang="ko-KR" altLang="en-US" dirty="0" smtClean="0"/>
+                <a:t>기존 제목</a:t>
+              </a:r>
+              <a:endParaRPr kumimoji="1" lang="ko-KR" altLang="en-US" dirty="0"/>
+            </a:p>
+          </p:txBody>
+        </p:sp>
+        <p:sp>
+          <p:nvSpPr>
+            <p:cNvPr id="17" name="TextBox 16"/>
+            <p:cNvSpPr txBox="1"/>
+            <p:nvPr/>
+          </p:nvSpPr>
+          <p:spPr>
+            <a:xfrm>
+              <a:off x="5246918" y="2910839"/>
+              <a:ext cx="1189749" cy="369332"/>
+            </a:xfrm>
+            <a:prstGeom prst="rect">
+              <a:avLst/>
+            </a:prstGeom>
+            <a:noFill/>
+          </p:spPr>
+          <p:txBody>
+            <a:bodyPr wrap="none" rtlCol="0">
+              <a:spAutoFit/>
+            </a:bodyPr>
+            <a:lstStyle/>
+            <a:p>
+              <a:r>
+                <a:rPr kumimoji="1" lang="ko-KR" altLang="en-US" dirty="0" smtClean="0"/>
+                <a:t>기존 내용</a:t>
+              </a:r>
+              <a:endParaRPr kumimoji="1" lang="ko-KR" altLang="en-US" dirty="0"/>
+            </a:p>
+          </p:txBody>
+        </p:sp>
+        <p:sp>
+          <p:nvSpPr>
+            <p:cNvPr id="18" name="TextBox 17"/>
+            <p:cNvSpPr txBox="1"/>
+            <p:nvPr/>
+          </p:nvSpPr>
+          <p:spPr>
+            <a:xfrm>
+              <a:off x="5403211" y="1188023"/>
+              <a:ext cx="1107996" cy="369332"/>
+            </a:xfrm>
+            <a:prstGeom prst="rect">
+              <a:avLst/>
+            </a:prstGeom>
+            <a:noFill/>
+          </p:spPr>
+          <p:txBody>
+            <a:bodyPr wrap="none" rtlCol="0">
+              <a:spAutoFit/>
+            </a:bodyPr>
+            <a:lstStyle/>
+            <a:p>
+              <a:r>
+                <a:rPr kumimoji="1" lang="ko-KR" altLang="en-US" smtClean="0"/>
+                <a:t>오픈소스</a:t>
+              </a:r>
+              <a:endParaRPr kumimoji="1" lang="ko-KR" altLang="en-US"/>
+            </a:p>
+          </p:txBody>
+        </p:sp>
+        <p:sp>
+          <p:nvSpPr>
+            <p:cNvPr id="19" name="모서리가 둥근 직사각형 18"/>
+            <p:cNvSpPr/>
+            <p:nvPr/>
+          </p:nvSpPr>
+          <p:spPr>
+            <a:xfrm>
+              <a:off x="7380514" y="1112520"/>
+              <a:ext cx="513805" cy="518160"/>
+            </a:xfrm>
+            <a:prstGeom prst="roundRect">
+              <a:avLst/>
+            </a:prstGeom>
+            <a:noFill/>
+          </p:spPr>
+          <p:style>
+            <a:lnRef idx="2">
+              <a:schemeClr val="accent1">
+                <a:shade val="50000"/>
+              </a:schemeClr>
+            </a:lnRef>
+            <a:fillRef idx="1">
+              <a:schemeClr val="accent1"/>
+            </a:fillRef>
+            <a:effectRef idx="0">
+              <a:schemeClr val="accent1"/>
+            </a:effectRef>
+            <a:fontRef idx="minor">
+              <a:schemeClr val="lt1"/>
+            </a:fontRef>
+          </p:style>
+          <p:txBody>
+            <a:bodyPr rtlCol="0" anchor="ctr"/>
+            <a:lstStyle/>
+            <a:p>
+              <a:pPr algn="ctr"/>
+              <a:endParaRPr kumimoji="1" lang="ko-KR" altLang="en-US"/>
+            </a:p>
+          </p:txBody>
+        </p:sp>
+        <p:sp>
+          <p:nvSpPr>
+            <p:cNvPr id="20" name="TextBox 19"/>
+            <p:cNvSpPr txBox="1"/>
+            <p:nvPr/>
+          </p:nvSpPr>
+          <p:spPr>
+            <a:xfrm>
+              <a:off x="7498080" y="1173480"/>
+              <a:ext cx="330540" cy="369332"/>
+            </a:xfrm>
+            <a:prstGeom prst="rect">
+              <a:avLst/>
+            </a:prstGeom>
+            <a:noFill/>
+          </p:spPr>
+          <p:txBody>
+            <a:bodyPr wrap="none" rtlCol="0">
+              <a:spAutoFit/>
+            </a:bodyPr>
+            <a:lstStyle/>
+            <a:p>
+              <a:r>
+                <a:rPr kumimoji="1" lang="en-US" altLang="ko-KR" smtClean="0"/>
+                <a:t>V</a:t>
+              </a:r>
+              <a:endParaRPr kumimoji="1" lang="ko-KR" altLang="en-US" dirty="0"/>
+            </a:p>
+          </p:txBody>
+        </p:sp>
+        <p:sp>
+          <p:nvSpPr>
+            <p:cNvPr id="21" name="모서리가 둥근 직사각형 20"/>
+            <p:cNvSpPr/>
+            <p:nvPr/>
+          </p:nvSpPr>
+          <p:spPr>
+            <a:xfrm>
+              <a:off x="8214360" y="5943600"/>
+              <a:ext cx="1447606" cy="350520"/>
+            </a:xfrm>
+            <a:prstGeom prst="roundRect">
+              <a:avLst/>
+            </a:prstGeom>
+          </p:spPr>
+          <p:style>
+            <a:lnRef idx="2">
+              <a:schemeClr val="accent1">
+                <a:shade val="50000"/>
+              </a:schemeClr>
+            </a:lnRef>
+            <a:fillRef idx="1">
+              <a:schemeClr val="accent1"/>
+            </a:fillRef>
+            <a:effectRef idx="0">
+              <a:schemeClr val="accent1"/>
+            </a:effectRef>
+            <a:fontRef idx="minor">
+              <a:schemeClr val="lt1"/>
+            </a:fontRef>
+          </p:style>
+          <p:txBody>
+            <a:bodyPr rtlCol="0" anchor="ctr"/>
+            <a:lstStyle/>
+            <a:p>
+              <a:pPr algn="ctr"/>
+              <a:r>
+                <a:rPr kumimoji="1" lang="en-US" altLang="ko-KR" dirty="0" smtClean="0"/>
+                <a:t>Submit</a:t>
+              </a:r>
+              <a:endParaRPr kumimoji="1" lang="ko-KR" altLang="en-US" dirty="0"/>
+            </a:p>
+          </p:txBody>
+        </p:sp>
+      </p:grpSp>
+      <p:sp>
+        <p:nvSpPr>
+          <p:cNvPr id="6" name="TextBox 5"/>
+          <p:cNvSpPr txBox="1"/>
+          <p:nvPr/>
+        </p:nvSpPr>
+        <p:spPr>
+          <a:xfrm>
+            <a:off x="310046" y="1534494"/>
+            <a:ext cx="2664508" cy="646331"/>
+          </a:xfrm>
+          <a:prstGeom prst="rect">
+            <a:avLst/>
+          </a:prstGeom>
+          <a:noFill/>
+        </p:spPr>
+        <p:txBody>
+          <a:bodyPr wrap="square" rtlCol="0">
+            <a:spAutoFit/>
+          </a:bodyPr>
+          <a:lstStyle/>
+          <a:p>
+            <a:r>
+              <a:rPr lang="ko-KR" altLang="en-US" dirty="0" smtClean="0"/>
+              <a:t>기존의 제목과 내용을</a:t>
+            </a:r>
+            <a:endParaRPr lang="en-US" altLang="ko-KR" dirty="0" smtClean="0"/>
+          </a:p>
+          <a:p>
+            <a:r>
+              <a:rPr lang="ko-KR" altLang="en-US" dirty="0" smtClean="0"/>
+              <a:t>수정할 수 있습니다</a:t>
+            </a:r>
+            <a:r>
+              <a:rPr lang="en-US" altLang="ko-KR" dirty="0" smtClean="0"/>
+              <a:t>.</a:t>
+            </a:r>
+            <a:endParaRPr lang="ko-KR" altLang="en-US" dirty="0"/>
+          </a:p>
+        </p:txBody>
+      </p:sp>
+    </p:spTree>
+    <p:extLst>
+      <p:ext uri="{BB962C8B-B14F-4D97-AF65-F5344CB8AC3E}">
+        <p14:creationId xmlns:p14="http://schemas.microsoft.com/office/powerpoint/2010/main" val="323944424"/>
+      </p:ext>
+    </p:extLst>
+  </p:cSld>
+  <p:clrMapOvr>
+    <a:masterClrMapping/>
+  </p:clrMapOvr>
+  <p:timing>
+    <p:tnLst>
+      <p:par>
+        <p:cTn id="1" dur="indefinite" restart="never" nodeType="tmRoot"/>
+      </p:par>
+    </p:tnLst>
+  </p:timing>
+</p:sld>
+</file>
+
+<file path=ppt/slides/slide11.xml><?xml version="1.0" encoding="utf-8"?>
+<p:sld xmlns:a="http://schemas.openxmlformats.org/drawingml/2006/main" xmlns:r="http://schemas.openxmlformats.org/officeDocument/2006/relationships" xmlns:p="http://schemas.openxmlformats.org/presentationml/2006/main">
+  <p:cSld>
+    <p:spTree>
+      <p:nvGrpSpPr>
+        <p:cNvPr id="1" name=""/>
+        <p:cNvGrpSpPr/>
+        <p:nvPr/>
+      </p:nvGrpSpPr>
+      <p:grpSpPr>
+        <a:xfrm>
+          <a:off x="0" y="0"/>
+          <a:ext cx="0" cy="0"/>
+          <a:chOff x="0" y="0"/>
+          <a:chExt cx="0" cy="0"/>
+        </a:xfrm>
+      </p:grpSpPr>
+      <p:sp>
+        <p:nvSpPr>
+          <p:cNvPr id="5" name="TextBox 4"/>
+          <p:cNvSpPr txBox="1"/>
+          <p:nvPr/>
+        </p:nvSpPr>
+        <p:spPr>
+          <a:xfrm>
+            <a:off x="783771" y="953589"/>
+            <a:ext cx="1107996" cy="369332"/>
+          </a:xfrm>
+          <a:prstGeom prst="rect">
+            <a:avLst/>
+          </a:prstGeom>
+          <a:noFill/>
+        </p:spPr>
+        <p:txBody>
+          <a:bodyPr wrap="none" rtlCol="0">
+            <a:spAutoFit/>
+          </a:bodyPr>
+          <a:lstStyle/>
+          <a:p>
+            <a:r>
+              <a:rPr kumimoji="1" lang="ko-KR" altLang="en-US" dirty="0" smtClean="0"/>
+              <a:t>필기하기</a:t>
+            </a:r>
+            <a:endParaRPr kumimoji="1" lang="ko-KR" altLang="en-US" dirty="0"/>
+          </a:p>
+        </p:txBody>
+      </p:sp>
+      <p:grpSp>
+        <p:nvGrpSpPr>
+          <p:cNvPr id="4" name="그룹 3"/>
+          <p:cNvGrpSpPr/>
+          <p:nvPr/>
+        </p:nvGrpSpPr>
+        <p:grpSpPr>
+          <a:xfrm>
+            <a:off x="3317965" y="640081"/>
+            <a:ext cx="8401595" cy="5773782"/>
+            <a:chOff x="3317965" y="640081"/>
+            <a:chExt cx="8401595" cy="5773782"/>
+          </a:xfrm>
+        </p:grpSpPr>
+        <p:sp>
+          <p:nvSpPr>
+            <p:cNvPr id="3" name="직사각형 2"/>
+            <p:cNvSpPr/>
+            <p:nvPr/>
+          </p:nvSpPr>
+          <p:spPr>
+            <a:xfrm>
+              <a:off x="3317965" y="640081"/>
+              <a:ext cx="8401595" cy="5773782"/>
+            </a:xfrm>
+            <a:prstGeom prst="rect">
+              <a:avLst/>
+            </a:prstGeom>
+            <a:noFill/>
+          </p:spPr>
+          <p:style>
+            <a:lnRef idx="2">
+              <a:schemeClr val="accent1">
+                <a:shade val="50000"/>
+              </a:schemeClr>
+            </a:lnRef>
+            <a:fillRef idx="1">
+              <a:schemeClr val="accent1"/>
+            </a:fillRef>
+            <a:effectRef idx="0">
+              <a:schemeClr val="accent1"/>
+            </a:effectRef>
+            <a:fontRef idx="minor">
+              <a:schemeClr val="lt1"/>
+            </a:fontRef>
+          </p:style>
+          <p:txBody>
+            <a:bodyPr rtlCol="0" anchor="ctr"/>
+            <a:lstStyle/>
+            <a:p>
+              <a:pPr algn="ctr"/>
+              <a:endParaRPr kumimoji="1" lang="ko-KR" altLang="en-US"/>
+            </a:p>
+          </p:txBody>
+        </p:sp>
+        <p:sp>
+          <p:nvSpPr>
+            <p:cNvPr id="8" name="직사각형 7"/>
+            <p:cNvSpPr/>
+            <p:nvPr/>
+          </p:nvSpPr>
+          <p:spPr>
+            <a:xfrm>
+              <a:off x="4663440" y="640081"/>
+              <a:ext cx="5745480" cy="5773782"/>
+            </a:xfrm>
+            <a:prstGeom prst="rect">
+              <a:avLst/>
+            </a:prstGeom>
+            <a:noFill/>
+          </p:spPr>
+          <p:style>
+            <a:lnRef idx="2">
+              <a:schemeClr val="accent1">
+                <a:shade val="50000"/>
+              </a:schemeClr>
+            </a:lnRef>
+            <a:fillRef idx="1">
+              <a:schemeClr val="accent1"/>
+            </a:fillRef>
+            <a:effectRef idx="0">
+              <a:schemeClr val="accent1"/>
+            </a:effectRef>
+            <a:fontRef idx="minor">
+              <a:schemeClr val="lt1"/>
+            </a:fontRef>
+          </p:style>
+          <p:txBody>
+            <a:bodyPr rtlCol="0" anchor="ctr"/>
+            <a:lstStyle/>
+            <a:p>
+              <a:pPr algn="ctr"/>
+              <a:endParaRPr kumimoji="1" lang="ko-KR" altLang="en-US"/>
+            </a:p>
+          </p:txBody>
+        </p:sp>
+        <p:sp>
+          <p:nvSpPr>
+            <p:cNvPr id="2" name="모서리가 둥근 직사각형 1"/>
+            <p:cNvSpPr/>
+            <p:nvPr/>
+          </p:nvSpPr>
+          <p:spPr>
+            <a:xfrm>
+              <a:off x="5181600" y="1097280"/>
+              <a:ext cx="2712720" cy="518160"/>
+            </a:xfrm>
+            <a:prstGeom prst="roundRect">
+              <a:avLst/>
+            </a:prstGeom>
+            <a:noFill/>
+          </p:spPr>
+          <p:style>
+            <a:lnRef idx="2">
+              <a:schemeClr val="accent1">
+                <a:shade val="50000"/>
+              </a:schemeClr>
+            </a:lnRef>
+            <a:fillRef idx="1">
+              <a:schemeClr val="accent1"/>
+            </a:fillRef>
+            <a:effectRef idx="0">
+              <a:schemeClr val="accent1"/>
+            </a:effectRef>
+            <a:fontRef idx="minor">
+              <a:schemeClr val="lt1"/>
+            </a:fontRef>
+          </p:style>
+          <p:txBody>
+            <a:bodyPr rtlCol="0" anchor="ctr"/>
+            <a:lstStyle/>
+            <a:p>
+              <a:pPr algn="ctr"/>
+              <a:endParaRPr kumimoji="1" lang="ko-KR" altLang="en-US"/>
+            </a:p>
+          </p:txBody>
+        </p:sp>
+        <p:sp>
+          <p:nvSpPr>
+            <p:cNvPr id="9" name="직사각형 8"/>
+            <p:cNvSpPr/>
+            <p:nvPr/>
+          </p:nvSpPr>
+          <p:spPr>
+            <a:xfrm>
+              <a:off x="5181600" y="2697480"/>
+              <a:ext cx="4587240" cy="3032759"/>
+            </a:xfrm>
+            <a:prstGeom prst="rect">
+              <a:avLst/>
+            </a:prstGeom>
+            <a:noFill/>
+          </p:spPr>
+          <p:style>
+            <a:lnRef idx="2">
+              <a:schemeClr val="accent1">
+                <a:shade val="50000"/>
+              </a:schemeClr>
+            </a:lnRef>
+            <a:fillRef idx="1">
+              <a:schemeClr val="accent1"/>
+            </a:fillRef>
+            <a:effectRef idx="0">
+              <a:schemeClr val="accent1"/>
+            </a:effectRef>
+            <a:fontRef idx="minor">
+              <a:schemeClr val="lt1"/>
+            </a:fontRef>
+          </p:style>
+          <p:txBody>
+            <a:bodyPr rtlCol="0" anchor="ctr"/>
+            <a:lstStyle/>
+            <a:p>
+              <a:pPr algn="ctr"/>
+              <a:endParaRPr kumimoji="1" lang="ko-KR" altLang="en-US"/>
+            </a:p>
+          </p:txBody>
+        </p:sp>
+        <p:sp>
+          <p:nvSpPr>
+            <p:cNvPr id="10" name="모서리가 둥근 직사각형 9"/>
+            <p:cNvSpPr/>
+            <p:nvPr/>
+          </p:nvSpPr>
+          <p:spPr>
+            <a:xfrm>
+              <a:off x="8214360" y="1097280"/>
+              <a:ext cx="1554480" cy="518160"/>
+            </a:xfrm>
+            <a:prstGeom prst="roundRect">
+              <a:avLst/>
+            </a:prstGeom>
+            <a:noFill/>
+          </p:spPr>
+          <p:style>
+            <a:lnRef idx="2">
+              <a:schemeClr val="accent1">
+                <a:shade val="50000"/>
+              </a:schemeClr>
+            </a:lnRef>
+            <a:fillRef idx="1">
+              <a:schemeClr val="accent1"/>
+            </a:fillRef>
+            <a:effectRef idx="0">
+              <a:schemeClr val="accent1"/>
+            </a:effectRef>
+            <a:fontRef idx="minor">
+              <a:schemeClr val="lt1"/>
+            </a:fontRef>
+          </p:style>
+          <p:txBody>
+            <a:bodyPr rtlCol="0" anchor="ctr"/>
+            <a:lstStyle/>
+            <a:p>
+              <a:pPr algn="ctr"/>
+              <a:endParaRPr kumimoji="1" lang="ko-KR" altLang="en-US"/>
+            </a:p>
+          </p:txBody>
+        </p:sp>
+        <p:sp>
+          <p:nvSpPr>
+            <p:cNvPr id="11" name="모서리가 둥근 직사각형 10"/>
+            <p:cNvSpPr/>
+            <p:nvPr/>
+          </p:nvSpPr>
+          <p:spPr>
+            <a:xfrm>
+              <a:off x="9239794" y="1097280"/>
+              <a:ext cx="513805" cy="518160"/>
+            </a:xfrm>
+            <a:prstGeom prst="roundRect">
+              <a:avLst/>
+            </a:prstGeom>
+            <a:noFill/>
+          </p:spPr>
+          <p:style>
+            <a:lnRef idx="2">
+              <a:schemeClr val="accent1">
+                <a:shade val="50000"/>
+              </a:schemeClr>
+            </a:lnRef>
+            <a:fillRef idx="1">
+              <a:schemeClr val="accent1"/>
+            </a:fillRef>
+            <a:effectRef idx="0">
+              <a:schemeClr val="accent1"/>
+            </a:effectRef>
+            <a:fontRef idx="minor">
+              <a:schemeClr val="lt1"/>
+            </a:fontRef>
+          </p:style>
+          <p:txBody>
+            <a:bodyPr rtlCol="0" anchor="ctr"/>
+            <a:lstStyle/>
+            <a:p>
+              <a:pPr algn="ctr"/>
+              <a:endParaRPr kumimoji="1" lang="ko-KR" altLang="en-US"/>
+            </a:p>
+          </p:txBody>
+        </p:sp>
+        <p:sp>
+          <p:nvSpPr>
+            <p:cNvPr id="12" name="TextBox 11"/>
+            <p:cNvSpPr txBox="1"/>
+            <p:nvPr/>
+          </p:nvSpPr>
+          <p:spPr>
+            <a:xfrm>
+              <a:off x="9331426" y="1165162"/>
+              <a:ext cx="330540" cy="369332"/>
+            </a:xfrm>
+            <a:prstGeom prst="rect">
+              <a:avLst/>
+            </a:prstGeom>
+            <a:noFill/>
+          </p:spPr>
+          <p:txBody>
+            <a:bodyPr wrap="none" rtlCol="0">
+              <a:spAutoFit/>
+            </a:bodyPr>
+            <a:lstStyle/>
+            <a:p>
+              <a:r>
+                <a:rPr kumimoji="1" lang="en-US" altLang="ko-KR"/>
+                <a:t>V</a:t>
+              </a:r>
+              <a:endParaRPr kumimoji="1" lang="ko-KR" altLang="en-US" dirty="0"/>
+            </a:p>
+          </p:txBody>
+        </p:sp>
+        <p:sp>
+          <p:nvSpPr>
+            <p:cNvPr id="13" name="TextBox 12"/>
+            <p:cNvSpPr txBox="1"/>
+            <p:nvPr/>
+          </p:nvSpPr>
+          <p:spPr>
+            <a:xfrm>
+              <a:off x="8265950" y="1173868"/>
+              <a:ext cx="1007007" cy="369332"/>
+            </a:xfrm>
+            <a:prstGeom prst="rect">
+              <a:avLst/>
+            </a:prstGeom>
+            <a:noFill/>
+          </p:spPr>
+          <p:txBody>
+            <a:bodyPr wrap="none" rtlCol="0">
+              <a:spAutoFit/>
+            </a:bodyPr>
+            <a:lstStyle/>
+            <a:p>
+              <a:r>
+                <a:rPr kumimoji="1" lang="en-US" altLang="ko-KR" smtClean="0"/>
+                <a:t>17-3-02</a:t>
+              </a:r>
+              <a:endParaRPr kumimoji="1" lang="ko-KR" altLang="en-US" dirty="0"/>
+            </a:p>
+          </p:txBody>
+        </p:sp>
+        <p:sp>
+          <p:nvSpPr>
+            <p:cNvPr id="14" name="모서리가 둥근 직사각형 13"/>
+            <p:cNvSpPr/>
+            <p:nvPr/>
+          </p:nvSpPr>
+          <p:spPr>
+            <a:xfrm>
+              <a:off x="5181600" y="1935480"/>
+              <a:ext cx="4587240" cy="502920"/>
+            </a:xfrm>
+            <a:prstGeom prst="roundRect">
+              <a:avLst/>
+            </a:prstGeom>
+            <a:noFill/>
+          </p:spPr>
+          <p:style>
+            <a:lnRef idx="2">
+              <a:schemeClr val="accent1">
+                <a:shade val="50000"/>
+              </a:schemeClr>
+            </a:lnRef>
+            <a:fillRef idx="1">
+              <a:schemeClr val="accent1"/>
+            </a:fillRef>
+            <a:effectRef idx="0">
+              <a:schemeClr val="accent1"/>
+            </a:effectRef>
+            <a:fontRef idx="minor">
+              <a:schemeClr val="lt1"/>
+            </a:fontRef>
+          </p:style>
+          <p:txBody>
+            <a:bodyPr rtlCol="0" anchor="ctr"/>
+            <a:lstStyle/>
+            <a:p>
+              <a:pPr algn="ctr"/>
+              <a:endParaRPr kumimoji="1" lang="ko-KR" altLang="en-US"/>
+            </a:p>
+          </p:txBody>
+        </p:sp>
+        <p:sp>
+          <p:nvSpPr>
+            <p:cNvPr id="16" name="TextBox 15"/>
+            <p:cNvSpPr txBox="1"/>
+            <p:nvPr/>
+          </p:nvSpPr>
+          <p:spPr>
+            <a:xfrm>
+              <a:off x="5246918" y="2013942"/>
+              <a:ext cx="1420582" cy="369332"/>
+            </a:xfrm>
+            <a:prstGeom prst="rect">
+              <a:avLst/>
+            </a:prstGeom>
+            <a:noFill/>
+          </p:spPr>
+          <p:txBody>
+            <a:bodyPr wrap="none" rtlCol="0">
+              <a:spAutoFit/>
+            </a:bodyPr>
+            <a:lstStyle/>
+            <a:p>
+              <a:r>
+                <a:rPr kumimoji="1" lang="ko-KR" altLang="en-US" smtClean="0"/>
+                <a:t>제목 쓰세용</a:t>
+              </a:r>
+              <a:endParaRPr kumimoji="1" lang="ko-KR" altLang="en-US"/>
+            </a:p>
+          </p:txBody>
+        </p:sp>
+        <p:sp>
+          <p:nvSpPr>
+            <p:cNvPr id="17" name="TextBox 16"/>
+            <p:cNvSpPr txBox="1"/>
+            <p:nvPr/>
+          </p:nvSpPr>
+          <p:spPr>
+            <a:xfrm>
+              <a:off x="5246918" y="2910839"/>
+              <a:ext cx="1420582" cy="369332"/>
+            </a:xfrm>
+            <a:prstGeom prst="rect">
+              <a:avLst/>
+            </a:prstGeom>
+            <a:noFill/>
+          </p:spPr>
+          <p:txBody>
+            <a:bodyPr wrap="none" rtlCol="0">
+              <a:spAutoFit/>
+            </a:bodyPr>
+            <a:lstStyle/>
+            <a:p>
+              <a:r>
+                <a:rPr kumimoji="1" lang="ko-KR" altLang="en-US" smtClean="0"/>
+                <a:t>내용 쓰세용</a:t>
+              </a:r>
+              <a:endParaRPr kumimoji="1" lang="ko-KR" altLang="en-US"/>
+            </a:p>
+          </p:txBody>
+        </p:sp>
+        <p:sp>
+          <p:nvSpPr>
+            <p:cNvPr id="18" name="TextBox 17"/>
+            <p:cNvSpPr txBox="1"/>
+            <p:nvPr/>
+          </p:nvSpPr>
+          <p:spPr>
+            <a:xfrm>
+              <a:off x="5403211" y="1188023"/>
+              <a:ext cx="1107996" cy="369332"/>
+            </a:xfrm>
+            <a:prstGeom prst="rect">
+              <a:avLst/>
+            </a:prstGeom>
+            <a:noFill/>
+          </p:spPr>
+          <p:txBody>
+            <a:bodyPr wrap="none" rtlCol="0">
+              <a:spAutoFit/>
+            </a:bodyPr>
+            <a:lstStyle/>
+            <a:p>
+              <a:r>
+                <a:rPr kumimoji="1" lang="ko-KR" altLang="en-US" smtClean="0"/>
+                <a:t>오픈소스</a:t>
+              </a:r>
+              <a:endParaRPr kumimoji="1" lang="ko-KR" altLang="en-US"/>
+            </a:p>
+          </p:txBody>
+        </p:sp>
+        <p:sp>
+          <p:nvSpPr>
+            <p:cNvPr id="19" name="모서리가 둥근 직사각형 18"/>
+            <p:cNvSpPr/>
+            <p:nvPr/>
+          </p:nvSpPr>
+          <p:spPr>
+            <a:xfrm>
+              <a:off x="7380514" y="1112520"/>
+              <a:ext cx="513805" cy="518160"/>
+            </a:xfrm>
+            <a:prstGeom prst="roundRect">
+              <a:avLst/>
+            </a:prstGeom>
+            <a:noFill/>
+          </p:spPr>
+          <p:style>
+            <a:lnRef idx="2">
+              <a:schemeClr val="accent1">
+                <a:shade val="50000"/>
+              </a:schemeClr>
+            </a:lnRef>
+            <a:fillRef idx="1">
+              <a:schemeClr val="accent1"/>
+            </a:fillRef>
+            <a:effectRef idx="0">
+              <a:schemeClr val="accent1"/>
+            </a:effectRef>
+            <a:fontRef idx="minor">
+              <a:schemeClr val="lt1"/>
+            </a:fontRef>
+          </p:style>
+          <p:txBody>
+            <a:bodyPr rtlCol="0" anchor="ctr"/>
+            <a:lstStyle/>
+            <a:p>
+              <a:pPr algn="ctr"/>
+              <a:endParaRPr kumimoji="1" lang="ko-KR" altLang="en-US"/>
+            </a:p>
+          </p:txBody>
+        </p:sp>
+        <p:sp>
+          <p:nvSpPr>
+            <p:cNvPr id="20" name="TextBox 19"/>
+            <p:cNvSpPr txBox="1"/>
+            <p:nvPr/>
+          </p:nvSpPr>
+          <p:spPr>
+            <a:xfrm>
+              <a:off x="7498080" y="1173480"/>
+              <a:ext cx="330540" cy="369332"/>
+            </a:xfrm>
+            <a:prstGeom prst="rect">
+              <a:avLst/>
+            </a:prstGeom>
+            <a:noFill/>
+          </p:spPr>
+          <p:txBody>
+            <a:bodyPr wrap="none" rtlCol="0">
+              <a:spAutoFit/>
+            </a:bodyPr>
+            <a:lstStyle/>
+            <a:p>
+              <a:r>
+                <a:rPr kumimoji="1" lang="en-US" altLang="ko-KR" smtClean="0"/>
+                <a:t>V</a:t>
+              </a:r>
+              <a:endParaRPr kumimoji="1" lang="ko-KR" altLang="en-US" dirty="0"/>
+            </a:p>
+          </p:txBody>
+        </p:sp>
+        <p:sp>
+          <p:nvSpPr>
+            <p:cNvPr id="21" name="모서리가 둥근 직사각형 20"/>
+            <p:cNvSpPr/>
+            <p:nvPr/>
+          </p:nvSpPr>
+          <p:spPr>
+            <a:xfrm>
+              <a:off x="8214360" y="5943600"/>
+              <a:ext cx="1447606" cy="350520"/>
+            </a:xfrm>
+            <a:prstGeom prst="roundRect">
+              <a:avLst/>
+            </a:prstGeom>
+          </p:spPr>
+          <p:style>
+            <a:lnRef idx="2">
+              <a:schemeClr val="accent1">
+                <a:shade val="50000"/>
+              </a:schemeClr>
+            </a:lnRef>
+            <a:fillRef idx="1">
+              <a:schemeClr val="accent1"/>
+            </a:fillRef>
+            <a:effectRef idx="0">
+              <a:schemeClr val="accent1"/>
+            </a:effectRef>
+            <a:fontRef idx="minor">
+              <a:schemeClr val="lt1"/>
+            </a:fontRef>
+          </p:style>
+          <p:txBody>
+            <a:bodyPr rtlCol="0" anchor="ctr"/>
+            <a:lstStyle/>
+            <a:p>
+              <a:pPr algn="ctr"/>
+              <a:r>
+                <a:rPr kumimoji="1" lang="en-US" altLang="ko-KR" dirty="0" smtClean="0"/>
+                <a:t>Submit</a:t>
+              </a:r>
+              <a:endParaRPr kumimoji="1" lang="ko-KR" altLang="en-US" dirty="0"/>
+            </a:p>
+          </p:txBody>
+        </p:sp>
+      </p:grpSp>
+      <p:sp>
+        <p:nvSpPr>
+          <p:cNvPr id="6" name="TextBox 5"/>
+          <p:cNvSpPr txBox="1"/>
+          <p:nvPr/>
+        </p:nvSpPr>
+        <p:spPr>
+          <a:xfrm>
+            <a:off x="330507" y="1540667"/>
+            <a:ext cx="2765234" cy="923330"/>
+          </a:xfrm>
+          <a:prstGeom prst="rect">
+            <a:avLst/>
+          </a:prstGeom>
+          <a:noFill/>
+        </p:spPr>
+        <p:txBody>
+          <a:bodyPr wrap="square" rtlCol="0">
+            <a:spAutoFit/>
+          </a:bodyPr>
+          <a:lstStyle/>
+          <a:p>
+            <a:r>
+              <a:rPr lang="ko-KR" altLang="en-US" dirty="0" smtClean="0"/>
+              <a:t>과목을 지정하고 날짜를 지정해 필기를 할 수 있습니다</a:t>
+            </a:r>
+            <a:r>
+              <a:rPr lang="en-US" altLang="ko-KR" dirty="0" smtClean="0"/>
+              <a:t>.</a:t>
+            </a:r>
+            <a:endParaRPr lang="ko-KR" altLang="en-US" dirty="0"/>
+          </a:p>
+        </p:txBody>
+      </p:sp>
+    </p:spTree>
+    <p:extLst>
+      <p:ext uri="{BB962C8B-B14F-4D97-AF65-F5344CB8AC3E}">
+        <p14:creationId xmlns:p14="http://schemas.microsoft.com/office/powerpoint/2010/main" val="1258369074"/>
+      </p:ext>
+    </p:extLst>
+  </p:cSld>
+  <p:clrMapOvr>
+    <a:masterClrMapping/>
+  </p:clrMapOvr>
+  <p:timing>
+    <p:tnLst>
+      <p:par>
+        <p:cTn id="1" dur="indefinite" restart="never" nodeType="tmRoot"/>
+      </p:par>
+    </p:tnLst>
+  </p:timing>
+</p:sld>
+</file>
+
+<file path=ppt/slides/slide12.xml><?xml version="1.0" encoding="utf-8"?>
 <p:sld xmlns:a="http://schemas.openxmlformats.org/drawingml/2006/main" xmlns:r="http://schemas.openxmlformats.org/officeDocument/2006/relationships" xmlns:p="http://schemas.openxmlformats.org/presentationml/2006/main">
   <p:cSld>
     <p:spTree>
@@ -3428,6 +4817,85 @@
           </p:txBody>
         </p:sp>
       </p:grpSp>
+      <p:sp>
+        <p:nvSpPr>
+          <p:cNvPr id="2" name="TextBox 1"/>
+          <p:cNvSpPr txBox="1"/>
+          <p:nvPr/>
+        </p:nvSpPr>
+        <p:spPr>
+          <a:xfrm>
+            <a:off x="209321" y="1809750"/>
+            <a:ext cx="2808782" cy="1384995"/>
+          </a:xfrm>
+          <a:prstGeom prst="rect">
+            <a:avLst/>
+          </a:prstGeom>
+          <a:noFill/>
+        </p:spPr>
+        <p:txBody>
+          <a:bodyPr wrap="none" rtlCol="0">
+            <a:spAutoFit/>
+          </a:bodyPr>
+          <a:lstStyle/>
+          <a:p>
+            <a:r>
+              <a:rPr lang="ko-KR" altLang="en-US" sz="1400" dirty="0" err="1" smtClean="0"/>
+              <a:t>이메일</a:t>
+            </a:r>
+            <a:r>
+              <a:rPr lang="ko-KR" altLang="en-US" sz="1400" dirty="0" smtClean="0"/>
+              <a:t> 주소를 지정할 수도 있고</a:t>
+            </a:r>
+            <a:r>
+              <a:rPr lang="en-US" altLang="ko-KR" sz="1400" dirty="0" smtClean="0"/>
+              <a:t>,</a:t>
+            </a:r>
+          </a:p>
+          <a:p>
+            <a:r>
+              <a:rPr lang="ko-KR" altLang="en-US" sz="1400" dirty="0" smtClean="0"/>
+              <a:t>다른 사람에게 보내려면 다른</a:t>
+            </a:r>
+            <a:endParaRPr lang="en-US" altLang="ko-KR" sz="1400" dirty="0" smtClean="0"/>
+          </a:p>
+          <a:p>
+            <a:r>
+              <a:rPr lang="ko-KR" altLang="en-US" sz="1400" dirty="0" smtClean="0"/>
+              <a:t>사람의 주소로 보냅니다</a:t>
+            </a:r>
+            <a:r>
+              <a:rPr lang="en-US" altLang="ko-KR" sz="1400" dirty="0" smtClean="0"/>
+              <a:t>.</a:t>
+            </a:r>
+          </a:p>
+          <a:p>
+            <a:endParaRPr lang="en-US" altLang="ko-KR" sz="1400" dirty="0" smtClean="0"/>
+          </a:p>
+          <a:p>
+            <a:r>
+              <a:rPr lang="en-US" altLang="ko-KR" sz="1400" dirty="0" smtClean="0"/>
+              <a:t>Default</a:t>
+            </a:r>
+            <a:r>
+              <a:rPr lang="ko-KR" altLang="en-US" sz="1400" dirty="0" smtClean="0"/>
+              <a:t>값은 설정되어있는</a:t>
+            </a:r>
+            <a:endParaRPr lang="en-US" altLang="ko-KR" sz="1400" dirty="0" smtClean="0"/>
+          </a:p>
+          <a:p>
+            <a:r>
+              <a:rPr lang="ko-KR" altLang="en-US" sz="1400" dirty="0" smtClean="0"/>
+              <a:t> 값으로 맞추어집니다</a:t>
+            </a:r>
+            <a:r>
+              <a:rPr lang="en-US" altLang="ko-KR" sz="1400" dirty="0" smtClean="0"/>
+              <a:t>.</a:t>
+            </a:r>
+            <a:endParaRPr lang="ko-KR" altLang="en-US" sz="1400" dirty="0"/>
+          </a:p>
+        </p:txBody>
+      </p:sp>
     </p:spTree>
     <p:extLst>
       <p:ext uri="{BB962C8B-B14F-4D97-AF65-F5344CB8AC3E}">
@@ -3448,7 +4916,7 @@
 </p:sld>
 </file>
 
-<file path=ppt/slides/slide11.xml><?xml version="1.0" encoding="utf-8"?>
+<file path=ppt/slides/slide13.xml><?xml version="1.0" encoding="utf-8"?>
 <p:sld xmlns:a="http://schemas.openxmlformats.org/drawingml/2006/main" xmlns:r="http://schemas.openxmlformats.org/officeDocument/2006/relationships" xmlns:p="http://schemas.openxmlformats.org/presentationml/2006/main">
   <p:cSld>
     <p:spTree>
@@ -3499,772 +4967,921 @@
           </a:p>
         </p:txBody>
       </p:sp>
-      <p:pic>
-        <p:nvPicPr>
-          <p:cNvPr id="1026" name="Picture 2"/>
-          <p:cNvPicPr>
-            <a:picLocks noChangeAspect="1" noChangeArrowheads="1"/>
-          </p:cNvPicPr>
+      <p:grpSp>
+        <p:nvGrpSpPr>
+          <p:cNvPr id="36" name="그룹 35"/>
+          <p:cNvGrpSpPr/>
           <p:nvPr/>
-        </p:nvPicPr>
-        <p:blipFill>
-          <a:blip r:embed="rId2">
+        </p:nvGrpSpPr>
+        <p:grpSpPr>
+          <a:xfrm>
+            <a:off x="1477838" y="502672"/>
+            <a:ext cx="9712389" cy="5571180"/>
+            <a:chOff x="398182" y="559210"/>
+            <a:chExt cx="9712389" cy="5571180"/>
+          </a:xfrm>
+        </p:grpSpPr>
+        <p:pic>
+          <p:nvPicPr>
+            <p:cNvPr id="1026" name="Picture 2"/>
+            <p:cNvPicPr>
+              <a:picLocks noChangeAspect="1" noChangeArrowheads="1"/>
+            </p:cNvPicPr>
+            <p:nvPr/>
+          </p:nvPicPr>
+          <p:blipFill>
+            <a:blip r:embed="rId2">
+              <a:extLst>
+                <a:ext uri="{28A0092B-C50C-407E-A947-70E740481C1C}">
+                  <a14:useLocalDpi xmlns:a14="http://schemas.microsoft.com/office/drawing/2010/main" val="0"/>
+                </a:ext>
+              </a:extLst>
+            </a:blip>
+            <a:srcRect/>
+            <a:stretch>
+              <a:fillRect/>
+            </a:stretch>
+          </p:blipFill>
+          <p:spPr bwMode="auto">
+            <a:xfrm>
+              <a:off x="398182" y="1054970"/>
+              <a:ext cx="1826244" cy="1254918"/>
+            </a:xfrm>
+            <a:prstGeom prst="rect">
+              <a:avLst/>
+            </a:prstGeom>
+            <a:noFill/>
+            <a:ln>
+              <a:noFill/>
+            </a:ln>
+            <a:effectLst/>
             <a:extLst>
-              <a:ext uri="{28A0092B-C50C-407E-A947-70E740481C1C}">
-                <a14:useLocalDpi xmlns:a14="http://schemas.microsoft.com/office/drawing/2010/main" val="0"/>
+              <a:ext uri="{909E8E84-426E-40DD-AFC4-6F175D3DCCD1}">
+                <a14:hiddenFill xmlns:a14="http://schemas.microsoft.com/office/drawing/2010/main">
+                  <a:solidFill>
+                    <a:schemeClr val="accent1"/>
+                  </a:solidFill>
+                </a14:hiddenFill>
+              </a:ext>
+              <a:ext uri="{91240B29-F687-4F45-9708-019B960494DF}">
+                <a14:hiddenLine xmlns:a14="http://schemas.microsoft.com/office/drawing/2010/main" w="9525">
+                  <a:solidFill>
+                    <a:schemeClr val="tx1"/>
+                  </a:solidFill>
+                  <a:miter lim="800000"/>
+                  <a:headEnd/>
+                  <a:tailEnd/>
+                </a14:hiddenLine>
+              </a:ext>
+              <a:ext uri="{AF507438-7753-43E0-B8FC-AC1667EBCBE1}">
+                <a14:hiddenEffects xmlns:a14="http://schemas.microsoft.com/office/drawing/2010/main">
+                  <a:effectLst>
+                    <a:outerShdw dist="35921" dir="2700000" algn="ctr" rotWithShape="0">
+                      <a:schemeClr val="bg2"/>
+                    </a:outerShdw>
+                  </a:effectLst>
+                </a14:hiddenEffects>
               </a:ext>
             </a:extLst>
-          </a:blip>
-          <a:srcRect/>
-          <a:stretch>
-            <a:fillRect/>
-          </a:stretch>
-        </p:blipFill>
-        <p:spPr bwMode="auto">
-          <a:xfrm>
-            <a:off x="398182" y="1054970"/>
-            <a:ext cx="1826244" cy="1254918"/>
-          </a:xfrm>
-          <a:prstGeom prst="rect">
-            <a:avLst/>
-          </a:prstGeom>
-          <a:noFill/>
-          <a:ln>
+          </p:spPr>
+        </p:pic>
+        <p:pic>
+          <p:nvPicPr>
+            <p:cNvPr id="1027" name="Picture 3"/>
+            <p:cNvPicPr>
+              <a:picLocks noChangeAspect="1" noChangeArrowheads="1"/>
+            </p:cNvPicPr>
+            <p:nvPr/>
+          </p:nvPicPr>
+          <p:blipFill>
+            <a:blip r:embed="rId3">
+              <a:extLst>
+                <a:ext uri="{28A0092B-C50C-407E-A947-70E740481C1C}">
+                  <a14:useLocalDpi xmlns:a14="http://schemas.microsoft.com/office/drawing/2010/main" val="0"/>
+                </a:ext>
+              </a:extLst>
+            </a:blip>
+            <a:srcRect/>
+            <a:stretch>
+              <a:fillRect/>
+            </a:stretch>
+          </p:blipFill>
+          <p:spPr bwMode="auto">
+            <a:xfrm>
+              <a:off x="398182" y="2616717"/>
+              <a:ext cx="1826244" cy="1254919"/>
+            </a:xfrm>
+            <a:prstGeom prst="rect">
+              <a:avLst/>
+            </a:prstGeom>
             <a:noFill/>
-          </a:ln>
-          <a:effectLst/>
-          <a:extLst>
-            <a:ext uri="{909E8E84-426E-40DD-AFC4-6F175D3DCCD1}">
-              <a14:hiddenFill xmlns:a14="http://schemas.microsoft.com/office/drawing/2010/main">
-                <a:solidFill>
-                  <a:schemeClr val="accent1"/>
-                </a:solidFill>
-              </a14:hiddenFill>
-            </a:ext>
-            <a:ext uri="{91240B29-F687-4F45-9708-019B960494DF}">
-              <a14:hiddenLine xmlns:a14="http://schemas.microsoft.com/office/drawing/2010/main" w="9525">
-                <a:solidFill>
-                  <a:schemeClr val="tx1"/>
-                </a:solidFill>
-                <a:miter lim="800000"/>
-                <a:headEnd/>
-                <a:tailEnd/>
-              </a14:hiddenLine>
-            </a:ext>
-            <a:ext uri="{AF507438-7753-43E0-B8FC-AC1667EBCBE1}">
-              <a14:hiddenEffects xmlns:a14="http://schemas.microsoft.com/office/drawing/2010/main">
-                <a:effectLst>
-                  <a:outerShdw dist="35921" dir="2700000" algn="ctr" rotWithShape="0">
-                    <a:schemeClr val="bg2"/>
-                  </a:outerShdw>
-                </a:effectLst>
-              </a14:hiddenEffects>
-            </a:ext>
-          </a:extLst>
-        </p:spPr>
-      </p:pic>
-      <p:pic>
-        <p:nvPicPr>
-          <p:cNvPr id="1027" name="Picture 3"/>
-          <p:cNvPicPr>
-            <a:picLocks noChangeAspect="1" noChangeArrowheads="1"/>
-          </p:cNvPicPr>
-          <p:nvPr/>
-        </p:nvPicPr>
-        <p:blipFill>
-          <a:blip r:embed="rId3">
+            <a:ln>
+              <a:noFill/>
+            </a:ln>
+            <a:effectLst/>
             <a:extLst>
-              <a:ext uri="{28A0092B-C50C-407E-A947-70E740481C1C}">
-                <a14:useLocalDpi xmlns:a14="http://schemas.microsoft.com/office/drawing/2010/main" val="0"/>
+              <a:ext uri="{909E8E84-426E-40DD-AFC4-6F175D3DCCD1}">
+                <a14:hiddenFill xmlns:a14="http://schemas.microsoft.com/office/drawing/2010/main">
+                  <a:solidFill>
+                    <a:schemeClr val="accent1"/>
+                  </a:solidFill>
+                </a14:hiddenFill>
+              </a:ext>
+              <a:ext uri="{91240B29-F687-4F45-9708-019B960494DF}">
+                <a14:hiddenLine xmlns:a14="http://schemas.microsoft.com/office/drawing/2010/main" w="9525">
+                  <a:solidFill>
+                    <a:schemeClr val="tx1"/>
+                  </a:solidFill>
+                  <a:miter lim="800000"/>
+                  <a:headEnd/>
+                  <a:tailEnd/>
+                </a14:hiddenLine>
+              </a:ext>
+              <a:ext uri="{AF507438-7753-43E0-B8FC-AC1667EBCBE1}">
+                <a14:hiddenEffects xmlns:a14="http://schemas.microsoft.com/office/drawing/2010/main">
+                  <a:effectLst>
+                    <a:outerShdw dist="35921" dir="2700000" algn="ctr" rotWithShape="0">
+                      <a:schemeClr val="bg2"/>
+                    </a:outerShdw>
+                  </a:effectLst>
+                </a14:hiddenEffects>
               </a:ext>
             </a:extLst>
-          </a:blip>
-          <a:srcRect/>
-          <a:stretch>
-            <a:fillRect/>
-          </a:stretch>
-        </p:blipFill>
-        <p:spPr bwMode="auto">
-          <a:xfrm>
-            <a:off x="398182" y="2616717"/>
-            <a:ext cx="1826244" cy="1254919"/>
-          </a:xfrm>
-          <a:prstGeom prst="rect">
-            <a:avLst/>
-          </a:prstGeom>
-          <a:noFill/>
-          <a:ln>
+          </p:spPr>
+        </p:pic>
+        <p:pic>
+          <p:nvPicPr>
+            <p:cNvPr id="1028" name="Picture 4"/>
+            <p:cNvPicPr>
+              <a:picLocks noChangeAspect="1" noChangeArrowheads="1"/>
+            </p:cNvPicPr>
+            <p:nvPr/>
+          </p:nvPicPr>
+          <p:blipFill>
+            <a:blip r:embed="rId4">
+              <a:extLst>
+                <a:ext uri="{28A0092B-C50C-407E-A947-70E740481C1C}">
+                  <a14:useLocalDpi xmlns:a14="http://schemas.microsoft.com/office/drawing/2010/main" val="0"/>
+                </a:ext>
+              </a:extLst>
+            </a:blip>
+            <a:srcRect/>
+            <a:stretch>
+              <a:fillRect/>
+            </a:stretch>
+          </p:blipFill>
+          <p:spPr bwMode="auto">
+            <a:xfrm>
+              <a:off x="3125836" y="2616716"/>
+              <a:ext cx="1826244" cy="1254919"/>
+            </a:xfrm>
+            <a:prstGeom prst="rect">
+              <a:avLst/>
+            </a:prstGeom>
             <a:noFill/>
-          </a:ln>
-          <a:effectLst/>
-          <a:extLst>
-            <a:ext uri="{909E8E84-426E-40DD-AFC4-6F175D3DCCD1}">
-              <a14:hiddenFill xmlns:a14="http://schemas.microsoft.com/office/drawing/2010/main">
-                <a:solidFill>
-                  <a:schemeClr val="accent1"/>
-                </a:solidFill>
-              </a14:hiddenFill>
-            </a:ext>
-            <a:ext uri="{91240B29-F687-4F45-9708-019B960494DF}">
-              <a14:hiddenLine xmlns:a14="http://schemas.microsoft.com/office/drawing/2010/main" w="9525">
-                <a:solidFill>
-                  <a:schemeClr val="tx1"/>
-                </a:solidFill>
-                <a:miter lim="800000"/>
-                <a:headEnd/>
-                <a:tailEnd/>
-              </a14:hiddenLine>
-            </a:ext>
-            <a:ext uri="{AF507438-7753-43E0-B8FC-AC1667EBCBE1}">
-              <a14:hiddenEffects xmlns:a14="http://schemas.microsoft.com/office/drawing/2010/main">
-                <a:effectLst>
-                  <a:outerShdw dist="35921" dir="2700000" algn="ctr" rotWithShape="0">
-                    <a:schemeClr val="bg2"/>
-                  </a:outerShdw>
-                </a:effectLst>
-              </a14:hiddenEffects>
-            </a:ext>
-          </a:extLst>
-        </p:spPr>
-      </p:pic>
-      <p:pic>
-        <p:nvPicPr>
-          <p:cNvPr id="1028" name="Picture 4"/>
-          <p:cNvPicPr>
-            <a:picLocks noChangeAspect="1" noChangeArrowheads="1"/>
-          </p:cNvPicPr>
-          <p:nvPr/>
-        </p:nvPicPr>
-        <p:blipFill>
-          <a:blip r:embed="rId4">
+            <a:ln>
+              <a:noFill/>
+            </a:ln>
+            <a:effectLst/>
             <a:extLst>
-              <a:ext uri="{28A0092B-C50C-407E-A947-70E740481C1C}">
-                <a14:useLocalDpi xmlns:a14="http://schemas.microsoft.com/office/drawing/2010/main" val="0"/>
+              <a:ext uri="{909E8E84-426E-40DD-AFC4-6F175D3DCCD1}">
+                <a14:hiddenFill xmlns:a14="http://schemas.microsoft.com/office/drawing/2010/main">
+                  <a:solidFill>
+                    <a:schemeClr val="accent1"/>
+                  </a:solidFill>
+                </a14:hiddenFill>
+              </a:ext>
+              <a:ext uri="{91240B29-F687-4F45-9708-019B960494DF}">
+                <a14:hiddenLine xmlns:a14="http://schemas.microsoft.com/office/drawing/2010/main" w="9525">
+                  <a:solidFill>
+                    <a:schemeClr val="tx1"/>
+                  </a:solidFill>
+                  <a:miter lim="800000"/>
+                  <a:headEnd/>
+                  <a:tailEnd/>
+                </a14:hiddenLine>
+              </a:ext>
+              <a:ext uri="{AF507438-7753-43E0-B8FC-AC1667EBCBE1}">
+                <a14:hiddenEffects xmlns:a14="http://schemas.microsoft.com/office/drawing/2010/main">
+                  <a:effectLst>
+                    <a:outerShdw dist="35921" dir="2700000" algn="ctr" rotWithShape="0">
+                      <a:schemeClr val="bg2"/>
+                    </a:outerShdw>
+                  </a:effectLst>
+                </a14:hiddenEffects>
               </a:ext>
             </a:extLst>
-          </a:blip>
-          <a:srcRect/>
-          <a:stretch>
-            <a:fillRect/>
-          </a:stretch>
-        </p:blipFill>
-        <p:spPr bwMode="auto">
-          <a:xfrm>
-            <a:off x="3125836" y="2616716"/>
-            <a:ext cx="1826244" cy="1254919"/>
-          </a:xfrm>
-          <a:prstGeom prst="rect">
-            <a:avLst/>
-          </a:prstGeom>
-          <a:noFill/>
-          <a:ln>
+          </p:spPr>
+        </p:pic>
+        <p:pic>
+          <p:nvPicPr>
+            <p:cNvPr id="1029" name="Picture 5"/>
+            <p:cNvPicPr>
+              <a:picLocks noChangeAspect="1" noChangeArrowheads="1"/>
+            </p:cNvPicPr>
+            <p:nvPr/>
+          </p:nvPicPr>
+          <p:blipFill>
+            <a:blip r:embed="rId5">
+              <a:extLst>
+                <a:ext uri="{28A0092B-C50C-407E-A947-70E740481C1C}">
+                  <a14:useLocalDpi xmlns:a14="http://schemas.microsoft.com/office/drawing/2010/main" val="0"/>
+                </a:ext>
+              </a:extLst>
+            </a:blip>
+            <a:srcRect/>
+            <a:stretch>
+              <a:fillRect/>
+            </a:stretch>
+          </p:blipFill>
+          <p:spPr bwMode="auto">
+            <a:xfrm>
+              <a:off x="398183" y="4510774"/>
+              <a:ext cx="1826243" cy="1254918"/>
+            </a:xfrm>
+            <a:prstGeom prst="rect">
+              <a:avLst/>
+            </a:prstGeom>
             <a:noFill/>
-          </a:ln>
-          <a:effectLst/>
-          <a:extLst>
-            <a:ext uri="{909E8E84-426E-40DD-AFC4-6F175D3DCCD1}">
-              <a14:hiddenFill xmlns:a14="http://schemas.microsoft.com/office/drawing/2010/main">
-                <a:solidFill>
-                  <a:schemeClr val="accent1"/>
-                </a:solidFill>
-              </a14:hiddenFill>
-            </a:ext>
-            <a:ext uri="{91240B29-F687-4F45-9708-019B960494DF}">
-              <a14:hiddenLine xmlns:a14="http://schemas.microsoft.com/office/drawing/2010/main" w="9525">
-                <a:solidFill>
-                  <a:schemeClr val="tx1"/>
-                </a:solidFill>
-                <a:miter lim="800000"/>
-                <a:headEnd/>
-                <a:tailEnd/>
-              </a14:hiddenLine>
-            </a:ext>
-            <a:ext uri="{AF507438-7753-43E0-B8FC-AC1667EBCBE1}">
-              <a14:hiddenEffects xmlns:a14="http://schemas.microsoft.com/office/drawing/2010/main">
-                <a:effectLst>
-                  <a:outerShdw dist="35921" dir="2700000" algn="ctr" rotWithShape="0">
-                    <a:schemeClr val="bg2"/>
-                  </a:outerShdw>
-                </a:effectLst>
-              </a14:hiddenEffects>
-            </a:ext>
-          </a:extLst>
-        </p:spPr>
-      </p:pic>
-      <p:pic>
-        <p:nvPicPr>
-          <p:cNvPr id="1029" name="Picture 5"/>
-          <p:cNvPicPr>
-            <a:picLocks noChangeAspect="1" noChangeArrowheads="1"/>
-          </p:cNvPicPr>
-          <p:nvPr/>
-        </p:nvPicPr>
-        <p:blipFill>
-          <a:blip r:embed="rId5">
+            <a:ln>
+              <a:noFill/>
+            </a:ln>
+            <a:effectLst/>
             <a:extLst>
-              <a:ext uri="{28A0092B-C50C-407E-A947-70E740481C1C}">
-                <a14:useLocalDpi xmlns:a14="http://schemas.microsoft.com/office/drawing/2010/main" val="0"/>
+              <a:ext uri="{909E8E84-426E-40DD-AFC4-6F175D3DCCD1}">
+                <a14:hiddenFill xmlns:a14="http://schemas.microsoft.com/office/drawing/2010/main">
+                  <a:solidFill>
+                    <a:schemeClr val="accent1"/>
+                  </a:solidFill>
+                </a14:hiddenFill>
+              </a:ext>
+              <a:ext uri="{91240B29-F687-4F45-9708-019B960494DF}">
+                <a14:hiddenLine xmlns:a14="http://schemas.microsoft.com/office/drawing/2010/main" w="9525">
+                  <a:solidFill>
+                    <a:schemeClr val="tx1"/>
+                  </a:solidFill>
+                  <a:miter lim="800000"/>
+                  <a:headEnd/>
+                  <a:tailEnd/>
+                </a14:hiddenLine>
+              </a:ext>
+              <a:ext uri="{AF507438-7753-43E0-B8FC-AC1667EBCBE1}">
+                <a14:hiddenEffects xmlns:a14="http://schemas.microsoft.com/office/drawing/2010/main">
+                  <a:effectLst>
+                    <a:outerShdw dist="35921" dir="2700000" algn="ctr" rotWithShape="0">
+                      <a:schemeClr val="bg2"/>
+                    </a:outerShdw>
+                  </a:effectLst>
+                </a14:hiddenEffects>
               </a:ext>
             </a:extLst>
-          </a:blip>
-          <a:srcRect/>
-          <a:stretch>
-            <a:fillRect/>
-          </a:stretch>
-        </p:blipFill>
-        <p:spPr bwMode="auto">
-          <a:xfrm>
-            <a:off x="398183" y="4510774"/>
-            <a:ext cx="1826243" cy="1254918"/>
-          </a:xfrm>
-          <a:prstGeom prst="rect">
-            <a:avLst/>
-          </a:prstGeom>
-          <a:noFill/>
-          <a:ln>
+          </p:spPr>
+        </p:pic>
+        <p:pic>
+          <p:nvPicPr>
+            <p:cNvPr id="1032" name="Picture 8"/>
+            <p:cNvPicPr>
+              <a:picLocks noChangeAspect="1" noChangeArrowheads="1"/>
+            </p:cNvPicPr>
+            <p:nvPr/>
+          </p:nvPicPr>
+          <p:blipFill>
+            <a:blip r:embed="rId6">
+              <a:extLst>
+                <a:ext uri="{28A0092B-C50C-407E-A947-70E740481C1C}">
+                  <a14:useLocalDpi xmlns:a14="http://schemas.microsoft.com/office/drawing/2010/main" val="0"/>
+                </a:ext>
+              </a:extLst>
+            </a:blip>
+            <a:srcRect/>
+            <a:stretch>
+              <a:fillRect/>
+            </a:stretch>
+          </p:blipFill>
+          <p:spPr bwMode="auto">
+            <a:xfrm>
+              <a:off x="8284327" y="559210"/>
+              <a:ext cx="1826244" cy="1254919"/>
+            </a:xfrm>
+            <a:prstGeom prst="rect">
+              <a:avLst/>
+            </a:prstGeom>
             <a:noFill/>
-          </a:ln>
-          <a:effectLst/>
-          <a:extLst>
-            <a:ext uri="{909E8E84-426E-40DD-AFC4-6F175D3DCCD1}">
-              <a14:hiddenFill xmlns:a14="http://schemas.microsoft.com/office/drawing/2010/main">
-                <a:solidFill>
-                  <a:schemeClr val="accent1"/>
-                </a:solidFill>
-              </a14:hiddenFill>
-            </a:ext>
-            <a:ext uri="{91240B29-F687-4F45-9708-019B960494DF}">
-              <a14:hiddenLine xmlns:a14="http://schemas.microsoft.com/office/drawing/2010/main" w="9525">
-                <a:solidFill>
-                  <a:schemeClr val="tx1"/>
-                </a:solidFill>
-                <a:miter lim="800000"/>
-                <a:headEnd/>
-                <a:tailEnd/>
-              </a14:hiddenLine>
-            </a:ext>
-            <a:ext uri="{AF507438-7753-43E0-B8FC-AC1667EBCBE1}">
-              <a14:hiddenEffects xmlns:a14="http://schemas.microsoft.com/office/drawing/2010/main">
-                <a:effectLst>
-                  <a:outerShdw dist="35921" dir="2700000" algn="ctr" rotWithShape="0">
-                    <a:schemeClr val="bg2"/>
-                  </a:outerShdw>
-                </a:effectLst>
-              </a14:hiddenEffects>
-            </a:ext>
-          </a:extLst>
-        </p:spPr>
-      </p:pic>
-      <p:pic>
-        <p:nvPicPr>
-          <p:cNvPr id="1032" name="Picture 8"/>
-          <p:cNvPicPr>
-            <a:picLocks noChangeAspect="1" noChangeArrowheads="1"/>
-          </p:cNvPicPr>
-          <p:nvPr/>
-        </p:nvPicPr>
-        <p:blipFill>
-          <a:blip r:embed="rId6">
+            <a:ln>
+              <a:noFill/>
+            </a:ln>
+            <a:effectLst/>
             <a:extLst>
-              <a:ext uri="{28A0092B-C50C-407E-A947-70E740481C1C}">
-                <a14:useLocalDpi xmlns:a14="http://schemas.microsoft.com/office/drawing/2010/main" val="0"/>
+              <a:ext uri="{909E8E84-426E-40DD-AFC4-6F175D3DCCD1}">
+                <a14:hiddenFill xmlns:a14="http://schemas.microsoft.com/office/drawing/2010/main">
+                  <a:solidFill>
+                    <a:schemeClr val="accent1"/>
+                  </a:solidFill>
+                </a14:hiddenFill>
+              </a:ext>
+              <a:ext uri="{91240B29-F687-4F45-9708-019B960494DF}">
+                <a14:hiddenLine xmlns:a14="http://schemas.microsoft.com/office/drawing/2010/main" w="9525">
+                  <a:solidFill>
+                    <a:schemeClr val="tx1"/>
+                  </a:solidFill>
+                  <a:miter lim="800000"/>
+                  <a:headEnd/>
+                  <a:tailEnd/>
+                </a14:hiddenLine>
+              </a:ext>
+              <a:ext uri="{AF507438-7753-43E0-B8FC-AC1667EBCBE1}">
+                <a14:hiddenEffects xmlns:a14="http://schemas.microsoft.com/office/drawing/2010/main">
+                  <a:effectLst>
+                    <a:outerShdw dist="35921" dir="2700000" algn="ctr" rotWithShape="0">
+                      <a:schemeClr val="bg2"/>
+                    </a:outerShdw>
+                  </a:effectLst>
+                </a14:hiddenEffects>
               </a:ext>
             </a:extLst>
-          </a:blip>
-          <a:srcRect/>
-          <a:stretch>
-            <a:fillRect/>
-          </a:stretch>
-        </p:blipFill>
-        <p:spPr bwMode="auto">
-          <a:xfrm>
-            <a:off x="8284327" y="559210"/>
-            <a:ext cx="1826244" cy="1254919"/>
-          </a:xfrm>
-          <a:prstGeom prst="rect">
-            <a:avLst/>
-          </a:prstGeom>
-          <a:noFill/>
-          <a:ln>
+          </p:spPr>
+        </p:pic>
+        <p:pic>
+          <p:nvPicPr>
+            <p:cNvPr id="1034" name="Picture 10"/>
+            <p:cNvPicPr>
+              <a:picLocks noChangeAspect="1" noChangeArrowheads="1"/>
+            </p:cNvPicPr>
+            <p:nvPr/>
+          </p:nvPicPr>
+          <p:blipFill>
+            <a:blip r:embed="rId7">
+              <a:extLst>
+                <a:ext uri="{28A0092B-C50C-407E-A947-70E740481C1C}">
+                  <a14:useLocalDpi xmlns:a14="http://schemas.microsoft.com/office/drawing/2010/main" val="0"/>
+                </a:ext>
+              </a:extLst>
+            </a:blip>
+            <a:srcRect/>
+            <a:stretch>
+              <a:fillRect/>
+            </a:stretch>
+          </p:blipFill>
+          <p:spPr bwMode="auto">
+            <a:xfrm>
+              <a:off x="5534297" y="2616714"/>
+              <a:ext cx="1826244" cy="1254919"/>
+            </a:xfrm>
+            <a:prstGeom prst="rect">
+              <a:avLst/>
+            </a:prstGeom>
             <a:noFill/>
-          </a:ln>
-          <a:effectLst/>
-          <a:extLst>
-            <a:ext uri="{909E8E84-426E-40DD-AFC4-6F175D3DCCD1}">
-              <a14:hiddenFill xmlns:a14="http://schemas.microsoft.com/office/drawing/2010/main">
-                <a:solidFill>
-                  <a:schemeClr val="accent1"/>
-                </a:solidFill>
-              </a14:hiddenFill>
-            </a:ext>
-            <a:ext uri="{91240B29-F687-4F45-9708-019B960494DF}">
-              <a14:hiddenLine xmlns:a14="http://schemas.microsoft.com/office/drawing/2010/main" w="9525">
-                <a:solidFill>
-                  <a:schemeClr val="tx1"/>
-                </a:solidFill>
-                <a:miter lim="800000"/>
-                <a:headEnd/>
-                <a:tailEnd/>
-              </a14:hiddenLine>
-            </a:ext>
-            <a:ext uri="{AF507438-7753-43E0-B8FC-AC1667EBCBE1}">
-              <a14:hiddenEffects xmlns:a14="http://schemas.microsoft.com/office/drawing/2010/main">
-                <a:effectLst>
-                  <a:outerShdw dist="35921" dir="2700000" algn="ctr" rotWithShape="0">
-                    <a:schemeClr val="bg2"/>
-                  </a:outerShdw>
-                </a:effectLst>
-              </a14:hiddenEffects>
-            </a:ext>
-          </a:extLst>
-        </p:spPr>
-      </p:pic>
-      <p:pic>
-        <p:nvPicPr>
-          <p:cNvPr id="1034" name="Picture 10"/>
-          <p:cNvPicPr>
-            <a:picLocks noChangeAspect="1" noChangeArrowheads="1"/>
-          </p:cNvPicPr>
-          <p:nvPr/>
-        </p:nvPicPr>
-        <p:blipFill>
-          <a:blip r:embed="rId7">
+            <a:ln>
+              <a:noFill/>
+            </a:ln>
+            <a:effectLst/>
             <a:extLst>
-              <a:ext uri="{28A0092B-C50C-407E-A947-70E740481C1C}">
-                <a14:useLocalDpi xmlns:a14="http://schemas.microsoft.com/office/drawing/2010/main" val="0"/>
+              <a:ext uri="{909E8E84-426E-40DD-AFC4-6F175D3DCCD1}">
+                <a14:hiddenFill xmlns:a14="http://schemas.microsoft.com/office/drawing/2010/main">
+                  <a:solidFill>
+                    <a:schemeClr val="accent1"/>
+                  </a:solidFill>
+                </a14:hiddenFill>
+              </a:ext>
+              <a:ext uri="{91240B29-F687-4F45-9708-019B960494DF}">
+                <a14:hiddenLine xmlns:a14="http://schemas.microsoft.com/office/drawing/2010/main" w="9525">
+                  <a:solidFill>
+                    <a:schemeClr val="tx1"/>
+                  </a:solidFill>
+                  <a:miter lim="800000"/>
+                  <a:headEnd/>
+                  <a:tailEnd/>
+                </a14:hiddenLine>
+              </a:ext>
+              <a:ext uri="{AF507438-7753-43E0-B8FC-AC1667EBCBE1}">
+                <a14:hiddenEffects xmlns:a14="http://schemas.microsoft.com/office/drawing/2010/main">
+                  <a:effectLst>
+                    <a:outerShdw dist="35921" dir="2700000" algn="ctr" rotWithShape="0">
+                      <a:schemeClr val="bg2"/>
+                    </a:outerShdw>
+                  </a:effectLst>
+                </a14:hiddenEffects>
               </a:ext>
             </a:extLst>
-          </a:blip>
-          <a:srcRect/>
-          <a:stretch>
-            <a:fillRect/>
-          </a:stretch>
-        </p:blipFill>
-        <p:spPr bwMode="auto">
-          <a:xfrm>
-            <a:off x="5534297" y="2616714"/>
-            <a:ext cx="1826244" cy="1254919"/>
-          </a:xfrm>
-          <a:prstGeom prst="rect">
-            <a:avLst/>
-          </a:prstGeom>
-          <a:noFill/>
-          <a:ln>
+          </p:spPr>
+        </p:pic>
+        <p:pic>
+          <p:nvPicPr>
+            <p:cNvPr id="1035" name="Picture 11"/>
+            <p:cNvPicPr>
+              <a:picLocks noChangeAspect="1" noChangeArrowheads="1"/>
+            </p:cNvPicPr>
+            <p:nvPr/>
+          </p:nvPicPr>
+          <p:blipFill>
+            <a:blip r:embed="rId8">
+              <a:extLst>
+                <a:ext uri="{28A0092B-C50C-407E-A947-70E740481C1C}">
+                  <a14:useLocalDpi xmlns:a14="http://schemas.microsoft.com/office/drawing/2010/main" val="0"/>
+                </a:ext>
+              </a:extLst>
+            </a:blip>
+            <a:srcRect/>
+            <a:stretch>
+              <a:fillRect/>
+            </a:stretch>
+          </p:blipFill>
+          <p:spPr bwMode="auto">
+            <a:xfrm>
+              <a:off x="8108056" y="4301792"/>
+              <a:ext cx="1826245" cy="1254919"/>
+            </a:xfrm>
+            <a:prstGeom prst="rect">
+              <a:avLst/>
+            </a:prstGeom>
             <a:noFill/>
-          </a:ln>
-          <a:effectLst/>
-          <a:extLst>
-            <a:ext uri="{909E8E84-426E-40DD-AFC4-6F175D3DCCD1}">
-              <a14:hiddenFill xmlns:a14="http://schemas.microsoft.com/office/drawing/2010/main">
-                <a:solidFill>
-                  <a:schemeClr val="accent1"/>
-                </a:solidFill>
-              </a14:hiddenFill>
-            </a:ext>
-            <a:ext uri="{91240B29-F687-4F45-9708-019B960494DF}">
-              <a14:hiddenLine xmlns:a14="http://schemas.microsoft.com/office/drawing/2010/main" w="9525">
-                <a:solidFill>
-                  <a:schemeClr val="tx1"/>
-                </a:solidFill>
-                <a:miter lim="800000"/>
-                <a:headEnd/>
-                <a:tailEnd/>
-              </a14:hiddenLine>
-            </a:ext>
-            <a:ext uri="{AF507438-7753-43E0-B8FC-AC1667EBCBE1}">
-              <a14:hiddenEffects xmlns:a14="http://schemas.microsoft.com/office/drawing/2010/main">
-                <a:effectLst>
-                  <a:outerShdw dist="35921" dir="2700000" algn="ctr" rotWithShape="0">
-                    <a:schemeClr val="bg2"/>
-                  </a:outerShdw>
-                </a:effectLst>
-              </a14:hiddenEffects>
-            </a:ext>
-          </a:extLst>
-        </p:spPr>
-      </p:pic>
-      <p:pic>
-        <p:nvPicPr>
-          <p:cNvPr id="1035" name="Picture 11"/>
-          <p:cNvPicPr>
-            <a:picLocks noChangeAspect="1" noChangeArrowheads="1"/>
-          </p:cNvPicPr>
-          <p:nvPr/>
-        </p:nvPicPr>
-        <p:blipFill>
-          <a:blip r:embed="rId8">
+            <a:ln>
+              <a:noFill/>
+            </a:ln>
+            <a:effectLst/>
             <a:extLst>
-              <a:ext uri="{28A0092B-C50C-407E-A947-70E740481C1C}">
-                <a14:useLocalDpi xmlns:a14="http://schemas.microsoft.com/office/drawing/2010/main" val="0"/>
+              <a:ext uri="{909E8E84-426E-40DD-AFC4-6F175D3DCCD1}">
+                <a14:hiddenFill xmlns:a14="http://schemas.microsoft.com/office/drawing/2010/main">
+                  <a:solidFill>
+                    <a:schemeClr val="accent1"/>
+                  </a:solidFill>
+                </a14:hiddenFill>
+              </a:ext>
+              <a:ext uri="{91240B29-F687-4F45-9708-019B960494DF}">
+                <a14:hiddenLine xmlns:a14="http://schemas.microsoft.com/office/drawing/2010/main" w="9525">
+                  <a:solidFill>
+                    <a:schemeClr val="tx1"/>
+                  </a:solidFill>
+                  <a:miter lim="800000"/>
+                  <a:headEnd/>
+                  <a:tailEnd/>
+                </a14:hiddenLine>
+              </a:ext>
+              <a:ext uri="{AF507438-7753-43E0-B8FC-AC1667EBCBE1}">
+                <a14:hiddenEffects xmlns:a14="http://schemas.microsoft.com/office/drawing/2010/main">
+                  <a:effectLst>
+                    <a:outerShdw dist="35921" dir="2700000" algn="ctr" rotWithShape="0">
+                      <a:schemeClr val="bg2"/>
+                    </a:outerShdw>
+                  </a:effectLst>
+                </a14:hiddenEffects>
               </a:ext>
             </a:extLst>
-          </a:blip>
-          <a:srcRect/>
-          <a:stretch>
-            <a:fillRect/>
-          </a:stretch>
-        </p:blipFill>
-        <p:spPr bwMode="auto">
-          <a:xfrm>
-            <a:off x="8108056" y="4301792"/>
-            <a:ext cx="1826245" cy="1254919"/>
-          </a:xfrm>
-          <a:prstGeom prst="rect">
-            <a:avLst/>
-          </a:prstGeom>
-          <a:noFill/>
-          <a:ln>
+          </p:spPr>
+        </p:pic>
+        <p:cxnSp>
+          <p:nvCxnSpPr>
+            <p:cNvPr id="6" name="직선 화살표 연결선 5"/>
+            <p:cNvCxnSpPr/>
+            <p:nvPr/>
+          </p:nvCxnSpPr>
+          <p:spPr>
+            <a:xfrm>
+              <a:off x="1311304" y="2309888"/>
+              <a:ext cx="0" cy="306826"/>
+            </a:xfrm>
+            <a:prstGeom prst="straightConnector1">
+              <a:avLst/>
+            </a:prstGeom>
+            <a:ln>
+              <a:tailEnd type="arrow"/>
+            </a:ln>
+          </p:spPr>
+          <p:style>
+            <a:lnRef idx="1">
+              <a:schemeClr val="accent1"/>
+            </a:lnRef>
+            <a:fillRef idx="0">
+              <a:schemeClr val="accent1"/>
+            </a:fillRef>
+            <a:effectRef idx="0">
+              <a:schemeClr val="accent1"/>
+            </a:effectRef>
+            <a:fontRef idx="minor">
+              <a:schemeClr val="tx1"/>
+            </a:fontRef>
+          </p:style>
+        </p:cxnSp>
+        <p:cxnSp>
+          <p:nvCxnSpPr>
+            <p:cNvPr id="15" name="직선 화살표 연결선 14"/>
+            <p:cNvCxnSpPr>
+              <a:stCxn id="1027" idx="2"/>
+              <a:endCxn id="1029" idx="0"/>
+            </p:cNvCxnSpPr>
+            <p:nvPr/>
+          </p:nvCxnSpPr>
+          <p:spPr>
+            <a:xfrm>
+              <a:off x="1311304" y="3871636"/>
+              <a:ext cx="1" cy="639138"/>
+            </a:xfrm>
+            <a:prstGeom prst="straightConnector1">
+              <a:avLst/>
+            </a:prstGeom>
+            <a:ln>
+              <a:tailEnd type="arrow"/>
+            </a:ln>
+          </p:spPr>
+          <p:style>
+            <a:lnRef idx="1">
+              <a:schemeClr val="accent1"/>
+            </a:lnRef>
+            <a:fillRef idx="0">
+              <a:schemeClr val="accent1"/>
+            </a:fillRef>
+            <a:effectRef idx="0">
+              <a:schemeClr val="accent1"/>
+            </a:effectRef>
+            <a:fontRef idx="minor">
+              <a:schemeClr val="tx1"/>
+            </a:fontRef>
+          </p:style>
+        </p:cxnSp>
+        <p:cxnSp>
+          <p:nvCxnSpPr>
+            <p:cNvPr id="82" name="직선 화살표 연결선 81"/>
+            <p:cNvCxnSpPr>
+              <a:stCxn id="1027" idx="3"/>
+              <a:endCxn id="1028" idx="1"/>
+            </p:cNvCxnSpPr>
+            <p:nvPr/>
+          </p:nvCxnSpPr>
+          <p:spPr>
+            <a:xfrm flipV="1">
+              <a:off x="2224426" y="3244176"/>
+              <a:ext cx="901410" cy="1"/>
+            </a:xfrm>
+            <a:prstGeom prst="straightConnector1">
+              <a:avLst/>
+            </a:prstGeom>
+            <a:ln>
+              <a:tailEnd type="arrow"/>
+            </a:ln>
+          </p:spPr>
+          <p:style>
+            <a:lnRef idx="1">
+              <a:schemeClr val="accent1"/>
+            </a:lnRef>
+            <a:fillRef idx="0">
+              <a:schemeClr val="accent1"/>
+            </a:fillRef>
+            <a:effectRef idx="0">
+              <a:schemeClr val="accent1"/>
+            </a:effectRef>
+            <a:fontRef idx="minor">
+              <a:schemeClr val="tx1"/>
+            </a:fontRef>
+          </p:style>
+        </p:cxnSp>
+        <p:cxnSp>
+          <p:nvCxnSpPr>
+            <p:cNvPr id="117" name="직선 화살표 연결선 116"/>
+            <p:cNvCxnSpPr>
+              <a:stCxn id="1029" idx="3"/>
+              <a:endCxn id="1028" idx="2"/>
+            </p:cNvCxnSpPr>
+            <p:nvPr/>
+          </p:nvCxnSpPr>
+          <p:spPr>
+            <a:xfrm flipV="1">
+              <a:off x="2224426" y="3871635"/>
+              <a:ext cx="1814532" cy="1266598"/>
+            </a:xfrm>
+            <a:prstGeom prst="curvedConnector2">
+              <a:avLst/>
+            </a:prstGeom>
+            <a:ln>
+              <a:tailEnd type="arrow"/>
+            </a:ln>
+          </p:spPr>
+          <p:style>
+            <a:lnRef idx="1">
+              <a:schemeClr val="accent1"/>
+            </a:lnRef>
+            <a:fillRef idx="0">
+              <a:schemeClr val="accent1"/>
+            </a:fillRef>
+            <a:effectRef idx="0">
+              <a:schemeClr val="accent1"/>
+            </a:effectRef>
+            <a:fontRef idx="minor">
+              <a:schemeClr val="tx1"/>
+            </a:fontRef>
+          </p:style>
+        </p:cxnSp>
+        <p:cxnSp>
+          <p:nvCxnSpPr>
+            <p:cNvPr id="126" name="직선 화살표 연결선 125"/>
+            <p:cNvCxnSpPr>
+              <a:endCxn id="1034" idx="1"/>
+            </p:cNvCxnSpPr>
+            <p:nvPr/>
+          </p:nvCxnSpPr>
+          <p:spPr>
+            <a:xfrm>
+              <a:off x="4952080" y="3244173"/>
+              <a:ext cx="582217" cy="1"/>
+            </a:xfrm>
+            <a:prstGeom prst="straightConnector1">
+              <a:avLst/>
+            </a:prstGeom>
+            <a:ln>
+              <a:tailEnd type="arrow"/>
+            </a:ln>
+          </p:spPr>
+          <p:style>
+            <a:lnRef idx="1">
+              <a:schemeClr val="accent1"/>
+            </a:lnRef>
+            <a:fillRef idx="0">
+              <a:schemeClr val="accent1"/>
+            </a:fillRef>
+            <a:effectRef idx="0">
+              <a:schemeClr val="accent1"/>
+            </a:effectRef>
+            <a:fontRef idx="minor">
+              <a:schemeClr val="tx1"/>
+            </a:fontRef>
+          </p:style>
+        </p:cxnSp>
+        <p:cxnSp>
+          <p:nvCxnSpPr>
+            <p:cNvPr id="1024" name="직선 화살표 연결선 1023"/>
+            <p:cNvCxnSpPr>
+              <a:stCxn id="1034" idx="0"/>
+              <a:endCxn id="1032" idx="1"/>
+            </p:cNvCxnSpPr>
+            <p:nvPr/>
+          </p:nvCxnSpPr>
+          <p:spPr>
+            <a:xfrm rot="5400000" flipH="1" flipV="1">
+              <a:off x="6650851" y="983238"/>
+              <a:ext cx="1430044" cy="1836908"/>
+            </a:xfrm>
+            <a:prstGeom prst="curvedConnector2">
+              <a:avLst/>
+            </a:prstGeom>
+            <a:ln>
+              <a:tailEnd type="arrow"/>
+            </a:ln>
+          </p:spPr>
+          <p:style>
+            <a:lnRef idx="1">
+              <a:schemeClr val="accent1"/>
+            </a:lnRef>
+            <a:fillRef idx="0">
+              <a:schemeClr val="accent1"/>
+            </a:fillRef>
+            <a:effectRef idx="0">
+              <a:schemeClr val="accent1"/>
+            </a:effectRef>
+            <a:fontRef idx="minor">
+              <a:schemeClr val="tx1"/>
+            </a:fontRef>
+          </p:style>
+        </p:cxnSp>
+        <p:cxnSp>
+          <p:nvCxnSpPr>
+            <p:cNvPr id="1038" name="직선 화살표 연결선 1037"/>
+            <p:cNvCxnSpPr>
+              <a:stCxn id="1032" idx="2"/>
+            </p:cNvCxnSpPr>
+            <p:nvPr/>
+          </p:nvCxnSpPr>
+          <p:spPr>
+            <a:xfrm flipH="1">
+              <a:off x="7360541" y="1814129"/>
+              <a:ext cx="1836908" cy="1204493"/>
+            </a:xfrm>
+            <a:prstGeom prst="straightConnector1">
+              <a:avLst/>
+            </a:prstGeom>
+            <a:ln>
+              <a:tailEnd type="arrow"/>
+            </a:ln>
+          </p:spPr>
+          <p:style>
+            <a:lnRef idx="1">
+              <a:schemeClr val="accent1"/>
+            </a:lnRef>
+            <a:fillRef idx="0">
+              <a:schemeClr val="accent1"/>
+            </a:fillRef>
+            <a:effectRef idx="0">
+              <a:schemeClr val="accent1"/>
+            </a:effectRef>
+            <a:fontRef idx="minor">
+              <a:schemeClr val="tx1"/>
+            </a:fontRef>
+          </p:style>
+        </p:cxnSp>
+        <p:cxnSp>
+          <p:nvCxnSpPr>
+            <p:cNvPr id="1041" name="직선 화살표 연결선 1040"/>
+            <p:cNvCxnSpPr>
+              <a:stCxn id="1035" idx="0"/>
+            </p:cNvCxnSpPr>
+            <p:nvPr/>
+          </p:nvCxnSpPr>
+          <p:spPr>
+            <a:xfrm flipH="1" flipV="1">
+              <a:off x="7360541" y="3448280"/>
+              <a:ext cx="1660638" cy="853512"/>
+            </a:xfrm>
+            <a:prstGeom prst="straightConnector1">
+              <a:avLst/>
+            </a:prstGeom>
+            <a:ln>
+              <a:tailEnd type="arrow"/>
+            </a:ln>
+          </p:spPr>
+          <p:style>
+            <a:lnRef idx="1">
+              <a:schemeClr val="accent1"/>
+            </a:lnRef>
+            <a:fillRef idx="0">
+              <a:schemeClr val="accent1"/>
+            </a:fillRef>
+            <a:effectRef idx="0">
+              <a:schemeClr val="accent1"/>
+            </a:effectRef>
+            <a:fontRef idx="minor">
+              <a:schemeClr val="tx1"/>
+            </a:fontRef>
+          </p:style>
+        </p:cxnSp>
+        <p:cxnSp>
+          <p:nvCxnSpPr>
+            <p:cNvPr id="1045" name="직선 화살표 연결선 1044"/>
+            <p:cNvCxnSpPr>
+              <a:stCxn id="1034" idx="2"/>
+              <a:endCxn id="1035" idx="1"/>
+            </p:cNvCxnSpPr>
+            <p:nvPr/>
+          </p:nvCxnSpPr>
+          <p:spPr>
+            <a:xfrm rot="16200000" flipH="1">
+              <a:off x="6748928" y="3570123"/>
+              <a:ext cx="1057619" cy="1660637"/>
+            </a:xfrm>
+            <a:prstGeom prst="curvedConnector2">
+              <a:avLst/>
+            </a:prstGeom>
+            <a:ln>
+              <a:tailEnd type="arrow"/>
+            </a:ln>
+          </p:spPr>
+          <p:style>
+            <a:lnRef idx="1">
+              <a:schemeClr val="accent1"/>
+            </a:lnRef>
+            <a:fillRef idx="0">
+              <a:schemeClr val="accent1"/>
+            </a:fillRef>
+            <a:effectRef idx="0">
+              <a:schemeClr val="accent1"/>
+            </a:effectRef>
+            <a:fontRef idx="minor">
+              <a:schemeClr val="tx1"/>
+            </a:fontRef>
+          </p:style>
+        </p:cxnSp>
+        <p:pic>
+          <p:nvPicPr>
+            <p:cNvPr id="2" name="Picture 2"/>
+            <p:cNvPicPr>
+              <a:picLocks noChangeAspect="1" noChangeArrowheads="1"/>
+            </p:cNvPicPr>
+            <p:nvPr/>
+          </p:nvPicPr>
+          <p:blipFill>
+            <a:blip r:embed="rId9">
+              <a:extLst>
+                <a:ext uri="{28A0092B-C50C-407E-A947-70E740481C1C}">
+                  <a14:useLocalDpi xmlns:a14="http://schemas.microsoft.com/office/drawing/2010/main" val="0"/>
+                </a:ext>
+              </a:extLst>
+            </a:blip>
+            <a:srcRect/>
+            <a:stretch>
+              <a:fillRect/>
+            </a:stretch>
+          </p:blipFill>
+          <p:spPr bwMode="auto">
+            <a:xfrm>
+              <a:off x="3639464" y="4904297"/>
+              <a:ext cx="1784295" cy="1226093"/>
+            </a:xfrm>
+            <a:prstGeom prst="rect">
+              <a:avLst/>
+            </a:prstGeom>
             <a:noFill/>
-          </a:ln>
-          <a:effectLst/>
-          <a:extLst>
-            <a:ext uri="{909E8E84-426E-40DD-AFC4-6F175D3DCCD1}">
-              <a14:hiddenFill xmlns:a14="http://schemas.microsoft.com/office/drawing/2010/main">
-                <a:solidFill>
-                  <a:schemeClr val="accent1"/>
-                </a:solidFill>
-              </a14:hiddenFill>
-            </a:ext>
-            <a:ext uri="{91240B29-F687-4F45-9708-019B960494DF}">
-              <a14:hiddenLine xmlns:a14="http://schemas.microsoft.com/office/drawing/2010/main" w="9525">
-                <a:solidFill>
-                  <a:schemeClr val="tx1"/>
-                </a:solidFill>
-                <a:miter lim="800000"/>
-                <a:headEnd/>
-                <a:tailEnd/>
-              </a14:hiddenLine>
-            </a:ext>
-            <a:ext uri="{AF507438-7753-43E0-B8FC-AC1667EBCBE1}">
-              <a14:hiddenEffects xmlns:a14="http://schemas.microsoft.com/office/drawing/2010/main">
-                <a:effectLst>
-                  <a:outerShdw dist="35921" dir="2700000" algn="ctr" rotWithShape="0">
-                    <a:schemeClr val="bg2"/>
-                  </a:outerShdw>
-                </a:effectLst>
-              </a14:hiddenEffects>
-            </a:ext>
-          </a:extLst>
-        </p:spPr>
-      </p:pic>
-      <p:cxnSp>
-        <p:nvCxnSpPr>
-          <p:cNvPr id="6" name="직선 화살표 연결선 5"/>
-          <p:cNvCxnSpPr/>
-          <p:nvPr/>
-        </p:nvCxnSpPr>
-        <p:spPr>
-          <a:xfrm>
-            <a:off x="1311304" y="2309888"/>
-            <a:ext cx="0" cy="306826"/>
-          </a:xfrm>
-          <a:prstGeom prst="straightConnector1">
-            <a:avLst/>
-          </a:prstGeom>
-          <a:ln>
-            <a:tailEnd type="arrow"/>
-          </a:ln>
-        </p:spPr>
-        <p:style>
-          <a:lnRef idx="1">
-            <a:schemeClr val="accent1"/>
-          </a:lnRef>
-          <a:fillRef idx="0">
-            <a:schemeClr val="accent1"/>
-          </a:fillRef>
-          <a:effectRef idx="0">
-            <a:schemeClr val="accent1"/>
-          </a:effectRef>
-          <a:fontRef idx="minor">
-            <a:schemeClr val="tx1"/>
-          </a:fontRef>
-        </p:style>
-      </p:cxnSp>
-      <p:cxnSp>
-        <p:nvCxnSpPr>
-          <p:cNvPr id="15" name="직선 화살표 연결선 14"/>
-          <p:cNvCxnSpPr>
-            <a:stCxn id="1027" idx="2"/>
-            <a:endCxn id="1029" idx="0"/>
-          </p:cNvCxnSpPr>
-          <p:nvPr/>
-        </p:nvCxnSpPr>
-        <p:spPr>
-          <a:xfrm>
-            <a:off x="1311304" y="3871636"/>
-            <a:ext cx="1" cy="639138"/>
-          </a:xfrm>
-          <a:prstGeom prst="straightConnector1">
-            <a:avLst/>
-          </a:prstGeom>
-          <a:ln>
-            <a:tailEnd type="arrow"/>
-          </a:ln>
-        </p:spPr>
-        <p:style>
-          <a:lnRef idx="1">
-            <a:schemeClr val="accent1"/>
-          </a:lnRef>
-          <a:fillRef idx="0">
-            <a:schemeClr val="accent1"/>
-          </a:fillRef>
-          <a:effectRef idx="0">
-            <a:schemeClr val="accent1"/>
-          </a:effectRef>
-          <a:fontRef idx="minor">
-            <a:schemeClr val="tx1"/>
-          </a:fontRef>
-        </p:style>
-      </p:cxnSp>
-      <p:cxnSp>
-        <p:nvCxnSpPr>
-          <p:cNvPr id="82" name="직선 화살표 연결선 81"/>
-          <p:cNvCxnSpPr>
-            <a:stCxn id="1027" idx="3"/>
-            <a:endCxn id="1028" idx="1"/>
-          </p:cNvCxnSpPr>
-          <p:nvPr/>
-        </p:nvCxnSpPr>
-        <p:spPr>
-          <a:xfrm flipV="1">
-            <a:off x="2224426" y="3244176"/>
-            <a:ext cx="901410" cy="1"/>
-          </a:xfrm>
-          <a:prstGeom prst="straightConnector1">
-            <a:avLst/>
-          </a:prstGeom>
-          <a:ln>
-            <a:tailEnd type="arrow"/>
-          </a:ln>
-        </p:spPr>
-        <p:style>
-          <a:lnRef idx="1">
-            <a:schemeClr val="accent1"/>
-          </a:lnRef>
-          <a:fillRef idx="0">
-            <a:schemeClr val="accent1"/>
-          </a:fillRef>
-          <a:effectRef idx="0">
-            <a:schemeClr val="accent1"/>
-          </a:effectRef>
-          <a:fontRef idx="minor">
-            <a:schemeClr val="tx1"/>
-          </a:fontRef>
-        </p:style>
-      </p:cxnSp>
-      <p:cxnSp>
-        <p:nvCxnSpPr>
-          <p:cNvPr id="117" name="직선 화살표 연결선 116"/>
-          <p:cNvCxnSpPr>
-            <a:stCxn id="1029" idx="3"/>
-            <a:endCxn id="1028" idx="2"/>
-          </p:cNvCxnSpPr>
-          <p:nvPr/>
-        </p:nvCxnSpPr>
-        <p:spPr>
-          <a:xfrm flipV="1">
-            <a:off x="2224426" y="3871635"/>
-            <a:ext cx="1814532" cy="1266598"/>
-          </a:xfrm>
-          <a:prstGeom prst="curvedConnector2">
-            <a:avLst/>
-          </a:prstGeom>
-          <a:ln>
-            <a:tailEnd type="arrow"/>
-          </a:ln>
-        </p:spPr>
-        <p:style>
-          <a:lnRef idx="1">
-            <a:schemeClr val="accent1"/>
-          </a:lnRef>
-          <a:fillRef idx="0">
-            <a:schemeClr val="accent1"/>
-          </a:fillRef>
-          <a:effectRef idx="0">
-            <a:schemeClr val="accent1"/>
-          </a:effectRef>
-          <a:fontRef idx="minor">
-            <a:schemeClr val="tx1"/>
-          </a:fontRef>
-        </p:style>
-      </p:cxnSp>
-      <p:cxnSp>
-        <p:nvCxnSpPr>
-          <p:cNvPr id="126" name="직선 화살표 연결선 125"/>
-          <p:cNvCxnSpPr>
-            <a:endCxn id="1034" idx="1"/>
-          </p:cNvCxnSpPr>
-          <p:nvPr/>
-        </p:nvCxnSpPr>
-        <p:spPr>
-          <a:xfrm>
-            <a:off x="4952080" y="3244173"/>
-            <a:ext cx="582217" cy="1"/>
-          </a:xfrm>
-          <a:prstGeom prst="straightConnector1">
-            <a:avLst/>
-          </a:prstGeom>
-          <a:ln>
-            <a:tailEnd type="arrow"/>
-          </a:ln>
-        </p:spPr>
-        <p:style>
-          <a:lnRef idx="1">
-            <a:schemeClr val="accent1"/>
-          </a:lnRef>
-          <a:fillRef idx="0">
-            <a:schemeClr val="accent1"/>
-          </a:fillRef>
-          <a:effectRef idx="0">
-            <a:schemeClr val="accent1"/>
-          </a:effectRef>
-          <a:fontRef idx="minor">
-            <a:schemeClr val="tx1"/>
-          </a:fontRef>
-        </p:style>
-      </p:cxnSp>
-      <p:cxnSp>
-        <p:nvCxnSpPr>
-          <p:cNvPr id="1024" name="직선 화살표 연결선 1023"/>
-          <p:cNvCxnSpPr>
-            <a:stCxn id="1034" idx="0"/>
-            <a:endCxn id="1032" idx="1"/>
-          </p:cNvCxnSpPr>
-          <p:nvPr/>
-        </p:nvCxnSpPr>
-        <p:spPr>
-          <a:xfrm rot="5400000" flipH="1" flipV="1">
-            <a:off x="6650851" y="983238"/>
-            <a:ext cx="1430044" cy="1836908"/>
-          </a:xfrm>
-          <a:prstGeom prst="curvedConnector2">
-            <a:avLst/>
-          </a:prstGeom>
-          <a:ln>
-            <a:tailEnd type="arrow"/>
-          </a:ln>
-        </p:spPr>
-        <p:style>
-          <a:lnRef idx="1">
-            <a:schemeClr val="accent1"/>
-          </a:lnRef>
-          <a:fillRef idx="0">
-            <a:schemeClr val="accent1"/>
-          </a:fillRef>
-          <a:effectRef idx="0">
-            <a:schemeClr val="accent1"/>
-          </a:effectRef>
-          <a:fontRef idx="minor">
-            <a:schemeClr val="tx1"/>
-          </a:fontRef>
-        </p:style>
-      </p:cxnSp>
-      <p:cxnSp>
-        <p:nvCxnSpPr>
-          <p:cNvPr id="1038" name="직선 화살표 연결선 1037"/>
-          <p:cNvCxnSpPr>
-            <a:stCxn id="1032" idx="2"/>
-          </p:cNvCxnSpPr>
-          <p:nvPr/>
-        </p:nvCxnSpPr>
-        <p:spPr>
-          <a:xfrm flipH="1">
-            <a:off x="7360541" y="1814129"/>
-            <a:ext cx="1836908" cy="1204493"/>
-          </a:xfrm>
-          <a:prstGeom prst="straightConnector1">
-            <a:avLst/>
-          </a:prstGeom>
-          <a:ln>
-            <a:tailEnd type="arrow"/>
-          </a:ln>
-        </p:spPr>
-        <p:style>
-          <a:lnRef idx="1">
-            <a:schemeClr val="accent1"/>
-          </a:lnRef>
-          <a:fillRef idx="0">
-            <a:schemeClr val="accent1"/>
-          </a:fillRef>
-          <a:effectRef idx="0">
-            <a:schemeClr val="accent1"/>
-          </a:effectRef>
-          <a:fontRef idx="minor">
-            <a:schemeClr val="tx1"/>
-          </a:fontRef>
-        </p:style>
-      </p:cxnSp>
-      <p:cxnSp>
-        <p:nvCxnSpPr>
-          <p:cNvPr id="1041" name="직선 화살표 연결선 1040"/>
-          <p:cNvCxnSpPr>
-            <a:stCxn id="1035" idx="0"/>
-          </p:cNvCxnSpPr>
-          <p:nvPr/>
-        </p:nvCxnSpPr>
-        <p:spPr>
-          <a:xfrm flipH="1" flipV="1">
-            <a:off x="7360541" y="3448280"/>
-            <a:ext cx="1660638" cy="853512"/>
-          </a:xfrm>
-          <a:prstGeom prst="straightConnector1">
-            <a:avLst/>
-          </a:prstGeom>
-          <a:ln>
-            <a:tailEnd type="arrow"/>
-          </a:ln>
-        </p:spPr>
-        <p:style>
-          <a:lnRef idx="1">
-            <a:schemeClr val="accent1"/>
-          </a:lnRef>
-          <a:fillRef idx="0">
-            <a:schemeClr val="accent1"/>
-          </a:fillRef>
-          <a:effectRef idx="0">
-            <a:schemeClr val="accent1"/>
-          </a:effectRef>
-          <a:fontRef idx="minor">
-            <a:schemeClr val="tx1"/>
-          </a:fontRef>
-        </p:style>
-      </p:cxnSp>
-      <p:cxnSp>
-        <p:nvCxnSpPr>
-          <p:cNvPr id="1045" name="직선 화살표 연결선 1044"/>
-          <p:cNvCxnSpPr>
-            <a:stCxn id="1034" idx="2"/>
-            <a:endCxn id="1035" idx="1"/>
-          </p:cNvCxnSpPr>
-          <p:nvPr/>
-        </p:nvCxnSpPr>
-        <p:spPr>
-          <a:xfrm rot="16200000" flipH="1">
-            <a:off x="6748928" y="3570123"/>
-            <a:ext cx="1057619" cy="1660637"/>
-          </a:xfrm>
-          <a:prstGeom prst="curvedConnector2">
-            <a:avLst/>
-          </a:prstGeom>
-          <a:ln>
-            <a:tailEnd type="arrow"/>
-          </a:ln>
-        </p:spPr>
-        <p:style>
-          <a:lnRef idx="1">
-            <a:schemeClr val="accent1"/>
-          </a:lnRef>
-          <a:fillRef idx="0">
-            <a:schemeClr val="accent1"/>
-          </a:fillRef>
-          <a:effectRef idx="0">
-            <a:schemeClr val="accent1"/>
-          </a:effectRef>
-          <a:fontRef idx="minor">
-            <a:schemeClr val="tx1"/>
-          </a:fontRef>
-        </p:style>
-      </p:cxnSp>
+            <a:ln>
+              <a:noFill/>
+            </a:ln>
+            <a:effectLst/>
+            <a:extLst>
+              <a:ext uri="{909E8E84-426E-40DD-AFC4-6F175D3DCCD1}">
+                <a14:hiddenFill xmlns:a14="http://schemas.microsoft.com/office/drawing/2010/main">
+                  <a:solidFill>
+                    <a:schemeClr val="accent1"/>
+                  </a:solidFill>
+                </a14:hiddenFill>
+              </a:ext>
+              <a:ext uri="{91240B29-F687-4F45-9708-019B960494DF}">
+                <a14:hiddenLine xmlns:a14="http://schemas.microsoft.com/office/drawing/2010/main" w="9525">
+                  <a:solidFill>
+                    <a:schemeClr val="tx1"/>
+                  </a:solidFill>
+                  <a:miter lim="800000"/>
+                  <a:headEnd/>
+                  <a:tailEnd/>
+                </a14:hiddenLine>
+              </a:ext>
+              <a:ext uri="{AF507438-7753-43E0-B8FC-AC1667EBCBE1}">
+                <a14:hiddenEffects xmlns:a14="http://schemas.microsoft.com/office/drawing/2010/main">
+                  <a:effectLst>
+                    <a:outerShdw dist="35921" dir="2700000" algn="ctr" rotWithShape="0">
+                      <a:schemeClr val="bg2"/>
+                    </a:outerShdw>
+                  </a:effectLst>
+                </a14:hiddenEffects>
+              </a:ext>
+            </a:extLst>
+          </p:spPr>
+        </p:pic>
+        <p:cxnSp>
+          <p:nvCxnSpPr>
+            <p:cNvPr id="4" name="직선 화살표 연결선 3"/>
+            <p:cNvCxnSpPr>
+              <a:endCxn id="2" idx="1"/>
+            </p:cNvCxnSpPr>
+            <p:nvPr/>
+          </p:nvCxnSpPr>
+          <p:spPr>
+            <a:xfrm>
+              <a:off x="2224426" y="3875036"/>
+              <a:ext cx="1415038" cy="1642308"/>
+            </a:xfrm>
+            <a:prstGeom prst="straightConnector1">
+              <a:avLst/>
+            </a:prstGeom>
+            <a:ln>
+              <a:tailEnd type="arrow"/>
+            </a:ln>
+          </p:spPr>
+          <p:style>
+            <a:lnRef idx="1">
+              <a:schemeClr val="accent1"/>
+            </a:lnRef>
+            <a:fillRef idx="0">
+              <a:schemeClr val="accent1"/>
+            </a:fillRef>
+            <a:effectRef idx="0">
+              <a:schemeClr val="accent1"/>
+            </a:effectRef>
+            <a:fontRef idx="minor">
+              <a:schemeClr val="tx1"/>
+            </a:fontRef>
+          </p:style>
+        </p:cxnSp>
+        <p:cxnSp>
+          <p:nvCxnSpPr>
+            <p:cNvPr id="18" name="직선 화살표 연결선 17"/>
+            <p:cNvCxnSpPr>
+              <a:stCxn id="2" idx="0"/>
+            </p:cNvCxnSpPr>
+            <p:nvPr/>
+          </p:nvCxnSpPr>
+          <p:spPr>
+            <a:xfrm flipH="1" flipV="1">
+              <a:off x="2224426" y="3871631"/>
+              <a:ext cx="2307186" cy="1032666"/>
+            </a:xfrm>
+            <a:prstGeom prst="straightConnector1">
+              <a:avLst/>
+            </a:prstGeom>
+            <a:ln>
+              <a:tailEnd type="arrow"/>
+            </a:ln>
+          </p:spPr>
+          <p:style>
+            <a:lnRef idx="1">
+              <a:schemeClr val="accent1"/>
+            </a:lnRef>
+            <a:fillRef idx="0">
+              <a:schemeClr val="accent1"/>
+            </a:fillRef>
+            <a:effectRef idx="0">
+              <a:schemeClr val="accent1"/>
+            </a:effectRef>
+            <a:fontRef idx="minor">
+              <a:schemeClr val="tx1"/>
+            </a:fontRef>
+          </p:style>
+        </p:cxnSp>
+      </p:grpSp>
     </p:spTree>
     <p:extLst>
       <p:ext uri="{BB962C8B-B14F-4D97-AF65-F5344CB8AC3E}">
@@ -5786,6 +7403,839 @@
         <p:spPr>
           <a:xfrm>
             <a:off x="783771" y="953589"/>
+            <a:ext cx="646331" cy="369332"/>
+          </a:xfrm>
+          <a:prstGeom prst="rect">
+            <a:avLst/>
+          </a:prstGeom>
+          <a:noFill/>
+        </p:spPr>
+        <p:txBody>
+          <a:bodyPr wrap="none" rtlCol="0">
+            <a:spAutoFit/>
+          </a:bodyPr>
+          <a:lstStyle/>
+          <a:p>
+            <a:r>
+              <a:rPr kumimoji="1" lang="ko-KR" altLang="en-US" dirty="0" smtClean="0"/>
+              <a:t>관리</a:t>
+            </a:r>
+            <a:endParaRPr kumimoji="1" lang="ko-KR" altLang="en-US" dirty="0"/>
+          </a:p>
+        </p:txBody>
+      </p:sp>
+      <p:sp>
+        <p:nvSpPr>
+          <p:cNvPr id="11" name="TextBox 10"/>
+          <p:cNvSpPr txBox="1"/>
+          <p:nvPr/>
+        </p:nvSpPr>
+        <p:spPr>
+          <a:xfrm>
+            <a:off x="394956" y="1967746"/>
+            <a:ext cx="2381295" cy="923330"/>
+          </a:xfrm>
+          <a:prstGeom prst="rect">
+            <a:avLst/>
+          </a:prstGeom>
+          <a:noFill/>
+        </p:spPr>
+        <p:txBody>
+          <a:bodyPr wrap="square" rtlCol="0">
+            <a:spAutoFit/>
+          </a:bodyPr>
+          <a:lstStyle/>
+          <a:p>
+            <a:r>
+              <a:rPr lang="ko-KR" altLang="en-US" dirty="0" smtClean="0"/>
+              <a:t>과목의 개수 관리와</a:t>
+            </a:r>
+            <a:endParaRPr lang="en-US" altLang="ko-KR" dirty="0" smtClean="0"/>
+          </a:p>
+          <a:p>
+            <a:r>
+              <a:rPr lang="ko-KR" altLang="en-US" dirty="0" smtClean="0"/>
+              <a:t>사용자의 </a:t>
+            </a:r>
+            <a:r>
+              <a:rPr lang="ko-KR" altLang="en-US" dirty="0" err="1" smtClean="0"/>
+              <a:t>이메일</a:t>
+            </a:r>
+            <a:r>
+              <a:rPr lang="ko-KR" altLang="en-US" dirty="0" smtClean="0"/>
+              <a:t> </a:t>
+            </a:r>
+            <a:r>
+              <a:rPr lang="ko-KR" altLang="en-US" dirty="0" err="1" smtClean="0"/>
+              <a:t>정보를관리합니다</a:t>
+            </a:r>
+            <a:r>
+              <a:rPr lang="en-US" altLang="ko-KR" dirty="0" smtClean="0"/>
+              <a:t>.</a:t>
+            </a:r>
+            <a:endParaRPr lang="en-US" altLang="ko-KR" dirty="0" smtClean="0"/>
+          </a:p>
+        </p:txBody>
+      </p:sp>
+      <p:grpSp>
+        <p:nvGrpSpPr>
+          <p:cNvPr id="20" name="그룹 19"/>
+          <p:cNvGrpSpPr/>
+          <p:nvPr/>
+        </p:nvGrpSpPr>
+        <p:grpSpPr>
+          <a:xfrm>
+            <a:off x="3317965" y="640081"/>
+            <a:ext cx="8401595" cy="5773782"/>
+            <a:chOff x="3317965" y="640081"/>
+            <a:chExt cx="8401595" cy="5773782"/>
+          </a:xfrm>
+        </p:grpSpPr>
+        <p:grpSp>
+          <p:nvGrpSpPr>
+            <p:cNvPr id="2" name="그룹 1"/>
+            <p:cNvGrpSpPr/>
+            <p:nvPr/>
+          </p:nvGrpSpPr>
+          <p:grpSpPr>
+            <a:xfrm>
+              <a:off x="3317965" y="640081"/>
+              <a:ext cx="8401595" cy="5773782"/>
+              <a:chOff x="3317965" y="640081"/>
+              <a:chExt cx="8401595" cy="5773782"/>
+            </a:xfrm>
+          </p:grpSpPr>
+          <p:sp>
+            <p:nvSpPr>
+              <p:cNvPr id="3" name="직사각형 2"/>
+              <p:cNvSpPr/>
+              <p:nvPr/>
+            </p:nvSpPr>
+            <p:spPr>
+              <a:xfrm>
+                <a:off x="3317965" y="640081"/>
+                <a:ext cx="8401595" cy="5773782"/>
+              </a:xfrm>
+              <a:prstGeom prst="rect">
+                <a:avLst/>
+              </a:prstGeom>
+              <a:noFill/>
+            </p:spPr>
+            <p:style>
+              <a:lnRef idx="2">
+                <a:schemeClr val="accent1">
+                  <a:shade val="50000"/>
+                </a:schemeClr>
+              </a:lnRef>
+              <a:fillRef idx="1">
+                <a:schemeClr val="accent1"/>
+              </a:fillRef>
+              <a:effectRef idx="0">
+                <a:schemeClr val="accent1"/>
+              </a:effectRef>
+              <a:fontRef idx="minor">
+                <a:schemeClr val="lt1"/>
+              </a:fontRef>
+            </p:style>
+            <p:txBody>
+              <a:bodyPr rtlCol="0" anchor="ctr"/>
+              <a:lstStyle/>
+              <a:p>
+                <a:pPr algn="ctr"/>
+                <a:endParaRPr kumimoji="1" lang="ko-KR" altLang="en-US"/>
+              </a:p>
+            </p:txBody>
+          </p:sp>
+          <p:sp>
+            <p:nvSpPr>
+              <p:cNvPr id="4" name="TextBox 3"/>
+              <p:cNvSpPr txBox="1"/>
+              <p:nvPr/>
+            </p:nvSpPr>
+            <p:spPr>
+              <a:xfrm>
+                <a:off x="6736080" y="1783080"/>
+                <a:ext cx="1420582" cy="369332"/>
+              </a:xfrm>
+              <a:prstGeom prst="rect">
+                <a:avLst/>
+              </a:prstGeom>
+              <a:noFill/>
+            </p:spPr>
+            <p:txBody>
+              <a:bodyPr wrap="none" rtlCol="0">
+                <a:spAutoFit/>
+              </a:bodyPr>
+              <a:lstStyle/>
+              <a:p>
+                <a:r>
+                  <a:rPr kumimoji="1" lang="ko-KR" altLang="en-US" dirty="0" smtClean="0"/>
+                  <a:t>사용자 정보</a:t>
+                </a:r>
+                <a:endParaRPr kumimoji="1" lang="ko-KR" altLang="en-US" dirty="0"/>
+              </a:p>
+            </p:txBody>
+          </p:sp>
+          <p:sp>
+            <p:nvSpPr>
+              <p:cNvPr id="6" name="TextBox 5"/>
+              <p:cNvSpPr txBox="1"/>
+              <p:nvPr/>
+            </p:nvSpPr>
+            <p:spPr>
+              <a:xfrm>
+                <a:off x="4879342" y="4715602"/>
+                <a:ext cx="1241045" cy="369332"/>
+              </a:xfrm>
+              <a:prstGeom prst="rect">
+                <a:avLst/>
+              </a:prstGeom>
+              <a:noFill/>
+            </p:spPr>
+            <p:txBody>
+              <a:bodyPr wrap="none" rtlCol="0">
+                <a:spAutoFit/>
+              </a:bodyPr>
+              <a:lstStyle/>
+              <a:p>
+                <a:r>
+                  <a:rPr kumimoji="1" lang="ko-KR" altLang="en-US" dirty="0" smtClean="0"/>
+                  <a:t>과목추가 </a:t>
+                </a:r>
+                <a:r>
+                  <a:rPr kumimoji="1" lang="en-US" altLang="ko-KR" dirty="0" smtClean="0"/>
+                  <a:t>:</a:t>
+                </a:r>
+                <a:endParaRPr kumimoji="1" lang="ko-KR" altLang="en-US" dirty="0"/>
+              </a:p>
+            </p:txBody>
+          </p:sp>
+          <p:sp>
+            <p:nvSpPr>
+              <p:cNvPr id="7" name="TextBox 6"/>
+              <p:cNvSpPr txBox="1"/>
+              <p:nvPr/>
+            </p:nvSpPr>
+            <p:spPr>
+              <a:xfrm>
+                <a:off x="5110174" y="5306591"/>
+                <a:ext cx="1010213" cy="369332"/>
+              </a:xfrm>
+              <a:prstGeom prst="rect">
+                <a:avLst/>
+              </a:prstGeom>
+              <a:noFill/>
+            </p:spPr>
+            <p:txBody>
+              <a:bodyPr wrap="none" rtlCol="0">
+                <a:spAutoFit/>
+              </a:bodyPr>
+              <a:lstStyle/>
+              <a:p>
+                <a:r>
+                  <a:rPr kumimoji="1" lang="ko-KR" altLang="en-US" dirty="0" err="1" smtClean="0"/>
+                  <a:t>이메일</a:t>
+                </a:r>
+                <a:r>
+                  <a:rPr kumimoji="1" lang="ko-KR" altLang="en-US" dirty="0" smtClean="0"/>
+                  <a:t> </a:t>
+                </a:r>
+                <a:r>
+                  <a:rPr kumimoji="1" lang="en-US" altLang="ko-KR" dirty="0" smtClean="0"/>
+                  <a:t>:</a:t>
+                </a:r>
+                <a:endParaRPr kumimoji="1" lang="ko-KR" altLang="en-US" dirty="0"/>
+              </a:p>
+            </p:txBody>
+          </p:sp>
+          <p:sp>
+            <p:nvSpPr>
+              <p:cNvPr id="8" name="직사각형 7"/>
+              <p:cNvSpPr/>
+              <p:nvPr/>
+            </p:nvSpPr>
+            <p:spPr>
+              <a:xfrm>
+                <a:off x="4663440" y="640081"/>
+                <a:ext cx="5745480" cy="5773782"/>
+              </a:xfrm>
+              <a:prstGeom prst="rect">
+                <a:avLst/>
+              </a:prstGeom>
+              <a:noFill/>
+            </p:spPr>
+            <p:style>
+              <a:lnRef idx="2">
+                <a:schemeClr val="accent1">
+                  <a:shade val="50000"/>
+                </a:schemeClr>
+              </a:lnRef>
+              <a:fillRef idx="1">
+                <a:schemeClr val="accent1"/>
+              </a:fillRef>
+              <a:effectRef idx="0">
+                <a:schemeClr val="accent1"/>
+              </a:effectRef>
+              <a:fontRef idx="minor">
+                <a:schemeClr val="lt1"/>
+              </a:fontRef>
+            </p:style>
+            <p:txBody>
+              <a:bodyPr rtlCol="0" anchor="ctr"/>
+              <a:lstStyle/>
+              <a:p>
+                <a:pPr algn="ctr"/>
+                <a:endParaRPr kumimoji="1" lang="ko-KR" altLang="en-US"/>
+              </a:p>
+            </p:txBody>
+          </p:sp>
+          <p:sp>
+            <p:nvSpPr>
+              <p:cNvPr id="9" name="직사각형 8"/>
+              <p:cNvSpPr/>
+              <p:nvPr/>
+            </p:nvSpPr>
+            <p:spPr>
+              <a:xfrm>
+                <a:off x="6351217" y="4731936"/>
+                <a:ext cx="2677867" cy="369332"/>
+              </a:xfrm>
+              <a:prstGeom prst="rect">
+                <a:avLst/>
+              </a:prstGeom>
+              <a:gradFill>
+                <a:gsLst>
+                  <a:gs pos="0">
+                    <a:schemeClr val="accent1">
+                      <a:lumMod val="5000"/>
+                      <a:lumOff val="95000"/>
+                    </a:schemeClr>
+                  </a:gs>
+                  <a:gs pos="74000">
+                    <a:schemeClr val="accent1">
+                      <a:lumMod val="45000"/>
+                      <a:lumOff val="55000"/>
+                    </a:schemeClr>
+                  </a:gs>
+                  <a:gs pos="83000">
+                    <a:schemeClr val="accent1">
+                      <a:lumMod val="45000"/>
+                      <a:lumOff val="55000"/>
+                    </a:schemeClr>
+                  </a:gs>
+                  <a:gs pos="100000">
+                    <a:schemeClr val="accent1">
+                      <a:lumMod val="30000"/>
+                      <a:lumOff val="70000"/>
+                    </a:schemeClr>
+                  </a:gs>
+                </a:gsLst>
+                <a:lin ang="5400000" scaled="1"/>
+              </a:gradFill>
+            </p:spPr>
+            <p:style>
+              <a:lnRef idx="2">
+                <a:schemeClr val="accent1">
+                  <a:shade val="50000"/>
+                </a:schemeClr>
+              </a:lnRef>
+              <a:fillRef idx="1">
+                <a:schemeClr val="accent1"/>
+              </a:fillRef>
+              <a:effectRef idx="0">
+                <a:schemeClr val="accent1"/>
+              </a:effectRef>
+              <a:fontRef idx="minor">
+                <a:schemeClr val="lt1"/>
+              </a:fontRef>
+            </p:style>
+            <p:txBody>
+              <a:bodyPr rtlCol="0" anchor="ctr"/>
+              <a:lstStyle/>
+              <a:p>
+                <a:pPr algn="ctr"/>
+                <a:r>
+                  <a:rPr kumimoji="1" lang="ko-KR" altLang="en-US" dirty="0" smtClean="0">
+                    <a:solidFill>
+                      <a:schemeClr val="tx1"/>
+                    </a:solidFill>
+                  </a:rPr>
+                  <a:t>영국 시</a:t>
+                </a:r>
+                <a:endParaRPr kumimoji="1" lang="ko-KR" altLang="en-US" dirty="0">
+                  <a:solidFill>
+                    <a:schemeClr val="tx1"/>
+                  </a:solidFill>
+                </a:endParaRPr>
+              </a:p>
+            </p:txBody>
+          </p:sp>
+          <p:sp>
+            <p:nvSpPr>
+              <p:cNvPr id="10" name="직사각형 9"/>
+              <p:cNvSpPr/>
+              <p:nvPr/>
+            </p:nvSpPr>
+            <p:spPr>
+              <a:xfrm>
+                <a:off x="6351218" y="5306591"/>
+                <a:ext cx="2677867" cy="369332"/>
+              </a:xfrm>
+              <a:prstGeom prst="rect">
+                <a:avLst/>
+              </a:prstGeom>
+              <a:gradFill>
+                <a:gsLst>
+                  <a:gs pos="0">
+                    <a:schemeClr val="accent1">
+                      <a:lumMod val="5000"/>
+                      <a:lumOff val="95000"/>
+                    </a:schemeClr>
+                  </a:gs>
+                  <a:gs pos="74000">
+                    <a:schemeClr val="accent1">
+                      <a:lumMod val="45000"/>
+                      <a:lumOff val="55000"/>
+                    </a:schemeClr>
+                  </a:gs>
+                  <a:gs pos="83000">
+                    <a:schemeClr val="accent1">
+                      <a:lumMod val="45000"/>
+                      <a:lumOff val="55000"/>
+                    </a:schemeClr>
+                  </a:gs>
+                  <a:gs pos="100000">
+                    <a:schemeClr val="accent1">
+                      <a:lumMod val="30000"/>
+                      <a:lumOff val="70000"/>
+                    </a:schemeClr>
+                  </a:gs>
+                </a:gsLst>
+                <a:lin ang="5400000" scaled="1"/>
+              </a:gradFill>
+            </p:spPr>
+            <p:style>
+              <a:lnRef idx="2">
+                <a:schemeClr val="accent1">
+                  <a:shade val="50000"/>
+                </a:schemeClr>
+              </a:lnRef>
+              <a:fillRef idx="1">
+                <a:schemeClr val="accent1"/>
+              </a:fillRef>
+              <a:effectRef idx="0">
+                <a:schemeClr val="accent1"/>
+              </a:effectRef>
+              <a:fontRef idx="minor">
+                <a:schemeClr val="lt1"/>
+              </a:fontRef>
+            </p:style>
+            <p:txBody>
+              <a:bodyPr rtlCol="0" anchor="ctr"/>
+              <a:lstStyle/>
+              <a:p>
+                <a:pPr algn="ctr"/>
+                <a:r>
+                  <a:rPr kumimoji="1" lang="en-US" altLang="ko-KR" dirty="0" smtClean="0">
+                    <a:solidFill>
+                      <a:schemeClr val="tx1"/>
+                    </a:solidFill>
+                  </a:rPr>
+                  <a:t>masima305@gmail.com</a:t>
+                </a:r>
+                <a:endParaRPr kumimoji="1" lang="ko-KR" altLang="en-US" dirty="0">
+                  <a:solidFill>
+                    <a:schemeClr val="tx1"/>
+                  </a:solidFill>
+                </a:endParaRPr>
+              </a:p>
+            </p:txBody>
+          </p:sp>
+        </p:grpSp>
+        <p:sp>
+          <p:nvSpPr>
+            <p:cNvPr id="12" name="TextBox 11"/>
+            <p:cNvSpPr txBox="1"/>
+            <p:nvPr/>
+          </p:nvSpPr>
+          <p:spPr>
+            <a:xfrm>
+              <a:off x="5110174" y="2239428"/>
+              <a:ext cx="1733167" cy="369332"/>
+            </a:xfrm>
+            <a:prstGeom prst="rect">
+              <a:avLst/>
+            </a:prstGeom>
+            <a:noFill/>
+          </p:spPr>
+          <p:txBody>
+            <a:bodyPr wrap="none" rtlCol="0">
+              <a:spAutoFit/>
+            </a:bodyPr>
+            <a:lstStyle/>
+            <a:p>
+              <a:r>
+                <a:rPr lang="ko-KR" altLang="en-US" dirty="0" smtClean="0"/>
+                <a:t>지금 있는 과목</a:t>
+              </a:r>
+              <a:endParaRPr lang="ko-KR" altLang="en-US" dirty="0"/>
+            </a:p>
+          </p:txBody>
+        </p:sp>
+        <p:sp>
+          <p:nvSpPr>
+            <p:cNvPr id="13" name="직사각형 12"/>
+            <p:cNvSpPr/>
+            <p:nvPr/>
+          </p:nvSpPr>
+          <p:spPr>
+            <a:xfrm>
+              <a:off x="5255045" y="2638995"/>
+              <a:ext cx="4329629" cy="1877921"/>
+            </a:xfrm>
+            <a:prstGeom prst="rect">
+              <a:avLst/>
+            </a:prstGeom>
+          </p:spPr>
+          <p:style>
+            <a:lnRef idx="2">
+              <a:schemeClr val="accent1">
+                <a:shade val="50000"/>
+              </a:schemeClr>
+            </a:lnRef>
+            <a:fillRef idx="1">
+              <a:schemeClr val="accent1"/>
+            </a:fillRef>
+            <a:effectRef idx="0">
+              <a:schemeClr val="accent1"/>
+            </a:effectRef>
+            <a:fontRef idx="minor">
+              <a:schemeClr val="lt1"/>
+            </a:fontRef>
+          </p:style>
+          <p:txBody>
+            <a:bodyPr rtlCol="0" anchor="ctr"/>
+            <a:lstStyle/>
+            <a:p>
+              <a:pPr algn="ctr"/>
+              <a:endParaRPr lang="ko-KR" altLang="en-US"/>
+            </a:p>
+          </p:txBody>
+        </p:sp>
+        <p:sp>
+          <p:nvSpPr>
+            <p:cNvPr id="14" name="모서리가 둥근 직사각형 13"/>
+            <p:cNvSpPr/>
+            <p:nvPr/>
+          </p:nvSpPr>
+          <p:spPr>
+            <a:xfrm>
+              <a:off x="5476712" y="2743200"/>
+              <a:ext cx="1259368" cy="517793"/>
+            </a:xfrm>
+            <a:prstGeom prst="roundRect">
+              <a:avLst/>
+            </a:prstGeom>
+          </p:spPr>
+          <p:style>
+            <a:lnRef idx="2">
+              <a:schemeClr val="accent1">
+                <a:shade val="50000"/>
+              </a:schemeClr>
+            </a:lnRef>
+            <a:fillRef idx="1">
+              <a:schemeClr val="accent1"/>
+            </a:fillRef>
+            <a:effectRef idx="0">
+              <a:schemeClr val="accent1"/>
+            </a:effectRef>
+            <a:fontRef idx="minor">
+              <a:schemeClr val="lt1"/>
+            </a:fontRef>
+          </p:style>
+          <p:txBody>
+            <a:bodyPr rtlCol="0" anchor="ctr"/>
+            <a:lstStyle/>
+            <a:p>
+              <a:pPr algn="ctr"/>
+              <a:r>
+                <a:rPr lang="ko-KR" altLang="en-US" smtClean="0"/>
+                <a:t>오픈소스</a:t>
+              </a:r>
+              <a:endParaRPr lang="ko-KR" altLang="en-US" dirty="0"/>
+            </a:p>
+          </p:txBody>
+        </p:sp>
+        <p:sp>
+          <p:nvSpPr>
+            <p:cNvPr id="15" name="모서리가 둥근 직사각형 14"/>
+            <p:cNvSpPr/>
+            <p:nvPr/>
+          </p:nvSpPr>
+          <p:spPr>
+            <a:xfrm>
+              <a:off x="5476712" y="3413393"/>
+              <a:ext cx="1259368" cy="517793"/>
+            </a:xfrm>
+            <a:prstGeom prst="roundRect">
+              <a:avLst/>
+            </a:prstGeom>
+          </p:spPr>
+          <p:style>
+            <a:lnRef idx="2">
+              <a:schemeClr val="accent1">
+                <a:shade val="50000"/>
+              </a:schemeClr>
+            </a:lnRef>
+            <a:fillRef idx="1">
+              <a:schemeClr val="accent1"/>
+            </a:fillRef>
+            <a:effectRef idx="0">
+              <a:schemeClr val="accent1"/>
+            </a:effectRef>
+            <a:fontRef idx="minor">
+              <a:schemeClr val="lt1"/>
+            </a:fontRef>
+          </p:style>
+          <p:txBody>
+            <a:bodyPr rtlCol="0" anchor="ctr"/>
+            <a:lstStyle/>
+            <a:p>
+              <a:pPr algn="ctr"/>
+              <a:r>
+                <a:rPr lang="ko-KR" altLang="en-US" dirty="0" smtClean="0"/>
+                <a:t>자료구</a:t>
+              </a:r>
+              <a:r>
+                <a:rPr lang="ko-KR" altLang="en-US" dirty="0"/>
+                <a:t>조</a:t>
+              </a:r>
+            </a:p>
+          </p:txBody>
+        </p:sp>
+        <p:sp>
+          <p:nvSpPr>
+            <p:cNvPr id="16" name="모서리가 둥근 직사각형 15"/>
+            <p:cNvSpPr/>
+            <p:nvPr/>
+          </p:nvSpPr>
+          <p:spPr>
+            <a:xfrm>
+              <a:off x="6816687" y="2743199"/>
+              <a:ext cx="1259368" cy="517793"/>
+            </a:xfrm>
+            <a:prstGeom prst="roundRect">
+              <a:avLst/>
+            </a:prstGeom>
+          </p:spPr>
+          <p:style>
+            <a:lnRef idx="2">
+              <a:schemeClr val="accent1">
+                <a:shade val="50000"/>
+              </a:schemeClr>
+            </a:lnRef>
+            <a:fillRef idx="1">
+              <a:schemeClr val="accent1"/>
+            </a:fillRef>
+            <a:effectRef idx="0">
+              <a:schemeClr val="accent1"/>
+            </a:effectRef>
+            <a:fontRef idx="minor">
+              <a:schemeClr val="lt1"/>
+            </a:fontRef>
+          </p:style>
+          <p:txBody>
+            <a:bodyPr rtlCol="0" anchor="ctr"/>
+            <a:lstStyle/>
+            <a:p>
+              <a:pPr algn="ctr"/>
+              <a:r>
+                <a:rPr lang="ko-KR" altLang="en-US" dirty="0" smtClean="0"/>
+                <a:t>알고리즘</a:t>
+              </a:r>
+              <a:endParaRPr lang="ko-KR" altLang="en-US" dirty="0"/>
+            </a:p>
+          </p:txBody>
+        </p:sp>
+        <p:sp>
+          <p:nvSpPr>
+            <p:cNvPr id="17" name="모서리가 둥근 직사각형 16"/>
+            <p:cNvSpPr/>
+            <p:nvPr/>
+          </p:nvSpPr>
+          <p:spPr>
+            <a:xfrm>
+              <a:off x="6816687" y="3413393"/>
+              <a:ext cx="1259368" cy="517793"/>
+            </a:xfrm>
+            <a:prstGeom prst="roundRect">
+              <a:avLst/>
+            </a:prstGeom>
+          </p:spPr>
+          <p:style>
+            <a:lnRef idx="2">
+              <a:schemeClr val="accent1">
+                <a:shade val="50000"/>
+              </a:schemeClr>
+            </a:lnRef>
+            <a:fillRef idx="1">
+              <a:schemeClr val="accent1"/>
+            </a:fillRef>
+            <a:effectRef idx="0">
+              <a:schemeClr val="accent1"/>
+            </a:effectRef>
+            <a:fontRef idx="minor">
+              <a:schemeClr val="lt1"/>
+            </a:fontRef>
+          </p:style>
+          <p:txBody>
+            <a:bodyPr rtlCol="0" anchor="ctr"/>
+            <a:lstStyle/>
+            <a:p>
+              <a:pPr algn="ctr"/>
+              <a:r>
+                <a:rPr lang="ko-KR" altLang="en-US" dirty="0" smtClean="0"/>
+                <a:t>영국문화</a:t>
+              </a:r>
+              <a:endParaRPr lang="ko-KR" altLang="en-US" dirty="0"/>
+            </a:p>
+          </p:txBody>
+        </p:sp>
+        <p:sp>
+          <p:nvSpPr>
+            <p:cNvPr id="18" name="모서리가 둥근 직사각형 17"/>
+            <p:cNvSpPr/>
+            <p:nvPr/>
+          </p:nvSpPr>
+          <p:spPr>
+            <a:xfrm>
+              <a:off x="8156662" y="2743200"/>
+              <a:ext cx="1259368" cy="517793"/>
+            </a:xfrm>
+            <a:prstGeom prst="roundRect">
+              <a:avLst/>
+            </a:prstGeom>
+          </p:spPr>
+          <p:style>
+            <a:lnRef idx="2">
+              <a:schemeClr val="accent1">
+                <a:shade val="50000"/>
+              </a:schemeClr>
+            </a:lnRef>
+            <a:fillRef idx="1">
+              <a:schemeClr val="accent1"/>
+            </a:fillRef>
+            <a:effectRef idx="0">
+              <a:schemeClr val="accent1"/>
+            </a:effectRef>
+            <a:fontRef idx="minor">
+              <a:schemeClr val="lt1"/>
+            </a:fontRef>
+          </p:style>
+          <p:txBody>
+            <a:bodyPr rtlCol="0" anchor="ctr"/>
+            <a:lstStyle/>
+            <a:p>
+              <a:pPr algn="ctr"/>
+              <a:r>
+                <a:rPr lang="ko-KR" altLang="en-US" dirty="0" smtClean="0"/>
+                <a:t>역사</a:t>
+              </a:r>
+              <a:endParaRPr lang="ko-KR" altLang="en-US" dirty="0"/>
+            </a:p>
+          </p:txBody>
+        </p:sp>
+        <p:sp>
+          <p:nvSpPr>
+            <p:cNvPr id="19" name="모서리가 둥근 직사각형 18"/>
+            <p:cNvSpPr/>
+            <p:nvPr/>
+          </p:nvSpPr>
+          <p:spPr>
+            <a:xfrm>
+              <a:off x="8873646" y="5827923"/>
+              <a:ext cx="1084767" cy="385590"/>
+            </a:xfrm>
+            <a:prstGeom prst="roundRect">
+              <a:avLst/>
+            </a:prstGeom>
+          </p:spPr>
+          <p:style>
+            <a:lnRef idx="2">
+              <a:schemeClr val="accent1">
+                <a:shade val="50000"/>
+              </a:schemeClr>
+            </a:lnRef>
+            <a:fillRef idx="1">
+              <a:schemeClr val="accent1"/>
+            </a:fillRef>
+            <a:effectRef idx="0">
+              <a:schemeClr val="accent1"/>
+            </a:effectRef>
+            <a:fontRef idx="minor">
+              <a:schemeClr val="lt1"/>
+            </a:fontRef>
+          </p:style>
+          <p:txBody>
+            <a:bodyPr rtlCol="0" anchor="ctr"/>
+            <a:lstStyle/>
+            <a:p>
+              <a:pPr algn="ctr"/>
+              <a:r>
+                <a:rPr lang="ko-KR" altLang="en-US" dirty="0" smtClean="0"/>
+                <a:t>제출</a:t>
+              </a:r>
+              <a:endParaRPr lang="ko-KR" altLang="en-US" dirty="0"/>
+            </a:p>
+          </p:txBody>
+        </p:sp>
+      </p:grpSp>
+    </p:spTree>
+    <p:extLst>
+      <p:ext uri="{BB962C8B-B14F-4D97-AF65-F5344CB8AC3E}">
+        <p14:creationId xmlns:p14="http://schemas.microsoft.com/office/powerpoint/2010/main" val="1239895994"/>
+      </p:ext>
+    </p:extLst>
+  </p:cSld>
+  <p:clrMapOvr>
+    <a:masterClrMapping/>
+  </p:clrMapOvr>
+  <p:timing>
+    <p:tnLst>
+      <p:par>
+        <p:cTn id="1" dur="indefinite" restart="never" nodeType="tmRoot"/>
+      </p:par>
+    </p:tnLst>
+  </p:timing>
+</p:sld>
+</file>
+
+<file path=ppt/slides/slide7.xml><?xml version="1.0" encoding="utf-8"?>
+<p:sld xmlns:a="http://schemas.openxmlformats.org/drawingml/2006/main" xmlns:r="http://schemas.openxmlformats.org/officeDocument/2006/relationships" xmlns:p="http://schemas.openxmlformats.org/presentationml/2006/main">
+  <p:cSld>
+    <p:spTree>
+      <p:nvGrpSpPr>
+        <p:cNvPr id="1" name=""/>
+        <p:cNvGrpSpPr/>
+        <p:nvPr/>
+      </p:nvGrpSpPr>
+      <p:grpSpPr>
+        <a:xfrm>
+          <a:off x="0" y="0"/>
+          <a:ext cx="0" cy="0"/>
+          <a:chOff x="0" y="0"/>
+          <a:chExt cx="0" cy="0"/>
+        </a:xfrm>
+      </p:grpSpPr>
+      <p:sp>
+        <p:nvSpPr>
+          <p:cNvPr id="5" name="TextBox 4"/>
+          <p:cNvSpPr txBox="1"/>
+          <p:nvPr/>
+        </p:nvSpPr>
+        <p:spPr>
+          <a:xfrm>
+            <a:off x="783771" y="953589"/>
             <a:ext cx="1107996" cy="369332"/>
           </a:xfrm>
           <a:prstGeom prst="rect">
@@ -6496,12 +8946,8 @@
               <a:t>목록은 </a:t>
             </a:r>
             <a:r>
-              <a:rPr lang="ko-KR" altLang="en-US" sz="1400" dirty="0" err="1" smtClean="0"/>
-              <a:t>월단위로</a:t>
-            </a:r>
-            <a:r>
               <a:rPr lang="ko-KR" altLang="en-US" sz="1400" dirty="0" smtClean="0"/>
-              <a:t> </a:t>
+              <a:t>월 단위로 </a:t>
             </a:r>
             <a:r>
               <a:rPr lang="ko-KR" altLang="en-US" sz="1400" dirty="0" err="1" smtClean="0"/>
@@ -6570,7 +9016,7 @@
 </p:sld>
 </file>
 
-<file path=ppt/slides/slide7.xml><?xml version="1.0" encoding="utf-8"?>
+<file path=ppt/slides/slide8.xml><?xml version="1.0" encoding="utf-8"?>
 <p:sld xmlns:a="http://schemas.openxmlformats.org/drawingml/2006/main" xmlns:r="http://schemas.openxmlformats.org/officeDocument/2006/relationships" xmlns:p="http://schemas.openxmlformats.org/presentationml/2006/main">
   <p:cSld>
     <p:spTree>
@@ -7225,8 +9671,8 @@
             </p:nvSpPr>
             <p:spPr>
               <a:xfrm>
-                <a:off x="6720290" y="5834743"/>
-                <a:ext cx="1545660" cy="533400"/>
+                <a:off x="6463388" y="5834743"/>
+                <a:ext cx="917126" cy="533400"/>
               </a:xfrm>
               <a:prstGeom prst="roundRect">
                 <a:avLst/>
@@ -7385,53 +9831,16 @@
           </p:txBody>
         </p:sp>
       </p:grpSp>
-    </p:spTree>
-    <p:extLst>
-      <p:ext uri="{BB962C8B-B14F-4D97-AF65-F5344CB8AC3E}">
-        <p14:creationId xmlns:p14="http://schemas.microsoft.com/office/powerpoint/2010/main" val="1866978034"/>
-      </p:ext>
-    </p:extLst>
-  </p:cSld>
-  <p:clrMapOvr>
-    <a:masterClrMapping/>
-  </p:clrMapOvr>
-  <p:timing>
-    <p:tnLst>
-      <p:par>
-        <p:cTn id="1" dur="indefinite" restart="never" nodeType="tmRoot"/>
-      </p:par>
-    </p:tnLst>
-  </p:timing>
-</p:sld>
-</file>
-
-<file path=ppt/slides/slide8.xml><?xml version="1.0" encoding="utf-8"?>
-<p:sld xmlns:a="http://schemas.openxmlformats.org/drawingml/2006/main" xmlns:r="http://schemas.openxmlformats.org/officeDocument/2006/relationships" xmlns:p="http://schemas.openxmlformats.org/presentationml/2006/main">
-  <p:cSld>
-    <p:spTree>
-      <p:nvGrpSpPr>
-        <p:cNvPr id="1" name=""/>
-        <p:cNvGrpSpPr/>
-        <p:nvPr/>
-      </p:nvGrpSpPr>
-      <p:grpSpPr>
-        <a:xfrm>
-          <a:off x="0" y="0"/>
-          <a:ext cx="0" cy="0"/>
-          <a:chOff x="0" y="0"/>
-          <a:chExt cx="0" cy="0"/>
-        </a:xfrm>
-      </p:grpSpPr>
       <p:sp>
         <p:nvSpPr>
-          <p:cNvPr id="5" name="TextBox 4"/>
+          <p:cNvPr id="15" name="TextBox 14"/>
           <p:cNvSpPr txBox="1"/>
           <p:nvPr/>
         </p:nvSpPr>
         <p:spPr>
           <a:xfrm>
-            <a:off x="783771" y="953589"/>
-            <a:ext cx="1107996" cy="369332"/>
+            <a:off x="583893" y="1630680"/>
+            <a:ext cx="2655065" cy="1754326"/>
           </a:xfrm>
           <a:prstGeom prst="rect">
             <a:avLst/>
@@ -7439,590 +9848,92 @@
           <a:noFill/>
         </p:spPr>
         <p:txBody>
-          <a:bodyPr wrap="none" rtlCol="0">
+          <a:bodyPr wrap="square" rtlCol="0">
             <a:spAutoFit/>
           </a:bodyPr>
           <a:lstStyle/>
           <a:p>
             <a:r>
-              <a:rPr kumimoji="1" lang="ko-KR" altLang="en-US" dirty="0" smtClean="0"/>
-              <a:t>수정하기</a:t>
-            </a:r>
-            <a:endParaRPr kumimoji="1" lang="ko-KR" altLang="en-US" dirty="0"/>
+              <a:rPr lang="ko-KR" altLang="en-US" dirty="0" smtClean="0"/>
+              <a:t>화면에 있는 필기 내용을 읽을 수 있습니다</a:t>
+            </a:r>
+            <a:r>
+              <a:rPr lang="en-US" altLang="ko-KR" dirty="0" smtClean="0"/>
+              <a:t>.</a:t>
+            </a:r>
+          </a:p>
+          <a:p>
+            <a:endParaRPr lang="en-US" altLang="ko-KR" dirty="0"/>
+          </a:p>
+          <a:p>
+            <a:r>
+              <a:rPr lang="ko-KR" altLang="en-US" dirty="0" smtClean="0"/>
+              <a:t>읽기모드를 이용하면 순수 </a:t>
+            </a:r>
+            <a:r>
+              <a:rPr lang="en-US" altLang="ko-KR" dirty="0" smtClean="0"/>
+              <a:t>txt</a:t>
+            </a:r>
+            <a:r>
+              <a:rPr lang="ko-KR" altLang="en-US" dirty="0" smtClean="0"/>
+              <a:t>와 큰글씨로 읽을 수 있습니다</a:t>
+            </a:r>
+            <a:r>
+              <a:rPr lang="en-US" altLang="ko-KR" dirty="0" smtClean="0"/>
+              <a:t>.</a:t>
+            </a:r>
+            <a:endParaRPr lang="ko-KR" altLang="en-US" dirty="0"/>
           </a:p>
         </p:txBody>
       </p:sp>
-      <p:grpSp>
-        <p:nvGrpSpPr>
-          <p:cNvPr id="4" name="그룹 3"/>
-          <p:cNvGrpSpPr/>
+      <p:sp>
+        <p:nvSpPr>
+          <p:cNvPr id="26" name="모서리가 둥근 직사각형 25"/>
+          <p:cNvSpPr/>
           <p:nvPr/>
-        </p:nvGrpSpPr>
-        <p:grpSpPr>
+        </p:nvSpPr>
+        <p:spPr>
           <a:xfrm>
-            <a:off x="3317965" y="640081"/>
-            <a:ext cx="8401595" cy="5773782"/>
-            <a:chOff x="3317965" y="640081"/>
-            <a:chExt cx="8401595" cy="5773782"/>
+            <a:off x="7532914" y="5834743"/>
+            <a:ext cx="917126" cy="533400"/>
           </a:xfrm>
-        </p:grpSpPr>
-        <p:sp>
-          <p:nvSpPr>
-            <p:cNvPr id="3" name="직사각형 2"/>
-            <p:cNvSpPr/>
-            <p:nvPr/>
-          </p:nvSpPr>
-          <p:spPr>
-            <a:xfrm>
-              <a:off x="3317965" y="640081"/>
-              <a:ext cx="8401595" cy="5773782"/>
-            </a:xfrm>
-            <a:prstGeom prst="rect">
-              <a:avLst/>
-            </a:prstGeom>
-            <a:noFill/>
-          </p:spPr>
-          <p:style>
-            <a:lnRef idx="2">
-              <a:schemeClr val="accent1">
-                <a:shade val="50000"/>
-              </a:schemeClr>
-            </a:lnRef>
-            <a:fillRef idx="1">
-              <a:schemeClr val="accent1"/>
-            </a:fillRef>
-            <a:effectRef idx="0">
-              <a:schemeClr val="accent1"/>
-            </a:effectRef>
-            <a:fontRef idx="minor">
-              <a:schemeClr val="lt1"/>
-            </a:fontRef>
-          </p:style>
-          <p:txBody>
-            <a:bodyPr rtlCol="0" anchor="ctr"/>
-            <a:lstStyle/>
-            <a:p>
-              <a:pPr algn="ctr"/>
-              <a:endParaRPr kumimoji="1" lang="ko-KR" altLang="en-US"/>
-            </a:p>
-          </p:txBody>
-        </p:sp>
-        <p:sp>
-          <p:nvSpPr>
-            <p:cNvPr id="8" name="직사각형 7"/>
-            <p:cNvSpPr/>
-            <p:nvPr/>
-          </p:nvSpPr>
-          <p:spPr>
-            <a:xfrm>
-              <a:off x="4663440" y="640081"/>
-              <a:ext cx="5745480" cy="5773782"/>
-            </a:xfrm>
-            <a:prstGeom prst="rect">
-              <a:avLst/>
-            </a:prstGeom>
-            <a:noFill/>
-          </p:spPr>
-          <p:style>
-            <a:lnRef idx="2">
-              <a:schemeClr val="accent1">
-                <a:shade val="50000"/>
-              </a:schemeClr>
-            </a:lnRef>
-            <a:fillRef idx="1">
-              <a:schemeClr val="accent1"/>
-            </a:fillRef>
-            <a:effectRef idx="0">
-              <a:schemeClr val="accent1"/>
-            </a:effectRef>
-            <a:fontRef idx="minor">
-              <a:schemeClr val="lt1"/>
-            </a:fontRef>
-          </p:style>
-          <p:txBody>
-            <a:bodyPr rtlCol="0" anchor="ctr"/>
-            <a:lstStyle/>
-            <a:p>
-              <a:pPr algn="ctr"/>
-              <a:endParaRPr kumimoji="1" lang="ko-KR" altLang="en-US"/>
-            </a:p>
-          </p:txBody>
-        </p:sp>
-        <p:sp>
-          <p:nvSpPr>
-            <p:cNvPr id="2" name="모서리가 둥근 직사각형 1"/>
-            <p:cNvSpPr/>
-            <p:nvPr/>
-          </p:nvSpPr>
-          <p:spPr>
-            <a:xfrm>
-              <a:off x="5181600" y="1097280"/>
-              <a:ext cx="2712720" cy="518160"/>
-            </a:xfrm>
-            <a:prstGeom prst="roundRect">
-              <a:avLst/>
-            </a:prstGeom>
-            <a:noFill/>
-          </p:spPr>
-          <p:style>
-            <a:lnRef idx="2">
-              <a:schemeClr val="accent1">
-                <a:shade val="50000"/>
-              </a:schemeClr>
-            </a:lnRef>
-            <a:fillRef idx="1">
-              <a:schemeClr val="accent1"/>
-            </a:fillRef>
-            <a:effectRef idx="0">
-              <a:schemeClr val="accent1"/>
-            </a:effectRef>
-            <a:fontRef idx="minor">
-              <a:schemeClr val="lt1"/>
-            </a:fontRef>
-          </p:style>
-          <p:txBody>
-            <a:bodyPr rtlCol="0" anchor="ctr"/>
-            <a:lstStyle/>
-            <a:p>
-              <a:pPr algn="ctr"/>
-              <a:endParaRPr kumimoji="1" lang="ko-KR" altLang="en-US"/>
-            </a:p>
-          </p:txBody>
-        </p:sp>
-        <p:sp>
-          <p:nvSpPr>
-            <p:cNvPr id="9" name="직사각형 8"/>
-            <p:cNvSpPr/>
-            <p:nvPr/>
-          </p:nvSpPr>
-          <p:spPr>
-            <a:xfrm>
-              <a:off x="5181600" y="2697480"/>
-              <a:ext cx="4587240" cy="3032759"/>
-            </a:xfrm>
-            <a:prstGeom prst="rect">
-              <a:avLst/>
-            </a:prstGeom>
-            <a:noFill/>
-          </p:spPr>
-          <p:style>
-            <a:lnRef idx="2">
-              <a:schemeClr val="accent1">
-                <a:shade val="50000"/>
-              </a:schemeClr>
-            </a:lnRef>
-            <a:fillRef idx="1">
-              <a:schemeClr val="accent1"/>
-            </a:fillRef>
-            <a:effectRef idx="0">
-              <a:schemeClr val="accent1"/>
-            </a:effectRef>
-            <a:fontRef idx="minor">
-              <a:schemeClr val="lt1"/>
-            </a:fontRef>
-          </p:style>
-          <p:txBody>
-            <a:bodyPr rtlCol="0" anchor="ctr"/>
-            <a:lstStyle/>
-            <a:p>
-              <a:pPr algn="ctr"/>
-              <a:endParaRPr kumimoji="1" lang="ko-KR" altLang="en-US"/>
-            </a:p>
-          </p:txBody>
-        </p:sp>
-        <p:sp>
-          <p:nvSpPr>
-            <p:cNvPr id="10" name="모서리가 둥근 직사각형 9"/>
-            <p:cNvSpPr/>
-            <p:nvPr/>
-          </p:nvSpPr>
-          <p:spPr>
-            <a:xfrm>
-              <a:off x="8214360" y="1097280"/>
-              <a:ext cx="1554480" cy="518160"/>
-            </a:xfrm>
-            <a:prstGeom prst="roundRect">
-              <a:avLst/>
-            </a:prstGeom>
-            <a:noFill/>
-          </p:spPr>
-          <p:style>
-            <a:lnRef idx="2">
-              <a:schemeClr val="accent1">
-                <a:shade val="50000"/>
-              </a:schemeClr>
-            </a:lnRef>
-            <a:fillRef idx="1">
-              <a:schemeClr val="accent1"/>
-            </a:fillRef>
-            <a:effectRef idx="0">
-              <a:schemeClr val="accent1"/>
-            </a:effectRef>
-            <a:fontRef idx="minor">
-              <a:schemeClr val="lt1"/>
-            </a:fontRef>
-          </p:style>
-          <p:txBody>
-            <a:bodyPr rtlCol="0" anchor="ctr"/>
-            <a:lstStyle/>
-            <a:p>
-              <a:pPr algn="ctr"/>
-              <a:endParaRPr kumimoji="1" lang="ko-KR" altLang="en-US"/>
-            </a:p>
-          </p:txBody>
-        </p:sp>
-        <p:sp>
-          <p:nvSpPr>
-            <p:cNvPr id="11" name="모서리가 둥근 직사각형 10"/>
-            <p:cNvSpPr/>
-            <p:nvPr/>
-          </p:nvSpPr>
-          <p:spPr>
-            <a:xfrm>
-              <a:off x="9239794" y="1097280"/>
-              <a:ext cx="513805" cy="518160"/>
-            </a:xfrm>
-            <a:prstGeom prst="roundRect">
-              <a:avLst/>
-            </a:prstGeom>
-            <a:noFill/>
-          </p:spPr>
-          <p:style>
-            <a:lnRef idx="2">
-              <a:schemeClr val="accent1">
-                <a:shade val="50000"/>
-              </a:schemeClr>
-            </a:lnRef>
-            <a:fillRef idx="1">
-              <a:schemeClr val="accent1"/>
-            </a:fillRef>
-            <a:effectRef idx="0">
-              <a:schemeClr val="accent1"/>
-            </a:effectRef>
-            <a:fontRef idx="minor">
-              <a:schemeClr val="lt1"/>
-            </a:fontRef>
-          </p:style>
-          <p:txBody>
-            <a:bodyPr rtlCol="0" anchor="ctr"/>
-            <a:lstStyle/>
-            <a:p>
-              <a:pPr algn="ctr"/>
-              <a:endParaRPr kumimoji="1" lang="ko-KR" altLang="en-US"/>
-            </a:p>
-          </p:txBody>
-        </p:sp>
-        <p:sp>
-          <p:nvSpPr>
-            <p:cNvPr id="12" name="TextBox 11"/>
-            <p:cNvSpPr txBox="1"/>
-            <p:nvPr/>
-          </p:nvSpPr>
-          <p:spPr>
-            <a:xfrm>
-              <a:off x="9331426" y="1165162"/>
-              <a:ext cx="330540" cy="369332"/>
-            </a:xfrm>
-            <a:prstGeom prst="rect">
-              <a:avLst/>
-            </a:prstGeom>
-            <a:noFill/>
-          </p:spPr>
-          <p:txBody>
-            <a:bodyPr wrap="none" rtlCol="0">
-              <a:spAutoFit/>
-            </a:bodyPr>
-            <a:lstStyle/>
-            <a:p>
-              <a:r>
-                <a:rPr kumimoji="1" lang="en-US" altLang="ko-KR"/>
-                <a:t>V</a:t>
-              </a:r>
-              <a:endParaRPr kumimoji="1" lang="ko-KR" altLang="en-US" dirty="0"/>
-            </a:p>
-          </p:txBody>
-        </p:sp>
-        <p:sp>
-          <p:nvSpPr>
-            <p:cNvPr id="13" name="TextBox 12"/>
-            <p:cNvSpPr txBox="1"/>
-            <p:nvPr/>
-          </p:nvSpPr>
-          <p:spPr>
-            <a:xfrm>
-              <a:off x="8265950" y="1173868"/>
-              <a:ext cx="1007007" cy="369332"/>
-            </a:xfrm>
-            <a:prstGeom prst="rect">
-              <a:avLst/>
-            </a:prstGeom>
-            <a:noFill/>
-          </p:spPr>
-          <p:txBody>
-            <a:bodyPr wrap="none" rtlCol="0">
-              <a:spAutoFit/>
-            </a:bodyPr>
-            <a:lstStyle/>
-            <a:p>
-              <a:r>
-                <a:rPr kumimoji="1" lang="en-US" altLang="ko-KR" smtClean="0"/>
-                <a:t>17-3-02</a:t>
-              </a:r>
-              <a:endParaRPr kumimoji="1" lang="ko-KR" altLang="en-US" dirty="0"/>
-            </a:p>
-          </p:txBody>
-        </p:sp>
-        <p:sp>
-          <p:nvSpPr>
-            <p:cNvPr id="14" name="모서리가 둥근 직사각형 13"/>
-            <p:cNvSpPr/>
-            <p:nvPr/>
-          </p:nvSpPr>
-          <p:spPr>
-            <a:xfrm>
-              <a:off x="5181600" y="1935480"/>
-              <a:ext cx="4587240" cy="502920"/>
-            </a:xfrm>
-            <a:prstGeom prst="roundRect">
-              <a:avLst/>
-            </a:prstGeom>
-            <a:noFill/>
-          </p:spPr>
-          <p:style>
-            <a:lnRef idx="2">
-              <a:schemeClr val="accent1">
-                <a:shade val="50000"/>
-              </a:schemeClr>
-            </a:lnRef>
-            <a:fillRef idx="1">
-              <a:schemeClr val="accent1"/>
-            </a:fillRef>
-            <a:effectRef idx="0">
-              <a:schemeClr val="accent1"/>
-            </a:effectRef>
-            <a:fontRef idx="minor">
-              <a:schemeClr val="lt1"/>
-            </a:fontRef>
-          </p:style>
-          <p:txBody>
-            <a:bodyPr rtlCol="0" anchor="ctr"/>
-            <a:lstStyle/>
-            <a:p>
-              <a:pPr algn="ctr"/>
-              <a:endParaRPr kumimoji="1" lang="ko-KR" altLang="en-US"/>
-            </a:p>
-          </p:txBody>
-        </p:sp>
-        <p:sp>
-          <p:nvSpPr>
-            <p:cNvPr id="16" name="TextBox 15"/>
-            <p:cNvSpPr txBox="1"/>
-            <p:nvPr/>
-          </p:nvSpPr>
-          <p:spPr>
-            <a:xfrm>
-              <a:off x="5246918" y="2013942"/>
-              <a:ext cx="1189749" cy="369332"/>
-            </a:xfrm>
-            <a:prstGeom prst="rect">
-              <a:avLst/>
-            </a:prstGeom>
-            <a:noFill/>
-          </p:spPr>
-          <p:txBody>
-            <a:bodyPr wrap="none" rtlCol="0">
-              <a:spAutoFit/>
-            </a:bodyPr>
-            <a:lstStyle/>
-            <a:p>
-              <a:r>
-                <a:rPr kumimoji="1" lang="ko-KR" altLang="en-US" dirty="0" smtClean="0"/>
-                <a:t>기존 제목</a:t>
-              </a:r>
-              <a:endParaRPr kumimoji="1" lang="ko-KR" altLang="en-US" dirty="0"/>
-            </a:p>
-          </p:txBody>
-        </p:sp>
-        <p:sp>
-          <p:nvSpPr>
-            <p:cNvPr id="17" name="TextBox 16"/>
-            <p:cNvSpPr txBox="1"/>
-            <p:nvPr/>
-          </p:nvSpPr>
-          <p:spPr>
-            <a:xfrm>
-              <a:off x="5246918" y="2910839"/>
-              <a:ext cx="1189749" cy="369332"/>
-            </a:xfrm>
-            <a:prstGeom prst="rect">
-              <a:avLst/>
-            </a:prstGeom>
-            <a:noFill/>
-          </p:spPr>
-          <p:txBody>
-            <a:bodyPr wrap="none" rtlCol="0">
-              <a:spAutoFit/>
-            </a:bodyPr>
-            <a:lstStyle/>
-            <a:p>
-              <a:r>
-                <a:rPr kumimoji="1" lang="ko-KR" altLang="en-US" dirty="0" smtClean="0"/>
-                <a:t>기존 내용</a:t>
-              </a:r>
-              <a:endParaRPr kumimoji="1" lang="ko-KR" altLang="en-US" dirty="0"/>
-            </a:p>
-          </p:txBody>
-        </p:sp>
-        <p:sp>
-          <p:nvSpPr>
-            <p:cNvPr id="18" name="TextBox 17"/>
-            <p:cNvSpPr txBox="1"/>
-            <p:nvPr/>
-          </p:nvSpPr>
-          <p:spPr>
-            <a:xfrm>
-              <a:off x="5403211" y="1188023"/>
-              <a:ext cx="1107996" cy="369332"/>
-            </a:xfrm>
-            <a:prstGeom prst="rect">
-              <a:avLst/>
-            </a:prstGeom>
-            <a:noFill/>
-          </p:spPr>
-          <p:txBody>
-            <a:bodyPr wrap="none" rtlCol="0">
-              <a:spAutoFit/>
-            </a:bodyPr>
-            <a:lstStyle/>
-            <a:p>
-              <a:r>
-                <a:rPr kumimoji="1" lang="ko-KR" altLang="en-US" smtClean="0"/>
-                <a:t>오픈소스</a:t>
-              </a:r>
-              <a:endParaRPr kumimoji="1" lang="ko-KR" altLang="en-US"/>
-            </a:p>
-          </p:txBody>
-        </p:sp>
-        <p:sp>
-          <p:nvSpPr>
-            <p:cNvPr id="19" name="모서리가 둥근 직사각형 18"/>
-            <p:cNvSpPr/>
-            <p:nvPr/>
-          </p:nvSpPr>
-          <p:spPr>
-            <a:xfrm>
-              <a:off x="7380514" y="1112520"/>
-              <a:ext cx="513805" cy="518160"/>
-            </a:xfrm>
-            <a:prstGeom prst="roundRect">
-              <a:avLst/>
-            </a:prstGeom>
-            <a:noFill/>
-          </p:spPr>
-          <p:style>
-            <a:lnRef idx="2">
-              <a:schemeClr val="accent1">
-                <a:shade val="50000"/>
-              </a:schemeClr>
-            </a:lnRef>
-            <a:fillRef idx="1">
-              <a:schemeClr val="accent1"/>
-            </a:fillRef>
-            <a:effectRef idx="0">
-              <a:schemeClr val="accent1"/>
-            </a:effectRef>
-            <a:fontRef idx="minor">
-              <a:schemeClr val="lt1"/>
-            </a:fontRef>
-          </p:style>
-          <p:txBody>
-            <a:bodyPr rtlCol="0" anchor="ctr"/>
-            <a:lstStyle/>
-            <a:p>
-              <a:pPr algn="ctr"/>
-              <a:endParaRPr kumimoji="1" lang="ko-KR" altLang="en-US"/>
-            </a:p>
-          </p:txBody>
-        </p:sp>
-        <p:sp>
-          <p:nvSpPr>
-            <p:cNvPr id="20" name="TextBox 19"/>
-            <p:cNvSpPr txBox="1"/>
-            <p:nvPr/>
-          </p:nvSpPr>
-          <p:spPr>
-            <a:xfrm>
-              <a:off x="7498080" y="1173480"/>
-              <a:ext cx="330540" cy="369332"/>
-            </a:xfrm>
-            <a:prstGeom prst="rect">
-              <a:avLst/>
-            </a:prstGeom>
-            <a:noFill/>
-          </p:spPr>
-          <p:txBody>
-            <a:bodyPr wrap="none" rtlCol="0">
-              <a:spAutoFit/>
-            </a:bodyPr>
-            <a:lstStyle/>
-            <a:p>
-              <a:r>
-                <a:rPr kumimoji="1" lang="en-US" altLang="ko-KR" smtClean="0"/>
-                <a:t>V</a:t>
-              </a:r>
-              <a:endParaRPr kumimoji="1" lang="ko-KR" altLang="en-US" dirty="0"/>
-            </a:p>
-          </p:txBody>
-        </p:sp>
-        <p:sp>
-          <p:nvSpPr>
-            <p:cNvPr id="21" name="모서리가 둥근 직사각형 20"/>
-            <p:cNvSpPr/>
-            <p:nvPr/>
-          </p:nvSpPr>
-          <p:spPr>
-            <a:xfrm>
-              <a:off x="8214360" y="5943600"/>
-              <a:ext cx="1447606" cy="350520"/>
-            </a:xfrm>
-            <a:prstGeom prst="roundRect">
-              <a:avLst/>
-            </a:prstGeom>
-          </p:spPr>
-          <p:style>
-            <a:lnRef idx="2">
-              <a:schemeClr val="accent1">
-                <a:shade val="50000"/>
-              </a:schemeClr>
-            </a:lnRef>
-            <a:fillRef idx="1">
-              <a:schemeClr val="accent1"/>
-            </a:fillRef>
-            <a:effectRef idx="0">
-              <a:schemeClr val="accent1"/>
-            </a:effectRef>
-            <a:fontRef idx="minor">
-              <a:schemeClr val="lt1"/>
-            </a:fontRef>
-          </p:style>
-          <p:txBody>
-            <a:bodyPr rtlCol="0" anchor="ctr"/>
-            <a:lstStyle/>
-            <a:p>
-              <a:pPr algn="ctr"/>
-              <a:r>
-                <a:rPr kumimoji="1" lang="en-US" altLang="ko-KR" dirty="0" smtClean="0"/>
-                <a:t>Submit</a:t>
-              </a:r>
-              <a:endParaRPr kumimoji="1" lang="ko-KR" altLang="en-US" dirty="0"/>
-            </a:p>
-          </p:txBody>
-        </p:sp>
-      </p:grpSp>
+          <a:prstGeom prst="roundRect">
+            <a:avLst/>
+          </a:prstGeom>
+        </p:spPr>
+        <p:style>
+          <a:lnRef idx="2">
+            <a:schemeClr val="accent1">
+              <a:shade val="50000"/>
+            </a:schemeClr>
+          </a:lnRef>
+          <a:fillRef idx="1">
+            <a:schemeClr val="accent1"/>
+          </a:fillRef>
+          <a:effectRef idx="0">
+            <a:schemeClr val="accent1"/>
+          </a:effectRef>
+          <a:fontRef idx="minor">
+            <a:schemeClr val="lt1"/>
+          </a:fontRef>
+        </p:style>
+        <p:txBody>
+          <a:bodyPr rtlCol="0" anchor="ctr"/>
+          <a:lstStyle/>
+          <a:p>
+            <a:pPr algn="ctr"/>
+            <a:r>
+              <a:rPr kumimoji="1" lang="ko-KR" altLang="en-US" dirty="0" smtClean="0"/>
+              <a:t>읽기모드</a:t>
+            </a:r>
+            <a:endParaRPr kumimoji="1" lang="ko-KR" altLang="en-US" dirty="0"/>
+          </a:p>
+        </p:txBody>
+      </p:sp>
     </p:spTree>
     <p:extLst>
       <p:ext uri="{BB962C8B-B14F-4D97-AF65-F5344CB8AC3E}">
-        <p14:creationId xmlns:p14="http://schemas.microsoft.com/office/powerpoint/2010/main" val="323944424"/>
+        <p14:creationId xmlns:p14="http://schemas.microsoft.com/office/powerpoint/2010/main" val="1866978034"/>
       </p:ext>
     </p:extLst>
   </p:cSld>
@@ -8080,583 +9991,547 @@
           <a:p>
             <a:r>
               <a:rPr kumimoji="1" lang="ko-KR" altLang="en-US" dirty="0" smtClean="0"/>
-              <a:t>필기하기</a:t>
+              <a:t>읽기모드</a:t>
             </a:r>
             <a:endParaRPr kumimoji="1" lang="ko-KR" altLang="en-US" dirty="0"/>
           </a:p>
         </p:txBody>
       </p:sp>
-      <p:grpSp>
-        <p:nvGrpSpPr>
-          <p:cNvPr id="4" name="그룹 3"/>
-          <p:cNvGrpSpPr/>
+      <p:sp>
+        <p:nvSpPr>
+          <p:cNvPr id="3" name="직사각형 2"/>
+          <p:cNvSpPr/>
           <p:nvPr/>
-        </p:nvGrpSpPr>
-        <p:grpSpPr>
+        </p:nvSpPr>
+        <p:spPr>
           <a:xfrm>
             <a:off x="3317965" y="640081"/>
             <a:ext cx="8401595" cy="5773782"/>
-            <a:chOff x="3317965" y="640081"/>
-            <a:chExt cx="8401595" cy="5773782"/>
           </a:xfrm>
-        </p:grpSpPr>
-        <p:sp>
-          <p:nvSpPr>
-            <p:cNvPr id="3" name="직사각형 2"/>
-            <p:cNvSpPr/>
-            <p:nvPr/>
-          </p:nvSpPr>
-          <p:spPr>
-            <a:xfrm>
-              <a:off x="3317965" y="640081"/>
-              <a:ext cx="8401595" cy="5773782"/>
-            </a:xfrm>
-            <a:prstGeom prst="rect">
-              <a:avLst/>
-            </a:prstGeom>
-            <a:noFill/>
-          </p:spPr>
-          <p:style>
-            <a:lnRef idx="2">
-              <a:schemeClr val="accent1">
-                <a:shade val="50000"/>
-              </a:schemeClr>
-            </a:lnRef>
-            <a:fillRef idx="1">
-              <a:schemeClr val="accent1"/>
-            </a:fillRef>
-            <a:effectRef idx="0">
-              <a:schemeClr val="accent1"/>
-            </a:effectRef>
-            <a:fontRef idx="minor">
-              <a:schemeClr val="lt1"/>
-            </a:fontRef>
-          </p:style>
-          <p:txBody>
-            <a:bodyPr rtlCol="0" anchor="ctr"/>
-            <a:lstStyle/>
-            <a:p>
-              <a:pPr algn="ctr"/>
-              <a:endParaRPr kumimoji="1" lang="ko-KR" altLang="en-US"/>
-            </a:p>
-          </p:txBody>
-        </p:sp>
-        <p:sp>
-          <p:nvSpPr>
-            <p:cNvPr id="8" name="직사각형 7"/>
-            <p:cNvSpPr/>
-            <p:nvPr/>
-          </p:nvSpPr>
-          <p:spPr>
-            <a:xfrm>
-              <a:off x="4663440" y="640081"/>
-              <a:ext cx="5745480" cy="5773782"/>
-            </a:xfrm>
-            <a:prstGeom prst="rect">
-              <a:avLst/>
-            </a:prstGeom>
-            <a:noFill/>
-          </p:spPr>
-          <p:style>
-            <a:lnRef idx="2">
-              <a:schemeClr val="accent1">
-                <a:shade val="50000"/>
-              </a:schemeClr>
-            </a:lnRef>
-            <a:fillRef idx="1">
-              <a:schemeClr val="accent1"/>
-            </a:fillRef>
-            <a:effectRef idx="0">
-              <a:schemeClr val="accent1"/>
-            </a:effectRef>
-            <a:fontRef idx="minor">
-              <a:schemeClr val="lt1"/>
-            </a:fontRef>
-          </p:style>
-          <p:txBody>
-            <a:bodyPr rtlCol="0" anchor="ctr"/>
-            <a:lstStyle/>
-            <a:p>
-              <a:pPr algn="ctr"/>
-              <a:endParaRPr kumimoji="1" lang="ko-KR" altLang="en-US"/>
-            </a:p>
-          </p:txBody>
-        </p:sp>
-        <p:sp>
-          <p:nvSpPr>
-            <p:cNvPr id="2" name="모서리가 둥근 직사각형 1"/>
-            <p:cNvSpPr/>
-            <p:nvPr/>
-          </p:nvSpPr>
-          <p:spPr>
-            <a:xfrm>
-              <a:off x="5181600" y="1097280"/>
-              <a:ext cx="2712720" cy="518160"/>
-            </a:xfrm>
-            <a:prstGeom prst="roundRect">
-              <a:avLst/>
-            </a:prstGeom>
-            <a:noFill/>
-          </p:spPr>
-          <p:style>
-            <a:lnRef idx="2">
-              <a:schemeClr val="accent1">
-                <a:shade val="50000"/>
-              </a:schemeClr>
-            </a:lnRef>
-            <a:fillRef idx="1">
-              <a:schemeClr val="accent1"/>
-            </a:fillRef>
-            <a:effectRef idx="0">
-              <a:schemeClr val="accent1"/>
-            </a:effectRef>
-            <a:fontRef idx="minor">
-              <a:schemeClr val="lt1"/>
-            </a:fontRef>
-          </p:style>
-          <p:txBody>
-            <a:bodyPr rtlCol="0" anchor="ctr"/>
-            <a:lstStyle/>
-            <a:p>
-              <a:pPr algn="ctr"/>
-              <a:endParaRPr kumimoji="1" lang="ko-KR" altLang="en-US"/>
-            </a:p>
-          </p:txBody>
-        </p:sp>
-        <p:sp>
-          <p:nvSpPr>
-            <p:cNvPr id="9" name="직사각형 8"/>
-            <p:cNvSpPr/>
-            <p:nvPr/>
-          </p:nvSpPr>
-          <p:spPr>
-            <a:xfrm>
-              <a:off x="5181600" y="2697480"/>
-              <a:ext cx="4587240" cy="3032759"/>
-            </a:xfrm>
-            <a:prstGeom prst="rect">
-              <a:avLst/>
-            </a:prstGeom>
-            <a:noFill/>
-          </p:spPr>
-          <p:style>
-            <a:lnRef idx="2">
-              <a:schemeClr val="accent1">
-                <a:shade val="50000"/>
-              </a:schemeClr>
-            </a:lnRef>
-            <a:fillRef idx="1">
-              <a:schemeClr val="accent1"/>
-            </a:fillRef>
-            <a:effectRef idx="0">
-              <a:schemeClr val="accent1"/>
-            </a:effectRef>
-            <a:fontRef idx="minor">
-              <a:schemeClr val="lt1"/>
-            </a:fontRef>
-          </p:style>
-          <p:txBody>
-            <a:bodyPr rtlCol="0" anchor="ctr"/>
-            <a:lstStyle/>
-            <a:p>
-              <a:pPr algn="ctr"/>
-              <a:endParaRPr kumimoji="1" lang="ko-KR" altLang="en-US"/>
-            </a:p>
-          </p:txBody>
-        </p:sp>
-        <p:sp>
-          <p:nvSpPr>
-            <p:cNvPr id="10" name="모서리가 둥근 직사각형 9"/>
-            <p:cNvSpPr/>
-            <p:nvPr/>
-          </p:nvSpPr>
-          <p:spPr>
-            <a:xfrm>
-              <a:off x="8214360" y="1097280"/>
-              <a:ext cx="1554480" cy="518160"/>
-            </a:xfrm>
-            <a:prstGeom prst="roundRect">
-              <a:avLst/>
-            </a:prstGeom>
-            <a:noFill/>
-          </p:spPr>
-          <p:style>
-            <a:lnRef idx="2">
-              <a:schemeClr val="accent1">
-                <a:shade val="50000"/>
-              </a:schemeClr>
-            </a:lnRef>
-            <a:fillRef idx="1">
-              <a:schemeClr val="accent1"/>
-            </a:fillRef>
-            <a:effectRef idx="0">
-              <a:schemeClr val="accent1"/>
-            </a:effectRef>
-            <a:fontRef idx="minor">
-              <a:schemeClr val="lt1"/>
-            </a:fontRef>
-          </p:style>
-          <p:txBody>
-            <a:bodyPr rtlCol="0" anchor="ctr"/>
-            <a:lstStyle/>
-            <a:p>
-              <a:pPr algn="ctr"/>
-              <a:endParaRPr kumimoji="1" lang="ko-KR" altLang="en-US"/>
-            </a:p>
-          </p:txBody>
-        </p:sp>
-        <p:sp>
-          <p:nvSpPr>
-            <p:cNvPr id="11" name="모서리가 둥근 직사각형 10"/>
-            <p:cNvSpPr/>
-            <p:nvPr/>
-          </p:nvSpPr>
-          <p:spPr>
-            <a:xfrm>
-              <a:off x="9239794" y="1097280"/>
-              <a:ext cx="513805" cy="518160"/>
-            </a:xfrm>
-            <a:prstGeom prst="roundRect">
-              <a:avLst/>
-            </a:prstGeom>
-            <a:noFill/>
-          </p:spPr>
-          <p:style>
-            <a:lnRef idx="2">
-              <a:schemeClr val="accent1">
-                <a:shade val="50000"/>
-              </a:schemeClr>
-            </a:lnRef>
-            <a:fillRef idx="1">
-              <a:schemeClr val="accent1"/>
-            </a:fillRef>
-            <a:effectRef idx="0">
-              <a:schemeClr val="accent1"/>
-            </a:effectRef>
-            <a:fontRef idx="minor">
-              <a:schemeClr val="lt1"/>
-            </a:fontRef>
-          </p:style>
-          <p:txBody>
-            <a:bodyPr rtlCol="0" anchor="ctr"/>
-            <a:lstStyle/>
-            <a:p>
-              <a:pPr algn="ctr"/>
-              <a:endParaRPr kumimoji="1" lang="ko-KR" altLang="en-US"/>
-            </a:p>
-          </p:txBody>
-        </p:sp>
-        <p:sp>
-          <p:nvSpPr>
-            <p:cNvPr id="12" name="TextBox 11"/>
-            <p:cNvSpPr txBox="1"/>
-            <p:nvPr/>
-          </p:nvSpPr>
-          <p:spPr>
-            <a:xfrm>
-              <a:off x="9331426" y="1165162"/>
-              <a:ext cx="330540" cy="369332"/>
-            </a:xfrm>
-            <a:prstGeom prst="rect">
-              <a:avLst/>
-            </a:prstGeom>
-            <a:noFill/>
-          </p:spPr>
-          <p:txBody>
-            <a:bodyPr wrap="none" rtlCol="0">
-              <a:spAutoFit/>
-            </a:bodyPr>
-            <a:lstStyle/>
-            <a:p>
-              <a:r>
-                <a:rPr kumimoji="1" lang="en-US" altLang="ko-KR"/>
-                <a:t>V</a:t>
-              </a:r>
-              <a:endParaRPr kumimoji="1" lang="ko-KR" altLang="en-US" dirty="0"/>
-            </a:p>
-          </p:txBody>
-        </p:sp>
-        <p:sp>
-          <p:nvSpPr>
-            <p:cNvPr id="13" name="TextBox 12"/>
-            <p:cNvSpPr txBox="1"/>
-            <p:nvPr/>
-          </p:nvSpPr>
-          <p:spPr>
-            <a:xfrm>
-              <a:off x="8265950" y="1173868"/>
-              <a:ext cx="1007007" cy="369332"/>
-            </a:xfrm>
-            <a:prstGeom prst="rect">
-              <a:avLst/>
-            </a:prstGeom>
-            <a:noFill/>
-          </p:spPr>
-          <p:txBody>
-            <a:bodyPr wrap="none" rtlCol="0">
-              <a:spAutoFit/>
-            </a:bodyPr>
-            <a:lstStyle/>
-            <a:p>
-              <a:r>
-                <a:rPr kumimoji="1" lang="en-US" altLang="ko-KR" smtClean="0"/>
-                <a:t>17-3-02</a:t>
-              </a:r>
-              <a:endParaRPr kumimoji="1" lang="ko-KR" altLang="en-US" dirty="0"/>
-            </a:p>
-          </p:txBody>
-        </p:sp>
-        <p:sp>
-          <p:nvSpPr>
-            <p:cNvPr id="14" name="모서리가 둥근 직사각형 13"/>
-            <p:cNvSpPr/>
-            <p:nvPr/>
-          </p:nvSpPr>
-          <p:spPr>
-            <a:xfrm>
-              <a:off x="5181600" y="1935480"/>
-              <a:ext cx="4587240" cy="502920"/>
-            </a:xfrm>
-            <a:prstGeom prst="roundRect">
-              <a:avLst/>
-            </a:prstGeom>
-            <a:noFill/>
-          </p:spPr>
-          <p:style>
-            <a:lnRef idx="2">
-              <a:schemeClr val="accent1">
-                <a:shade val="50000"/>
-              </a:schemeClr>
-            </a:lnRef>
-            <a:fillRef idx="1">
-              <a:schemeClr val="accent1"/>
-            </a:fillRef>
-            <a:effectRef idx="0">
-              <a:schemeClr val="accent1"/>
-            </a:effectRef>
-            <a:fontRef idx="minor">
-              <a:schemeClr val="lt1"/>
-            </a:fontRef>
-          </p:style>
-          <p:txBody>
-            <a:bodyPr rtlCol="0" anchor="ctr"/>
-            <a:lstStyle/>
-            <a:p>
-              <a:pPr algn="ctr"/>
-              <a:endParaRPr kumimoji="1" lang="ko-KR" altLang="en-US"/>
-            </a:p>
-          </p:txBody>
-        </p:sp>
-        <p:sp>
-          <p:nvSpPr>
-            <p:cNvPr id="16" name="TextBox 15"/>
-            <p:cNvSpPr txBox="1"/>
-            <p:nvPr/>
-          </p:nvSpPr>
-          <p:spPr>
-            <a:xfrm>
-              <a:off x="5246918" y="2013942"/>
-              <a:ext cx="1420582" cy="369332"/>
-            </a:xfrm>
-            <a:prstGeom prst="rect">
-              <a:avLst/>
-            </a:prstGeom>
-            <a:noFill/>
-          </p:spPr>
-          <p:txBody>
-            <a:bodyPr wrap="none" rtlCol="0">
-              <a:spAutoFit/>
-            </a:bodyPr>
-            <a:lstStyle/>
-            <a:p>
-              <a:r>
-                <a:rPr kumimoji="1" lang="ko-KR" altLang="en-US" smtClean="0"/>
-                <a:t>제목 쓰세용</a:t>
-              </a:r>
-              <a:endParaRPr kumimoji="1" lang="ko-KR" altLang="en-US"/>
-            </a:p>
-          </p:txBody>
-        </p:sp>
-        <p:sp>
-          <p:nvSpPr>
-            <p:cNvPr id="17" name="TextBox 16"/>
-            <p:cNvSpPr txBox="1"/>
-            <p:nvPr/>
-          </p:nvSpPr>
-          <p:spPr>
-            <a:xfrm>
-              <a:off x="5246918" y="2910839"/>
-              <a:ext cx="1420582" cy="369332"/>
-            </a:xfrm>
-            <a:prstGeom prst="rect">
-              <a:avLst/>
-            </a:prstGeom>
-            <a:noFill/>
-          </p:spPr>
-          <p:txBody>
-            <a:bodyPr wrap="none" rtlCol="0">
-              <a:spAutoFit/>
-            </a:bodyPr>
-            <a:lstStyle/>
-            <a:p>
-              <a:r>
-                <a:rPr kumimoji="1" lang="ko-KR" altLang="en-US" smtClean="0"/>
-                <a:t>내용 쓰세용</a:t>
-              </a:r>
-              <a:endParaRPr kumimoji="1" lang="ko-KR" altLang="en-US"/>
-            </a:p>
-          </p:txBody>
-        </p:sp>
-        <p:sp>
-          <p:nvSpPr>
-            <p:cNvPr id="18" name="TextBox 17"/>
-            <p:cNvSpPr txBox="1"/>
-            <p:nvPr/>
-          </p:nvSpPr>
-          <p:spPr>
-            <a:xfrm>
-              <a:off x="5403211" y="1188023"/>
-              <a:ext cx="1107996" cy="369332"/>
-            </a:xfrm>
-            <a:prstGeom prst="rect">
-              <a:avLst/>
-            </a:prstGeom>
-            <a:noFill/>
-          </p:spPr>
-          <p:txBody>
-            <a:bodyPr wrap="none" rtlCol="0">
-              <a:spAutoFit/>
-            </a:bodyPr>
-            <a:lstStyle/>
-            <a:p>
-              <a:r>
-                <a:rPr kumimoji="1" lang="ko-KR" altLang="en-US" smtClean="0"/>
-                <a:t>오픈소스</a:t>
-              </a:r>
-              <a:endParaRPr kumimoji="1" lang="ko-KR" altLang="en-US"/>
-            </a:p>
-          </p:txBody>
-        </p:sp>
-        <p:sp>
-          <p:nvSpPr>
-            <p:cNvPr id="19" name="모서리가 둥근 직사각형 18"/>
-            <p:cNvSpPr/>
-            <p:nvPr/>
-          </p:nvSpPr>
-          <p:spPr>
-            <a:xfrm>
-              <a:off x="7380514" y="1112520"/>
-              <a:ext cx="513805" cy="518160"/>
-            </a:xfrm>
-            <a:prstGeom prst="roundRect">
-              <a:avLst/>
-            </a:prstGeom>
-            <a:noFill/>
-          </p:spPr>
-          <p:style>
-            <a:lnRef idx="2">
-              <a:schemeClr val="accent1">
-                <a:shade val="50000"/>
-              </a:schemeClr>
-            </a:lnRef>
-            <a:fillRef idx="1">
-              <a:schemeClr val="accent1"/>
-            </a:fillRef>
-            <a:effectRef idx="0">
-              <a:schemeClr val="accent1"/>
-            </a:effectRef>
-            <a:fontRef idx="minor">
-              <a:schemeClr val="lt1"/>
-            </a:fontRef>
-          </p:style>
-          <p:txBody>
-            <a:bodyPr rtlCol="0" anchor="ctr"/>
-            <a:lstStyle/>
-            <a:p>
-              <a:pPr algn="ctr"/>
-              <a:endParaRPr kumimoji="1" lang="ko-KR" altLang="en-US"/>
-            </a:p>
-          </p:txBody>
-        </p:sp>
-        <p:sp>
-          <p:nvSpPr>
-            <p:cNvPr id="20" name="TextBox 19"/>
-            <p:cNvSpPr txBox="1"/>
-            <p:nvPr/>
-          </p:nvSpPr>
-          <p:spPr>
-            <a:xfrm>
-              <a:off x="7498080" y="1173480"/>
-              <a:ext cx="330540" cy="369332"/>
-            </a:xfrm>
-            <a:prstGeom prst="rect">
-              <a:avLst/>
-            </a:prstGeom>
-            <a:noFill/>
-          </p:spPr>
-          <p:txBody>
-            <a:bodyPr wrap="none" rtlCol="0">
-              <a:spAutoFit/>
-            </a:bodyPr>
-            <a:lstStyle/>
-            <a:p>
-              <a:r>
-                <a:rPr kumimoji="1" lang="en-US" altLang="ko-KR" smtClean="0"/>
-                <a:t>V</a:t>
-              </a:r>
-              <a:endParaRPr kumimoji="1" lang="ko-KR" altLang="en-US" dirty="0"/>
-            </a:p>
-          </p:txBody>
-        </p:sp>
-        <p:sp>
-          <p:nvSpPr>
-            <p:cNvPr id="21" name="모서리가 둥근 직사각형 20"/>
-            <p:cNvSpPr/>
-            <p:nvPr/>
-          </p:nvSpPr>
-          <p:spPr>
-            <a:xfrm>
-              <a:off x="8214360" y="5943600"/>
-              <a:ext cx="1447606" cy="350520"/>
-            </a:xfrm>
-            <a:prstGeom prst="roundRect">
-              <a:avLst/>
-            </a:prstGeom>
-          </p:spPr>
-          <p:style>
-            <a:lnRef idx="2">
-              <a:schemeClr val="accent1">
-                <a:shade val="50000"/>
-              </a:schemeClr>
-            </a:lnRef>
-            <a:fillRef idx="1">
-              <a:schemeClr val="accent1"/>
-            </a:fillRef>
-            <a:effectRef idx="0">
-              <a:schemeClr val="accent1"/>
-            </a:effectRef>
-            <a:fontRef idx="minor">
-              <a:schemeClr val="lt1"/>
-            </a:fontRef>
-          </p:style>
-          <p:txBody>
-            <a:bodyPr rtlCol="0" anchor="ctr"/>
-            <a:lstStyle/>
-            <a:p>
-              <a:pPr algn="ctr"/>
-              <a:r>
-                <a:rPr kumimoji="1" lang="en-US" altLang="ko-KR" dirty="0" smtClean="0"/>
-                <a:t>Submit</a:t>
-              </a:r>
-              <a:endParaRPr kumimoji="1" lang="ko-KR" altLang="en-US" dirty="0"/>
-            </a:p>
-          </p:txBody>
-        </p:sp>
-      </p:grpSp>
+          <a:prstGeom prst="rect">
+            <a:avLst/>
+          </a:prstGeom>
+          <a:noFill/>
+        </p:spPr>
+        <p:style>
+          <a:lnRef idx="2">
+            <a:schemeClr val="accent1">
+              <a:shade val="50000"/>
+            </a:schemeClr>
+          </a:lnRef>
+          <a:fillRef idx="1">
+            <a:schemeClr val="accent1"/>
+          </a:fillRef>
+          <a:effectRef idx="0">
+            <a:schemeClr val="accent1"/>
+          </a:effectRef>
+          <a:fontRef idx="minor">
+            <a:schemeClr val="lt1"/>
+          </a:fontRef>
+        </p:style>
+        <p:txBody>
+          <a:bodyPr rtlCol="0" anchor="ctr"/>
+          <a:lstStyle/>
+          <a:p>
+            <a:pPr algn="ctr"/>
+            <a:endParaRPr kumimoji="1" lang="ko-KR" altLang="en-US"/>
+          </a:p>
+        </p:txBody>
+      </p:sp>
+      <p:sp>
+        <p:nvSpPr>
+          <p:cNvPr id="8" name="직사각형 7"/>
+          <p:cNvSpPr/>
+          <p:nvPr/>
+        </p:nvSpPr>
+        <p:spPr>
+          <a:xfrm>
+            <a:off x="4663440" y="640081"/>
+            <a:ext cx="5745480" cy="5773782"/>
+          </a:xfrm>
+          <a:prstGeom prst="rect">
+            <a:avLst/>
+          </a:prstGeom>
+          <a:noFill/>
+        </p:spPr>
+        <p:style>
+          <a:lnRef idx="2">
+            <a:schemeClr val="accent1">
+              <a:shade val="50000"/>
+            </a:schemeClr>
+          </a:lnRef>
+          <a:fillRef idx="1">
+            <a:schemeClr val="accent1"/>
+          </a:fillRef>
+          <a:effectRef idx="0">
+            <a:schemeClr val="accent1"/>
+          </a:effectRef>
+          <a:fontRef idx="minor">
+            <a:schemeClr val="lt1"/>
+          </a:fontRef>
+        </p:style>
+        <p:txBody>
+          <a:bodyPr rtlCol="0" anchor="ctr"/>
+          <a:lstStyle/>
+          <a:p>
+            <a:pPr algn="ctr"/>
+            <a:endParaRPr kumimoji="1" lang="ko-KR" altLang="en-US"/>
+          </a:p>
+        </p:txBody>
+      </p:sp>
+      <p:sp>
+        <p:nvSpPr>
+          <p:cNvPr id="2" name="모서리가 둥근 직사각형 1"/>
+          <p:cNvSpPr/>
+          <p:nvPr/>
+        </p:nvSpPr>
+        <p:spPr>
+          <a:xfrm>
+            <a:off x="4785360" y="785481"/>
+            <a:ext cx="2712720" cy="518160"/>
+          </a:xfrm>
+          <a:prstGeom prst="roundRect">
+            <a:avLst/>
+          </a:prstGeom>
+          <a:noFill/>
+        </p:spPr>
+        <p:style>
+          <a:lnRef idx="2">
+            <a:schemeClr val="accent1">
+              <a:shade val="50000"/>
+            </a:schemeClr>
+          </a:lnRef>
+          <a:fillRef idx="1">
+            <a:schemeClr val="accent1"/>
+          </a:fillRef>
+          <a:effectRef idx="0">
+            <a:schemeClr val="accent1"/>
+          </a:effectRef>
+          <a:fontRef idx="minor">
+            <a:schemeClr val="lt1"/>
+          </a:fontRef>
+        </p:style>
+        <p:txBody>
+          <a:bodyPr rtlCol="0" anchor="ctr"/>
+          <a:lstStyle/>
+          <a:p>
+            <a:pPr algn="ctr"/>
+            <a:endParaRPr kumimoji="1" lang="ko-KR" altLang="en-US"/>
+          </a:p>
+        </p:txBody>
+      </p:sp>
+      <p:sp>
+        <p:nvSpPr>
+          <p:cNvPr id="9" name="직사각형 8"/>
+          <p:cNvSpPr/>
+          <p:nvPr/>
+        </p:nvSpPr>
+        <p:spPr>
+          <a:xfrm>
+            <a:off x="4785360" y="1542361"/>
+            <a:ext cx="5488576" cy="4770303"/>
+          </a:xfrm>
+          <a:prstGeom prst="rect">
+            <a:avLst/>
+          </a:prstGeom>
+          <a:noFill/>
+        </p:spPr>
+        <p:style>
+          <a:lnRef idx="2">
+            <a:schemeClr val="accent1">
+              <a:shade val="50000"/>
+            </a:schemeClr>
+          </a:lnRef>
+          <a:fillRef idx="1">
+            <a:schemeClr val="accent1"/>
+          </a:fillRef>
+          <a:effectRef idx="0">
+            <a:schemeClr val="accent1"/>
+          </a:effectRef>
+          <a:fontRef idx="minor">
+            <a:schemeClr val="lt1"/>
+          </a:fontRef>
+        </p:style>
+        <p:txBody>
+          <a:bodyPr rtlCol="0" anchor="ctr"/>
+          <a:lstStyle/>
+          <a:p>
+            <a:pPr algn="ctr"/>
+            <a:endParaRPr kumimoji="1" lang="ko-KR" altLang="en-US"/>
+          </a:p>
+        </p:txBody>
+      </p:sp>
+      <p:sp>
+        <p:nvSpPr>
+          <p:cNvPr id="10" name="모서리가 둥근 직사각형 9"/>
+          <p:cNvSpPr/>
+          <p:nvPr/>
+        </p:nvSpPr>
+        <p:spPr>
+          <a:xfrm>
+            <a:off x="8719456" y="745390"/>
+            <a:ext cx="1554480" cy="518160"/>
+          </a:xfrm>
+          <a:prstGeom prst="roundRect">
+            <a:avLst/>
+          </a:prstGeom>
+          <a:noFill/>
+        </p:spPr>
+        <p:style>
+          <a:lnRef idx="2">
+            <a:schemeClr val="accent1">
+              <a:shade val="50000"/>
+            </a:schemeClr>
+          </a:lnRef>
+          <a:fillRef idx="1">
+            <a:schemeClr val="accent1"/>
+          </a:fillRef>
+          <a:effectRef idx="0">
+            <a:schemeClr val="accent1"/>
+          </a:effectRef>
+          <a:fontRef idx="minor">
+            <a:schemeClr val="lt1"/>
+          </a:fontRef>
+        </p:style>
+        <p:txBody>
+          <a:bodyPr rtlCol="0" anchor="ctr"/>
+          <a:lstStyle/>
+          <a:p>
+            <a:pPr algn="ctr"/>
+            <a:endParaRPr kumimoji="1" lang="ko-KR" altLang="en-US"/>
+          </a:p>
+        </p:txBody>
+      </p:sp>
+      <p:sp>
+        <p:nvSpPr>
+          <p:cNvPr id="11" name="모서리가 둥근 직사각형 10"/>
+          <p:cNvSpPr/>
+          <p:nvPr/>
+        </p:nvSpPr>
+        <p:spPr>
+          <a:xfrm>
+            <a:off x="9744890" y="745390"/>
+            <a:ext cx="513805" cy="518160"/>
+          </a:xfrm>
+          <a:prstGeom prst="roundRect">
+            <a:avLst/>
+          </a:prstGeom>
+          <a:noFill/>
+        </p:spPr>
+        <p:style>
+          <a:lnRef idx="2">
+            <a:schemeClr val="accent1">
+              <a:shade val="50000"/>
+            </a:schemeClr>
+          </a:lnRef>
+          <a:fillRef idx="1">
+            <a:schemeClr val="accent1"/>
+          </a:fillRef>
+          <a:effectRef idx="0">
+            <a:schemeClr val="accent1"/>
+          </a:effectRef>
+          <a:fontRef idx="minor">
+            <a:schemeClr val="lt1"/>
+          </a:fontRef>
+        </p:style>
+        <p:txBody>
+          <a:bodyPr rtlCol="0" anchor="ctr"/>
+          <a:lstStyle/>
+          <a:p>
+            <a:pPr algn="ctr"/>
+            <a:endParaRPr kumimoji="1" lang="ko-KR" altLang="en-US"/>
+          </a:p>
+        </p:txBody>
+      </p:sp>
+      <p:sp>
+        <p:nvSpPr>
+          <p:cNvPr id="12" name="TextBox 11"/>
+          <p:cNvSpPr txBox="1"/>
+          <p:nvPr/>
+        </p:nvSpPr>
+        <p:spPr>
+          <a:xfrm>
+            <a:off x="9836522" y="813272"/>
+            <a:ext cx="330540" cy="369332"/>
+          </a:xfrm>
+          <a:prstGeom prst="rect">
+            <a:avLst/>
+          </a:prstGeom>
+          <a:noFill/>
+        </p:spPr>
+        <p:txBody>
+          <a:bodyPr wrap="none" rtlCol="0">
+            <a:spAutoFit/>
+          </a:bodyPr>
+          <a:lstStyle/>
+          <a:p>
+            <a:r>
+              <a:rPr kumimoji="1" lang="en-US" altLang="ko-KR"/>
+              <a:t>V</a:t>
+            </a:r>
+            <a:endParaRPr kumimoji="1" lang="ko-KR" altLang="en-US" dirty="0"/>
+          </a:p>
+        </p:txBody>
+      </p:sp>
+      <p:sp>
+        <p:nvSpPr>
+          <p:cNvPr id="13" name="TextBox 12"/>
+          <p:cNvSpPr txBox="1"/>
+          <p:nvPr/>
+        </p:nvSpPr>
+        <p:spPr>
+          <a:xfrm>
+            <a:off x="8771046" y="821978"/>
+            <a:ext cx="1007007" cy="369332"/>
+          </a:xfrm>
+          <a:prstGeom prst="rect">
+            <a:avLst/>
+          </a:prstGeom>
+          <a:noFill/>
+        </p:spPr>
+        <p:txBody>
+          <a:bodyPr wrap="none" rtlCol="0">
+            <a:spAutoFit/>
+          </a:bodyPr>
+          <a:lstStyle/>
+          <a:p>
+            <a:r>
+              <a:rPr kumimoji="1" lang="en-US" altLang="ko-KR" smtClean="0"/>
+              <a:t>17-3-02</a:t>
+            </a:r>
+            <a:endParaRPr kumimoji="1" lang="ko-KR" altLang="en-US" dirty="0"/>
+          </a:p>
+        </p:txBody>
+      </p:sp>
+      <p:sp>
+        <p:nvSpPr>
+          <p:cNvPr id="17" name="TextBox 16"/>
+          <p:cNvSpPr txBox="1"/>
+          <p:nvPr/>
+        </p:nvSpPr>
+        <p:spPr>
+          <a:xfrm>
+            <a:off x="5246918" y="2910839"/>
+            <a:ext cx="1156086" cy="1200329"/>
+          </a:xfrm>
+          <a:prstGeom prst="rect">
+            <a:avLst/>
+          </a:prstGeom>
+          <a:noFill/>
+        </p:spPr>
+        <p:txBody>
+          <a:bodyPr wrap="none" rtlCol="0">
+            <a:spAutoFit/>
+          </a:bodyPr>
+          <a:lstStyle/>
+          <a:p>
+            <a:r>
+              <a:rPr kumimoji="1" lang="en-US" altLang="ko-KR" dirty="0" smtClean="0"/>
+              <a:t>~~~~~~</a:t>
+            </a:r>
+          </a:p>
+          <a:p>
+            <a:endParaRPr kumimoji="1" lang="en-US" altLang="ko-KR" dirty="0"/>
+          </a:p>
+          <a:p>
+            <a:r>
+              <a:rPr kumimoji="1" lang="ko-KR" altLang="en-US" dirty="0" smtClean="0"/>
+              <a:t>필기내용</a:t>
+            </a:r>
+            <a:endParaRPr kumimoji="1" lang="en-US" altLang="ko-KR" dirty="0" smtClean="0"/>
+          </a:p>
+          <a:p>
+            <a:r>
+              <a:rPr kumimoji="1" lang="en-US" altLang="ko-KR" dirty="0" smtClean="0"/>
+              <a:t>~~~~~`</a:t>
+            </a:r>
+            <a:endParaRPr kumimoji="1" lang="ko-KR" altLang="en-US" dirty="0"/>
+          </a:p>
+        </p:txBody>
+      </p:sp>
+      <p:sp>
+        <p:nvSpPr>
+          <p:cNvPr id="18" name="TextBox 17"/>
+          <p:cNvSpPr txBox="1"/>
+          <p:nvPr/>
+        </p:nvSpPr>
+        <p:spPr>
+          <a:xfrm>
+            <a:off x="5006971" y="876224"/>
+            <a:ext cx="1107996" cy="369332"/>
+          </a:xfrm>
+          <a:prstGeom prst="rect">
+            <a:avLst/>
+          </a:prstGeom>
+          <a:noFill/>
+        </p:spPr>
+        <p:txBody>
+          <a:bodyPr wrap="none" rtlCol="0">
+            <a:spAutoFit/>
+          </a:bodyPr>
+          <a:lstStyle/>
+          <a:p>
+            <a:r>
+              <a:rPr kumimoji="1" lang="ko-KR" altLang="en-US" smtClean="0"/>
+              <a:t>오픈소스</a:t>
+            </a:r>
+            <a:endParaRPr kumimoji="1" lang="ko-KR" altLang="en-US"/>
+          </a:p>
+        </p:txBody>
+      </p:sp>
+      <p:sp>
+        <p:nvSpPr>
+          <p:cNvPr id="19" name="모서리가 둥근 직사각형 18"/>
+          <p:cNvSpPr/>
+          <p:nvPr/>
+        </p:nvSpPr>
+        <p:spPr>
+          <a:xfrm>
+            <a:off x="6984274" y="800721"/>
+            <a:ext cx="513805" cy="518160"/>
+          </a:xfrm>
+          <a:prstGeom prst="roundRect">
+            <a:avLst/>
+          </a:prstGeom>
+          <a:noFill/>
+        </p:spPr>
+        <p:style>
+          <a:lnRef idx="2">
+            <a:schemeClr val="accent1">
+              <a:shade val="50000"/>
+            </a:schemeClr>
+          </a:lnRef>
+          <a:fillRef idx="1">
+            <a:schemeClr val="accent1"/>
+          </a:fillRef>
+          <a:effectRef idx="0">
+            <a:schemeClr val="accent1"/>
+          </a:effectRef>
+          <a:fontRef idx="minor">
+            <a:schemeClr val="lt1"/>
+          </a:fontRef>
+        </p:style>
+        <p:txBody>
+          <a:bodyPr rtlCol="0" anchor="ctr"/>
+          <a:lstStyle/>
+          <a:p>
+            <a:pPr algn="ctr"/>
+            <a:endParaRPr kumimoji="1" lang="ko-KR" altLang="en-US"/>
+          </a:p>
+        </p:txBody>
+      </p:sp>
+      <p:sp>
+        <p:nvSpPr>
+          <p:cNvPr id="20" name="TextBox 19"/>
+          <p:cNvSpPr txBox="1"/>
+          <p:nvPr/>
+        </p:nvSpPr>
+        <p:spPr>
+          <a:xfrm>
+            <a:off x="7101840" y="861681"/>
+            <a:ext cx="330540" cy="369332"/>
+          </a:xfrm>
+          <a:prstGeom prst="rect">
+            <a:avLst/>
+          </a:prstGeom>
+          <a:noFill/>
+        </p:spPr>
+        <p:txBody>
+          <a:bodyPr wrap="none" rtlCol="0">
+            <a:spAutoFit/>
+          </a:bodyPr>
+          <a:lstStyle/>
+          <a:p>
+            <a:r>
+              <a:rPr kumimoji="1" lang="en-US" altLang="ko-KR" smtClean="0"/>
+              <a:t>V</a:t>
+            </a:r>
+            <a:endParaRPr kumimoji="1" lang="ko-KR" altLang="en-US" dirty="0"/>
+          </a:p>
+        </p:txBody>
+      </p:sp>
+      <p:sp>
+        <p:nvSpPr>
+          <p:cNvPr id="15" name="TextBox 14"/>
+          <p:cNvSpPr txBox="1"/>
+          <p:nvPr/>
+        </p:nvSpPr>
+        <p:spPr>
+          <a:xfrm>
+            <a:off x="583893" y="1630680"/>
+            <a:ext cx="2655065" cy="646331"/>
+          </a:xfrm>
+          <a:prstGeom prst="rect">
+            <a:avLst/>
+          </a:prstGeom>
+          <a:noFill/>
+        </p:spPr>
+        <p:txBody>
+          <a:bodyPr wrap="square" rtlCol="0">
+            <a:spAutoFit/>
+          </a:bodyPr>
+          <a:lstStyle/>
+          <a:p>
+            <a:r>
+              <a:rPr lang="ko-KR" altLang="en-US" dirty="0" smtClean="0"/>
+              <a:t>필기 내용을 크게 읽을 수 있습니다</a:t>
+            </a:r>
+            <a:r>
+              <a:rPr lang="en-US" altLang="ko-KR" dirty="0" smtClean="0"/>
+              <a:t>.</a:t>
+            </a:r>
+            <a:endParaRPr lang="ko-KR" altLang="en-US" dirty="0"/>
+          </a:p>
+        </p:txBody>
+      </p:sp>
+      <p:sp>
+        <p:nvSpPr>
+          <p:cNvPr id="26" name="모서리가 둥근 직사각형 25"/>
+          <p:cNvSpPr/>
+          <p:nvPr/>
+        </p:nvSpPr>
+        <p:spPr>
+          <a:xfrm>
+            <a:off x="7654100" y="789521"/>
+            <a:ext cx="917126" cy="533400"/>
+          </a:xfrm>
+          <a:prstGeom prst="roundRect">
+            <a:avLst/>
+          </a:prstGeom>
+        </p:spPr>
+        <p:style>
+          <a:lnRef idx="2">
+            <a:schemeClr val="accent1">
+              <a:shade val="50000"/>
+            </a:schemeClr>
+          </a:lnRef>
+          <a:fillRef idx="1">
+            <a:schemeClr val="accent1"/>
+          </a:fillRef>
+          <a:effectRef idx="0">
+            <a:schemeClr val="accent1"/>
+          </a:effectRef>
+          <a:fontRef idx="minor">
+            <a:schemeClr val="lt1"/>
+          </a:fontRef>
+        </p:style>
+        <p:txBody>
+          <a:bodyPr rtlCol="0" anchor="ctr"/>
+          <a:lstStyle/>
+          <a:p>
+            <a:pPr algn="ctr"/>
+            <a:r>
+              <a:rPr kumimoji="1" lang="ko-KR" altLang="en-US" dirty="0" smtClean="0"/>
+              <a:t>돌아가기</a:t>
+            </a:r>
+            <a:endParaRPr kumimoji="1" lang="ko-KR" altLang="en-US" dirty="0"/>
+          </a:p>
+        </p:txBody>
+      </p:sp>
     </p:spTree>
     <p:extLst>
       <p:ext uri="{BB962C8B-B14F-4D97-AF65-F5344CB8AC3E}">
-        <p14:creationId xmlns:p14="http://schemas.microsoft.com/office/powerpoint/2010/main" val="1258369074"/>
+        <p14:creationId xmlns:p14="http://schemas.microsoft.com/office/powerpoint/2010/main" val="1174573143"/>
       </p:ext>
     </p:extLst>
   </p:cSld>
@@ -8928,7 +10803,7 @@
   <a:extraClrSchemeLst/>
   <a:extLst>
     <a:ext uri="{05A4C25C-085E-4340-85A3-A5531E510DB2}">
-      <thm15:themeFamily xmlns:thm15="http://schemas.microsoft.com/office/thememl/2012/main" xmlns="" name="Office Theme" id="{62F939B6-93AF-4DB8-9C6B-D6C7DFDC589F}" vid="{4A3C46E8-61CC-4603-A589-7422A47A8E4A}"/>
+      <thm15:themeFamily xmlns="" xmlns:thm15="http://schemas.microsoft.com/office/thememl/2012/main" name="Office Theme" id="{62F939B6-93AF-4DB8-9C6B-D6C7DFDC589F}" vid="{4A3C46E8-61CC-4603-A589-7422A47A8E4A}"/>
     </a:ext>
   </a:extLst>
 </a:theme>
